--- a/Course 1.pptx
+++ b/Course 1.pptx
@@ -5,7 +5,7 @@
     <p:sldMasterId id="2147483881" r:id="rId1"/>
   </p:sldMasterIdLst>
   <p:notesMasterIdLst>
-    <p:notesMasterId r:id="rId31"/>
+    <p:notesMasterId r:id="rId32"/>
   </p:notesMasterIdLst>
   <p:sldIdLst>
     <p:sldId id="256" r:id="rId2"/>
@@ -26,17 +26,18 @@
     <p:sldId id="285" r:id="rId17"/>
     <p:sldId id="278" r:id="rId18"/>
     <p:sldId id="279" r:id="rId19"/>
-    <p:sldId id="280" r:id="rId20"/>
-    <p:sldId id="261" r:id="rId21"/>
-    <p:sldId id="263" r:id="rId22"/>
-    <p:sldId id="276" r:id="rId23"/>
-    <p:sldId id="264" r:id="rId24"/>
-    <p:sldId id="282" r:id="rId25"/>
-    <p:sldId id="265" r:id="rId26"/>
-    <p:sldId id="266" r:id="rId27"/>
-    <p:sldId id="289" r:id="rId28"/>
-    <p:sldId id="287" r:id="rId29"/>
-    <p:sldId id="284" r:id="rId30"/>
+    <p:sldId id="291" r:id="rId20"/>
+    <p:sldId id="280" r:id="rId21"/>
+    <p:sldId id="261" r:id="rId22"/>
+    <p:sldId id="263" r:id="rId23"/>
+    <p:sldId id="276" r:id="rId24"/>
+    <p:sldId id="264" r:id="rId25"/>
+    <p:sldId id="282" r:id="rId26"/>
+    <p:sldId id="265" r:id="rId27"/>
+    <p:sldId id="266" r:id="rId28"/>
+    <p:sldId id="289" r:id="rId29"/>
+    <p:sldId id="287" r:id="rId30"/>
+    <p:sldId id="284" r:id="rId31"/>
   </p:sldIdLst>
   <p:sldSz cx="12192000" cy="6858000"/>
   <p:notesSz cx="6858000" cy="9144000"/>
@@ -225,7 +226,7 @@
           <a:p>
             <a:fld id="{CFC4894B-788D-4FC6-BE67-98174E613C54}" type="datetimeFigureOut">
               <a:rPr lang="en-US" smtClean="0"/>
-              <a:t>1/15/2015</a:t>
+              <a:t>1/16/2015</a:t>
             </a:fld>
             <a:endParaRPr lang="en-US"/>
           </a:p>
@@ -2947,7 +2948,7 @@
           <a:p>
             <a:r>
               <a:rPr lang="en-US" dirty="0" err="1" smtClean="0"/>
-              <a:t>Orice</a:t>
+              <a:t>Git</a:t>
             </a:r>
             <a:r>
               <a:rPr lang="en-US" baseline="0" dirty="0" smtClean="0"/>
@@ -2955,7 +2956,15 @@
             </a:r>
             <a:r>
               <a:rPr lang="en-US" baseline="0" dirty="0" err="1" smtClean="0"/>
-              <a:t>actiune</a:t>
+              <a:t>calculeaza</a:t>
+            </a:r>
+            <a:r>
+              <a:rPr lang="en-US" baseline="0" dirty="0" smtClean="0"/>
+              <a:t> un checksum </a:t>
+            </a:r>
+            <a:r>
+              <a:rPr lang="en-US" baseline="0" dirty="0" err="1" smtClean="0"/>
+              <a:t>pentru</a:t>
             </a:r>
             <a:r>
               <a:rPr lang="en-US" baseline="0" dirty="0" smtClean="0"/>
@@ -2963,7 +2972,7 @@
             </a:r>
             <a:r>
               <a:rPr lang="en-US" baseline="0" dirty="0" err="1" smtClean="0"/>
-              <a:t>este</a:t>
+              <a:t>fiecare</a:t>
             </a:r>
             <a:r>
               <a:rPr lang="en-US" baseline="0" dirty="0" smtClean="0"/>
@@ -2971,7 +2980,15 @@
             </a:r>
             <a:r>
               <a:rPr lang="en-US" baseline="0" dirty="0" err="1" smtClean="0"/>
-              <a:t>salvata</a:t>
+              <a:t>fisier</a:t>
+            </a:r>
+            <a:r>
+              <a:rPr lang="en-US" baseline="0" dirty="0" smtClean="0"/>
+              <a:t>, </a:t>
+            </a:r>
+            <a:r>
+              <a:rPr lang="en-US" baseline="0" dirty="0" err="1" smtClean="0"/>
+              <a:t>iar</a:t>
             </a:r>
             <a:r>
               <a:rPr lang="en-US" baseline="0" dirty="0" smtClean="0"/>
@@ -2979,23 +2996,7 @@
             </a:r>
             <a:r>
               <a:rPr lang="en-US" baseline="0" dirty="0" err="1" smtClean="0"/>
-              <a:t>intr</a:t>
-            </a:r>
-            <a:r>
-              <a:rPr lang="en-US" baseline="0" dirty="0" smtClean="0"/>
-              <a:t>-o </a:t>
-            </a:r>
-            <a:r>
-              <a:rPr lang="en-US" baseline="0" dirty="0" err="1" smtClean="0"/>
-              <a:t>baza</a:t>
-            </a:r>
-            <a:r>
-              <a:rPr lang="en-US" baseline="0" dirty="0" smtClean="0"/>
-              <a:t> de date, </a:t>
-            </a:r>
-            <a:r>
-              <a:rPr lang="en-US" baseline="0" dirty="0" err="1" smtClean="0"/>
-              <a:t>deci</a:t>
+              <a:t>apoi</a:t>
             </a:r>
             <a:r>
               <a:rPr lang="en-US" baseline="0" dirty="0" smtClean="0"/>
@@ -3003,7 +3004,7 @@
             </a:r>
             <a:r>
               <a:rPr lang="en-US" baseline="0" dirty="0" err="1" smtClean="0"/>
-              <a:t>este</a:t>
+              <a:t>foloseste</a:t>
             </a:r>
             <a:r>
               <a:rPr lang="en-US" baseline="0" dirty="0" smtClean="0"/>
@@ -3011,7 +3012,15 @@
             </a:r>
             <a:r>
               <a:rPr lang="en-US" baseline="0" dirty="0" err="1" smtClean="0"/>
-              <a:t>foarte</a:t>
+              <a:t>acel</a:t>
+            </a:r>
+            <a:r>
+              <a:rPr lang="en-US" baseline="0" dirty="0" smtClean="0"/>
+              <a:t> checksum </a:t>
+            </a:r>
+            <a:r>
+              <a:rPr lang="en-US" baseline="0" dirty="0" err="1" smtClean="0"/>
+              <a:t>pentru</a:t>
             </a:r>
             <a:r>
               <a:rPr lang="en-US" baseline="0" dirty="0" smtClean="0"/>
@@ -3019,7 +3028,7 @@
             </a:r>
             <a:r>
               <a:rPr lang="en-US" baseline="0" dirty="0" err="1" smtClean="0"/>
-              <a:t>greu</a:t>
+              <a:t>doua</a:t>
             </a:r>
             <a:r>
               <a:rPr lang="en-US" baseline="0" dirty="0" smtClean="0"/>
@@ -3027,7 +3036,28 @@
             </a:r>
             <a:r>
               <a:rPr lang="en-US" baseline="0" dirty="0" err="1" smtClean="0"/>
-              <a:t>sa</a:t>
+              <a:t>lucruri</a:t>
+            </a:r>
+            <a:r>
+              <a:rPr lang="en-US" baseline="0" dirty="0" smtClean="0"/>
+              <a:t>:</a:t>
+            </a:r>
+          </a:p>
+          <a:p>
+            <a:pPr marL="228600" indent="-228600">
+              <a:buAutoNum type="arabicPeriod"/>
+            </a:pPr>
+            <a:r>
+              <a:rPr lang="en-US" baseline="0" dirty="0" err="1" smtClean="0"/>
+              <a:t>Pentru</a:t>
+            </a:r>
+            <a:r>
+              <a:rPr lang="en-US" baseline="0" dirty="0" smtClean="0"/>
+              <a:t> a </a:t>
+            </a:r>
+            <a:r>
+              <a:rPr lang="en-US" baseline="0" dirty="0" err="1" smtClean="0"/>
+              <a:t>identifica</a:t>
             </a:r>
             <a:r>
               <a:rPr lang="en-US" baseline="0" dirty="0" smtClean="0"/>
@@ -3035,7 +3065,25 @@
             </a:r>
             <a:r>
               <a:rPr lang="en-US" baseline="0" dirty="0" err="1" smtClean="0"/>
-              <a:t>pierzi</a:t>
+              <a:t>fisierul</a:t>
+            </a:r>
+            <a:endParaRPr lang="en-US" baseline="0" dirty="0" smtClean="0"/>
+          </a:p>
+          <a:p>
+            <a:pPr marL="228600" indent="-228600">
+              <a:buAutoNum type="arabicPeriod"/>
+            </a:pPr>
+            <a:r>
+              <a:rPr lang="en-US" baseline="0" dirty="0" err="1" smtClean="0"/>
+              <a:t>Pentru</a:t>
+            </a:r>
+            <a:r>
+              <a:rPr lang="en-US" baseline="0" dirty="0" smtClean="0"/>
+              <a:t> a </a:t>
+            </a:r>
+            <a:r>
+              <a:rPr lang="en-US" baseline="0" dirty="0" err="1" smtClean="0"/>
+              <a:t>detecta</a:t>
             </a:r>
             <a:r>
               <a:rPr lang="en-US" baseline="0" dirty="0" smtClean="0"/>
@@ -3043,7 +3091,7 @@
             </a:r>
             <a:r>
               <a:rPr lang="en-US" baseline="0" dirty="0" err="1" smtClean="0"/>
-              <a:t>fisiere</a:t>
+              <a:t>schimbari</a:t>
             </a:r>
             <a:r>
               <a:rPr lang="en-US" baseline="0" dirty="0" smtClean="0"/>
@@ -3051,7 +3099,7 @@
             </a:r>
             <a:r>
               <a:rPr lang="en-US" baseline="0" dirty="0" err="1" smtClean="0"/>
-              <a:t>sau</a:t>
+              <a:t>asupra</a:t>
             </a:r>
             <a:r>
               <a:rPr lang="en-US" baseline="0" dirty="0" smtClean="0"/>
@@ -3059,23 +3107,31 @@
             </a:r>
             <a:r>
               <a:rPr lang="en-US" baseline="0" dirty="0" err="1" smtClean="0"/>
-              <a:t>schimbari</a:t>
+              <a:t>fisierului</a:t>
+            </a:r>
+            <a:endParaRPr lang="en-US" baseline="0" dirty="0" smtClean="0"/>
+          </a:p>
+          <a:p>
+            <a:pPr marL="228600" indent="-228600">
+              <a:buAutoNum type="arabicPeriod"/>
+            </a:pPr>
+            <a:endParaRPr lang="en-US" baseline="0" dirty="0" smtClean="0"/>
+          </a:p>
+          <a:p>
+            <a:pPr marL="0" indent="0">
+              <a:buNone/>
+            </a:pPr>
+            <a:r>
+              <a:rPr lang="en-US" baseline="0" dirty="0" err="1" smtClean="0"/>
+              <a:t>Pentru</a:t>
             </a:r>
             <a:r>
               <a:rPr lang="en-US" baseline="0" dirty="0" smtClean="0"/>
-              <a:t>, </a:t>
+              <a:t> checksum, </a:t>
             </a:r>
             <a:r>
               <a:rPr lang="en-US" baseline="0" dirty="0" err="1" smtClean="0"/>
-              <a:t>mai</a:t>
-            </a:r>
-            <a:r>
-              <a:rPr lang="en-US" baseline="0" dirty="0" smtClean="0"/>
-              <a:t> ales </a:t>
-            </a:r>
-            <a:r>
-              <a:rPr lang="en-US" baseline="0" dirty="0" err="1" smtClean="0"/>
-              <a:t>daca</a:t>
+              <a:t>git</a:t>
             </a:r>
             <a:r>
               <a:rPr lang="en-US" baseline="0" dirty="0" smtClean="0"/>
@@ -3083,20 +3139,97 @@
             </a:r>
             <a:r>
               <a:rPr lang="en-US" baseline="0" dirty="0" err="1" smtClean="0"/>
-              <a:t>sunt</a:t>
+              <a:t>foloseste</a:t>
             </a:r>
             <a:r>
               <a:rPr lang="en-US" baseline="0" dirty="0" smtClean="0"/>
               <a:t> </a:t>
             </a:r>
             <a:r>
-              <a:rPr lang="en-US" baseline="0" dirty="0" err="1" smtClean="0"/>
-              <a:t>intr</a:t>
-            </a:r>
-            <a:r>
-              <a:rPr lang="en-US" baseline="0" dirty="0" smtClean="0"/>
-              <a:t>-un snapshot.</a:t>
-            </a:r>
+              <a:rPr lang="en-US" sz="1200" b="0" i="0" kern="1200" dirty="0" smtClean="0">
+                <a:solidFill>
+                  <a:schemeClr val="tx1"/>
+                </a:solidFill>
+                <a:effectLst/>
+                <a:latin typeface="+mn-lt"/>
+                <a:ea typeface="+mn-ea"/>
+                <a:cs typeface="+mn-cs"/>
+              </a:rPr>
+              <a:t> un hash SHA-1, care </a:t>
+            </a:r>
+            <a:r>
+              <a:rPr lang="en-US" sz="1200" b="0" i="0" kern="1200" dirty="0" err="1" smtClean="0">
+                <a:solidFill>
+                  <a:schemeClr val="tx1"/>
+                </a:solidFill>
+                <a:effectLst/>
+                <a:latin typeface="+mn-lt"/>
+                <a:ea typeface="+mn-ea"/>
+                <a:cs typeface="+mn-cs"/>
+              </a:rPr>
+              <a:t>arata</a:t>
+            </a:r>
+            <a:r>
+              <a:rPr lang="en-US" sz="1200" b="0" i="0" kern="1200" dirty="0" smtClean="0">
+                <a:solidFill>
+                  <a:schemeClr val="tx1"/>
+                </a:solidFill>
+                <a:effectLst/>
+                <a:latin typeface="+mn-lt"/>
+                <a:ea typeface="+mn-ea"/>
+                <a:cs typeface="+mn-cs"/>
+              </a:rPr>
+              <a:t> cam</a:t>
+            </a:r>
+            <a:r>
+              <a:rPr lang="en-US" sz="1200" b="0" i="0" kern="1200" baseline="0" dirty="0" smtClean="0">
+                <a:solidFill>
+                  <a:schemeClr val="tx1"/>
+                </a:solidFill>
+                <a:effectLst/>
+                <a:latin typeface="+mn-lt"/>
+                <a:ea typeface="+mn-ea"/>
+                <a:cs typeface="+mn-cs"/>
+              </a:rPr>
+              <a:t> </a:t>
+            </a:r>
+            <a:r>
+              <a:rPr lang="en-US" sz="1200" b="0" i="0" kern="1200" baseline="0" dirty="0" err="1" smtClean="0">
+                <a:solidFill>
+                  <a:schemeClr val="tx1"/>
+                </a:solidFill>
+                <a:effectLst/>
+                <a:latin typeface="+mn-lt"/>
+                <a:ea typeface="+mn-ea"/>
+                <a:cs typeface="+mn-cs"/>
+              </a:rPr>
+              <a:t>asa</a:t>
+            </a:r>
+            <a:r>
+              <a:rPr lang="en-US" sz="1200" b="0" i="0" kern="1200" baseline="0" dirty="0" smtClean="0">
+                <a:solidFill>
+                  <a:schemeClr val="tx1"/>
+                </a:solidFill>
+                <a:effectLst/>
+                <a:latin typeface="+mn-lt"/>
+                <a:ea typeface="+mn-ea"/>
+                <a:cs typeface="+mn-cs"/>
+              </a:rPr>
+              <a:t> </a:t>
+            </a:r>
+            <a:r>
+              <a:rPr lang="en-US" sz="1200" b="0" i="0" kern="1200" dirty="0" smtClean="0">
+                <a:solidFill>
+                  <a:schemeClr val="tx1"/>
+                </a:solidFill>
+                <a:effectLst/>
+                <a:latin typeface="+mn-lt"/>
+                <a:ea typeface="+mn-ea"/>
+                <a:cs typeface="+mn-cs"/>
+              </a:rPr>
+              <a:t>24b9da6552252987aa493b52f8696cd6d3b00373</a:t>
+            </a:r>
+            <a:endParaRPr lang="en-US" dirty="0"/>
           </a:p>
         </p:txBody>
       </p:sp>
@@ -3126,7 +3259,7 @@
     </p:spTree>
     <p:extLst>
       <p:ext uri="{BB962C8B-B14F-4D97-AF65-F5344CB8AC3E}">
-        <p14:creationId xmlns:p14="http://schemas.microsoft.com/office/powerpoint/2010/main" val="2194722138"/>
+        <p14:creationId xmlns:p14="http://schemas.microsoft.com/office/powerpoint/2010/main" val="3220672592"/>
       </p:ext>
     </p:extLst>
   </p:cSld>
@@ -3180,16 +3313,158 @@
           <a:bodyPr/>
           <a:lstStyle/>
           <a:p>
-            <a:pPr lvl="1"/>
-            <a:endParaRPr lang="en-US" sz="1200" kern="1200" dirty="0">
-              <a:solidFill>
-                <a:schemeClr val="tx1"/>
-              </a:solidFill>
-              <a:effectLst/>
-              <a:latin typeface="+mn-lt"/>
-              <a:ea typeface="+mn-ea"/>
-              <a:cs typeface="+mn-cs"/>
-            </a:endParaRPr>
+            <a:r>
+              <a:rPr lang="en-US" dirty="0" err="1" smtClean="0"/>
+              <a:t>Orice</a:t>
+            </a:r>
+            <a:r>
+              <a:rPr lang="en-US" baseline="0" dirty="0" smtClean="0"/>
+              <a:t> </a:t>
+            </a:r>
+            <a:r>
+              <a:rPr lang="en-US" baseline="0" dirty="0" err="1" smtClean="0"/>
+              <a:t>actiune</a:t>
+            </a:r>
+            <a:r>
+              <a:rPr lang="en-US" baseline="0" dirty="0" smtClean="0"/>
+              <a:t> </a:t>
+            </a:r>
+            <a:r>
+              <a:rPr lang="en-US" baseline="0" dirty="0" err="1" smtClean="0"/>
+              <a:t>este</a:t>
+            </a:r>
+            <a:r>
+              <a:rPr lang="en-US" baseline="0" dirty="0" smtClean="0"/>
+              <a:t> </a:t>
+            </a:r>
+            <a:r>
+              <a:rPr lang="en-US" baseline="0" dirty="0" err="1" smtClean="0"/>
+              <a:t>salvata</a:t>
+            </a:r>
+            <a:r>
+              <a:rPr lang="en-US" baseline="0" dirty="0" smtClean="0"/>
+              <a:t> </a:t>
+            </a:r>
+            <a:r>
+              <a:rPr lang="en-US" baseline="0" dirty="0" err="1" smtClean="0"/>
+              <a:t>intr</a:t>
+            </a:r>
+            <a:r>
+              <a:rPr lang="en-US" baseline="0" dirty="0" smtClean="0"/>
+              <a:t>-o </a:t>
+            </a:r>
+            <a:r>
+              <a:rPr lang="en-US" baseline="0" dirty="0" err="1" smtClean="0"/>
+              <a:t>baza</a:t>
+            </a:r>
+            <a:r>
+              <a:rPr lang="en-US" baseline="0" dirty="0" smtClean="0"/>
+              <a:t> de date, </a:t>
+            </a:r>
+            <a:r>
+              <a:rPr lang="en-US" baseline="0" dirty="0" err="1" smtClean="0"/>
+              <a:t>deci</a:t>
+            </a:r>
+            <a:r>
+              <a:rPr lang="en-US" baseline="0" dirty="0" smtClean="0"/>
+              <a:t> </a:t>
+            </a:r>
+            <a:r>
+              <a:rPr lang="en-US" baseline="0" dirty="0" err="1" smtClean="0"/>
+              <a:t>este</a:t>
+            </a:r>
+            <a:r>
+              <a:rPr lang="en-US" baseline="0" dirty="0" smtClean="0"/>
+              <a:t> </a:t>
+            </a:r>
+            <a:r>
+              <a:rPr lang="en-US" baseline="0" dirty="0" err="1" smtClean="0"/>
+              <a:t>foarte</a:t>
+            </a:r>
+            <a:r>
+              <a:rPr lang="en-US" baseline="0" dirty="0" smtClean="0"/>
+              <a:t> </a:t>
+            </a:r>
+            <a:r>
+              <a:rPr lang="en-US" baseline="0" dirty="0" err="1" smtClean="0"/>
+              <a:t>greu</a:t>
+            </a:r>
+            <a:r>
+              <a:rPr lang="en-US" baseline="0" dirty="0" smtClean="0"/>
+              <a:t> </a:t>
+            </a:r>
+            <a:r>
+              <a:rPr lang="en-US" baseline="0" dirty="0" err="1" smtClean="0"/>
+              <a:t>sa</a:t>
+            </a:r>
+            <a:r>
+              <a:rPr lang="en-US" baseline="0" dirty="0" smtClean="0"/>
+              <a:t> </a:t>
+            </a:r>
+            <a:r>
+              <a:rPr lang="en-US" baseline="0" dirty="0" err="1" smtClean="0"/>
+              <a:t>pierzi</a:t>
+            </a:r>
+            <a:r>
+              <a:rPr lang="en-US" baseline="0" dirty="0" smtClean="0"/>
+              <a:t> </a:t>
+            </a:r>
+            <a:r>
+              <a:rPr lang="en-US" baseline="0" dirty="0" err="1" smtClean="0"/>
+              <a:t>fisiere</a:t>
+            </a:r>
+            <a:r>
+              <a:rPr lang="en-US" baseline="0" dirty="0" smtClean="0"/>
+              <a:t> </a:t>
+            </a:r>
+            <a:r>
+              <a:rPr lang="en-US" baseline="0" dirty="0" err="1" smtClean="0"/>
+              <a:t>sau</a:t>
+            </a:r>
+            <a:r>
+              <a:rPr lang="en-US" baseline="0" dirty="0" smtClean="0"/>
+              <a:t> </a:t>
+            </a:r>
+            <a:r>
+              <a:rPr lang="en-US" baseline="0" dirty="0" err="1" smtClean="0"/>
+              <a:t>schimbari</a:t>
+            </a:r>
+            <a:r>
+              <a:rPr lang="en-US" baseline="0" dirty="0" smtClean="0"/>
+              <a:t>, </a:t>
+            </a:r>
+            <a:r>
+              <a:rPr lang="en-US" baseline="0" dirty="0" err="1" smtClean="0"/>
+              <a:t>mai</a:t>
+            </a:r>
+            <a:r>
+              <a:rPr lang="en-US" baseline="0" dirty="0" smtClean="0"/>
+              <a:t> ales </a:t>
+            </a:r>
+            <a:r>
+              <a:rPr lang="en-US" baseline="0" dirty="0" err="1" smtClean="0"/>
+              <a:t>daca</a:t>
+            </a:r>
+            <a:r>
+              <a:rPr lang="en-US" baseline="0" dirty="0" smtClean="0"/>
+              <a:t> </a:t>
+            </a:r>
+            <a:r>
+              <a:rPr lang="en-US" baseline="0" dirty="0" err="1" smtClean="0"/>
+              <a:t>sunt</a:t>
+            </a:r>
+            <a:r>
+              <a:rPr lang="en-US" baseline="0" dirty="0" smtClean="0"/>
+              <a:t> </a:t>
+            </a:r>
+            <a:r>
+              <a:rPr lang="en-US" baseline="0" dirty="0" err="1" smtClean="0"/>
+              <a:t>intr</a:t>
+            </a:r>
+            <a:r>
+              <a:rPr lang="en-US" baseline="0" dirty="0" smtClean="0"/>
+              <a:t>-un snapshot.</a:t>
+            </a:r>
           </a:p>
         </p:txBody>
       </p:sp>
@@ -3219,7 +3494,7 @@
     </p:spTree>
     <p:extLst>
       <p:ext uri="{BB962C8B-B14F-4D97-AF65-F5344CB8AC3E}">
-        <p14:creationId xmlns:p14="http://schemas.microsoft.com/office/powerpoint/2010/main" val="3840557923"/>
+        <p14:creationId xmlns:p14="http://schemas.microsoft.com/office/powerpoint/2010/main" val="2194722138"/>
       </p:ext>
     </p:extLst>
   </p:cSld>
@@ -3358,223 +3633,7 @@
           <a:lstStyle/>
           <a:p>
             <a:pPr lvl="1"/>
-            <a:r>
-              <a:rPr lang="ro-RO" sz="1200" kern="1200" dirty="0" smtClean="0">
-                <a:solidFill>
-                  <a:schemeClr val="tx1"/>
-                </a:solidFill>
-                <a:effectLst/>
-                <a:latin typeface="+mn-lt"/>
-                <a:ea typeface="+mn-ea"/>
-                <a:cs typeface="+mn-cs"/>
-              </a:rPr>
-              <a:t>Avem doua optiuni, putem crea un repository </a:t>
-            </a:r>
-            <a:r>
-              <a:rPr lang="en-US" sz="1200" kern="1200" dirty="0" err="1" smtClean="0">
-                <a:solidFill>
-                  <a:schemeClr val="tx1"/>
-                </a:solidFill>
-                <a:effectLst/>
-                <a:latin typeface="+mn-lt"/>
-                <a:ea typeface="+mn-ea"/>
-                <a:cs typeface="+mn-cs"/>
-              </a:rPr>
-              <a:t>nou</a:t>
-            </a:r>
-            <a:r>
-              <a:rPr lang="en-US" sz="1200" kern="1200" dirty="0" smtClean="0">
-                <a:solidFill>
-                  <a:schemeClr val="tx1"/>
-                </a:solidFill>
-                <a:effectLst/>
-                <a:latin typeface="+mn-lt"/>
-                <a:ea typeface="+mn-ea"/>
-                <a:cs typeface="+mn-cs"/>
-              </a:rPr>
-              <a:t>,</a:t>
-            </a:r>
-            <a:r>
-              <a:rPr lang="en-US" sz="1200" kern="1200" baseline="0" dirty="0" smtClean="0">
-                <a:solidFill>
-                  <a:schemeClr val="tx1"/>
-                </a:solidFill>
-                <a:effectLst/>
-                <a:latin typeface="+mn-lt"/>
-                <a:ea typeface="+mn-ea"/>
-                <a:cs typeface="+mn-cs"/>
-              </a:rPr>
-              <a:t> </a:t>
-            </a:r>
-            <a:r>
-              <a:rPr lang="en-US" sz="1200" kern="1200" baseline="0" dirty="0" err="1" smtClean="0">
-                <a:solidFill>
-                  <a:schemeClr val="tx1"/>
-                </a:solidFill>
-                <a:effectLst/>
-                <a:latin typeface="+mn-lt"/>
-                <a:ea typeface="+mn-ea"/>
-                <a:cs typeface="+mn-cs"/>
-              </a:rPr>
-              <a:t>folosind</a:t>
-            </a:r>
-            <a:r>
-              <a:rPr lang="en-US" sz="1200" kern="1200" baseline="0" dirty="0" smtClean="0">
-                <a:solidFill>
-                  <a:schemeClr val="tx1"/>
-                </a:solidFill>
-                <a:effectLst/>
-                <a:latin typeface="+mn-lt"/>
-                <a:ea typeface="+mn-ea"/>
-                <a:cs typeface="+mn-cs"/>
-              </a:rPr>
-              <a:t> </a:t>
-            </a:r>
-            <a:r>
-              <a:rPr lang="en-US" sz="1200" kern="1200" baseline="0" dirty="0" err="1" smtClean="0">
-                <a:solidFill>
-                  <a:schemeClr val="tx1"/>
-                </a:solidFill>
-                <a:effectLst/>
-                <a:latin typeface="+mn-lt"/>
-                <a:ea typeface="+mn-ea"/>
-                <a:cs typeface="+mn-cs"/>
-              </a:rPr>
-              <a:t>comanda</a:t>
-            </a:r>
-            <a:r>
-              <a:rPr lang="en-US" sz="1200" kern="1200" baseline="0" dirty="0" smtClean="0">
-                <a:solidFill>
-                  <a:schemeClr val="tx1"/>
-                </a:solidFill>
-                <a:effectLst/>
-                <a:latin typeface="+mn-lt"/>
-                <a:ea typeface="+mn-ea"/>
-                <a:cs typeface="+mn-cs"/>
-              </a:rPr>
-              <a:t> </a:t>
-            </a:r>
-            <a:r>
-              <a:rPr lang="en-US" sz="1200" kern="1200" baseline="0" dirty="0" err="1" smtClean="0">
-                <a:solidFill>
-                  <a:schemeClr val="tx1"/>
-                </a:solidFill>
-                <a:effectLst/>
-                <a:latin typeface="+mn-lt"/>
-                <a:ea typeface="+mn-ea"/>
-                <a:cs typeface="+mn-cs"/>
-              </a:rPr>
-              <a:t>git</a:t>
-            </a:r>
-            <a:r>
-              <a:rPr lang="en-US" sz="1200" kern="1200" baseline="0" dirty="0" smtClean="0">
-                <a:solidFill>
-                  <a:schemeClr val="tx1"/>
-                </a:solidFill>
-                <a:effectLst/>
-                <a:latin typeface="+mn-lt"/>
-                <a:ea typeface="+mn-ea"/>
-                <a:cs typeface="+mn-cs"/>
-              </a:rPr>
-              <a:t> </a:t>
-            </a:r>
-            <a:r>
-              <a:rPr lang="en-US" sz="1200" kern="1200" baseline="0" dirty="0" err="1" smtClean="0">
-                <a:solidFill>
-                  <a:schemeClr val="tx1"/>
-                </a:solidFill>
-                <a:effectLst/>
-                <a:latin typeface="+mn-lt"/>
-                <a:ea typeface="+mn-ea"/>
-                <a:cs typeface="+mn-cs"/>
-              </a:rPr>
-              <a:t>init</a:t>
-            </a:r>
-            <a:endParaRPr lang="en-US" sz="1200" kern="1200" baseline="0" dirty="0" smtClean="0">
-              <a:solidFill>
-                <a:schemeClr val="tx1"/>
-              </a:solidFill>
-              <a:effectLst/>
-              <a:latin typeface="+mn-lt"/>
-              <a:ea typeface="+mn-ea"/>
-              <a:cs typeface="+mn-cs"/>
-            </a:endParaRPr>
-          </a:p>
-          <a:p>
-            <a:pPr lvl="1"/>
-            <a:r>
-              <a:rPr lang="en-US" sz="1200" kern="1200" baseline="0" dirty="0" err="1" smtClean="0">
-                <a:solidFill>
-                  <a:schemeClr val="tx1"/>
-                </a:solidFill>
-                <a:effectLst/>
-                <a:latin typeface="+mn-lt"/>
-                <a:ea typeface="+mn-ea"/>
-                <a:cs typeface="+mn-cs"/>
-              </a:rPr>
-              <a:t>Sau</a:t>
-            </a:r>
-            <a:r>
-              <a:rPr lang="en-US" sz="1200" kern="1200" baseline="0" dirty="0" smtClean="0">
-                <a:solidFill>
-                  <a:schemeClr val="tx1"/>
-                </a:solidFill>
-                <a:effectLst/>
-                <a:latin typeface="+mn-lt"/>
-                <a:ea typeface="+mn-ea"/>
-                <a:cs typeface="+mn-cs"/>
-              </a:rPr>
-              <a:t> </a:t>
-            </a:r>
-            <a:r>
-              <a:rPr lang="en-US" sz="1200" kern="1200" baseline="0" dirty="0" err="1" smtClean="0">
-                <a:solidFill>
-                  <a:schemeClr val="tx1"/>
-                </a:solidFill>
-                <a:effectLst/>
-                <a:latin typeface="+mn-lt"/>
-                <a:ea typeface="+mn-ea"/>
-                <a:cs typeface="+mn-cs"/>
-              </a:rPr>
-              <a:t>putem</a:t>
-            </a:r>
-            <a:r>
-              <a:rPr lang="en-US" sz="1200" kern="1200" baseline="0" dirty="0" smtClean="0">
-                <a:solidFill>
-                  <a:schemeClr val="tx1"/>
-                </a:solidFill>
-                <a:effectLst/>
-                <a:latin typeface="+mn-lt"/>
-                <a:ea typeface="+mn-ea"/>
-                <a:cs typeface="+mn-cs"/>
-              </a:rPr>
-              <a:t> </a:t>
-            </a:r>
-            <a:r>
-              <a:rPr lang="en-US" sz="1200" kern="1200" baseline="0" dirty="0" err="1" smtClean="0">
-                <a:solidFill>
-                  <a:schemeClr val="tx1"/>
-                </a:solidFill>
-                <a:effectLst/>
-                <a:latin typeface="+mn-lt"/>
-                <a:ea typeface="+mn-ea"/>
-                <a:cs typeface="+mn-cs"/>
-              </a:rPr>
-              <a:t>clona</a:t>
-            </a:r>
-            <a:r>
-              <a:rPr lang="en-US" sz="1200" kern="1200" baseline="0" dirty="0" smtClean="0">
-                <a:solidFill>
-                  <a:schemeClr val="tx1"/>
-                </a:solidFill>
-                <a:effectLst/>
-                <a:latin typeface="+mn-lt"/>
-                <a:ea typeface="+mn-ea"/>
-                <a:cs typeface="+mn-cs"/>
-              </a:rPr>
-              <a:t> un repository</a:t>
-            </a:r>
-            <a:endParaRPr lang="en-US" sz="1200" kern="1200" dirty="0" smtClean="0">
+            <a:endParaRPr lang="en-US" sz="1200" kern="1200" dirty="0">
               <a:solidFill>
                 <a:schemeClr val="tx1"/>
               </a:solidFill>
@@ -3612,7 +3671,7 @@
     </p:spTree>
     <p:extLst>
       <p:ext uri="{BB962C8B-B14F-4D97-AF65-F5344CB8AC3E}">
-        <p14:creationId xmlns:p14="http://schemas.microsoft.com/office/powerpoint/2010/main" val="1813145882"/>
+        <p14:creationId xmlns:p14="http://schemas.microsoft.com/office/powerpoint/2010/main" val="3840557923"/>
       </p:ext>
     </p:extLst>
   </p:cSld>
@@ -3677,9 +3736,129 @@
                 <a:ea typeface="+mn-ea"/>
                 <a:cs typeface="+mn-cs"/>
               </a:rPr>
-              <a:t>Importarea unui repository existent se face cu git clone [url]</a:t>
-            </a:r>
-            <a:endParaRPr lang="en-US" sz="1200" kern="1200" dirty="0" smtClean="0">
+              <a:t>Avem doua optiuni, putem crea un repository </a:t>
+            </a:r>
+            <a:r>
+              <a:rPr lang="en-US" sz="1200" kern="1200" dirty="0" err="1" smtClean="0">
+                <a:solidFill>
+                  <a:schemeClr val="tx1"/>
+                </a:solidFill>
+                <a:effectLst/>
+                <a:latin typeface="+mn-lt"/>
+                <a:ea typeface="+mn-ea"/>
+                <a:cs typeface="+mn-cs"/>
+              </a:rPr>
+              <a:t>nou</a:t>
+            </a:r>
+            <a:r>
+              <a:rPr lang="en-US" sz="1200" kern="1200" dirty="0" smtClean="0">
+                <a:solidFill>
+                  <a:schemeClr val="tx1"/>
+                </a:solidFill>
+                <a:effectLst/>
+                <a:latin typeface="+mn-lt"/>
+                <a:ea typeface="+mn-ea"/>
+                <a:cs typeface="+mn-cs"/>
+              </a:rPr>
+              <a:t>,</a:t>
+            </a:r>
+            <a:r>
+              <a:rPr lang="en-US" sz="1200" kern="1200" baseline="0" dirty="0" smtClean="0">
+                <a:solidFill>
+                  <a:schemeClr val="tx1"/>
+                </a:solidFill>
+                <a:effectLst/>
+                <a:latin typeface="+mn-lt"/>
+                <a:ea typeface="+mn-ea"/>
+                <a:cs typeface="+mn-cs"/>
+              </a:rPr>
+              <a:t> </a:t>
+            </a:r>
+            <a:r>
+              <a:rPr lang="en-US" sz="1200" kern="1200" baseline="0" dirty="0" err="1" smtClean="0">
+                <a:solidFill>
+                  <a:schemeClr val="tx1"/>
+                </a:solidFill>
+                <a:effectLst/>
+                <a:latin typeface="+mn-lt"/>
+                <a:ea typeface="+mn-ea"/>
+                <a:cs typeface="+mn-cs"/>
+              </a:rPr>
+              <a:t>folosind</a:t>
+            </a:r>
+            <a:r>
+              <a:rPr lang="en-US" sz="1200" kern="1200" baseline="0" dirty="0" smtClean="0">
+                <a:solidFill>
+                  <a:schemeClr val="tx1"/>
+                </a:solidFill>
+                <a:effectLst/>
+                <a:latin typeface="+mn-lt"/>
+                <a:ea typeface="+mn-ea"/>
+                <a:cs typeface="+mn-cs"/>
+              </a:rPr>
+              <a:t> </a:t>
+            </a:r>
+            <a:r>
+              <a:rPr lang="en-US" sz="1200" kern="1200" baseline="0" dirty="0" err="1" smtClean="0">
+                <a:solidFill>
+                  <a:schemeClr val="tx1"/>
+                </a:solidFill>
+                <a:effectLst/>
+                <a:latin typeface="+mn-lt"/>
+                <a:ea typeface="+mn-ea"/>
+                <a:cs typeface="+mn-cs"/>
+              </a:rPr>
+              <a:t>comanda</a:t>
+            </a:r>
+            <a:r>
+              <a:rPr lang="en-US" sz="1200" kern="1200" baseline="0" dirty="0" smtClean="0">
+                <a:solidFill>
+                  <a:schemeClr val="tx1"/>
+                </a:solidFill>
+                <a:effectLst/>
+                <a:latin typeface="+mn-lt"/>
+                <a:ea typeface="+mn-ea"/>
+                <a:cs typeface="+mn-cs"/>
+              </a:rPr>
+              <a:t> </a:t>
+            </a:r>
+            <a:r>
+              <a:rPr lang="en-US" sz="1200" kern="1200" baseline="0" dirty="0" err="1" smtClean="0">
+                <a:solidFill>
+                  <a:schemeClr val="tx1"/>
+                </a:solidFill>
+                <a:effectLst/>
+                <a:latin typeface="+mn-lt"/>
+                <a:ea typeface="+mn-ea"/>
+                <a:cs typeface="+mn-cs"/>
+              </a:rPr>
+              <a:t>git</a:t>
+            </a:r>
+            <a:r>
+              <a:rPr lang="en-US" sz="1200" kern="1200" baseline="0" dirty="0" smtClean="0">
+                <a:solidFill>
+                  <a:schemeClr val="tx1"/>
+                </a:solidFill>
+                <a:effectLst/>
+                <a:latin typeface="+mn-lt"/>
+                <a:ea typeface="+mn-ea"/>
+                <a:cs typeface="+mn-cs"/>
+              </a:rPr>
+              <a:t> </a:t>
+            </a:r>
+            <a:r>
+              <a:rPr lang="en-US" sz="1200" kern="1200" baseline="0" dirty="0" err="1" smtClean="0">
+                <a:solidFill>
+                  <a:schemeClr val="tx1"/>
+                </a:solidFill>
+                <a:effectLst/>
+                <a:latin typeface="+mn-lt"/>
+                <a:ea typeface="+mn-ea"/>
+                <a:cs typeface="+mn-cs"/>
+              </a:rPr>
+              <a:t>init</a:t>
+            </a:r>
+            <a:endParaRPr lang="en-US" sz="1200" kern="1200" baseline="0" dirty="0" smtClean="0">
               <a:solidFill>
                 <a:schemeClr val="tx1"/>
               </a:solidFill>
@@ -3692,7 +3871,7 @@
           <a:p>
             <a:pPr lvl="1"/>
             <a:r>
-              <a:rPr lang="ro-RO" sz="1200" kern="1200" dirty="0" smtClean="0">
+              <a:rPr lang="en-US" sz="1200" kern="1200" baseline="0" dirty="0" err="1" smtClean="0">
                 <a:solidFill>
                   <a:schemeClr val="tx1"/>
                 </a:solidFill>
@@ -3701,10 +3880,10 @@
                 <a:ea typeface="+mn-ea"/>
                 <a:cs typeface="+mn-cs"/>
               </a:rPr>
-              <a:t>Am facut un repository pe Github, pe care il voi clona</a:t>
-            </a:r>
-            <a:r>
-              <a:rPr lang="en-US" sz="1200" kern="1200" dirty="0" smtClean="0">
+              <a:t>Sau</a:t>
+            </a:r>
+            <a:r>
+              <a:rPr lang="en-US" sz="1200" kern="1200" baseline="0" dirty="0" smtClean="0">
                 <a:solidFill>
                   <a:schemeClr val="tx1"/>
                 </a:solidFill>
@@ -3713,13 +3892,10 @@
                 <a:ea typeface="+mn-ea"/>
                 <a:cs typeface="+mn-cs"/>
               </a:rPr>
-              <a:t> local</a:t>
-            </a:r>
-          </a:p>
-          <a:p>
-            <a:pPr lvl="1"/>
-            <a:r>
-              <a:rPr lang="ro-RO" sz="1200" kern="1200" dirty="0" smtClean="0">
+              <a:t> </a:t>
+            </a:r>
+            <a:r>
+              <a:rPr lang="en-US" sz="1200" kern="1200" baseline="0" dirty="0" err="1" smtClean="0">
                 <a:solidFill>
                   <a:schemeClr val="tx1"/>
                 </a:solidFill>
@@ -3728,10 +3904,10 @@
                 <a:ea typeface="+mn-ea"/>
                 <a:cs typeface="+mn-cs"/>
               </a:rPr>
-              <a:t>Git suporta mai multe protocoale pentru transferul de date, cum ar fi http(s)://, git://, sau </a:t>
-            </a:r>
-            <a:r>
-              <a:rPr lang="ro-RO" sz="1200" u="sng" kern="1200" dirty="0" smtClean="0">
+              <a:t>putem</a:t>
+            </a:r>
+            <a:r>
+              <a:rPr lang="en-US" sz="1200" kern="1200" baseline="0" dirty="0" smtClean="0">
                 <a:solidFill>
                   <a:schemeClr val="tx1"/>
                 </a:solidFill>
@@ -3739,12 +3915,11 @@
                 <a:latin typeface="+mn-lt"/>
                 <a:ea typeface="+mn-ea"/>
                 <a:cs typeface="+mn-cs"/>
-                <a:hlinkClick r:id="rId3"/>
-              </a:rPr>
-              <a:t>user@server:/path.git</a:t>
-            </a:r>
-            <a:r>
-              <a:rPr lang="ro-RO" sz="1200" kern="1200" dirty="0" smtClean="0">
+              </a:rPr>
+              <a:t> </a:t>
+            </a:r>
+            <a:r>
+              <a:rPr lang="en-US" sz="1200" kern="1200" baseline="0" dirty="0" err="1" smtClean="0">
                 <a:solidFill>
                   <a:schemeClr val="tx1"/>
                 </a:solidFill>
@@ -3753,9 +3928,21 @@
                 <a:ea typeface="+mn-ea"/>
                 <a:cs typeface="+mn-cs"/>
               </a:rPr>
-              <a:t> prin SSH.</a:t>
-            </a:r>
-            <a:endParaRPr lang="en-US" sz="1200" kern="1200" dirty="0">
+              <a:t>clona</a:t>
+            </a:r>
+            <a:r>
+              <a:rPr lang="en-US" sz="1200" kern="1200" baseline="0" dirty="0" smtClean="0">
+                <a:solidFill>
+                  <a:schemeClr val="tx1"/>
+                </a:solidFill>
+                <a:effectLst/>
+                <a:latin typeface="+mn-lt"/>
+                <a:ea typeface="+mn-ea"/>
+                <a:cs typeface="+mn-cs"/>
+              </a:rPr>
+              <a:t> un repository</a:t>
+            </a:r>
+            <a:endParaRPr lang="en-US" sz="1200" kern="1200" dirty="0" smtClean="0">
               <a:solidFill>
                 <a:schemeClr val="tx1"/>
               </a:solidFill>
@@ -3793,7 +3980,7 @@
     </p:spTree>
     <p:extLst>
       <p:ext uri="{BB962C8B-B14F-4D97-AF65-F5344CB8AC3E}">
-        <p14:creationId xmlns:p14="http://schemas.microsoft.com/office/powerpoint/2010/main" val="3129033969"/>
+        <p14:creationId xmlns:p14="http://schemas.microsoft.com/office/powerpoint/2010/main" val="1813145882"/>
       </p:ext>
     </p:extLst>
   </p:cSld>
@@ -3849,7 +4036,7 @@
           <a:p>
             <a:pPr lvl="1"/>
             <a:r>
-              <a:rPr lang="en-US" sz="1200" kern="1200" dirty="0" smtClean="0">
+              <a:rPr lang="ro-RO" sz="1200" kern="1200" dirty="0" smtClean="0">
                 <a:solidFill>
                   <a:schemeClr val="tx1"/>
                 </a:solidFill>
@@ -3858,10 +4045,22 @@
                 <a:ea typeface="+mn-ea"/>
                 <a:cs typeface="+mn-cs"/>
               </a:rPr>
-              <a:t>Pot </a:t>
-            </a:r>
-            <a:r>
-              <a:rPr lang="en-US" sz="1200" kern="1200" dirty="0" err="1" smtClean="0">
+              <a:t>Importarea unui repository existent se face cu git clone [url]</a:t>
+            </a:r>
+            <a:endParaRPr lang="en-US" sz="1200" kern="1200" dirty="0" smtClean="0">
+              <a:solidFill>
+                <a:schemeClr val="tx1"/>
+              </a:solidFill>
+              <a:effectLst/>
+              <a:latin typeface="+mn-lt"/>
+              <a:ea typeface="+mn-ea"/>
+              <a:cs typeface="+mn-cs"/>
+            </a:endParaRPr>
+          </a:p>
+          <a:p>
+            <a:pPr lvl="1"/>
+            <a:r>
+              <a:rPr lang="ro-RO" sz="1200" kern="1200" dirty="0" smtClean="0">
                 <a:solidFill>
                   <a:schemeClr val="tx1"/>
                 </a:solidFill>
@@ -3870,7 +4069,7 @@
                 <a:ea typeface="+mn-ea"/>
                 <a:cs typeface="+mn-cs"/>
               </a:rPr>
-              <a:t>verifica</a:t>
+              <a:t>Am facut un repository pe Github, pe care il voi clona</a:t>
             </a:r>
             <a:r>
               <a:rPr lang="en-US" sz="1200" kern="1200" dirty="0" smtClean="0">
@@ -3882,10 +4081,13 @@
                 <a:ea typeface="+mn-ea"/>
                 <a:cs typeface="+mn-cs"/>
               </a:rPr>
-              <a:t> </a:t>
-            </a:r>
-            <a:r>
-              <a:rPr lang="en-US" sz="1200" kern="1200" dirty="0" err="1" smtClean="0">
+              <a:t> local</a:t>
+            </a:r>
+          </a:p>
+          <a:p>
+            <a:pPr lvl="1"/>
+            <a:r>
+              <a:rPr lang="ro-RO" sz="1200" kern="1200" dirty="0" smtClean="0">
                 <a:solidFill>
                   <a:schemeClr val="tx1"/>
                 </a:solidFill>
@@ -3894,10 +4096,10 @@
                 <a:ea typeface="+mn-ea"/>
                 <a:cs typeface="+mn-cs"/>
               </a:rPr>
-              <a:t>starea</a:t>
-            </a:r>
-            <a:r>
-              <a:rPr lang="en-US" sz="1200" kern="1200" dirty="0" smtClean="0">
+              <a:t>Git suporta mai multe protocoale pentru transferul de date, cum ar fi http(s)://, git://, sau </a:t>
+            </a:r>
+            <a:r>
+              <a:rPr lang="ro-RO" sz="1200" u="sng" kern="1200" dirty="0" smtClean="0">
                 <a:solidFill>
                   <a:schemeClr val="tx1"/>
                 </a:solidFill>
@@ -3905,11 +4107,12 @@
                 <a:latin typeface="+mn-lt"/>
                 <a:ea typeface="+mn-ea"/>
                 <a:cs typeface="+mn-cs"/>
-              </a:rPr>
-              <a:t> repository-</a:t>
-            </a:r>
-            <a:r>
-              <a:rPr lang="en-US" sz="1200" kern="1200" dirty="0" err="1" smtClean="0">
+                <a:hlinkClick r:id="rId3"/>
+              </a:rPr>
+              <a:t>user@server:/path.git</a:t>
+            </a:r>
+            <a:r>
+              <a:rPr lang="ro-RO" sz="1200" kern="1200" dirty="0" smtClean="0">
                 <a:solidFill>
                   <a:schemeClr val="tx1"/>
                 </a:solidFill>
@@ -3918,247 +4121,9 @@
                 <a:ea typeface="+mn-ea"/>
                 <a:cs typeface="+mn-cs"/>
               </a:rPr>
-              <a:t>ului</a:t>
-            </a:r>
-            <a:r>
-              <a:rPr lang="en-US" sz="1200" kern="1200" baseline="0" dirty="0" smtClean="0">
-                <a:solidFill>
-                  <a:schemeClr val="tx1"/>
-                </a:solidFill>
-                <a:effectLst/>
-                <a:latin typeface="+mn-lt"/>
-                <a:ea typeface="+mn-ea"/>
-                <a:cs typeface="+mn-cs"/>
-              </a:rPr>
-              <a:t> </a:t>
-            </a:r>
-            <a:r>
-              <a:rPr lang="en-US" sz="1200" kern="1200" baseline="0" dirty="0" err="1" smtClean="0">
-                <a:solidFill>
-                  <a:schemeClr val="tx1"/>
-                </a:solidFill>
-                <a:effectLst/>
-                <a:latin typeface="+mn-lt"/>
-                <a:ea typeface="+mn-ea"/>
-                <a:cs typeface="+mn-cs"/>
-              </a:rPr>
-              <a:t>folosind</a:t>
-            </a:r>
-            <a:r>
-              <a:rPr lang="en-US" sz="1200" kern="1200" baseline="0" dirty="0" smtClean="0">
-                <a:solidFill>
-                  <a:schemeClr val="tx1"/>
-                </a:solidFill>
-                <a:effectLst/>
-                <a:latin typeface="+mn-lt"/>
-                <a:ea typeface="+mn-ea"/>
-                <a:cs typeface="+mn-cs"/>
-              </a:rPr>
-              <a:t> </a:t>
-            </a:r>
-            <a:r>
-              <a:rPr lang="en-US" sz="1200" kern="1200" baseline="0" dirty="0" err="1" smtClean="0">
-                <a:solidFill>
-                  <a:schemeClr val="tx1"/>
-                </a:solidFill>
-                <a:effectLst/>
-                <a:latin typeface="+mn-lt"/>
-                <a:ea typeface="+mn-ea"/>
-                <a:cs typeface="+mn-cs"/>
-              </a:rPr>
-              <a:t>comanda</a:t>
-            </a:r>
-            <a:r>
-              <a:rPr lang="en-US" sz="1200" kern="1200" baseline="0" dirty="0" smtClean="0">
-                <a:solidFill>
-                  <a:schemeClr val="tx1"/>
-                </a:solidFill>
-                <a:effectLst/>
-                <a:latin typeface="+mn-lt"/>
-                <a:ea typeface="+mn-ea"/>
-                <a:cs typeface="+mn-cs"/>
-              </a:rPr>
-              <a:t> </a:t>
-            </a:r>
-            <a:r>
-              <a:rPr lang="en-US" sz="1200" kern="1200" baseline="0" dirty="0" err="1" smtClean="0">
-                <a:solidFill>
-                  <a:schemeClr val="tx1"/>
-                </a:solidFill>
-                <a:effectLst/>
-                <a:latin typeface="+mn-lt"/>
-                <a:ea typeface="+mn-ea"/>
-                <a:cs typeface="+mn-cs"/>
-              </a:rPr>
-              <a:t>git</a:t>
-            </a:r>
-            <a:r>
-              <a:rPr lang="en-US" sz="1200" kern="1200" baseline="0" dirty="0" smtClean="0">
-                <a:solidFill>
-                  <a:schemeClr val="tx1"/>
-                </a:solidFill>
-                <a:effectLst/>
-                <a:latin typeface="+mn-lt"/>
-                <a:ea typeface="+mn-ea"/>
-                <a:cs typeface="+mn-cs"/>
-              </a:rPr>
-              <a:t> status</a:t>
-            </a:r>
-          </a:p>
-          <a:p>
-            <a:pPr lvl="1"/>
-            <a:r>
-              <a:rPr lang="en-US" sz="1200" kern="1200" baseline="0" dirty="0" err="1" smtClean="0">
-                <a:solidFill>
-                  <a:schemeClr val="tx1"/>
-                </a:solidFill>
-                <a:effectLst/>
-                <a:latin typeface="+mn-lt"/>
-                <a:ea typeface="+mn-ea"/>
-                <a:cs typeface="+mn-cs"/>
-              </a:rPr>
-              <a:t>Git</a:t>
-            </a:r>
-            <a:r>
-              <a:rPr lang="en-US" sz="1200" kern="1200" baseline="0" dirty="0" smtClean="0">
-                <a:solidFill>
-                  <a:schemeClr val="tx1"/>
-                </a:solidFill>
-                <a:effectLst/>
-                <a:latin typeface="+mn-lt"/>
-                <a:ea typeface="+mn-ea"/>
-                <a:cs typeface="+mn-cs"/>
-              </a:rPr>
-              <a:t> </a:t>
-            </a:r>
-            <a:r>
-              <a:rPr lang="en-US" sz="1200" kern="1200" baseline="0" dirty="0" err="1" smtClean="0">
-                <a:solidFill>
-                  <a:schemeClr val="tx1"/>
-                </a:solidFill>
-                <a:effectLst/>
-                <a:latin typeface="+mn-lt"/>
-                <a:ea typeface="+mn-ea"/>
-                <a:cs typeface="+mn-cs"/>
-              </a:rPr>
-              <a:t>clasifica</a:t>
-            </a:r>
-            <a:r>
-              <a:rPr lang="en-US" sz="1200" kern="1200" baseline="0" dirty="0" smtClean="0">
-                <a:solidFill>
-                  <a:schemeClr val="tx1"/>
-                </a:solidFill>
-                <a:effectLst/>
-                <a:latin typeface="+mn-lt"/>
-                <a:ea typeface="+mn-ea"/>
-                <a:cs typeface="+mn-cs"/>
-              </a:rPr>
-              <a:t> </a:t>
-            </a:r>
-            <a:r>
-              <a:rPr lang="en-US" sz="1200" kern="1200" baseline="0" dirty="0" err="1" smtClean="0">
-                <a:solidFill>
-                  <a:schemeClr val="tx1"/>
-                </a:solidFill>
-                <a:effectLst/>
-                <a:latin typeface="+mn-lt"/>
-                <a:ea typeface="+mn-ea"/>
-                <a:cs typeface="+mn-cs"/>
-              </a:rPr>
-              <a:t>fisierele</a:t>
-            </a:r>
-            <a:r>
-              <a:rPr lang="en-US" sz="1200" kern="1200" baseline="0" dirty="0" smtClean="0">
-                <a:solidFill>
-                  <a:schemeClr val="tx1"/>
-                </a:solidFill>
-                <a:effectLst/>
-                <a:latin typeface="+mn-lt"/>
-                <a:ea typeface="+mn-ea"/>
-                <a:cs typeface="+mn-cs"/>
-              </a:rPr>
-              <a:t> in 2 </a:t>
-            </a:r>
-            <a:r>
-              <a:rPr lang="en-US" sz="1200" kern="1200" baseline="0" dirty="0" err="1" smtClean="0">
-                <a:solidFill>
-                  <a:schemeClr val="tx1"/>
-                </a:solidFill>
-                <a:effectLst/>
-                <a:latin typeface="+mn-lt"/>
-                <a:ea typeface="+mn-ea"/>
-                <a:cs typeface="+mn-cs"/>
-              </a:rPr>
-              <a:t>tipuri</a:t>
-            </a:r>
-            <a:r>
-              <a:rPr lang="en-US" sz="1200" kern="1200" baseline="0" dirty="0" smtClean="0">
-                <a:solidFill>
-                  <a:schemeClr val="tx1"/>
-                </a:solidFill>
-                <a:effectLst/>
-                <a:latin typeface="+mn-lt"/>
-                <a:ea typeface="+mn-ea"/>
-                <a:cs typeface="+mn-cs"/>
-              </a:rPr>
-              <a:t>, tracked </a:t>
-            </a:r>
-            <a:r>
-              <a:rPr lang="en-US" sz="1200" kern="1200" baseline="0" dirty="0" err="1" smtClean="0">
-                <a:solidFill>
-                  <a:schemeClr val="tx1"/>
-                </a:solidFill>
-                <a:effectLst/>
-                <a:latin typeface="+mn-lt"/>
-                <a:ea typeface="+mn-ea"/>
-                <a:cs typeface="+mn-cs"/>
-              </a:rPr>
-              <a:t>si</a:t>
-            </a:r>
-            <a:r>
-              <a:rPr lang="en-US" sz="1200" kern="1200" baseline="0" dirty="0" smtClean="0">
-                <a:solidFill>
-                  <a:schemeClr val="tx1"/>
-                </a:solidFill>
-                <a:effectLst/>
-                <a:latin typeface="+mn-lt"/>
-                <a:ea typeface="+mn-ea"/>
-                <a:cs typeface="+mn-cs"/>
-              </a:rPr>
-              <a:t> untracked</a:t>
-            </a:r>
-          </a:p>
-          <a:p>
-            <a:pPr marL="457200" marR="0" lvl="1" indent="0" algn="l" defTabSz="914400" rtl="0" eaLnBrk="1" fontAlgn="auto" latinLnBrk="0" hangingPunct="1">
-              <a:lnSpc>
-                <a:spcPct val="100000"/>
-              </a:lnSpc>
-              <a:spcBef>
-                <a:spcPts val="0"/>
-              </a:spcBef>
-              <a:spcAft>
-                <a:spcPts val="0"/>
-              </a:spcAft>
-              <a:buClrTx/>
-              <a:buSzTx/>
-              <a:buFontTx/>
-              <a:buNone/>
-              <a:tabLst/>
-              <a:defRPr/>
-            </a:pPr>
-            <a:r>
-              <a:rPr lang="ro-RO" sz="1200" kern="1200" dirty="0" smtClean="0">
-                <a:solidFill>
-                  <a:schemeClr val="tx1"/>
-                </a:solidFill>
-                <a:effectLst/>
-                <a:latin typeface="+mn-lt"/>
-                <a:ea typeface="+mn-ea"/>
-                <a:cs typeface="+mn-cs"/>
-              </a:rPr>
-              <a:t>Untracked inseamna ca fisierul nu era prezent in ultimul snapshot, iar tracked inseamna ca fisierul a fost inclus si git urmareste schimbarile prin care trece</a:t>
-            </a:r>
-            <a:endParaRPr lang="en-US" sz="1200" kern="1200" dirty="0" smtClean="0">
+              <a:t> prin SSH.</a:t>
+            </a:r>
+            <a:endParaRPr lang="en-US" sz="1200" kern="1200" dirty="0">
               <a:solidFill>
                 <a:schemeClr val="tx1"/>
               </a:solidFill>
@@ -4196,7 +4161,7 @@
     </p:spTree>
     <p:extLst>
       <p:ext uri="{BB962C8B-B14F-4D97-AF65-F5344CB8AC3E}">
-        <p14:creationId xmlns:p14="http://schemas.microsoft.com/office/powerpoint/2010/main" val="3184268566"/>
+        <p14:creationId xmlns:p14="http://schemas.microsoft.com/office/powerpoint/2010/main" val="3129033969"/>
       </p:ext>
     </p:extLst>
   </p:cSld>
@@ -4250,7 +4215,289 @@
           <a:bodyPr/>
           <a:lstStyle/>
           <a:p>
-            <a:pPr marL="0" marR="0" lvl="1" indent="0" algn="l" defTabSz="914400" rtl="0" eaLnBrk="1" fontAlgn="auto" latinLnBrk="0" hangingPunct="1">
+            <a:pPr lvl="1"/>
+            <a:r>
+              <a:rPr lang="en-US" sz="1200" kern="1200" dirty="0" smtClean="0">
+                <a:solidFill>
+                  <a:schemeClr val="tx1"/>
+                </a:solidFill>
+                <a:effectLst/>
+                <a:latin typeface="+mn-lt"/>
+                <a:ea typeface="+mn-ea"/>
+                <a:cs typeface="+mn-cs"/>
+              </a:rPr>
+              <a:t>Pot </a:t>
+            </a:r>
+            <a:r>
+              <a:rPr lang="en-US" sz="1200" kern="1200" dirty="0" err="1" smtClean="0">
+                <a:solidFill>
+                  <a:schemeClr val="tx1"/>
+                </a:solidFill>
+                <a:effectLst/>
+                <a:latin typeface="+mn-lt"/>
+                <a:ea typeface="+mn-ea"/>
+                <a:cs typeface="+mn-cs"/>
+              </a:rPr>
+              <a:t>verifica</a:t>
+            </a:r>
+            <a:r>
+              <a:rPr lang="en-US" sz="1200" kern="1200" dirty="0" smtClean="0">
+                <a:solidFill>
+                  <a:schemeClr val="tx1"/>
+                </a:solidFill>
+                <a:effectLst/>
+                <a:latin typeface="+mn-lt"/>
+                <a:ea typeface="+mn-ea"/>
+                <a:cs typeface="+mn-cs"/>
+              </a:rPr>
+              <a:t> </a:t>
+            </a:r>
+            <a:r>
+              <a:rPr lang="en-US" sz="1200" kern="1200" dirty="0" err="1" smtClean="0">
+                <a:solidFill>
+                  <a:schemeClr val="tx1"/>
+                </a:solidFill>
+                <a:effectLst/>
+                <a:latin typeface="+mn-lt"/>
+                <a:ea typeface="+mn-ea"/>
+                <a:cs typeface="+mn-cs"/>
+              </a:rPr>
+              <a:t>starea</a:t>
+            </a:r>
+            <a:r>
+              <a:rPr lang="en-US" sz="1200" kern="1200" dirty="0" smtClean="0">
+                <a:solidFill>
+                  <a:schemeClr val="tx1"/>
+                </a:solidFill>
+                <a:effectLst/>
+                <a:latin typeface="+mn-lt"/>
+                <a:ea typeface="+mn-ea"/>
+                <a:cs typeface="+mn-cs"/>
+              </a:rPr>
+              <a:t> repository-</a:t>
+            </a:r>
+            <a:r>
+              <a:rPr lang="en-US" sz="1200" kern="1200" dirty="0" err="1" smtClean="0">
+                <a:solidFill>
+                  <a:schemeClr val="tx1"/>
+                </a:solidFill>
+                <a:effectLst/>
+                <a:latin typeface="+mn-lt"/>
+                <a:ea typeface="+mn-ea"/>
+                <a:cs typeface="+mn-cs"/>
+              </a:rPr>
+              <a:t>ului</a:t>
+            </a:r>
+            <a:r>
+              <a:rPr lang="en-US" sz="1200" kern="1200" baseline="0" dirty="0" smtClean="0">
+                <a:solidFill>
+                  <a:schemeClr val="tx1"/>
+                </a:solidFill>
+                <a:effectLst/>
+                <a:latin typeface="+mn-lt"/>
+                <a:ea typeface="+mn-ea"/>
+                <a:cs typeface="+mn-cs"/>
+              </a:rPr>
+              <a:t> </a:t>
+            </a:r>
+            <a:r>
+              <a:rPr lang="en-US" sz="1200" kern="1200" baseline="0" dirty="0" err="1" smtClean="0">
+                <a:solidFill>
+                  <a:schemeClr val="tx1"/>
+                </a:solidFill>
+                <a:effectLst/>
+                <a:latin typeface="+mn-lt"/>
+                <a:ea typeface="+mn-ea"/>
+                <a:cs typeface="+mn-cs"/>
+              </a:rPr>
+              <a:t>folosind</a:t>
+            </a:r>
+            <a:r>
+              <a:rPr lang="en-US" sz="1200" kern="1200" baseline="0" dirty="0" smtClean="0">
+                <a:solidFill>
+                  <a:schemeClr val="tx1"/>
+                </a:solidFill>
+                <a:effectLst/>
+                <a:latin typeface="+mn-lt"/>
+                <a:ea typeface="+mn-ea"/>
+                <a:cs typeface="+mn-cs"/>
+              </a:rPr>
+              <a:t> </a:t>
+            </a:r>
+            <a:r>
+              <a:rPr lang="en-US" sz="1200" kern="1200" baseline="0" dirty="0" err="1" smtClean="0">
+                <a:solidFill>
+                  <a:schemeClr val="tx1"/>
+                </a:solidFill>
+                <a:effectLst/>
+                <a:latin typeface="+mn-lt"/>
+                <a:ea typeface="+mn-ea"/>
+                <a:cs typeface="+mn-cs"/>
+              </a:rPr>
+              <a:t>comanda</a:t>
+            </a:r>
+            <a:r>
+              <a:rPr lang="en-US" sz="1200" kern="1200" baseline="0" dirty="0" smtClean="0">
+                <a:solidFill>
+                  <a:schemeClr val="tx1"/>
+                </a:solidFill>
+                <a:effectLst/>
+                <a:latin typeface="+mn-lt"/>
+                <a:ea typeface="+mn-ea"/>
+                <a:cs typeface="+mn-cs"/>
+              </a:rPr>
+              <a:t> </a:t>
+            </a:r>
+            <a:r>
+              <a:rPr lang="en-US" sz="1200" kern="1200" baseline="0" dirty="0" err="1" smtClean="0">
+                <a:solidFill>
+                  <a:schemeClr val="tx1"/>
+                </a:solidFill>
+                <a:effectLst/>
+                <a:latin typeface="+mn-lt"/>
+                <a:ea typeface="+mn-ea"/>
+                <a:cs typeface="+mn-cs"/>
+              </a:rPr>
+              <a:t>git</a:t>
+            </a:r>
+            <a:r>
+              <a:rPr lang="en-US" sz="1200" kern="1200" baseline="0" dirty="0" smtClean="0">
+                <a:solidFill>
+                  <a:schemeClr val="tx1"/>
+                </a:solidFill>
+                <a:effectLst/>
+                <a:latin typeface="+mn-lt"/>
+                <a:ea typeface="+mn-ea"/>
+                <a:cs typeface="+mn-cs"/>
+              </a:rPr>
+              <a:t> status</a:t>
+            </a:r>
+          </a:p>
+          <a:p>
+            <a:pPr lvl="1"/>
+            <a:r>
+              <a:rPr lang="en-US" sz="1200" kern="1200" baseline="0" dirty="0" err="1" smtClean="0">
+                <a:solidFill>
+                  <a:schemeClr val="tx1"/>
+                </a:solidFill>
+                <a:effectLst/>
+                <a:latin typeface="+mn-lt"/>
+                <a:ea typeface="+mn-ea"/>
+                <a:cs typeface="+mn-cs"/>
+              </a:rPr>
+              <a:t>Git</a:t>
+            </a:r>
+            <a:r>
+              <a:rPr lang="en-US" sz="1200" kern="1200" baseline="0" dirty="0" smtClean="0">
+                <a:solidFill>
+                  <a:schemeClr val="tx1"/>
+                </a:solidFill>
+                <a:effectLst/>
+                <a:latin typeface="+mn-lt"/>
+                <a:ea typeface="+mn-ea"/>
+                <a:cs typeface="+mn-cs"/>
+              </a:rPr>
+              <a:t> </a:t>
+            </a:r>
+            <a:r>
+              <a:rPr lang="en-US" sz="1200" kern="1200" baseline="0" dirty="0" err="1" smtClean="0">
+                <a:solidFill>
+                  <a:schemeClr val="tx1"/>
+                </a:solidFill>
+                <a:effectLst/>
+                <a:latin typeface="+mn-lt"/>
+                <a:ea typeface="+mn-ea"/>
+                <a:cs typeface="+mn-cs"/>
+              </a:rPr>
+              <a:t>clasifica</a:t>
+            </a:r>
+            <a:r>
+              <a:rPr lang="en-US" sz="1200" kern="1200" baseline="0" dirty="0" smtClean="0">
+                <a:solidFill>
+                  <a:schemeClr val="tx1"/>
+                </a:solidFill>
+                <a:effectLst/>
+                <a:latin typeface="+mn-lt"/>
+                <a:ea typeface="+mn-ea"/>
+                <a:cs typeface="+mn-cs"/>
+              </a:rPr>
+              <a:t> </a:t>
+            </a:r>
+            <a:r>
+              <a:rPr lang="en-US" sz="1200" kern="1200" baseline="0" dirty="0" err="1" smtClean="0">
+                <a:solidFill>
+                  <a:schemeClr val="tx1"/>
+                </a:solidFill>
+                <a:effectLst/>
+                <a:latin typeface="+mn-lt"/>
+                <a:ea typeface="+mn-ea"/>
+                <a:cs typeface="+mn-cs"/>
+              </a:rPr>
+              <a:t>fisierele</a:t>
+            </a:r>
+            <a:r>
+              <a:rPr lang="en-US" sz="1200" kern="1200" baseline="0" dirty="0" smtClean="0">
+                <a:solidFill>
+                  <a:schemeClr val="tx1"/>
+                </a:solidFill>
+                <a:effectLst/>
+                <a:latin typeface="+mn-lt"/>
+                <a:ea typeface="+mn-ea"/>
+                <a:cs typeface="+mn-cs"/>
+              </a:rPr>
+              <a:t> in 2 </a:t>
+            </a:r>
+            <a:r>
+              <a:rPr lang="en-US" sz="1200" kern="1200" baseline="0" dirty="0" err="1" smtClean="0">
+                <a:solidFill>
+                  <a:schemeClr val="tx1"/>
+                </a:solidFill>
+                <a:effectLst/>
+                <a:latin typeface="+mn-lt"/>
+                <a:ea typeface="+mn-ea"/>
+                <a:cs typeface="+mn-cs"/>
+              </a:rPr>
+              <a:t>tipuri</a:t>
+            </a:r>
+            <a:r>
+              <a:rPr lang="en-US" sz="1200" kern="1200" baseline="0" dirty="0" smtClean="0">
+                <a:solidFill>
+                  <a:schemeClr val="tx1"/>
+                </a:solidFill>
+                <a:effectLst/>
+                <a:latin typeface="+mn-lt"/>
+                <a:ea typeface="+mn-ea"/>
+                <a:cs typeface="+mn-cs"/>
+              </a:rPr>
+              <a:t>, tracked </a:t>
+            </a:r>
+            <a:r>
+              <a:rPr lang="en-US" sz="1200" kern="1200" baseline="0" dirty="0" err="1" smtClean="0">
+                <a:solidFill>
+                  <a:schemeClr val="tx1"/>
+                </a:solidFill>
+                <a:effectLst/>
+                <a:latin typeface="+mn-lt"/>
+                <a:ea typeface="+mn-ea"/>
+                <a:cs typeface="+mn-cs"/>
+              </a:rPr>
+              <a:t>si</a:t>
+            </a:r>
+            <a:r>
+              <a:rPr lang="en-US" sz="1200" kern="1200" baseline="0" dirty="0" smtClean="0">
+                <a:solidFill>
+                  <a:schemeClr val="tx1"/>
+                </a:solidFill>
+                <a:effectLst/>
+                <a:latin typeface="+mn-lt"/>
+                <a:ea typeface="+mn-ea"/>
+                <a:cs typeface="+mn-cs"/>
+              </a:rPr>
+              <a:t> untracked</a:t>
+            </a:r>
+          </a:p>
+          <a:p>
+            <a:pPr marL="457200" marR="0" lvl="1" indent="0" algn="l" defTabSz="914400" rtl="0" eaLnBrk="1" fontAlgn="auto" latinLnBrk="0" hangingPunct="1">
               <a:lnSpc>
                 <a:spcPct val="100000"/>
               </a:lnSpc>
@@ -4289,89 +4536,6 @@
               <a:cs typeface="+mn-cs"/>
             </a:endParaRPr>
           </a:p>
-          <a:p>
-            <a:pPr marL="0" marR="0" lvl="1" indent="0" algn="l" defTabSz="914400" rtl="0" eaLnBrk="1" fontAlgn="auto" latinLnBrk="0" hangingPunct="1">
-              <a:lnSpc>
-                <a:spcPct val="100000"/>
-              </a:lnSpc>
-              <a:spcBef>
-                <a:spcPts val="0"/>
-              </a:spcBef>
-              <a:spcAft>
-                <a:spcPts val="0"/>
-              </a:spcAft>
-              <a:buClrTx/>
-              <a:buSzTx/>
-              <a:buFontTx/>
-              <a:buNone/>
-              <a:tabLst/>
-              <a:defRPr/>
-            </a:pPr>
-            <a:r>
-              <a:rPr lang="ro-RO" sz="1200" kern="1200" dirty="0" smtClean="0">
-                <a:solidFill>
-                  <a:schemeClr val="tx1"/>
-                </a:solidFill>
-                <a:effectLst/>
-                <a:latin typeface="+mn-lt"/>
-                <a:ea typeface="+mn-ea"/>
-                <a:cs typeface="+mn-cs"/>
-              </a:rPr>
-              <a:t>Orice fisier nou este untracked</a:t>
-            </a:r>
-            <a:endParaRPr lang="en-US" sz="1200" kern="1200" dirty="0" smtClean="0">
-              <a:solidFill>
-                <a:schemeClr val="tx1"/>
-              </a:solidFill>
-              <a:effectLst/>
-              <a:latin typeface="+mn-lt"/>
-              <a:ea typeface="+mn-ea"/>
-              <a:cs typeface="+mn-cs"/>
-            </a:endParaRPr>
-          </a:p>
-          <a:p>
-            <a:pPr lvl="2"/>
-            <a:endParaRPr lang="en-US" sz="1200" kern="1200" dirty="0" smtClean="0">
-              <a:solidFill>
-                <a:schemeClr val="tx1"/>
-              </a:solidFill>
-              <a:effectLst/>
-              <a:latin typeface="+mn-lt"/>
-              <a:ea typeface="+mn-ea"/>
-              <a:cs typeface="+mn-cs"/>
-            </a:endParaRPr>
-          </a:p>
-          <a:p>
-            <a:pPr marL="0" marR="0" lvl="1" indent="0" algn="l" defTabSz="914400" rtl="0" eaLnBrk="1" fontAlgn="auto" latinLnBrk="0" hangingPunct="1">
-              <a:lnSpc>
-                <a:spcPct val="100000"/>
-              </a:lnSpc>
-              <a:spcBef>
-                <a:spcPts val="0"/>
-              </a:spcBef>
-              <a:spcAft>
-                <a:spcPts val="0"/>
-              </a:spcAft>
-              <a:buClrTx/>
-              <a:buSzTx/>
-              <a:buFontTx/>
-              <a:buNone/>
-              <a:tabLst/>
-              <a:defRPr/>
-            </a:pPr>
-            <a:endParaRPr lang="en-US" sz="1200" kern="1200" dirty="0" smtClean="0">
-              <a:solidFill>
-                <a:schemeClr val="tx1"/>
-              </a:solidFill>
-              <a:effectLst/>
-              <a:latin typeface="+mn-lt"/>
-              <a:ea typeface="+mn-ea"/>
-              <a:cs typeface="+mn-cs"/>
-            </a:endParaRPr>
-          </a:p>
-          <a:p>
-            <a:endParaRPr lang="en-US" dirty="0"/>
-          </a:p>
         </p:txBody>
       </p:sp>
       <p:sp>
@@ -4400,7 +4564,7 @@
     </p:spTree>
     <p:extLst>
       <p:ext uri="{BB962C8B-B14F-4D97-AF65-F5344CB8AC3E}">
-        <p14:creationId xmlns:p14="http://schemas.microsoft.com/office/powerpoint/2010/main" val="541932893"/>
+        <p14:creationId xmlns:p14="http://schemas.microsoft.com/office/powerpoint/2010/main" val="3184268566"/>
       </p:ext>
     </p:extLst>
   </p:cSld>
@@ -4454,9 +4618,25 @@
           <a:bodyPr/>
           <a:lstStyle/>
           <a:p>
-            <a:pPr lvl="1"/>
-            <a:r>
-              <a:rPr lang="en-US" sz="1200" kern="1200" dirty="0" err="1" smtClean="0">
+            <a:pPr marL="0" marR="0" lvl="1" indent="0" algn="l" defTabSz="914400" rtl="0" eaLnBrk="1" fontAlgn="auto" latinLnBrk="0" hangingPunct="1">
+              <a:lnSpc>
+                <a:spcPct val="100000"/>
+              </a:lnSpc>
+              <a:spcBef>
+                <a:spcPts val="0"/>
+              </a:spcBef>
+              <a:spcAft>
+                <a:spcPts val="0"/>
+              </a:spcAft>
+              <a:buClrTx/>
+              <a:buSzTx/>
+              <a:buFontTx/>
+              <a:buNone/>
+              <a:tabLst/>
+              <a:defRPr/>
+            </a:pPr>
+            <a:r>
+              <a:rPr lang="ro-RO" sz="1200" kern="1200" dirty="0" smtClean="0">
                 <a:solidFill>
                   <a:schemeClr val="tx1"/>
                 </a:solidFill>
@@ -4465,667 +4645,7 @@
                 <a:ea typeface="+mn-ea"/>
                 <a:cs typeface="+mn-cs"/>
               </a:rPr>
-              <a:t>Daca</a:t>
-            </a:r>
-            <a:r>
-              <a:rPr lang="en-US" sz="1200" kern="1200" dirty="0" smtClean="0">
-                <a:solidFill>
-                  <a:schemeClr val="tx1"/>
-                </a:solidFill>
-                <a:effectLst/>
-                <a:latin typeface="+mn-lt"/>
-                <a:ea typeface="+mn-ea"/>
-                <a:cs typeface="+mn-cs"/>
-              </a:rPr>
-              <a:t> </a:t>
-            </a:r>
-            <a:r>
-              <a:rPr lang="en-US" sz="1200" kern="1200" dirty="0" err="1" smtClean="0">
-                <a:solidFill>
-                  <a:schemeClr val="tx1"/>
-                </a:solidFill>
-                <a:effectLst/>
-                <a:latin typeface="+mn-lt"/>
-                <a:ea typeface="+mn-ea"/>
-                <a:cs typeface="+mn-cs"/>
-              </a:rPr>
-              <a:t>vrem</a:t>
-            </a:r>
-            <a:r>
-              <a:rPr lang="en-US" sz="1200" kern="1200" dirty="0" smtClean="0">
-                <a:solidFill>
-                  <a:schemeClr val="tx1"/>
-                </a:solidFill>
-                <a:effectLst/>
-                <a:latin typeface="+mn-lt"/>
-                <a:ea typeface="+mn-ea"/>
-                <a:cs typeface="+mn-cs"/>
-              </a:rPr>
-              <a:t> </a:t>
-            </a:r>
-            <a:r>
-              <a:rPr lang="en-US" sz="1200" kern="1200" dirty="0" err="1" smtClean="0">
-                <a:solidFill>
-                  <a:schemeClr val="tx1"/>
-                </a:solidFill>
-                <a:effectLst/>
-                <a:latin typeface="+mn-lt"/>
-                <a:ea typeface="+mn-ea"/>
-                <a:cs typeface="+mn-cs"/>
-              </a:rPr>
-              <a:t>sa</a:t>
-            </a:r>
-            <a:r>
-              <a:rPr lang="en-US" sz="1200" kern="1200" dirty="0" smtClean="0">
-                <a:solidFill>
-                  <a:schemeClr val="tx1"/>
-                </a:solidFill>
-                <a:effectLst/>
-                <a:latin typeface="+mn-lt"/>
-                <a:ea typeface="+mn-ea"/>
-                <a:cs typeface="+mn-cs"/>
-              </a:rPr>
-              <a:t> </a:t>
-            </a:r>
-            <a:r>
-              <a:rPr lang="en-US" sz="1200" kern="1200" dirty="0" err="1" smtClean="0">
-                <a:solidFill>
-                  <a:schemeClr val="tx1"/>
-                </a:solidFill>
-                <a:effectLst/>
-                <a:latin typeface="+mn-lt"/>
-                <a:ea typeface="+mn-ea"/>
-                <a:cs typeface="+mn-cs"/>
-              </a:rPr>
-              <a:t>adaugam</a:t>
-            </a:r>
-            <a:r>
-              <a:rPr lang="en-US" sz="1200" kern="1200" baseline="0" dirty="0" smtClean="0">
-                <a:solidFill>
-                  <a:schemeClr val="tx1"/>
-                </a:solidFill>
-                <a:effectLst/>
-                <a:latin typeface="+mn-lt"/>
-                <a:ea typeface="+mn-ea"/>
-                <a:cs typeface="+mn-cs"/>
-              </a:rPr>
-              <a:t> un </a:t>
-            </a:r>
-            <a:r>
-              <a:rPr lang="en-US" sz="1200" kern="1200" baseline="0" dirty="0" err="1" smtClean="0">
-                <a:solidFill>
-                  <a:schemeClr val="tx1"/>
-                </a:solidFill>
-                <a:effectLst/>
-                <a:latin typeface="+mn-lt"/>
-                <a:ea typeface="+mn-ea"/>
-                <a:cs typeface="+mn-cs"/>
-              </a:rPr>
-              <a:t>fisier</a:t>
-            </a:r>
-            <a:r>
-              <a:rPr lang="en-US" sz="1200" kern="1200" baseline="0" dirty="0" smtClean="0">
-                <a:solidFill>
-                  <a:schemeClr val="tx1"/>
-                </a:solidFill>
-                <a:effectLst/>
-                <a:latin typeface="+mn-lt"/>
-                <a:ea typeface="+mn-ea"/>
-                <a:cs typeface="+mn-cs"/>
-              </a:rPr>
-              <a:t> in staging, </a:t>
-            </a:r>
-            <a:r>
-              <a:rPr lang="en-US" sz="1200" kern="1200" baseline="0" dirty="0" err="1" smtClean="0">
-                <a:solidFill>
-                  <a:schemeClr val="tx1"/>
-                </a:solidFill>
-                <a:effectLst/>
-                <a:latin typeface="+mn-lt"/>
-                <a:ea typeface="+mn-ea"/>
-                <a:cs typeface="+mn-cs"/>
-              </a:rPr>
-              <a:t>folosim</a:t>
-            </a:r>
-            <a:r>
-              <a:rPr lang="en-US" sz="1200" kern="1200" baseline="0" dirty="0" smtClean="0">
-                <a:solidFill>
-                  <a:schemeClr val="tx1"/>
-                </a:solidFill>
-                <a:effectLst/>
-                <a:latin typeface="+mn-lt"/>
-                <a:ea typeface="+mn-ea"/>
-                <a:cs typeface="+mn-cs"/>
-              </a:rPr>
-              <a:t> </a:t>
-            </a:r>
-            <a:r>
-              <a:rPr lang="en-US" sz="1200" kern="1200" baseline="0" dirty="0" err="1" smtClean="0">
-                <a:solidFill>
-                  <a:schemeClr val="tx1"/>
-                </a:solidFill>
-                <a:effectLst/>
-                <a:latin typeface="+mn-lt"/>
-                <a:ea typeface="+mn-ea"/>
-                <a:cs typeface="+mn-cs"/>
-              </a:rPr>
-              <a:t>comanda</a:t>
-            </a:r>
-            <a:r>
-              <a:rPr lang="en-US" sz="1200" kern="1200" baseline="0" dirty="0" smtClean="0">
-                <a:solidFill>
-                  <a:schemeClr val="tx1"/>
-                </a:solidFill>
-                <a:effectLst/>
-                <a:latin typeface="+mn-lt"/>
-                <a:ea typeface="+mn-ea"/>
-                <a:cs typeface="+mn-cs"/>
-              </a:rPr>
-              <a:t> </a:t>
-            </a:r>
-            <a:r>
-              <a:rPr lang="en-US" sz="1200" kern="1200" baseline="0" dirty="0" err="1" smtClean="0">
-                <a:solidFill>
-                  <a:schemeClr val="tx1"/>
-                </a:solidFill>
-                <a:effectLst/>
-                <a:latin typeface="+mn-lt"/>
-                <a:ea typeface="+mn-ea"/>
-                <a:cs typeface="+mn-cs"/>
-              </a:rPr>
-              <a:t>git</a:t>
-            </a:r>
-            <a:r>
-              <a:rPr lang="en-US" sz="1200" kern="1200" baseline="0" dirty="0" smtClean="0">
-                <a:solidFill>
-                  <a:schemeClr val="tx1"/>
-                </a:solidFill>
-                <a:effectLst/>
-                <a:latin typeface="+mn-lt"/>
-                <a:ea typeface="+mn-ea"/>
-                <a:cs typeface="+mn-cs"/>
-              </a:rPr>
-              <a:t> add. </a:t>
-            </a:r>
-            <a:r>
-              <a:rPr lang="en-US" sz="1200" kern="1200" baseline="0" dirty="0" err="1" smtClean="0">
-                <a:solidFill>
-                  <a:schemeClr val="tx1"/>
-                </a:solidFill>
-                <a:effectLst/>
-                <a:latin typeface="+mn-lt"/>
-                <a:ea typeface="+mn-ea"/>
-                <a:cs typeface="+mn-cs"/>
-              </a:rPr>
-              <a:t>Aceasta</a:t>
-            </a:r>
-            <a:r>
-              <a:rPr lang="en-US" sz="1200" kern="1200" baseline="0" dirty="0" smtClean="0">
-                <a:solidFill>
-                  <a:schemeClr val="tx1"/>
-                </a:solidFill>
-                <a:effectLst/>
-                <a:latin typeface="+mn-lt"/>
-                <a:ea typeface="+mn-ea"/>
-                <a:cs typeface="+mn-cs"/>
-              </a:rPr>
-              <a:t> </a:t>
-            </a:r>
-            <a:r>
-              <a:rPr lang="en-US" sz="1200" kern="1200" baseline="0" dirty="0" err="1" smtClean="0">
-                <a:solidFill>
-                  <a:schemeClr val="tx1"/>
-                </a:solidFill>
-                <a:effectLst/>
-                <a:latin typeface="+mn-lt"/>
-                <a:ea typeface="+mn-ea"/>
-                <a:cs typeface="+mn-cs"/>
-              </a:rPr>
-              <a:t>comanda</a:t>
-            </a:r>
-            <a:r>
-              <a:rPr lang="en-US" sz="1200" kern="1200" baseline="0" dirty="0" smtClean="0">
-                <a:solidFill>
-                  <a:schemeClr val="tx1"/>
-                </a:solidFill>
-                <a:effectLst/>
-                <a:latin typeface="+mn-lt"/>
-                <a:ea typeface="+mn-ea"/>
-                <a:cs typeface="+mn-cs"/>
-              </a:rPr>
-              <a:t> nu </a:t>
-            </a:r>
-            <a:r>
-              <a:rPr lang="en-US" sz="1200" kern="1200" baseline="0" dirty="0" err="1" smtClean="0">
-                <a:solidFill>
-                  <a:schemeClr val="tx1"/>
-                </a:solidFill>
-                <a:effectLst/>
-                <a:latin typeface="+mn-lt"/>
-                <a:ea typeface="+mn-ea"/>
-                <a:cs typeface="+mn-cs"/>
-              </a:rPr>
-              <a:t>creeaza</a:t>
-            </a:r>
-            <a:r>
-              <a:rPr lang="en-US" sz="1200" kern="1200" baseline="0" dirty="0" smtClean="0">
-                <a:solidFill>
-                  <a:schemeClr val="tx1"/>
-                </a:solidFill>
-                <a:effectLst/>
-                <a:latin typeface="+mn-lt"/>
-                <a:ea typeface="+mn-ea"/>
-                <a:cs typeface="+mn-cs"/>
-              </a:rPr>
-              <a:t> un </a:t>
-            </a:r>
-            <a:r>
-              <a:rPr lang="en-US" sz="1200" kern="1200" baseline="0" dirty="0" err="1" smtClean="0">
-                <a:solidFill>
-                  <a:schemeClr val="tx1"/>
-                </a:solidFill>
-                <a:effectLst/>
-                <a:latin typeface="+mn-lt"/>
-                <a:ea typeface="+mn-ea"/>
-                <a:cs typeface="+mn-cs"/>
-              </a:rPr>
-              <a:t>fisier</a:t>
-            </a:r>
-            <a:r>
-              <a:rPr lang="en-US" sz="1200" kern="1200" baseline="0" dirty="0" smtClean="0">
-                <a:solidFill>
-                  <a:schemeClr val="tx1"/>
-                </a:solidFill>
-                <a:effectLst/>
-                <a:latin typeface="+mn-lt"/>
-                <a:ea typeface="+mn-ea"/>
-                <a:cs typeface="+mn-cs"/>
-              </a:rPr>
-              <a:t> </a:t>
-            </a:r>
-            <a:r>
-              <a:rPr lang="en-US" sz="1200" kern="1200" baseline="0" dirty="0" err="1" smtClean="0">
-                <a:solidFill>
-                  <a:schemeClr val="tx1"/>
-                </a:solidFill>
-                <a:effectLst/>
-                <a:latin typeface="+mn-lt"/>
-                <a:ea typeface="+mn-ea"/>
-                <a:cs typeface="+mn-cs"/>
-              </a:rPr>
-              <a:t>pe</a:t>
-            </a:r>
-            <a:r>
-              <a:rPr lang="en-US" sz="1200" kern="1200" baseline="0" dirty="0" smtClean="0">
-                <a:solidFill>
-                  <a:schemeClr val="tx1"/>
-                </a:solidFill>
-                <a:effectLst/>
-                <a:latin typeface="+mn-lt"/>
-                <a:ea typeface="+mn-ea"/>
-                <a:cs typeface="+mn-cs"/>
-              </a:rPr>
-              <a:t> disk, ci ii </a:t>
-            </a:r>
-            <a:r>
-              <a:rPr lang="en-US" sz="1200" kern="1200" baseline="0" dirty="0" err="1" smtClean="0">
-                <a:solidFill>
-                  <a:schemeClr val="tx1"/>
-                </a:solidFill>
-                <a:effectLst/>
-                <a:latin typeface="+mn-lt"/>
-                <a:ea typeface="+mn-ea"/>
-                <a:cs typeface="+mn-cs"/>
-              </a:rPr>
-              <a:t>spune</a:t>
-            </a:r>
-            <a:r>
-              <a:rPr lang="en-US" sz="1200" kern="1200" baseline="0" dirty="0" smtClean="0">
-                <a:solidFill>
-                  <a:schemeClr val="tx1"/>
-                </a:solidFill>
-                <a:effectLst/>
-                <a:latin typeface="+mn-lt"/>
-                <a:ea typeface="+mn-ea"/>
-                <a:cs typeface="+mn-cs"/>
-              </a:rPr>
-              <a:t> </a:t>
-            </a:r>
-            <a:r>
-              <a:rPr lang="en-US" sz="1200" kern="1200" baseline="0" dirty="0" err="1" smtClean="0">
-                <a:solidFill>
-                  <a:schemeClr val="tx1"/>
-                </a:solidFill>
-                <a:effectLst/>
-                <a:latin typeface="+mn-lt"/>
-                <a:ea typeface="+mn-ea"/>
-                <a:cs typeface="+mn-cs"/>
-              </a:rPr>
-              <a:t>lui</a:t>
-            </a:r>
-            <a:r>
-              <a:rPr lang="en-US" sz="1200" kern="1200" baseline="0" dirty="0" smtClean="0">
-                <a:solidFill>
-                  <a:schemeClr val="tx1"/>
-                </a:solidFill>
-                <a:effectLst/>
-                <a:latin typeface="+mn-lt"/>
-                <a:ea typeface="+mn-ea"/>
-                <a:cs typeface="+mn-cs"/>
-              </a:rPr>
-              <a:t> </a:t>
-            </a:r>
-            <a:r>
-              <a:rPr lang="en-US" sz="1200" kern="1200" baseline="0" dirty="0" err="1" smtClean="0">
-                <a:solidFill>
-                  <a:schemeClr val="tx1"/>
-                </a:solidFill>
-                <a:effectLst/>
-                <a:latin typeface="+mn-lt"/>
-                <a:ea typeface="+mn-ea"/>
-                <a:cs typeface="+mn-cs"/>
-              </a:rPr>
-              <a:t>git</a:t>
-            </a:r>
-            <a:r>
-              <a:rPr lang="en-US" sz="1200" kern="1200" baseline="0" dirty="0" smtClean="0">
-                <a:solidFill>
-                  <a:schemeClr val="tx1"/>
-                </a:solidFill>
-                <a:effectLst/>
-                <a:latin typeface="+mn-lt"/>
-                <a:ea typeface="+mn-ea"/>
-                <a:cs typeface="+mn-cs"/>
-              </a:rPr>
-              <a:t> </a:t>
-            </a:r>
-            <a:r>
-              <a:rPr lang="en-US" sz="1200" kern="1200" baseline="0" dirty="0" err="1" smtClean="0">
-                <a:solidFill>
-                  <a:schemeClr val="tx1"/>
-                </a:solidFill>
-                <a:effectLst/>
-                <a:latin typeface="+mn-lt"/>
-                <a:ea typeface="+mn-ea"/>
-                <a:cs typeface="+mn-cs"/>
-              </a:rPr>
-              <a:t>sa</a:t>
-            </a:r>
-            <a:r>
-              <a:rPr lang="en-US" sz="1200" kern="1200" baseline="0" dirty="0" smtClean="0">
-                <a:solidFill>
-                  <a:schemeClr val="tx1"/>
-                </a:solidFill>
-                <a:effectLst/>
-                <a:latin typeface="+mn-lt"/>
-                <a:ea typeface="+mn-ea"/>
-                <a:cs typeface="+mn-cs"/>
-              </a:rPr>
-              <a:t> </a:t>
-            </a:r>
-            <a:r>
-              <a:rPr lang="en-US" sz="1200" kern="1200" baseline="0" dirty="0" err="1" smtClean="0">
-                <a:solidFill>
-                  <a:schemeClr val="tx1"/>
-                </a:solidFill>
-                <a:effectLst/>
-                <a:latin typeface="+mn-lt"/>
-                <a:ea typeface="+mn-ea"/>
-                <a:cs typeface="+mn-cs"/>
-              </a:rPr>
-              <a:t>adauge</a:t>
-            </a:r>
-            <a:r>
-              <a:rPr lang="en-US" sz="1200" kern="1200" baseline="0" dirty="0" smtClean="0">
-                <a:solidFill>
-                  <a:schemeClr val="tx1"/>
-                </a:solidFill>
-                <a:effectLst/>
-                <a:latin typeface="+mn-lt"/>
-                <a:ea typeface="+mn-ea"/>
-                <a:cs typeface="+mn-cs"/>
-              </a:rPr>
-              <a:t> </a:t>
-            </a:r>
-            <a:r>
-              <a:rPr lang="en-US" sz="1200" kern="1200" baseline="0" dirty="0" err="1" smtClean="0">
-                <a:solidFill>
-                  <a:schemeClr val="tx1"/>
-                </a:solidFill>
-                <a:effectLst/>
-                <a:latin typeface="+mn-lt"/>
-                <a:ea typeface="+mn-ea"/>
-                <a:cs typeface="+mn-cs"/>
-              </a:rPr>
-              <a:t>fisierul</a:t>
-            </a:r>
-            <a:r>
-              <a:rPr lang="en-US" sz="1200" kern="1200" baseline="0" dirty="0" smtClean="0">
-                <a:solidFill>
-                  <a:schemeClr val="tx1"/>
-                </a:solidFill>
-                <a:effectLst/>
-                <a:latin typeface="+mn-lt"/>
-                <a:ea typeface="+mn-ea"/>
-                <a:cs typeface="+mn-cs"/>
-              </a:rPr>
-              <a:t> existent, in repository. </a:t>
-            </a:r>
-            <a:r>
-              <a:rPr lang="en-US" sz="1200" kern="1200" baseline="0" dirty="0" err="1" smtClean="0">
-                <a:solidFill>
-                  <a:schemeClr val="tx1"/>
-                </a:solidFill>
-                <a:effectLst/>
-                <a:latin typeface="+mn-lt"/>
-                <a:ea typeface="+mn-ea"/>
-                <a:cs typeface="+mn-cs"/>
-              </a:rPr>
-              <a:t>Facand</a:t>
-            </a:r>
-            <a:r>
-              <a:rPr lang="en-US" sz="1200" kern="1200" baseline="0" dirty="0" smtClean="0">
-                <a:solidFill>
-                  <a:schemeClr val="tx1"/>
-                </a:solidFill>
-                <a:effectLst/>
-                <a:latin typeface="+mn-lt"/>
-                <a:ea typeface="+mn-ea"/>
-                <a:cs typeface="+mn-cs"/>
-              </a:rPr>
-              <a:t> </a:t>
-            </a:r>
-            <a:r>
-              <a:rPr lang="en-US" sz="1200" kern="1200" baseline="0" dirty="0" err="1" smtClean="0">
-                <a:solidFill>
-                  <a:schemeClr val="tx1"/>
-                </a:solidFill>
-                <a:effectLst/>
-                <a:latin typeface="+mn-lt"/>
-                <a:ea typeface="+mn-ea"/>
-                <a:cs typeface="+mn-cs"/>
-              </a:rPr>
-              <a:t>asta</a:t>
-            </a:r>
-            <a:r>
-              <a:rPr lang="en-US" sz="1200" kern="1200" baseline="0" dirty="0" smtClean="0">
-                <a:solidFill>
-                  <a:schemeClr val="tx1"/>
-                </a:solidFill>
-                <a:effectLst/>
-                <a:latin typeface="+mn-lt"/>
-                <a:ea typeface="+mn-ea"/>
-                <a:cs typeface="+mn-cs"/>
-              </a:rPr>
-              <a:t>, </a:t>
-            </a:r>
-            <a:r>
-              <a:rPr lang="en-US" sz="1200" kern="1200" baseline="0" dirty="0" err="1" smtClean="0">
-                <a:solidFill>
-                  <a:schemeClr val="tx1"/>
-                </a:solidFill>
-                <a:effectLst/>
-                <a:latin typeface="+mn-lt"/>
-                <a:ea typeface="+mn-ea"/>
-                <a:cs typeface="+mn-cs"/>
-              </a:rPr>
-              <a:t>git</a:t>
-            </a:r>
-            <a:r>
-              <a:rPr lang="en-US" sz="1200" kern="1200" baseline="0" dirty="0" smtClean="0">
-                <a:solidFill>
-                  <a:schemeClr val="tx1"/>
-                </a:solidFill>
-                <a:effectLst/>
-                <a:latin typeface="+mn-lt"/>
-                <a:ea typeface="+mn-ea"/>
-                <a:cs typeface="+mn-cs"/>
-              </a:rPr>
-              <a:t> </a:t>
-            </a:r>
-            <a:r>
-              <a:rPr lang="en-US" sz="1200" kern="1200" baseline="0" dirty="0" err="1" smtClean="0">
-                <a:solidFill>
-                  <a:schemeClr val="tx1"/>
-                </a:solidFill>
-                <a:effectLst/>
-                <a:latin typeface="+mn-lt"/>
-                <a:ea typeface="+mn-ea"/>
-                <a:cs typeface="+mn-cs"/>
-              </a:rPr>
-              <a:t>va</a:t>
-            </a:r>
-            <a:r>
-              <a:rPr lang="en-US" sz="1200" kern="1200" baseline="0" dirty="0" smtClean="0">
-                <a:solidFill>
-                  <a:schemeClr val="tx1"/>
-                </a:solidFill>
-                <a:effectLst/>
-                <a:latin typeface="+mn-lt"/>
-                <a:ea typeface="+mn-ea"/>
-                <a:cs typeface="+mn-cs"/>
-              </a:rPr>
-              <a:t> </a:t>
-            </a:r>
-            <a:r>
-              <a:rPr lang="en-US" sz="1200" kern="1200" baseline="0" dirty="0" err="1" smtClean="0">
-                <a:solidFill>
-                  <a:schemeClr val="tx1"/>
-                </a:solidFill>
-                <a:effectLst/>
-                <a:latin typeface="+mn-lt"/>
-                <a:ea typeface="+mn-ea"/>
-                <a:cs typeface="+mn-cs"/>
-              </a:rPr>
-              <a:t>urmari</a:t>
-            </a:r>
-            <a:r>
-              <a:rPr lang="en-US" sz="1200" kern="1200" baseline="0" dirty="0" smtClean="0">
-                <a:solidFill>
-                  <a:schemeClr val="tx1"/>
-                </a:solidFill>
-                <a:effectLst/>
-                <a:latin typeface="+mn-lt"/>
-                <a:ea typeface="+mn-ea"/>
-                <a:cs typeface="+mn-cs"/>
-              </a:rPr>
-              <a:t> </a:t>
-            </a:r>
-            <a:r>
-              <a:rPr lang="en-US" sz="1200" kern="1200" baseline="0" dirty="0" err="1" smtClean="0">
-                <a:solidFill>
-                  <a:schemeClr val="tx1"/>
-                </a:solidFill>
-                <a:effectLst/>
-                <a:latin typeface="+mn-lt"/>
-                <a:ea typeface="+mn-ea"/>
-                <a:cs typeface="+mn-cs"/>
-              </a:rPr>
-              <a:t>toate</a:t>
-            </a:r>
-            <a:r>
-              <a:rPr lang="en-US" sz="1200" kern="1200" baseline="0" dirty="0" smtClean="0">
-                <a:solidFill>
-                  <a:schemeClr val="tx1"/>
-                </a:solidFill>
-                <a:effectLst/>
-                <a:latin typeface="+mn-lt"/>
-                <a:ea typeface="+mn-ea"/>
-                <a:cs typeface="+mn-cs"/>
-              </a:rPr>
-              <a:t> </a:t>
-            </a:r>
-            <a:r>
-              <a:rPr lang="en-US" sz="1200" kern="1200" baseline="0" dirty="0" err="1" smtClean="0">
-                <a:solidFill>
-                  <a:schemeClr val="tx1"/>
-                </a:solidFill>
-                <a:effectLst/>
-                <a:latin typeface="+mn-lt"/>
-                <a:ea typeface="+mn-ea"/>
-                <a:cs typeface="+mn-cs"/>
-              </a:rPr>
-              <a:t>modificarile</a:t>
-            </a:r>
-            <a:r>
-              <a:rPr lang="en-US" sz="1200" kern="1200" baseline="0" dirty="0" smtClean="0">
-                <a:solidFill>
-                  <a:schemeClr val="tx1"/>
-                </a:solidFill>
-                <a:effectLst/>
-                <a:latin typeface="+mn-lt"/>
-                <a:ea typeface="+mn-ea"/>
-                <a:cs typeface="+mn-cs"/>
-              </a:rPr>
-              <a:t> </a:t>
-            </a:r>
-            <a:r>
-              <a:rPr lang="en-US" sz="1200" kern="1200" baseline="0" dirty="0" err="1" smtClean="0">
-                <a:solidFill>
-                  <a:schemeClr val="tx1"/>
-                </a:solidFill>
-                <a:effectLst/>
-                <a:latin typeface="+mn-lt"/>
-                <a:ea typeface="+mn-ea"/>
-                <a:cs typeface="+mn-cs"/>
-              </a:rPr>
-              <a:t>aduse</a:t>
-            </a:r>
-            <a:r>
-              <a:rPr lang="en-US" sz="1200" kern="1200" baseline="0" dirty="0" smtClean="0">
-                <a:solidFill>
-                  <a:schemeClr val="tx1"/>
-                </a:solidFill>
-                <a:effectLst/>
-                <a:latin typeface="+mn-lt"/>
-                <a:ea typeface="+mn-ea"/>
-                <a:cs typeface="+mn-cs"/>
-              </a:rPr>
-              <a:t> </a:t>
-            </a:r>
-            <a:r>
-              <a:rPr lang="en-US" sz="1200" kern="1200" baseline="0" dirty="0" err="1" smtClean="0">
-                <a:solidFill>
-                  <a:schemeClr val="tx1"/>
-                </a:solidFill>
-                <a:effectLst/>
-                <a:latin typeface="+mn-lt"/>
-                <a:ea typeface="+mn-ea"/>
-                <a:cs typeface="+mn-cs"/>
-              </a:rPr>
-              <a:t>fisierului</a:t>
-            </a:r>
-            <a:r>
-              <a:rPr lang="en-US" sz="1200" kern="1200" baseline="0" dirty="0" smtClean="0">
-                <a:solidFill>
-                  <a:schemeClr val="tx1"/>
-                </a:solidFill>
-                <a:effectLst/>
-                <a:latin typeface="+mn-lt"/>
-                <a:ea typeface="+mn-ea"/>
-                <a:cs typeface="+mn-cs"/>
-              </a:rPr>
-              <a:t>.</a:t>
+              <a:t>Untracked inseamna ca fisierul nu era prezent in ultimul snapshot, iar tracked inseamna ca fisierul a fost inclus si git urmareste schimbarile prin care trece</a:t>
             </a:r>
             <a:endParaRPr lang="en-US" sz="1200" kern="1200" dirty="0" smtClean="0">
               <a:solidFill>
@@ -5138,9 +4658,25 @@
             </a:endParaRPr>
           </a:p>
           <a:p>
-            <a:pPr lvl="1"/>
-            <a:r>
-              <a:rPr lang="en-US" sz="1200" kern="1200" dirty="0" smtClean="0">
+            <a:pPr marL="0" marR="0" lvl="1" indent="0" algn="l" defTabSz="914400" rtl="0" eaLnBrk="1" fontAlgn="auto" latinLnBrk="0" hangingPunct="1">
+              <a:lnSpc>
+                <a:spcPct val="100000"/>
+              </a:lnSpc>
+              <a:spcBef>
+                <a:spcPts val="0"/>
+              </a:spcBef>
+              <a:spcAft>
+                <a:spcPts val="0"/>
+              </a:spcAft>
+              <a:buClrTx/>
+              <a:buSzTx/>
+              <a:buFontTx/>
+              <a:buNone/>
+              <a:tabLst/>
+              <a:defRPr/>
+            </a:pPr>
+            <a:r>
+              <a:rPr lang="ro-RO" sz="1200" kern="1200" dirty="0" smtClean="0">
                 <a:solidFill>
                   <a:schemeClr val="tx1"/>
                 </a:solidFill>
@@ -5149,19 +4685,7 @@
                 <a:ea typeface="+mn-ea"/>
                 <a:cs typeface="+mn-cs"/>
               </a:rPr>
-              <a:t>D</a:t>
-            </a:r>
-            <a:r>
-              <a:rPr lang="ro-RO" sz="1200" kern="1200" dirty="0" smtClean="0">
-                <a:solidFill>
-                  <a:schemeClr val="tx1"/>
-                </a:solidFill>
-                <a:effectLst/>
-                <a:latin typeface="+mn-lt"/>
-                <a:ea typeface="+mn-ea"/>
-                <a:cs typeface="+mn-cs"/>
-              </a:rPr>
-              <a:t>aca vrem sa adaugam toate fisierele, putem folosi comanda git add . in loc sa o folosim cu numele fiecarui fisier</a:t>
+              <a:t>Orice fisier nou este untracked</a:t>
             </a:r>
             <a:endParaRPr lang="en-US" sz="1200" kern="1200" dirty="0" smtClean="0">
               <a:solidFill>
@@ -5174,19 +4698,7 @@
             </a:endParaRPr>
           </a:p>
           <a:p>
-            <a:pPr lvl="1"/>
-            <a:r>
-              <a:rPr lang="ro-RO" sz="1200" kern="1200" dirty="0" smtClean="0">
-                <a:solidFill>
-                  <a:schemeClr val="tx1"/>
-                </a:solidFill>
-                <a:effectLst/>
-                <a:latin typeface="+mn-lt"/>
-                <a:ea typeface="+mn-ea"/>
-                <a:cs typeface="+mn-cs"/>
-              </a:rPr>
-              <a:t>dupa ce adaugam fisierul text, si executam comanda git status, vedem ca fisierul este gata de a fi „commited”, adica daca salvam un snapshot cu starea actuala a proiectului, va fi salvata si starea actuala a acestui fisier</a:t>
-            </a:r>
+            <a:pPr lvl="2"/>
             <a:endParaRPr lang="en-US" sz="1200" kern="1200" dirty="0" smtClean="0">
               <a:solidFill>
                 <a:schemeClr val="tx1"/>
@@ -5198,19 +4710,23 @@
             </a:endParaRPr>
           </a:p>
           <a:p>
-            <a:pPr lvl="1"/>
-            <a:r>
-              <a:rPr lang="ro-RO" sz="1200" kern="1200" dirty="0" smtClean="0">
-                <a:solidFill>
-                  <a:schemeClr val="tx1"/>
-                </a:solidFill>
-                <a:effectLst/>
-                <a:latin typeface="+mn-lt"/>
-                <a:ea typeface="+mn-ea"/>
-                <a:cs typeface="+mn-cs"/>
-              </a:rPr>
-              <a:t>daca vrem sa il scoatem din staging, putem executa comanda git rm –cached [nume fisier]</a:t>
-            </a:r>
+            <a:pPr marL="0" marR="0" lvl="1" indent="0" algn="l" defTabSz="914400" rtl="0" eaLnBrk="1" fontAlgn="auto" latinLnBrk="0" hangingPunct="1">
+              <a:lnSpc>
+                <a:spcPct val="100000"/>
+              </a:lnSpc>
+              <a:spcBef>
+                <a:spcPts val="0"/>
+              </a:spcBef>
+              <a:spcAft>
+                <a:spcPts val="0"/>
+              </a:spcAft>
+              <a:buClrTx/>
+              <a:buSzTx/>
+              <a:buFontTx/>
+              <a:buNone/>
+              <a:tabLst/>
+              <a:defRPr/>
+            </a:pPr>
             <a:endParaRPr lang="en-US" sz="1200" kern="1200" dirty="0" smtClean="0">
               <a:solidFill>
                 <a:schemeClr val="tx1"/>
@@ -5222,28 +4738,7 @@
             </a:endParaRPr>
           </a:p>
           <a:p>
-            <a:pPr lvl="1"/>
-            <a:r>
-              <a:rPr lang="ro-RO" sz="1200" kern="1200" dirty="0" smtClean="0">
-                <a:solidFill>
-                  <a:schemeClr val="tx1"/>
-                </a:solidFill>
-                <a:effectLst/>
-                <a:latin typeface="+mn-lt"/>
-                <a:ea typeface="+mn-ea"/>
-                <a:cs typeface="+mn-cs"/>
-              </a:rPr>
-              <a:t>mai trebuie mentionat faptul ca odata ce adaugam un fisier, noi de fapt adaugam starea in care este el acum, si daca il modificam inainte sa facem un commit, trebuie sa il adaugam din nou in staging</a:t>
-            </a:r>
-            <a:endParaRPr lang="en-US" sz="1200" kern="1200" dirty="0" smtClean="0">
-              <a:solidFill>
-                <a:schemeClr val="tx1"/>
-              </a:solidFill>
-              <a:effectLst/>
-              <a:latin typeface="+mn-lt"/>
-              <a:ea typeface="+mn-ea"/>
-              <a:cs typeface="+mn-cs"/>
-            </a:endParaRPr>
+            <a:endParaRPr lang="en-US" dirty="0"/>
           </a:p>
         </p:txBody>
       </p:sp>
@@ -5273,7 +4768,7 @@
     </p:spTree>
     <p:extLst>
       <p:ext uri="{BB962C8B-B14F-4D97-AF65-F5344CB8AC3E}">
-        <p14:creationId xmlns:p14="http://schemas.microsoft.com/office/powerpoint/2010/main" val="2817924808"/>
+        <p14:creationId xmlns:p14="http://schemas.microsoft.com/office/powerpoint/2010/main" val="541932893"/>
       </p:ext>
     </p:extLst>
   </p:cSld>
@@ -5327,25 +4822,9 @@
           <a:bodyPr/>
           <a:lstStyle/>
           <a:p>
-            <a:pPr marL="0" marR="0" lvl="0" indent="0" algn="l" defTabSz="914400" rtl="0" eaLnBrk="1" fontAlgn="auto" latinLnBrk="0" hangingPunct="1">
-              <a:lnSpc>
-                <a:spcPct val="100000"/>
-              </a:lnSpc>
-              <a:spcBef>
-                <a:spcPts val="0"/>
-              </a:spcBef>
-              <a:spcAft>
-                <a:spcPts val="0"/>
-              </a:spcAft>
-              <a:buClrTx/>
-              <a:buSzTx/>
-              <a:buFontTx/>
-              <a:buNone/>
-              <a:tabLst/>
-              <a:defRPr/>
-            </a:pPr>
-            <a:r>
-              <a:rPr lang="ro-RO" sz="1200" kern="1200" dirty="0" smtClean="0">
+            <a:pPr lvl="1"/>
+            <a:r>
+              <a:rPr lang="en-US" sz="1200" kern="1200" dirty="0" err="1" smtClean="0">
                 <a:solidFill>
                   <a:schemeClr val="tx1"/>
                 </a:solidFill>
@@ -5354,7 +4833,667 @@
                 <a:ea typeface="+mn-ea"/>
                 <a:cs typeface="+mn-cs"/>
               </a:rPr>
-              <a:t>Urmatorul pas este sa facem un snapshot si pentru asta folosim comanda git commit</a:t>
+              <a:t>Daca</a:t>
+            </a:r>
+            <a:r>
+              <a:rPr lang="en-US" sz="1200" kern="1200" dirty="0" smtClean="0">
+                <a:solidFill>
+                  <a:schemeClr val="tx1"/>
+                </a:solidFill>
+                <a:effectLst/>
+                <a:latin typeface="+mn-lt"/>
+                <a:ea typeface="+mn-ea"/>
+                <a:cs typeface="+mn-cs"/>
+              </a:rPr>
+              <a:t> </a:t>
+            </a:r>
+            <a:r>
+              <a:rPr lang="en-US" sz="1200" kern="1200" dirty="0" err="1" smtClean="0">
+                <a:solidFill>
+                  <a:schemeClr val="tx1"/>
+                </a:solidFill>
+                <a:effectLst/>
+                <a:latin typeface="+mn-lt"/>
+                <a:ea typeface="+mn-ea"/>
+                <a:cs typeface="+mn-cs"/>
+              </a:rPr>
+              <a:t>vrem</a:t>
+            </a:r>
+            <a:r>
+              <a:rPr lang="en-US" sz="1200" kern="1200" dirty="0" smtClean="0">
+                <a:solidFill>
+                  <a:schemeClr val="tx1"/>
+                </a:solidFill>
+                <a:effectLst/>
+                <a:latin typeface="+mn-lt"/>
+                <a:ea typeface="+mn-ea"/>
+                <a:cs typeface="+mn-cs"/>
+              </a:rPr>
+              <a:t> </a:t>
+            </a:r>
+            <a:r>
+              <a:rPr lang="en-US" sz="1200" kern="1200" dirty="0" err="1" smtClean="0">
+                <a:solidFill>
+                  <a:schemeClr val="tx1"/>
+                </a:solidFill>
+                <a:effectLst/>
+                <a:latin typeface="+mn-lt"/>
+                <a:ea typeface="+mn-ea"/>
+                <a:cs typeface="+mn-cs"/>
+              </a:rPr>
+              <a:t>sa</a:t>
+            </a:r>
+            <a:r>
+              <a:rPr lang="en-US" sz="1200" kern="1200" dirty="0" smtClean="0">
+                <a:solidFill>
+                  <a:schemeClr val="tx1"/>
+                </a:solidFill>
+                <a:effectLst/>
+                <a:latin typeface="+mn-lt"/>
+                <a:ea typeface="+mn-ea"/>
+                <a:cs typeface="+mn-cs"/>
+              </a:rPr>
+              <a:t> </a:t>
+            </a:r>
+            <a:r>
+              <a:rPr lang="en-US" sz="1200" kern="1200" dirty="0" err="1" smtClean="0">
+                <a:solidFill>
+                  <a:schemeClr val="tx1"/>
+                </a:solidFill>
+                <a:effectLst/>
+                <a:latin typeface="+mn-lt"/>
+                <a:ea typeface="+mn-ea"/>
+                <a:cs typeface="+mn-cs"/>
+              </a:rPr>
+              <a:t>adaugam</a:t>
+            </a:r>
+            <a:r>
+              <a:rPr lang="en-US" sz="1200" kern="1200" baseline="0" dirty="0" smtClean="0">
+                <a:solidFill>
+                  <a:schemeClr val="tx1"/>
+                </a:solidFill>
+                <a:effectLst/>
+                <a:latin typeface="+mn-lt"/>
+                <a:ea typeface="+mn-ea"/>
+                <a:cs typeface="+mn-cs"/>
+              </a:rPr>
+              <a:t> un </a:t>
+            </a:r>
+            <a:r>
+              <a:rPr lang="en-US" sz="1200" kern="1200" baseline="0" dirty="0" err="1" smtClean="0">
+                <a:solidFill>
+                  <a:schemeClr val="tx1"/>
+                </a:solidFill>
+                <a:effectLst/>
+                <a:latin typeface="+mn-lt"/>
+                <a:ea typeface="+mn-ea"/>
+                <a:cs typeface="+mn-cs"/>
+              </a:rPr>
+              <a:t>fisier</a:t>
+            </a:r>
+            <a:r>
+              <a:rPr lang="en-US" sz="1200" kern="1200" baseline="0" dirty="0" smtClean="0">
+                <a:solidFill>
+                  <a:schemeClr val="tx1"/>
+                </a:solidFill>
+                <a:effectLst/>
+                <a:latin typeface="+mn-lt"/>
+                <a:ea typeface="+mn-ea"/>
+                <a:cs typeface="+mn-cs"/>
+              </a:rPr>
+              <a:t> in staging, </a:t>
+            </a:r>
+            <a:r>
+              <a:rPr lang="en-US" sz="1200" kern="1200" baseline="0" dirty="0" err="1" smtClean="0">
+                <a:solidFill>
+                  <a:schemeClr val="tx1"/>
+                </a:solidFill>
+                <a:effectLst/>
+                <a:latin typeface="+mn-lt"/>
+                <a:ea typeface="+mn-ea"/>
+                <a:cs typeface="+mn-cs"/>
+              </a:rPr>
+              <a:t>folosim</a:t>
+            </a:r>
+            <a:r>
+              <a:rPr lang="en-US" sz="1200" kern="1200" baseline="0" dirty="0" smtClean="0">
+                <a:solidFill>
+                  <a:schemeClr val="tx1"/>
+                </a:solidFill>
+                <a:effectLst/>
+                <a:latin typeface="+mn-lt"/>
+                <a:ea typeface="+mn-ea"/>
+                <a:cs typeface="+mn-cs"/>
+              </a:rPr>
+              <a:t> </a:t>
+            </a:r>
+            <a:r>
+              <a:rPr lang="en-US" sz="1200" kern="1200" baseline="0" dirty="0" err="1" smtClean="0">
+                <a:solidFill>
+                  <a:schemeClr val="tx1"/>
+                </a:solidFill>
+                <a:effectLst/>
+                <a:latin typeface="+mn-lt"/>
+                <a:ea typeface="+mn-ea"/>
+                <a:cs typeface="+mn-cs"/>
+              </a:rPr>
+              <a:t>comanda</a:t>
+            </a:r>
+            <a:r>
+              <a:rPr lang="en-US" sz="1200" kern="1200" baseline="0" dirty="0" smtClean="0">
+                <a:solidFill>
+                  <a:schemeClr val="tx1"/>
+                </a:solidFill>
+                <a:effectLst/>
+                <a:latin typeface="+mn-lt"/>
+                <a:ea typeface="+mn-ea"/>
+                <a:cs typeface="+mn-cs"/>
+              </a:rPr>
+              <a:t> </a:t>
+            </a:r>
+            <a:r>
+              <a:rPr lang="en-US" sz="1200" kern="1200" baseline="0" dirty="0" err="1" smtClean="0">
+                <a:solidFill>
+                  <a:schemeClr val="tx1"/>
+                </a:solidFill>
+                <a:effectLst/>
+                <a:latin typeface="+mn-lt"/>
+                <a:ea typeface="+mn-ea"/>
+                <a:cs typeface="+mn-cs"/>
+              </a:rPr>
+              <a:t>git</a:t>
+            </a:r>
+            <a:r>
+              <a:rPr lang="en-US" sz="1200" kern="1200" baseline="0" dirty="0" smtClean="0">
+                <a:solidFill>
+                  <a:schemeClr val="tx1"/>
+                </a:solidFill>
+                <a:effectLst/>
+                <a:latin typeface="+mn-lt"/>
+                <a:ea typeface="+mn-ea"/>
+                <a:cs typeface="+mn-cs"/>
+              </a:rPr>
+              <a:t> add. </a:t>
+            </a:r>
+            <a:r>
+              <a:rPr lang="en-US" sz="1200" kern="1200" baseline="0" dirty="0" err="1" smtClean="0">
+                <a:solidFill>
+                  <a:schemeClr val="tx1"/>
+                </a:solidFill>
+                <a:effectLst/>
+                <a:latin typeface="+mn-lt"/>
+                <a:ea typeface="+mn-ea"/>
+                <a:cs typeface="+mn-cs"/>
+              </a:rPr>
+              <a:t>Aceasta</a:t>
+            </a:r>
+            <a:r>
+              <a:rPr lang="en-US" sz="1200" kern="1200" baseline="0" dirty="0" smtClean="0">
+                <a:solidFill>
+                  <a:schemeClr val="tx1"/>
+                </a:solidFill>
+                <a:effectLst/>
+                <a:latin typeface="+mn-lt"/>
+                <a:ea typeface="+mn-ea"/>
+                <a:cs typeface="+mn-cs"/>
+              </a:rPr>
+              <a:t> </a:t>
+            </a:r>
+            <a:r>
+              <a:rPr lang="en-US" sz="1200" kern="1200" baseline="0" dirty="0" err="1" smtClean="0">
+                <a:solidFill>
+                  <a:schemeClr val="tx1"/>
+                </a:solidFill>
+                <a:effectLst/>
+                <a:latin typeface="+mn-lt"/>
+                <a:ea typeface="+mn-ea"/>
+                <a:cs typeface="+mn-cs"/>
+              </a:rPr>
+              <a:t>comanda</a:t>
+            </a:r>
+            <a:r>
+              <a:rPr lang="en-US" sz="1200" kern="1200" baseline="0" dirty="0" smtClean="0">
+                <a:solidFill>
+                  <a:schemeClr val="tx1"/>
+                </a:solidFill>
+                <a:effectLst/>
+                <a:latin typeface="+mn-lt"/>
+                <a:ea typeface="+mn-ea"/>
+                <a:cs typeface="+mn-cs"/>
+              </a:rPr>
+              <a:t> nu </a:t>
+            </a:r>
+            <a:r>
+              <a:rPr lang="en-US" sz="1200" kern="1200" baseline="0" dirty="0" err="1" smtClean="0">
+                <a:solidFill>
+                  <a:schemeClr val="tx1"/>
+                </a:solidFill>
+                <a:effectLst/>
+                <a:latin typeface="+mn-lt"/>
+                <a:ea typeface="+mn-ea"/>
+                <a:cs typeface="+mn-cs"/>
+              </a:rPr>
+              <a:t>creeaza</a:t>
+            </a:r>
+            <a:r>
+              <a:rPr lang="en-US" sz="1200" kern="1200" baseline="0" dirty="0" smtClean="0">
+                <a:solidFill>
+                  <a:schemeClr val="tx1"/>
+                </a:solidFill>
+                <a:effectLst/>
+                <a:latin typeface="+mn-lt"/>
+                <a:ea typeface="+mn-ea"/>
+                <a:cs typeface="+mn-cs"/>
+              </a:rPr>
+              <a:t> un </a:t>
+            </a:r>
+            <a:r>
+              <a:rPr lang="en-US" sz="1200" kern="1200" baseline="0" dirty="0" err="1" smtClean="0">
+                <a:solidFill>
+                  <a:schemeClr val="tx1"/>
+                </a:solidFill>
+                <a:effectLst/>
+                <a:latin typeface="+mn-lt"/>
+                <a:ea typeface="+mn-ea"/>
+                <a:cs typeface="+mn-cs"/>
+              </a:rPr>
+              <a:t>fisier</a:t>
+            </a:r>
+            <a:r>
+              <a:rPr lang="en-US" sz="1200" kern="1200" baseline="0" dirty="0" smtClean="0">
+                <a:solidFill>
+                  <a:schemeClr val="tx1"/>
+                </a:solidFill>
+                <a:effectLst/>
+                <a:latin typeface="+mn-lt"/>
+                <a:ea typeface="+mn-ea"/>
+                <a:cs typeface="+mn-cs"/>
+              </a:rPr>
+              <a:t> </a:t>
+            </a:r>
+            <a:r>
+              <a:rPr lang="en-US" sz="1200" kern="1200" baseline="0" dirty="0" err="1" smtClean="0">
+                <a:solidFill>
+                  <a:schemeClr val="tx1"/>
+                </a:solidFill>
+                <a:effectLst/>
+                <a:latin typeface="+mn-lt"/>
+                <a:ea typeface="+mn-ea"/>
+                <a:cs typeface="+mn-cs"/>
+              </a:rPr>
+              <a:t>pe</a:t>
+            </a:r>
+            <a:r>
+              <a:rPr lang="en-US" sz="1200" kern="1200" baseline="0" dirty="0" smtClean="0">
+                <a:solidFill>
+                  <a:schemeClr val="tx1"/>
+                </a:solidFill>
+                <a:effectLst/>
+                <a:latin typeface="+mn-lt"/>
+                <a:ea typeface="+mn-ea"/>
+                <a:cs typeface="+mn-cs"/>
+              </a:rPr>
+              <a:t> disk, ci ii </a:t>
+            </a:r>
+            <a:r>
+              <a:rPr lang="en-US" sz="1200" kern="1200" baseline="0" dirty="0" err="1" smtClean="0">
+                <a:solidFill>
+                  <a:schemeClr val="tx1"/>
+                </a:solidFill>
+                <a:effectLst/>
+                <a:latin typeface="+mn-lt"/>
+                <a:ea typeface="+mn-ea"/>
+                <a:cs typeface="+mn-cs"/>
+              </a:rPr>
+              <a:t>spune</a:t>
+            </a:r>
+            <a:r>
+              <a:rPr lang="en-US" sz="1200" kern="1200" baseline="0" dirty="0" smtClean="0">
+                <a:solidFill>
+                  <a:schemeClr val="tx1"/>
+                </a:solidFill>
+                <a:effectLst/>
+                <a:latin typeface="+mn-lt"/>
+                <a:ea typeface="+mn-ea"/>
+                <a:cs typeface="+mn-cs"/>
+              </a:rPr>
+              <a:t> </a:t>
+            </a:r>
+            <a:r>
+              <a:rPr lang="en-US" sz="1200" kern="1200" baseline="0" dirty="0" err="1" smtClean="0">
+                <a:solidFill>
+                  <a:schemeClr val="tx1"/>
+                </a:solidFill>
+                <a:effectLst/>
+                <a:latin typeface="+mn-lt"/>
+                <a:ea typeface="+mn-ea"/>
+                <a:cs typeface="+mn-cs"/>
+              </a:rPr>
+              <a:t>lui</a:t>
+            </a:r>
+            <a:r>
+              <a:rPr lang="en-US" sz="1200" kern="1200" baseline="0" dirty="0" smtClean="0">
+                <a:solidFill>
+                  <a:schemeClr val="tx1"/>
+                </a:solidFill>
+                <a:effectLst/>
+                <a:latin typeface="+mn-lt"/>
+                <a:ea typeface="+mn-ea"/>
+                <a:cs typeface="+mn-cs"/>
+              </a:rPr>
+              <a:t> </a:t>
+            </a:r>
+            <a:r>
+              <a:rPr lang="en-US" sz="1200" kern="1200" baseline="0" dirty="0" err="1" smtClean="0">
+                <a:solidFill>
+                  <a:schemeClr val="tx1"/>
+                </a:solidFill>
+                <a:effectLst/>
+                <a:latin typeface="+mn-lt"/>
+                <a:ea typeface="+mn-ea"/>
+                <a:cs typeface="+mn-cs"/>
+              </a:rPr>
+              <a:t>git</a:t>
+            </a:r>
+            <a:r>
+              <a:rPr lang="en-US" sz="1200" kern="1200" baseline="0" dirty="0" smtClean="0">
+                <a:solidFill>
+                  <a:schemeClr val="tx1"/>
+                </a:solidFill>
+                <a:effectLst/>
+                <a:latin typeface="+mn-lt"/>
+                <a:ea typeface="+mn-ea"/>
+                <a:cs typeface="+mn-cs"/>
+              </a:rPr>
+              <a:t> </a:t>
+            </a:r>
+            <a:r>
+              <a:rPr lang="en-US" sz="1200" kern="1200" baseline="0" dirty="0" err="1" smtClean="0">
+                <a:solidFill>
+                  <a:schemeClr val="tx1"/>
+                </a:solidFill>
+                <a:effectLst/>
+                <a:latin typeface="+mn-lt"/>
+                <a:ea typeface="+mn-ea"/>
+                <a:cs typeface="+mn-cs"/>
+              </a:rPr>
+              <a:t>sa</a:t>
+            </a:r>
+            <a:r>
+              <a:rPr lang="en-US" sz="1200" kern="1200" baseline="0" dirty="0" smtClean="0">
+                <a:solidFill>
+                  <a:schemeClr val="tx1"/>
+                </a:solidFill>
+                <a:effectLst/>
+                <a:latin typeface="+mn-lt"/>
+                <a:ea typeface="+mn-ea"/>
+                <a:cs typeface="+mn-cs"/>
+              </a:rPr>
+              <a:t> </a:t>
+            </a:r>
+            <a:r>
+              <a:rPr lang="en-US" sz="1200" kern="1200" baseline="0" dirty="0" err="1" smtClean="0">
+                <a:solidFill>
+                  <a:schemeClr val="tx1"/>
+                </a:solidFill>
+                <a:effectLst/>
+                <a:latin typeface="+mn-lt"/>
+                <a:ea typeface="+mn-ea"/>
+                <a:cs typeface="+mn-cs"/>
+              </a:rPr>
+              <a:t>adauge</a:t>
+            </a:r>
+            <a:r>
+              <a:rPr lang="en-US" sz="1200" kern="1200" baseline="0" dirty="0" smtClean="0">
+                <a:solidFill>
+                  <a:schemeClr val="tx1"/>
+                </a:solidFill>
+                <a:effectLst/>
+                <a:latin typeface="+mn-lt"/>
+                <a:ea typeface="+mn-ea"/>
+                <a:cs typeface="+mn-cs"/>
+              </a:rPr>
+              <a:t> </a:t>
+            </a:r>
+            <a:r>
+              <a:rPr lang="en-US" sz="1200" kern="1200" baseline="0" dirty="0" err="1" smtClean="0">
+                <a:solidFill>
+                  <a:schemeClr val="tx1"/>
+                </a:solidFill>
+                <a:effectLst/>
+                <a:latin typeface="+mn-lt"/>
+                <a:ea typeface="+mn-ea"/>
+                <a:cs typeface="+mn-cs"/>
+              </a:rPr>
+              <a:t>fisierul</a:t>
+            </a:r>
+            <a:r>
+              <a:rPr lang="en-US" sz="1200" kern="1200" baseline="0" dirty="0" smtClean="0">
+                <a:solidFill>
+                  <a:schemeClr val="tx1"/>
+                </a:solidFill>
+                <a:effectLst/>
+                <a:latin typeface="+mn-lt"/>
+                <a:ea typeface="+mn-ea"/>
+                <a:cs typeface="+mn-cs"/>
+              </a:rPr>
+              <a:t> existent, in repository. </a:t>
+            </a:r>
+            <a:r>
+              <a:rPr lang="en-US" sz="1200" kern="1200" baseline="0" dirty="0" err="1" smtClean="0">
+                <a:solidFill>
+                  <a:schemeClr val="tx1"/>
+                </a:solidFill>
+                <a:effectLst/>
+                <a:latin typeface="+mn-lt"/>
+                <a:ea typeface="+mn-ea"/>
+                <a:cs typeface="+mn-cs"/>
+              </a:rPr>
+              <a:t>Facand</a:t>
+            </a:r>
+            <a:r>
+              <a:rPr lang="en-US" sz="1200" kern="1200" baseline="0" dirty="0" smtClean="0">
+                <a:solidFill>
+                  <a:schemeClr val="tx1"/>
+                </a:solidFill>
+                <a:effectLst/>
+                <a:latin typeface="+mn-lt"/>
+                <a:ea typeface="+mn-ea"/>
+                <a:cs typeface="+mn-cs"/>
+              </a:rPr>
+              <a:t> </a:t>
+            </a:r>
+            <a:r>
+              <a:rPr lang="en-US" sz="1200" kern="1200" baseline="0" dirty="0" err="1" smtClean="0">
+                <a:solidFill>
+                  <a:schemeClr val="tx1"/>
+                </a:solidFill>
+                <a:effectLst/>
+                <a:latin typeface="+mn-lt"/>
+                <a:ea typeface="+mn-ea"/>
+                <a:cs typeface="+mn-cs"/>
+              </a:rPr>
+              <a:t>asta</a:t>
+            </a:r>
+            <a:r>
+              <a:rPr lang="en-US" sz="1200" kern="1200" baseline="0" dirty="0" smtClean="0">
+                <a:solidFill>
+                  <a:schemeClr val="tx1"/>
+                </a:solidFill>
+                <a:effectLst/>
+                <a:latin typeface="+mn-lt"/>
+                <a:ea typeface="+mn-ea"/>
+                <a:cs typeface="+mn-cs"/>
+              </a:rPr>
+              <a:t>, </a:t>
+            </a:r>
+            <a:r>
+              <a:rPr lang="en-US" sz="1200" kern="1200" baseline="0" dirty="0" err="1" smtClean="0">
+                <a:solidFill>
+                  <a:schemeClr val="tx1"/>
+                </a:solidFill>
+                <a:effectLst/>
+                <a:latin typeface="+mn-lt"/>
+                <a:ea typeface="+mn-ea"/>
+                <a:cs typeface="+mn-cs"/>
+              </a:rPr>
+              <a:t>git</a:t>
+            </a:r>
+            <a:r>
+              <a:rPr lang="en-US" sz="1200" kern="1200" baseline="0" dirty="0" smtClean="0">
+                <a:solidFill>
+                  <a:schemeClr val="tx1"/>
+                </a:solidFill>
+                <a:effectLst/>
+                <a:latin typeface="+mn-lt"/>
+                <a:ea typeface="+mn-ea"/>
+                <a:cs typeface="+mn-cs"/>
+              </a:rPr>
+              <a:t> </a:t>
+            </a:r>
+            <a:r>
+              <a:rPr lang="en-US" sz="1200" kern="1200" baseline="0" dirty="0" err="1" smtClean="0">
+                <a:solidFill>
+                  <a:schemeClr val="tx1"/>
+                </a:solidFill>
+                <a:effectLst/>
+                <a:latin typeface="+mn-lt"/>
+                <a:ea typeface="+mn-ea"/>
+                <a:cs typeface="+mn-cs"/>
+              </a:rPr>
+              <a:t>va</a:t>
+            </a:r>
+            <a:r>
+              <a:rPr lang="en-US" sz="1200" kern="1200" baseline="0" dirty="0" smtClean="0">
+                <a:solidFill>
+                  <a:schemeClr val="tx1"/>
+                </a:solidFill>
+                <a:effectLst/>
+                <a:latin typeface="+mn-lt"/>
+                <a:ea typeface="+mn-ea"/>
+                <a:cs typeface="+mn-cs"/>
+              </a:rPr>
+              <a:t> </a:t>
+            </a:r>
+            <a:r>
+              <a:rPr lang="en-US" sz="1200" kern="1200" baseline="0" dirty="0" err="1" smtClean="0">
+                <a:solidFill>
+                  <a:schemeClr val="tx1"/>
+                </a:solidFill>
+                <a:effectLst/>
+                <a:latin typeface="+mn-lt"/>
+                <a:ea typeface="+mn-ea"/>
+                <a:cs typeface="+mn-cs"/>
+              </a:rPr>
+              <a:t>urmari</a:t>
+            </a:r>
+            <a:r>
+              <a:rPr lang="en-US" sz="1200" kern="1200" baseline="0" dirty="0" smtClean="0">
+                <a:solidFill>
+                  <a:schemeClr val="tx1"/>
+                </a:solidFill>
+                <a:effectLst/>
+                <a:latin typeface="+mn-lt"/>
+                <a:ea typeface="+mn-ea"/>
+                <a:cs typeface="+mn-cs"/>
+              </a:rPr>
+              <a:t> </a:t>
+            </a:r>
+            <a:r>
+              <a:rPr lang="en-US" sz="1200" kern="1200" baseline="0" dirty="0" err="1" smtClean="0">
+                <a:solidFill>
+                  <a:schemeClr val="tx1"/>
+                </a:solidFill>
+                <a:effectLst/>
+                <a:latin typeface="+mn-lt"/>
+                <a:ea typeface="+mn-ea"/>
+                <a:cs typeface="+mn-cs"/>
+              </a:rPr>
+              <a:t>toate</a:t>
+            </a:r>
+            <a:r>
+              <a:rPr lang="en-US" sz="1200" kern="1200" baseline="0" dirty="0" smtClean="0">
+                <a:solidFill>
+                  <a:schemeClr val="tx1"/>
+                </a:solidFill>
+                <a:effectLst/>
+                <a:latin typeface="+mn-lt"/>
+                <a:ea typeface="+mn-ea"/>
+                <a:cs typeface="+mn-cs"/>
+              </a:rPr>
+              <a:t> </a:t>
+            </a:r>
+            <a:r>
+              <a:rPr lang="en-US" sz="1200" kern="1200" baseline="0" dirty="0" err="1" smtClean="0">
+                <a:solidFill>
+                  <a:schemeClr val="tx1"/>
+                </a:solidFill>
+                <a:effectLst/>
+                <a:latin typeface="+mn-lt"/>
+                <a:ea typeface="+mn-ea"/>
+                <a:cs typeface="+mn-cs"/>
+              </a:rPr>
+              <a:t>modificarile</a:t>
+            </a:r>
+            <a:r>
+              <a:rPr lang="en-US" sz="1200" kern="1200" baseline="0" dirty="0" smtClean="0">
+                <a:solidFill>
+                  <a:schemeClr val="tx1"/>
+                </a:solidFill>
+                <a:effectLst/>
+                <a:latin typeface="+mn-lt"/>
+                <a:ea typeface="+mn-ea"/>
+                <a:cs typeface="+mn-cs"/>
+              </a:rPr>
+              <a:t> </a:t>
+            </a:r>
+            <a:r>
+              <a:rPr lang="en-US" sz="1200" kern="1200" baseline="0" dirty="0" err="1" smtClean="0">
+                <a:solidFill>
+                  <a:schemeClr val="tx1"/>
+                </a:solidFill>
+                <a:effectLst/>
+                <a:latin typeface="+mn-lt"/>
+                <a:ea typeface="+mn-ea"/>
+                <a:cs typeface="+mn-cs"/>
+              </a:rPr>
+              <a:t>aduse</a:t>
+            </a:r>
+            <a:r>
+              <a:rPr lang="en-US" sz="1200" kern="1200" baseline="0" dirty="0" smtClean="0">
+                <a:solidFill>
+                  <a:schemeClr val="tx1"/>
+                </a:solidFill>
+                <a:effectLst/>
+                <a:latin typeface="+mn-lt"/>
+                <a:ea typeface="+mn-ea"/>
+                <a:cs typeface="+mn-cs"/>
+              </a:rPr>
+              <a:t> </a:t>
+            </a:r>
+            <a:r>
+              <a:rPr lang="en-US" sz="1200" kern="1200" baseline="0" dirty="0" err="1" smtClean="0">
+                <a:solidFill>
+                  <a:schemeClr val="tx1"/>
+                </a:solidFill>
+                <a:effectLst/>
+                <a:latin typeface="+mn-lt"/>
+                <a:ea typeface="+mn-ea"/>
+                <a:cs typeface="+mn-cs"/>
+              </a:rPr>
+              <a:t>fisierului</a:t>
+            </a:r>
+            <a:r>
+              <a:rPr lang="en-US" sz="1200" kern="1200" baseline="0" dirty="0" smtClean="0">
+                <a:solidFill>
+                  <a:schemeClr val="tx1"/>
+                </a:solidFill>
+                <a:effectLst/>
+                <a:latin typeface="+mn-lt"/>
+                <a:ea typeface="+mn-ea"/>
+                <a:cs typeface="+mn-cs"/>
+              </a:rPr>
+              <a:t>.</a:t>
             </a:r>
             <a:endParaRPr lang="en-US" sz="1200" kern="1200" dirty="0" smtClean="0">
               <a:solidFill>
@@ -5367,9 +5506,9 @@
             </a:endParaRPr>
           </a:p>
           <a:p>
-            <a:pPr lvl="0"/>
-            <a:r>
-              <a:rPr lang="ro-RO" sz="1200" kern="1200" dirty="0" smtClean="0">
+            <a:pPr lvl="1"/>
+            <a:r>
+              <a:rPr lang="en-US" sz="1200" kern="1200" dirty="0" smtClean="0">
                 <a:solidFill>
                   <a:schemeClr val="tx1"/>
                 </a:solidFill>
@@ -5378,7 +5517,19 @@
                 <a:ea typeface="+mn-ea"/>
                 <a:cs typeface="+mn-cs"/>
               </a:rPr>
-              <a:t>Fiecare commit are si un mesaj, ce este specificat cu optiunea -m</a:t>
+              <a:t>D</a:t>
+            </a:r>
+            <a:r>
+              <a:rPr lang="ro-RO" sz="1200" kern="1200" dirty="0" smtClean="0">
+                <a:solidFill>
+                  <a:schemeClr val="tx1"/>
+                </a:solidFill>
+                <a:effectLst/>
+                <a:latin typeface="+mn-lt"/>
+                <a:ea typeface="+mn-ea"/>
+                <a:cs typeface="+mn-cs"/>
+              </a:rPr>
+              <a:t>aca vrem sa adaugam toate fisierele, putem folosi comanda git add . in loc sa o folosim cu numele fiecarui fisier</a:t>
             </a:r>
             <a:endParaRPr lang="en-US" sz="1200" kern="1200" dirty="0" smtClean="0">
               <a:solidFill>
@@ -5391,7 +5542,7 @@
             </a:endParaRPr>
           </a:p>
           <a:p>
-            <a:pPr lvl="0"/>
+            <a:pPr lvl="1"/>
             <a:r>
               <a:rPr lang="ro-RO" sz="1200" kern="1200" dirty="0" smtClean="0">
                 <a:solidFill>
@@ -5402,7 +5553,7 @@
                 <a:ea typeface="+mn-ea"/>
                 <a:cs typeface="+mn-cs"/>
               </a:rPr>
-              <a:t>Dupa ce facem commit-ul, daca executam comanda git status, vedem ca nu mai avem nicio schimbare</a:t>
+              <a:t>dupa ce adaugam fisierul text, si executam comanda git status, vedem ca fisierul este gata de a fi „commited”, adica daca salvam un snapshot cu starea actuala a proiectului, va fi salvata si starea actuala a acestui fisier</a:t>
             </a:r>
             <a:endParaRPr lang="en-US" sz="1200" kern="1200" dirty="0" smtClean="0">
               <a:solidFill>
@@ -5415,7 +5566,7 @@
             </a:endParaRPr>
           </a:p>
           <a:p>
-            <a:pPr lvl="0"/>
+            <a:pPr lvl="1"/>
             <a:r>
               <a:rPr lang="ro-RO" sz="1200" kern="1200" dirty="0" smtClean="0">
                 <a:solidFill>
@@ -5426,7 +5577,7 @@
                 <a:ea typeface="+mn-ea"/>
                 <a:cs typeface="+mn-cs"/>
               </a:rPr>
-              <a:t>Fisierul este in staging, si nemodificat</a:t>
+              <a:t>daca vrem sa il scoatem din staging, putem executa comanda git rm –cached [nume fisier]</a:t>
             </a:r>
             <a:endParaRPr lang="en-US" sz="1200" kern="1200" dirty="0" smtClean="0">
               <a:solidFill>
@@ -5439,7 +5590,28 @@
             </a:endParaRPr>
           </a:p>
           <a:p>
-            <a:endParaRPr lang="en-US" dirty="0"/>
+            <a:pPr lvl="1"/>
+            <a:r>
+              <a:rPr lang="ro-RO" sz="1200" kern="1200" dirty="0" smtClean="0">
+                <a:solidFill>
+                  <a:schemeClr val="tx1"/>
+                </a:solidFill>
+                <a:effectLst/>
+                <a:latin typeface="+mn-lt"/>
+                <a:ea typeface="+mn-ea"/>
+                <a:cs typeface="+mn-cs"/>
+              </a:rPr>
+              <a:t>mai trebuie mentionat faptul ca odata ce adaugam un fisier, noi de fapt adaugam starea in care este el acum, si daca il modificam inainte sa facem un commit, trebuie sa il adaugam din nou in staging</a:t>
+            </a:r>
+            <a:endParaRPr lang="en-US" sz="1200" kern="1200" dirty="0" smtClean="0">
+              <a:solidFill>
+                <a:schemeClr val="tx1"/>
+              </a:solidFill>
+              <a:effectLst/>
+              <a:latin typeface="+mn-lt"/>
+              <a:ea typeface="+mn-ea"/>
+              <a:cs typeface="+mn-cs"/>
+            </a:endParaRPr>
           </a:p>
         </p:txBody>
       </p:sp>
@@ -5469,7 +5641,7 @@
     </p:spTree>
     <p:extLst>
       <p:ext uri="{BB962C8B-B14F-4D97-AF65-F5344CB8AC3E}">
-        <p14:creationId xmlns:p14="http://schemas.microsoft.com/office/powerpoint/2010/main" val="3639487139"/>
+        <p14:creationId xmlns:p14="http://schemas.microsoft.com/office/powerpoint/2010/main" val="2817924808"/>
       </p:ext>
     </p:extLst>
   </p:cSld>
@@ -5523,6 +5695,118 @@
           <a:bodyPr/>
           <a:lstStyle/>
           <a:p>
+            <a:pPr marL="0" marR="0" lvl="0" indent="0" algn="l" defTabSz="914400" rtl="0" eaLnBrk="1" fontAlgn="auto" latinLnBrk="0" hangingPunct="1">
+              <a:lnSpc>
+                <a:spcPct val="100000"/>
+              </a:lnSpc>
+              <a:spcBef>
+                <a:spcPts val="0"/>
+              </a:spcBef>
+              <a:spcAft>
+                <a:spcPts val="0"/>
+              </a:spcAft>
+              <a:buClrTx/>
+              <a:buSzTx/>
+              <a:buFontTx/>
+              <a:buNone/>
+              <a:tabLst/>
+              <a:defRPr/>
+            </a:pPr>
+            <a:r>
+              <a:rPr lang="ro-RO" sz="1200" kern="1200" dirty="0" smtClean="0">
+                <a:solidFill>
+                  <a:schemeClr val="tx1"/>
+                </a:solidFill>
+                <a:effectLst/>
+                <a:latin typeface="+mn-lt"/>
+                <a:ea typeface="+mn-ea"/>
+                <a:cs typeface="+mn-cs"/>
+              </a:rPr>
+              <a:t>Urmatorul pas este sa facem un snapshot si pentru asta folosim comanda git commit</a:t>
+            </a:r>
+            <a:endParaRPr lang="en-US" sz="1200" kern="1200" dirty="0" smtClean="0">
+              <a:solidFill>
+                <a:schemeClr val="tx1"/>
+              </a:solidFill>
+              <a:effectLst/>
+              <a:latin typeface="+mn-lt"/>
+              <a:ea typeface="+mn-ea"/>
+              <a:cs typeface="+mn-cs"/>
+            </a:endParaRPr>
+          </a:p>
+          <a:p>
+            <a:pPr lvl="0"/>
+            <a:r>
+              <a:rPr lang="ro-RO" sz="1200" kern="1200" dirty="0" smtClean="0">
+                <a:solidFill>
+                  <a:schemeClr val="tx1"/>
+                </a:solidFill>
+                <a:effectLst/>
+                <a:latin typeface="+mn-lt"/>
+                <a:ea typeface="+mn-ea"/>
+                <a:cs typeface="+mn-cs"/>
+              </a:rPr>
+              <a:t>Fiecare commit are si un mesaj, ce este specificat cu optiunea -m</a:t>
+            </a:r>
+            <a:endParaRPr lang="en-US" sz="1200" kern="1200" dirty="0" smtClean="0">
+              <a:solidFill>
+                <a:schemeClr val="tx1"/>
+              </a:solidFill>
+              <a:effectLst/>
+              <a:latin typeface="+mn-lt"/>
+              <a:ea typeface="+mn-ea"/>
+              <a:cs typeface="+mn-cs"/>
+            </a:endParaRPr>
+          </a:p>
+          <a:p>
+            <a:pPr lvl="0"/>
+            <a:r>
+              <a:rPr lang="ro-RO" sz="1200" kern="1200" dirty="0" smtClean="0">
+                <a:solidFill>
+                  <a:schemeClr val="tx1"/>
+                </a:solidFill>
+                <a:effectLst/>
+                <a:latin typeface="+mn-lt"/>
+                <a:ea typeface="+mn-ea"/>
+                <a:cs typeface="+mn-cs"/>
+              </a:rPr>
+              <a:t>Dupa ce facem commit-ul, daca executam comanda git status, vedem ca nu mai avem nicio schimbare</a:t>
+            </a:r>
+            <a:endParaRPr lang="en-US" sz="1200" kern="1200" dirty="0" smtClean="0">
+              <a:solidFill>
+                <a:schemeClr val="tx1"/>
+              </a:solidFill>
+              <a:effectLst/>
+              <a:latin typeface="+mn-lt"/>
+              <a:ea typeface="+mn-ea"/>
+              <a:cs typeface="+mn-cs"/>
+            </a:endParaRPr>
+          </a:p>
+          <a:p>
+            <a:pPr lvl="0"/>
+            <a:r>
+              <a:rPr lang="ro-RO" sz="1200" kern="1200" dirty="0" smtClean="0">
+                <a:solidFill>
+                  <a:schemeClr val="tx1"/>
+                </a:solidFill>
+                <a:effectLst/>
+                <a:latin typeface="+mn-lt"/>
+                <a:ea typeface="+mn-ea"/>
+                <a:cs typeface="+mn-cs"/>
+              </a:rPr>
+              <a:t>Fisierul este in staging, si nemodificat</a:t>
+            </a:r>
+            <a:endParaRPr lang="en-US" sz="1200" kern="1200" dirty="0" smtClean="0">
+              <a:solidFill>
+                <a:schemeClr val="tx1"/>
+              </a:solidFill>
+              <a:effectLst/>
+              <a:latin typeface="+mn-lt"/>
+              <a:ea typeface="+mn-ea"/>
+              <a:cs typeface="+mn-cs"/>
+            </a:endParaRPr>
+          </a:p>
+          <a:p>
             <a:endParaRPr lang="en-US" dirty="0"/>
           </a:p>
         </p:txBody>
@@ -5553,7 +5837,7 @@
     </p:spTree>
     <p:extLst>
       <p:ext uri="{BB962C8B-B14F-4D97-AF65-F5344CB8AC3E}">
-        <p14:creationId xmlns:p14="http://schemas.microsoft.com/office/powerpoint/2010/main" val="961110323"/>
+        <p14:creationId xmlns:p14="http://schemas.microsoft.com/office/powerpoint/2010/main" val="3639487139"/>
       </p:ext>
     </p:extLst>
   </p:cSld>
@@ -5637,7 +5921,7 @@
     </p:spTree>
     <p:extLst>
       <p:ext uri="{BB962C8B-B14F-4D97-AF65-F5344CB8AC3E}">
-        <p14:creationId xmlns:p14="http://schemas.microsoft.com/office/powerpoint/2010/main" val="3434195628"/>
+        <p14:creationId xmlns:p14="http://schemas.microsoft.com/office/powerpoint/2010/main" val="961110323"/>
       </p:ext>
     </p:extLst>
   </p:cSld>
@@ -5713,6 +5997,90 @@
             <a:fld id="{377DD0F0-666F-466B-B16F-52B53CCC9AC6}" type="slidenum">
               <a:rPr lang="en-US" smtClean="0"/>
               <a:t>29</a:t>
+            </a:fld>
+            <a:endParaRPr lang="en-US"/>
+          </a:p>
+        </p:txBody>
+      </p:sp>
+    </p:spTree>
+    <p:extLst>
+      <p:ext uri="{BB962C8B-B14F-4D97-AF65-F5344CB8AC3E}">
+        <p14:creationId xmlns:p14="http://schemas.microsoft.com/office/powerpoint/2010/main" val="3434195628"/>
+      </p:ext>
+    </p:extLst>
+  </p:cSld>
+  <p:clrMapOvr>
+    <a:masterClrMapping/>
+  </p:clrMapOvr>
+</p:notes>
+</file>
+
+<file path=ppt/notesSlides/notesSlide29.xml><?xml version="1.0" encoding="utf-8"?>
+<p:notes xmlns:a="http://schemas.openxmlformats.org/drawingml/2006/main" xmlns:r="http://schemas.openxmlformats.org/officeDocument/2006/relationships" xmlns:p="http://schemas.openxmlformats.org/presentationml/2006/main">
+  <p:cSld>
+    <p:spTree>
+      <p:nvGrpSpPr>
+        <p:cNvPr id="1" name=""/>
+        <p:cNvGrpSpPr/>
+        <p:nvPr/>
+      </p:nvGrpSpPr>
+      <p:grpSpPr>
+        <a:xfrm>
+          <a:off x="0" y="0"/>
+          <a:ext cx="0" cy="0"/>
+          <a:chOff x="0" y="0"/>
+          <a:chExt cx="0" cy="0"/>
+        </a:xfrm>
+      </p:grpSpPr>
+      <p:sp>
+        <p:nvSpPr>
+          <p:cNvPr id="2" name="Slide Image Placeholder 1"/>
+          <p:cNvSpPr>
+            <a:spLocks noGrp="1" noRot="1" noChangeAspect="1"/>
+          </p:cNvSpPr>
+          <p:nvPr>
+            <p:ph type="sldImg"/>
+          </p:nvPr>
+        </p:nvSpPr>
+        <p:spPr/>
+      </p:sp>
+      <p:sp>
+        <p:nvSpPr>
+          <p:cNvPr id="3" name="Notes Placeholder 2"/>
+          <p:cNvSpPr>
+            <a:spLocks noGrp="1"/>
+          </p:cNvSpPr>
+          <p:nvPr>
+            <p:ph type="body" idx="1"/>
+          </p:nvPr>
+        </p:nvSpPr>
+        <p:spPr/>
+        <p:txBody>
+          <a:bodyPr/>
+          <a:lstStyle/>
+          <a:p>
+            <a:endParaRPr lang="en-US" dirty="0"/>
+          </a:p>
+        </p:txBody>
+      </p:sp>
+      <p:sp>
+        <p:nvSpPr>
+          <p:cNvPr id="4" name="Slide Number Placeholder 3"/>
+          <p:cNvSpPr>
+            <a:spLocks noGrp="1"/>
+          </p:cNvSpPr>
+          <p:nvPr>
+            <p:ph type="sldNum" sz="quarter" idx="10"/>
+          </p:nvPr>
+        </p:nvSpPr>
+        <p:spPr/>
+        <p:txBody>
+          <a:bodyPr/>
+          <a:lstStyle/>
+          <a:p>
+            <a:fld id="{377DD0F0-666F-466B-B16F-52B53CCC9AC6}" type="slidenum">
+              <a:rPr lang="en-US" smtClean="0"/>
+              <a:t>30</a:t>
             </a:fld>
             <a:endParaRPr lang="en-US"/>
           </a:p>
@@ -6027,7 +6395,136 @@
           <a:bodyPr/>
           <a:lstStyle/>
           <a:p>
-            <a:endParaRPr lang="ro-RO" dirty="0"/>
+            <a:r>
+              <a:rPr lang="en-US" dirty="0" smtClean="0"/>
+              <a:t>Ca </a:t>
+            </a:r>
+            <a:r>
+              <a:rPr lang="en-US" dirty="0" err="1" smtClean="0"/>
+              <a:t>sa</a:t>
+            </a:r>
+            <a:r>
+              <a:rPr lang="en-US" dirty="0" smtClean="0"/>
+              <a:t> </a:t>
+            </a:r>
+            <a:r>
+              <a:rPr lang="en-US" dirty="0" err="1" smtClean="0"/>
+              <a:t>citez</a:t>
+            </a:r>
+            <a:r>
+              <a:rPr lang="en-US" dirty="0" smtClean="0"/>
+              <a:t> de </a:t>
+            </a:r>
+            <a:r>
+              <a:rPr lang="en-US" dirty="0" err="1" smtClean="0"/>
+              <a:t>pe</a:t>
+            </a:r>
+            <a:r>
+              <a:rPr lang="en-US" dirty="0" smtClean="0"/>
+              <a:t> Wikipedia: </a:t>
+            </a:r>
+            <a:r>
+              <a:rPr lang="ro-RO" sz="1200" b="1" i="0" kern="1200" dirty="0" smtClean="0">
+                <a:solidFill>
+                  <a:schemeClr val="tx1"/>
+                </a:solidFill>
+                <a:effectLst/>
+                <a:latin typeface="+mn-lt"/>
+                <a:ea typeface="+mn-ea"/>
+                <a:cs typeface="+mn-cs"/>
+              </a:rPr>
+              <a:t>Controlul versiunilor</a:t>
+            </a:r>
+            <a:r>
+              <a:rPr lang="en-US" sz="1200" b="1" i="0" kern="1200" baseline="0" dirty="0" smtClean="0">
+                <a:solidFill>
+                  <a:schemeClr val="tx1"/>
+                </a:solidFill>
+                <a:effectLst/>
+                <a:latin typeface="+mn-lt"/>
+                <a:ea typeface="+mn-ea"/>
+                <a:cs typeface="+mn-cs"/>
+              </a:rPr>
+              <a:t> </a:t>
+            </a:r>
+            <a:r>
+              <a:rPr lang="ro-RO" sz="1200" b="0" i="0" kern="1200" dirty="0" smtClean="0">
+                <a:solidFill>
+                  <a:schemeClr val="bg1"/>
+                </a:solidFill>
+                <a:effectLst/>
+                <a:latin typeface="+mn-lt"/>
+                <a:ea typeface="+mn-ea"/>
+                <a:cs typeface="+mn-cs"/>
+              </a:rPr>
+              <a:t>este un domeniu </a:t>
+            </a:r>
+            <a:r>
+              <a:rPr lang="ro-RO" sz="1200" b="0" i="0" u="none" strike="noStrike" kern="1200" dirty="0" smtClean="0">
+                <a:solidFill>
+                  <a:schemeClr val="bg1"/>
+                </a:solidFill>
+                <a:effectLst/>
+                <a:latin typeface="+mn-lt"/>
+                <a:ea typeface="+mn-ea"/>
+                <a:cs typeface="+mn-cs"/>
+                <a:hlinkClick r:id="rId3" tooltip="Software"/>
+              </a:rPr>
+              <a:t>software</a:t>
+            </a:r>
+            <a:r>
+              <a:rPr lang="ro-RO" sz="1200" b="0" i="0" kern="1200" dirty="0" smtClean="0">
+                <a:solidFill>
+                  <a:schemeClr val="bg1"/>
+                </a:solidFill>
+                <a:effectLst/>
+                <a:latin typeface="+mn-lt"/>
+                <a:ea typeface="+mn-ea"/>
+                <a:cs typeface="+mn-cs"/>
+              </a:rPr>
+              <a:t> care se ocupă cu gestionarea mai multor versiuni (numite și revizii) ale unor</a:t>
+            </a:r>
+            <a:r>
+              <a:rPr lang="en-US" sz="1200" b="0" i="0" kern="1200" dirty="0" smtClean="0">
+                <a:solidFill>
+                  <a:schemeClr val="bg1"/>
+                </a:solidFill>
+                <a:effectLst/>
+                <a:latin typeface="+mn-lt"/>
+                <a:ea typeface="+mn-ea"/>
+                <a:cs typeface="+mn-cs"/>
+              </a:rPr>
+              <a:t> </a:t>
+            </a:r>
+            <a:r>
+              <a:rPr lang="ro-RO" sz="1200" b="0" i="0" u="none" strike="noStrike" kern="1200" dirty="0" smtClean="0">
+                <a:solidFill>
+                  <a:schemeClr val="bg1"/>
+                </a:solidFill>
+                <a:effectLst/>
+                <a:latin typeface="+mn-lt"/>
+                <a:ea typeface="+mn-ea"/>
+                <a:cs typeface="+mn-cs"/>
+                <a:hlinkClick r:id="rId4" tooltip="Fișier"/>
+              </a:rPr>
+              <a:t>fișiere</a:t>
+            </a:r>
+            <a:endParaRPr lang="en-US" sz="1200" b="0" i="0" u="none" strike="noStrike" kern="1200" dirty="0" smtClean="0">
+              <a:solidFill>
+                <a:schemeClr val="bg1"/>
+              </a:solidFill>
+              <a:effectLst/>
+              <a:latin typeface="+mn-lt"/>
+              <a:ea typeface="+mn-ea"/>
+              <a:cs typeface="+mn-cs"/>
+            </a:endParaRPr>
+          </a:p>
+          <a:p>
+            <a:endParaRPr lang="ro-RO" dirty="0">
+              <a:solidFill>
+                <a:schemeClr val="bg1"/>
+              </a:solidFill>
+            </a:endParaRPr>
           </a:p>
         </p:txBody>
       </p:sp>
@@ -7483,7 +7980,7 @@
           <a:noFill/>
           <a:extLst>
             <a:ext uri="{909E8E84-426E-40dd-AFC4-6F175D3DCCD1}">
-              <a14:hiddenFill xmlns:a14="http://schemas.microsoft.com/office/drawing/2010/main" xmlns="">
+              <a14:hiddenFill xmlns="" xmlns:a14="http://schemas.microsoft.com/office/drawing/2010/main">
                 <a:solidFill>
                   <a:srgbClr val="FFFFFF"/>
                 </a:solidFill>
@@ -7543,7 +8040,7 @@
             </a:ln>
             <a:extLst>
               <a:ext uri="{91240B29-F687-4f45-9708-019B960494DF}">
-                <a14:hiddenLine xmlns:a14="http://schemas.microsoft.com/office/drawing/2010/main" xmlns="" w="9525">
+                <a14:hiddenLine xmlns="" xmlns:a14="http://schemas.microsoft.com/office/drawing/2010/main" w="9525">
                   <a:solidFill>
                     <a:srgbClr val="000000"/>
                   </a:solidFill>
@@ -7633,7 +8130,7 @@
             </a:ln>
             <a:extLst>
               <a:ext uri="{91240B29-F687-4f45-9708-019B960494DF}">
-                <a14:hiddenLine xmlns:a14="http://schemas.microsoft.com/office/drawing/2010/main" xmlns="" w="9525">
+                <a14:hiddenLine xmlns="" xmlns:a14="http://schemas.microsoft.com/office/drawing/2010/main" w="9525">
                   <a:solidFill>
                     <a:srgbClr val="000000"/>
                   </a:solidFill>
@@ -7723,7 +8220,7 @@
             </a:ln>
             <a:extLst>
               <a:ext uri="{91240B29-F687-4f45-9708-019B960494DF}">
-                <a14:hiddenLine xmlns:a14="http://schemas.microsoft.com/office/drawing/2010/main" xmlns="" w="9525">
+                <a14:hiddenLine xmlns="" xmlns:a14="http://schemas.microsoft.com/office/drawing/2010/main" w="9525">
                   <a:solidFill>
                     <a:srgbClr val="000000"/>
                   </a:solidFill>
@@ -7757,7 +8254,7 @@
             </a:ln>
             <a:extLst>
               <a:ext uri="{91240B29-F687-4f45-9708-019B960494DF}">
-                <a14:hiddenLine xmlns:a14="http://schemas.microsoft.com/office/drawing/2010/main" xmlns="" w="9525">
+                <a14:hiddenLine xmlns="" xmlns:a14="http://schemas.microsoft.com/office/drawing/2010/main" w="9525">
                   <a:solidFill>
                     <a:srgbClr val="000000"/>
                   </a:solidFill>
@@ -7847,7 +8344,7 @@
             </a:ln>
             <a:extLst>
               <a:ext uri="{91240B29-F687-4f45-9708-019B960494DF}">
-                <a14:hiddenLine xmlns:a14="http://schemas.microsoft.com/office/drawing/2010/main" xmlns="" w="9525">
+                <a14:hiddenLine xmlns="" xmlns:a14="http://schemas.microsoft.com/office/drawing/2010/main" w="9525">
                   <a:solidFill>
                     <a:srgbClr val="000000"/>
                   </a:solidFill>
@@ -7909,7 +8406,7 @@
             </a:ln>
             <a:extLst>
               <a:ext uri="{91240B29-F687-4f45-9708-019B960494DF}">
-                <a14:hiddenLine xmlns:a14="http://schemas.microsoft.com/office/drawing/2010/main" xmlns="" w="9525">
+                <a14:hiddenLine xmlns="" xmlns:a14="http://schemas.microsoft.com/office/drawing/2010/main" w="9525">
                   <a:solidFill>
                     <a:srgbClr val="000000"/>
                   </a:solidFill>
@@ -7971,7 +8468,7 @@
             </a:ln>
             <a:extLst>
               <a:ext uri="{91240B29-F687-4f45-9708-019B960494DF}">
-                <a14:hiddenLine xmlns:a14="http://schemas.microsoft.com/office/drawing/2010/main" xmlns="" w="9525">
+                <a14:hiddenLine xmlns="" xmlns:a14="http://schemas.microsoft.com/office/drawing/2010/main" w="9525">
                   <a:solidFill>
                     <a:srgbClr val="000000"/>
                   </a:solidFill>
@@ -8061,7 +8558,7 @@
             </a:ln>
             <a:extLst>
               <a:ext uri="{91240B29-F687-4f45-9708-019B960494DF}">
-                <a14:hiddenLine xmlns:a14="http://schemas.microsoft.com/office/drawing/2010/main" xmlns="" w="9525">
+                <a14:hiddenLine xmlns="" xmlns:a14="http://schemas.microsoft.com/office/drawing/2010/main" w="9525">
                   <a:solidFill>
                     <a:srgbClr val="000000"/>
                   </a:solidFill>
@@ -8123,7 +8620,7 @@
             </a:ln>
             <a:extLst>
               <a:ext uri="{91240B29-F687-4f45-9708-019B960494DF}">
-                <a14:hiddenLine xmlns:a14="http://schemas.microsoft.com/office/drawing/2010/main" xmlns="" w="9525">
+                <a14:hiddenLine xmlns="" xmlns:a14="http://schemas.microsoft.com/office/drawing/2010/main" w="9525">
                   <a:solidFill>
                     <a:srgbClr val="000000"/>
                   </a:solidFill>
@@ -8185,7 +8682,7 @@
             </a:ln>
             <a:extLst>
               <a:ext uri="{91240B29-F687-4f45-9708-019B960494DF}">
-                <a14:hiddenLine xmlns:a14="http://schemas.microsoft.com/office/drawing/2010/main" xmlns="" w="9525">
+                <a14:hiddenLine xmlns="" xmlns:a14="http://schemas.microsoft.com/office/drawing/2010/main" w="9525">
                   <a:solidFill>
                     <a:srgbClr val="000000"/>
                   </a:solidFill>
@@ -8275,7 +8772,7 @@
             </a:ln>
             <a:extLst>
               <a:ext uri="{91240B29-F687-4f45-9708-019B960494DF}">
-                <a14:hiddenLine xmlns:a14="http://schemas.microsoft.com/office/drawing/2010/main" xmlns="" w="9525">
+                <a14:hiddenLine xmlns="" xmlns:a14="http://schemas.microsoft.com/office/drawing/2010/main" w="9525">
                   <a:solidFill>
                     <a:srgbClr val="000000"/>
                   </a:solidFill>
@@ -8365,7 +8862,7 @@
             </a:ln>
             <a:extLst>
               <a:ext uri="{91240B29-F687-4f45-9708-019B960494DF}">
-                <a14:hiddenLine xmlns:a14="http://schemas.microsoft.com/office/drawing/2010/main" xmlns="" w="9525">
+                <a14:hiddenLine xmlns="" xmlns:a14="http://schemas.microsoft.com/office/drawing/2010/main" w="9525">
                   <a:solidFill>
                     <a:srgbClr val="000000"/>
                   </a:solidFill>
@@ -8427,7 +8924,7 @@
             </a:ln>
             <a:extLst>
               <a:ext uri="{91240B29-F687-4f45-9708-019B960494DF}">
-                <a14:hiddenLine xmlns:a14="http://schemas.microsoft.com/office/drawing/2010/main" xmlns="" w="9525">
+                <a14:hiddenLine xmlns="" xmlns:a14="http://schemas.microsoft.com/office/drawing/2010/main" w="9525">
                   <a:solidFill>
                     <a:srgbClr val="000000"/>
                   </a:solidFill>
@@ -8537,7 +9034,7 @@
             </a:ln>
             <a:extLst>
               <a:ext uri="{91240B29-F687-4f45-9708-019B960494DF}">
-                <a14:hiddenLine xmlns:a14="http://schemas.microsoft.com/office/drawing/2010/main" xmlns="" w="9525">
+                <a14:hiddenLine xmlns="" xmlns:a14="http://schemas.microsoft.com/office/drawing/2010/main" w="9525">
                   <a:solidFill>
                     <a:srgbClr val="000000"/>
                   </a:solidFill>
@@ -8599,7 +9096,7 @@
             </a:ln>
             <a:extLst>
               <a:ext uri="{91240B29-F687-4f45-9708-019B960494DF}">
-                <a14:hiddenLine xmlns:a14="http://schemas.microsoft.com/office/drawing/2010/main" xmlns="" w="9525">
+                <a14:hiddenLine xmlns="" xmlns:a14="http://schemas.microsoft.com/office/drawing/2010/main" w="9525">
                   <a:solidFill>
                     <a:srgbClr val="000000"/>
                   </a:solidFill>
@@ -8689,7 +9186,7 @@
             </a:ln>
             <a:extLst>
               <a:ext uri="{91240B29-F687-4f45-9708-019B960494DF}">
-                <a14:hiddenLine xmlns:a14="http://schemas.microsoft.com/office/drawing/2010/main" xmlns="" w="9525">
+                <a14:hiddenLine xmlns="" xmlns:a14="http://schemas.microsoft.com/office/drawing/2010/main" w="9525">
                   <a:solidFill>
                     <a:srgbClr val="000000"/>
                   </a:solidFill>
@@ -8779,7 +9276,7 @@
             </a:ln>
             <a:extLst>
               <a:ext uri="{91240B29-F687-4f45-9708-019B960494DF}">
-                <a14:hiddenLine xmlns:a14="http://schemas.microsoft.com/office/drawing/2010/main" xmlns="" w="9525">
+                <a14:hiddenLine xmlns="" xmlns:a14="http://schemas.microsoft.com/office/drawing/2010/main" w="9525">
                   <a:solidFill>
                     <a:srgbClr val="000000"/>
                   </a:solidFill>
@@ -8841,7 +9338,7 @@
             </a:ln>
             <a:extLst>
               <a:ext uri="{91240B29-F687-4f45-9708-019B960494DF}">
-                <a14:hiddenLine xmlns:a14="http://schemas.microsoft.com/office/drawing/2010/main" xmlns="" w="9525">
+                <a14:hiddenLine xmlns="" xmlns:a14="http://schemas.microsoft.com/office/drawing/2010/main" w="9525">
                   <a:solidFill>
                     <a:srgbClr val="000000"/>
                   </a:solidFill>
@@ -8931,7 +9428,7 @@
             </a:ln>
             <a:extLst>
               <a:ext uri="{91240B29-F687-4f45-9708-019B960494DF}">
-                <a14:hiddenLine xmlns:a14="http://schemas.microsoft.com/office/drawing/2010/main" xmlns="" w="9525">
+                <a14:hiddenLine xmlns="" xmlns:a14="http://schemas.microsoft.com/office/drawing/2010/main" w="9525">
                   <a:solidFill>
                     <a:srgbClr val="000000"/>
                   </a:solidFill>
@@ -9021,7 +9518,7 @@
             </a:ln>
             <a:extLst>
               <a:ext uri="{91240B29-F687-4f45-9708-019B960494DF}">
-                <a14:hiddenLine xmlns:a14="http://schemas.microsoft.com/office/drawing/2010/main" xmlns="" w="9525">
+                <a14:hiddenLine xmlns="" xmlns:a14="http://schemas.microsoft.com/office/drawing/2010/main" w="9525">
                   <a:solidFill>
                     <a:srgbClr val="000000"/>
                   </a:solidFill>
@@ -9077,7 +9574,7 @@
             </a:ln>
             <a:extLst>
               <a:ext uri="{91240B29-F687-4f45-9708-019B960494DF}">
-                <a14:hiddenLine xmlns:a14="http://schemas.microsoft.com/office/drawing/2010/main" xmlns="" w="9525">
+                <a14:hiddenLine xmlns="" xmlns:a14="http://schemas.microsoft.com/office/drawing/2010/main" w="9525">
                   <a:solidFill>
                     <a:srgbClr val="000000"/>
                   </a:solidFill>
@@ -9167,7 +9664,7 @@
             </a:ln>
             <a:extLst>
               <a:ext uri="{91240B29-F687-4f45-9708-019B960494DF}">
-                <a14:hiddenLine xmlns:a14="http://schemas.microsoft.com/office/drawing/2010/main" xmlns="" w="9525">
+                <a14:hiddenLine xmlns="" xmlns:a14="http://schemas.microsoft.com/office/drawing/2010/main" w="9525">
                   <a:solidFill>
                     <a:srgbClr val="000000"/>
                   </a:solidFill>
@@ -9223,7 +9720,7 @@
             </a:ln>
             <a:extLst>
               <a:ext uri="{91240B29-F687-4f45-9708-019B960494DF}">
-                <a14:hiddenLine xmlns:a14="http://schemas.microsoft.com/office/drawing/2010/main" xmlns="" w="9525">
+                <a14:hiddenLine xmlns="" xmlns:a14="http://schemas.microsoft.com/office/drawing/2010/main" w="9525">
                   <a:solidFill>
                     <a:srgbClr val="000000"/>
                   </a:solidFill>
@@ -9313,7 +9810,7 @@
             </a:ln>
             <a:extLst>
               <a:ext uri="{91240B29-F687-4f45-9708-019B960494DF}">
-                <a14:hiddenLine xmlns:a14="http://schemas.microsoft.com/office/drawing/2010/main" xmlns="" w="9525">
+                <a14:hiddenLine xmlns="" xmlns:a14="http://schemas.microsoft.com/office/drawing/2010/main" w="9525">
                   <a:solidFill>
                     <a:srgbClr val="000000"/>
                   </a:solidFill>
@@ -9381,7 +9878,7 @@
             </a:ln>
             <a:extLst>
               <a:ext uri="{91240B29-F687-4f45-9708-019B960494DF}">
-                <a14:hiddenLine xmlns:a14="http://schemas.microsoft.com/office/drawing/2010/main" xmlns="" w="9525">
+                <a14:hiddenLine xmlns="" xmlns:a14="http://schemas.microsoft.com/office/drawing/2010/main" w="9525">
                   <a:solidFill>
                     <a:srgbClr val="000000"/>
                   </a:solidFill>
@@ -9471,7 +9968,7 @@
             </a:ln>
             <a:extLst>
               <a:ext uri="{91240B29-F687-4f45-9708-019B960494DF}">
-                <a14:hiddenLine xmlns:a14="http://schemas.microsoft.com/office/drawing/2010/main" xmlns="" w="9525">
+                <a14:hiddenLine xmlns="" xmlns:a14="http://schemas.microsoft.com/office/drawing/2010/main" w="9525">
                   <a:solidFill>
                     <a:srgbClr val="000000"/>
                   </a:solidFill>
@@ -9539,7 +10036,7 @@
             </a:ln>
             <a:extLst>
               <a:ext uri="{91240B29-F687-4f45-9708-019B960494DF}">
-                <a14:hiddenLine xmlns:a14="http://schemas.microsoft.com/office/drawing/2010/main" xmlns="" w="9525">
+                <a14:hiddenLine xmlns="" xmlns:a14="http://schemas.microsoft.com/office/drawing/2010/main" w="9525">
                   <a:solidFill>
                     <a:srgbClr val="000000"/>
                   </a:solidFill>
@@ -9629,7 +10126,7 @@
             </a:ln>
             <a:extLst>
               <a:ext uri="{91240B29-F687-4f45-9708-019B960494DF}">
-                <a14:hiddenLine xmlns:a14="http://schemas.microsoft.com/office/drawing/2010/main" xmlns="" w="9525">
+                <a14:hiddenLine xmlns="" xmlns:a14="http://schemas.microsoft.com/office/drawing/2010/main" w="9525">
                   <a:solidFill>
                     <a:srgbClr val="000000"/>
                   </a:solidFill>
@@ -9663,7 +10160,7 @@
             </a:ln>
             <a:extLst>
               <a:ext uri="{91240B29-F687-4f45-9708-019B960494DF}">
-                <a14:hiddenLine xmlns:a14="http://schemas.microsoft.com/office/drawing/2010/main" xmlns="" w="9525">
+                <a14:hiddenLine xmlns="" xmlns:a14="http://schemas.microsoft.com/office/drawing/2010/main" w="9525">
                   <a:solidFill>
                     <a:srgbClr val="000000"/>
                   </a:solidFill>
@@ -9753,7 +10250,7 @@
             </a:ln>
             <a:extLst>
               <a:ext uri="{91240B29-F687-4f45-9708-019B960494DF}">
-                <a14:hiddenLine xmlns:a14="http://schemas.microsoft.com/office/drawing/2010/main" xmlns="" w="9525">
+                <a14:hiddenLine xmlns="" xmlns:a14="http://schemas.microsoft.com/office/drawing/2010/main" w="9525">
                   <a:solidFill>
                     <a:srgbClr val="000000"/>
                   </a:solidFill>
@@ -9815,7 +10312,7 @@
             </a:ln>
             <a:extLst>
               <a:ext uri="{91240B29-F687-4f45-9708-019B960494DF}">
-                <a14:hiddenLine xmlns:a14="http://schemas.microsoft.com/office/drawing/2010/main" xmlns="" w="9525">
+                <a14:hiddenLine xmlns="" xmlns:a14="http://schemas.microsoft.com/office/drawing/2010/main" w="9525">
                   <a:solidFill>
                     <a:srgbClr val="000000"/>
                   </a:solidFill>
@@ -9877,7 +10374,7 @@
             </a:ln>
             <a:extLst>
               <a:ext uri="{91240B29-F687-4f45-9708-019B960494DF}">
-                <a14:hiddenLine xmlns:a14="http://schemas.microsoft.com/office/drawing/2010/main" xmlns="" w="9525">
+                <a14:hiddenLine xmlns="" xmlns:a14="http://schemas.microsoft.com/office/drawing/2010/main" w="9525">
                   <a:solidFill>
                     <a:srgbClr val="000000"/>
                   </a:solidFill>
@@ -9967,7 +10464,7 @@
             </a:ln>
             <a:extLst>
               <a:ext uri="{91240B29-F687-4f45-9708-019B960494DF}">
-                <a14:hiddenLine xmlns:a14="http://schemas.microsoft.com/office/drawing/2010/main" xmlns="" w="9525">
+                <a14:hiddenLine xmlns="" xmlns:a14="http://schemas.microsoft.com/office/drawing/2010/main" w="9525">
                   <a:solidFill>
                     <a:srgbClr val="000000"/>
                   </a:solidFill>
@@ -10035,7 +10532,7 @@
             </a:ln>
             <a:extLst>
               <a:ext uri="{91240B29-F687-4f45-9708-019B960494DF}">
-                <a14:hiddenLine xmlns:a14="http://schemas.microsoft.com/office/drawing/2010/main" xmlns="" w="9525">
+                <a14:hiddenLine xmlns="" xmlns:a14="http://schemas.microsoft.com/office/drawing/2010/main" w="9525">
                   <a:solidFill>
                     <a:srgbClr val="000000"/>
                   </a:solidFill>
@@ -10097,7 +10594,7 @@
             </a:ln>
             <a:extLst>
               <a:ext uri="{91240B29-F687-4f45-9708-019B960494DF}">
-                <a14:hiddenLine xmlns:a14="http://schemas.microsoft.com/office/drawing/2010/main" xmlns="" w="9525">
+                <a14:hiddenLine xmlns="" xmlns:a14="http://schemas.microsoft.com/office/drawing/2010/main" w="9525">
                   <a:solidFill>
                     <a:srgbClr val="000000"/>
                   </a:solidFill>
@@ -10187,7 +10684,7 @@
             </a:ln>
             <a:extLst>
               <a:ext uri="{91240B29-F687-4f45-9708-019B960494DF}">
-                <a14:hiddenLine xmlns:a14="http://schemas.microsoft.com/office/drawing/2010/main" xmlns="" w="9525">
+                <a14:hiddenLine xmlns="" xmlns:a14="http://schemas.microsoft.com/office/drawing/2010/main" w="9525">
                   <a:solidFill>
                     <a:srgbClr val="000000"/>
                   </a:solidFill>
@@ -10249,7 +10746,7 @@
             </a:ln>
             <a:extLst>
               <a:ext uri="{91240B29-F687-4f45-9708-019B960494DF}">
-                <a14:hiddenLine xmlns:a14="http://schemas.microsoft.com/office/drawing/2010/main" xmlns="" w="9525">
+                <a14:hiddenLine xmlns="" xmlns:a14="http://schemas.microsoft.com/office/drawing/2010/main" w="9525">
                   <a:solidFill>
                     <a:srgbClr val="000000"/>
                   </a:solidFill>
@@ -10339,7 +10836,7 @@
             </a:ln>
             <a:extLst>
               <a:ext uri="{91240B29-F687-4f45-9708-019B960494DF}">
-                <a14:hiddenLine xmlns:a14="http://schemas.microsoft.com/office/drawing/2010/main" xmlns="" w="9525">
+                <a14:hiddenLine xmlns="" xmlns:a14="http://schemas.microsoft.com/office/drawing/2010/main" w="9525">
                   <a:solidFill>
                     <a:srgbClr val="000000"/>
                   </a:solidFill>
@@ -10401,7 +10898,7 @@
             </a:ln>
             <a:extLst>
               <a:ext uri="{91240B29-F687-4f45-9708-019B960494DF}">
-                <a14:hiddenLine xmlns:a14="http://schemas.microsoft.com/office/drawing/2010/main" xmlns="" w="9525">
+                <a14:hiddenLine xmlns="" xmlns:a14="http://schemas.microsoft.com/office/drawing/2010/main" w="9525">
                   <a:solidFill>
                     <a:srgbClr val="000000"/>
                   </a:solidFill>
@@ -10491,7 +10988,7 @@
             </a:ln>
             <a:extLst>
               <a:ext uri="{91240B29-F687-4f45-9708-019B960494DF}">
-                <a14:hiddenLine xmlns:a14="http://schemas.microsoft.com/office/drawing/2010/main" xmlns="" w="9525">
+                <a14:hiddenLine xmlns="" xmlns:a14="http://schemas.microsoft.com/office/drawing/2010/main" w="9525">
                   <a:solidFill>
                     <a:srgbClr val="000000"/>
                   </a:solidFill>
@@ -10525,7 +11022,7 @@
             </a:ln>
             <a:extLst>
               <a:ext uri="{91240B29-F687-4f45-9708-019B960494DF}">
-                <a14:hiddenLine xmlns:a14="http://schemas.microsoft.com/office/drawing/2010/main" xmlns="" w="9525">
+                <a14:hiddenLine xmlns="" xmlns:a14="http://schemas.microsoft.com/office/drawing/2010/main" w="9525">
                   <a:solidFill>
                     <a:srgbClr val="000000"/>
                   </a:solidFill>
@@ -10590,7 +11087,7 @@
             </a:ln>
             <a:extLst>
               <a:ext uri="{91240B29-F687-4f45-9708-019B960494DF}">
-                <a14:hiddenLine xmlns:a14="http://schemas.microsoft.com/office/drawing/2010/main" xmlns="" w="9525">
+                <a14:hiddenLine xmlns="" xmlns:a14="http://schemas.microsoft.com/office/drawing/2010/main" w="9525">
                   <a:solidFill>
                     <a:srgbClr val="000000"/>
                   </a:solidFill>
@@ -10680,7 +11177,7 @@
             </a:ln>
             <a:extLst>
               <a:ext uri="{91240B29-F687-4f45-9708-019B960494DF}">
-                <a14:hiddenLine xmlns:a14="http://schemas.microsoft.com/office/drawing/2010/main" xmlns="" w="9525">
+                <a14:hiddenLine xmlns="" xmlns:a14="http://schemas.microsoft.com/office/drawing/2010/main" w="9525">
                   <a:solidFill>
                     <a:srgbClr val="000000"/>
                   </a:solidFill>
@@ -10742,7 +11239,7 @@
             </a:ln>
             <a:extLst>
               <a:ext uri="{91240B29-F687-4f45-9708-019B960494DF}">
-                <a14:hiddenLine xmlns:a14="http://schemas.microsoft.com/office/drawing/2010/main" xmlns="" w="9525">
+                <a14:hiddenLine xmlns="" xmlns:a14="http://schemas.microsoft.com/office/drawing/2010/main" w="9525">
                   <a:solidFill>
                     <a:srgbClr val="000000"/>
                   </a:solidFill>
@@ -10832,7 +11329,7 @@
             </a:ln>
             <a:extLst>
               <a:ext uri="{91240B29-F687-4f45-9708-019B960494DF}">
-                <a14:hiddenLine xmlns:a14="http://schemas.microsoft.com/office/drawing/2010/main" xmlns="" w="9525">
+                <a14:hiddenLine xmlns="" xmlns:a14="http://schemas.microsoft.com/office/drawing/2010/main" w="9525">
                   <a:solidFill>
                     <a:srgbClr val="000000"/>
                   </a:solidFill>
@@ -10922,7 +11419,7 @@
             </a:ln>
             <a:extLst>
               <a:ext uri="{91240B29-F687-4f45-9708-019B960494DF}">
-                <a14:hiddenLine xmlns:a14="http://schemas.microsoft.com/office/drawing/2010/main" xmlns="" w="9525">
+                <a14:hiddenLine xmlns="" xmlns:a14="http://schemas.microsoft.com/office/drawing/2010/main" w="9525">
                   <a:solidFill>
                     <a:srgbClr val="000000"/>
                   </a:solidFill>
@@ -10987,7 +11484,7 @@
             </a:ln>
             <a:extLst>
               <a:ext uri="{91240B29-F687-4f45-9708-019B960494DF}">
-                <a14:hiddenLine xmlns:a14="http://schemas.microsoft.com/office/drawing/2010/main" xmlns="" w="9525">
+                <a14:hiddenLine xmlns="" xmlns:a14="http://schemas.microsoft.com/office/drawing/2010/main" w="9525">
                   <a:solidFill>
                     <a:srgbClr val="000000"/>
                   </a:solidFill>
@@ -11049,7 +11546,7 @@
             </a:ln>
             <a:extLst>
               <a:ext uri="{91240B29-F687-4f45-9708-019B960494DF}">
-                <a14:hiddenLine xmlns:a14="http://schemas.microsoft.com/office/drawing/2010/main" xmlns="" w="9525">
+                <a14:hiddenLine xmlns="" xmlns:a14="http://schemas.microsoft.com/office/drawing/2010/main" w="9525">
                   <a:solidFill>
                     <a:srgbClr val="000000"/>
                   </a:solidFill>
@@ -11139,7 +11636,7 @@
             </a:ln>
             <a:extLst>
               <a:ext uri="{91240B29-F687-4f45-9708-019B960494DF}">
-                <a14:hiddenLine xmlns:a14="http://schemas.microsoft.com/office/drawing/2010/main" xmlns="" w="9525">
+                <a14:hiddenLine xmlns="" xmlns:a14="http://schemas.microsoft.com/office/drawing/2010/main" w="9525">
                   <a:solidFill>
                     <a:srgbClr val="000000"/>
                   </a:solidFill>
@@ -11229,7 +11726,7 @@
             </a:ln>
             <a:extLst>
               <a:ext uri="{91240B29-F687-4f45-9708-019B960494DF}">
-                <a14:hiddenLine xmlns:a14="http://schemas.microsoft.com/office/drawing/2010/main" xmlns="" w="9525">
+                <a14:hiddenLine xmlns="" xmlns:a14="http://schemas.microsoft.com/office/drawing/2010/main" w="9525">
                   <a:solidFill>
                     <a:srgbClr val="000000"/>
                   </a:solidFill>
@@ -11291,7 +11788,7 @@
             </a:ln>
             <a:extLst>
               <a:ext uri="{91240B29-F687-4f45-9708-019B960494DF}">
-                <a14:hiddenLine xmlns:a14="http://schemas.microsoft.com/office/drawing/2010/main" xmlns="" w="9525">
+                <a14:hiddenLine xmlns="" xmlns:a14="http://schemas.microsoft.com/office/drawing/2010/main" w="9525">
                   <a:solidFill>
                     <a:srgbClr val="000000"/>
                   </a:solidFill>
@@ -11411,7 +11908,7 @@
             </a:ln>
             <a:extLst>
               <a:ext uri="{91240B29-F687-4f45-9708-019B960494DF}">
-                <a14:hiddenLine xmlns:a14="http://schemas.microsoft.com/office/drawing/2010/main" xmlns="" w="9525">
+                <a14:hiddenLine xmlns="" xmlns:a14="http://schemas.microsoft.com/office/drawing/2010/main" w="9525">
                   <a:solidFill>
                     <a:srgbClr val="000000"/>
                   </a:solidFill>
@@ -11479,7 +11976,7 @@
             </a:ln>
             <a:extLst>
               <a:ext uri="{91240B29-F687-4f45-9708-019B960494DF}">
-                <a14:hiddenLine xmlns:a14="http://schemas.microsoft.com/office/drawing/2010/main" xmlns="" w="9525">
+                <a14:hiddenLine xmlns="" xmlns:a14="http://schemas.microsoft.com/office/drawing/2010/main" w="9525">
                   <a:solidFill>
                     <a:srgbClr val="000000"/>
                   </a:solidFill>
@@ -11569,7 +12066,7 @@
             </a:ln>
             <a:extLst>
               <a:ext uri="{91240B29-F687-4f45-9708-019B960494DF}">
-                <a14:hiddenLine xmlns:a14="http://schemas.microsoft.com/office/drawing/2010/main" xmlns="" w="9525">
+                <a14:hiddenLine xmlns="" xmlns:a14="http://schemas.microsoft.com/office/drawing/2010/main" w="9525">
                   <a:solidFill>
                     <a:srgbClr val="000000"/>
                   </a:solidFill>
@@ -11709,7 +12206,7 @@
           <a:p>
             <a:fld id="{0535669A-2E25-4AFC-8E75-7D13DCC7EC24}" type="datetimeFigureOut">
               <a:rPr lang="en-US" smtClean="0"/>
-              <a:t>1/15/2015</a:t>
+              <a:t>1/16/2015</a:t>
             </a:fld>
             <a:endParaRPr lang="en-US"/>
           </a:p>
@@ -11976,7 +12473,7 @@
           <a:p>
             <a:fld id="{0535669A-2E25-4AFC-8E75-7D13DCC7EC24}" type="datetimeFigureOut">
               <a:rPr lang="en-US" smtClean="0"/>
-              <a:t>1/15/2015</a:t>
+              <a:t>1/16/2015</a:t>
             </a:fld>
             <a:endParaRPr lang="en-US"/>
           </a:p>
@@ -12172,7 +12669,7 @@
           <a:p>
             <a:fld id="{0535669A-2E25-4AFC-8E75-7D13DCC7EC24}" type="datetimeFigureOut">
               <a:rPr lang="en-US" smtClean="0"/>
-              <a:t>1/15/2015</a:t>
+              <a:t>1/16/2015</a:t>
             </a:fld>
             <a:endParaRPr lang="en-US"/>
           </a:p>
@@ -12435,7 +12932,7 @@
           <a:p>
             <a:fld id="{0535669A-2E25-4AFC-8E75-7D13DCC7EC24}" type="datetimeFigureOut">
               <a:rPr lang="en-US" smtClean="0"/>
-              <a:t>1/15/2015</a:t>
+              <a:t>1/16/2015</a:t>
             </a:fld>
             <a:endParaRPr lang="en-US"/>
           </a:p>
@@ -12869,7 +13366,7 @@
           <a:p>
             <a:fld id="{0535669A-2E25-4AFC-8E75-7D13DCC7EC24}" type="datetimeFigureOut">
               <a:rPr lang="en-US" smtClean="0"/>
-              <a:t>1/15/2015</a:t>
+              <a:t>1/16/2015</a:t>
             </a:fld>
             <a:endParaRPr lang="en-US"/>
           </a:p>
@@ -13415,7 +13912,7 @@
           <a:p>
             <a:fld id="{0535669A-2E25-4AFC-8E75-7D13DCC7EC24}" type="datetimeFigureOut">
               <a:rPr lang="en-US" smtClean="0"/>
-              <a:t>1/15/2015</a:t>
+              <a:t>1/16/2015</a:t>
             </a:fld>
             <a:endParaRPr lang="en-US"/>
           </a:p>
@@ -14135,7 +14632,7 @@
           <a:p>
             <a:fld id="{0535669A-2E25-4AFC-8E75-7D13DCC7EC24}" type="datetimeFigureOut">
               <a:rPr lang="en-US" smtClean="0"/>
-              <a:t>1/15/2015</a:t>
+              <a:t>1/16/2015</a:t>
             </a:fld>
             <a:endParaRPr lang="en-US"/>
           </a:p>
@@ -14305,7 +14802,7 @@
           <a:p>
             <a:fld id="{0535669A-2E25-4AFC-8E75-7D13DCC7EC24}" type="datetimeFigureOut">
               <a:rPr lang="en-US" smtClean="0"/>
-              <a:t>1/15/2015</a:t>
+              <a:t>1/16/2015</a:t>
             </a:fld>
             <a:endParaRPr lang="en-US"/>
           </a:p>
@@ -14485,7 +14982,7 @@
           <a:p>
             <a:fld id="{0535669A-2E25-4AFC-8E75-7D13DCC7EC24}" type="datetimeFigureOut">
               <a:rPr lang="en-US" smtClean="0"/>
-              <a:t>1/15/2015</a:t>
+              <a:t>1/16/2015</a:t>
             </a:fld>
             <a:endParaRPr lang="en-US"/>
           </a:p>
@@ -14655,7 +15152,7 @@
           <a:p>
             <a:fld id="{0535669A-2E25-4AFC-8E75-7D13DCC7EC24}" type="datetimeFigureOut">
               <a:rPr lang="en-US" smtClean="0"/>
-              <a:t>1/15/2015</a:t>
+              <a:t>1/16/2015</a:t>
             </a:fld>
             <a:endParaRPr lang="en-US"/>
           </a:p>
@@ -14905,7 +15402,7 @@
           <a:p>
             <a:fld id="{0535669A-2E25-4AFC-8E75-7D13DCC7EC24}" type="datetimeFigureOut">
               <a:rPr lang="en-US" smtClean="0"/>
-              <a:t>1/15/2015</a:t>
+              <a:t>1/16/2015</a:t>
             </a:fld>
             <a:endParaRPr lang="en-US"/>
           </a:p>
@@ -15137,7 +15634,7 @@
           <a:p>
             <a:fld id="{0535669A-2E25-4AFC-8E75-7D13DCC7EC24}" type="datetimeFigureOut">
               <a:rPr lang="en-US" smtClean="0"/>
-              <a:t>1/15/2015</a:t>
+              <a:t>1/16/2015</a:t>
             </a:fld>
             <a:endParaRPr lang="en-US"/>
           </a:p>
@@ -15518,7 +16015,7 @@
           <a:p>
             <a:fld id="{0535669A-2E25-4AFC-8E75-7D13DCC7EC24}" type="datetimeFigureOut">
               <a:rPr lang="en-US" smtClean="0"/>
-              <a:t>1/15/2015</a:t>
+              <a:t>1/16/2015</a:t>
             </a:fld>
             <a:endParaRPr lang="en-US"/>
           </a:p>
@@ -15636,7 +16133,7 @@
           <a:p>
             <a:fld id="{0535669A-2E25-4AFC-8E75-7D13DCC7EC24}" type="datetimeFigureOut">
               <a:rPr lang="en-US" smtClean="0"/>
-              <a:t>1/15/2015</a:t>
+              <a:t>1/16/2015</a:t>
             </a:fld>
             <a:endParaRPr lang="en-US"/>
           </a:p>
@@ -15731,7 +16228,7 @@
           <a:p>
             <a:fld id="{0535669A-2E25-4AFC-8E75-7D13DCC7EC24}" type="datetimeFigureOut">
               <a:rPr lang="en-US" smtClean="0"/>
-              <a:t>1/15/2015</a:t>
+              <a:t>1/16/2015</a:t>
             </a:fld>
             <a:endParaRPr lang="en-US"/>
           </a:p>
@@ -15980,7 +16477,7 @@
           <a:p>
             <a:fld id="{0535669A-2E25-4AFC-8E75-7D13DCC7EC24}" type="datetimeFigureOut">
               <a:rPr lang="en-US" smtClean="0"/>
-              <a:t>1/15/2015</a:t>
+              <a:t>1/16/2015</a:t>
             </a:fld>
             <a:endParaRPr lang="en-US"/>
           </a:p>
@@ -16260,7 +16757,7 @@
           <a:p>
             <a:fld id="{0535669A-2E25-4AFC-8E75-7D13DCC7EC24}" type="datetimeFigureOut">
               <a:rPr lang="en-US" smtClean="0"/>
-              <a:t>1/15/2015</a:t>
+              <a:t>1/16/2015</a:t>
             </a:fld>
             <a:endParaRPr lang="en-US"/>
           </a:p>
@@ -16379,7 +16876,7 @@
           <a:noFill/>
           <a:extLst>
             <a:ext uri="{909E8E84-426E-40dd-AFC4-6F175D3DCCD1}">
-              <a14:hiddenFill xmlns:a14="http://schemas.microsoft.com/office/drawing/2010/main" xmlns="">
+              <a14:hiddenFill xmlns="" xmlns:a14="http://schemas.microsoft.com/office/drawing/2010/main">
                 <a:solidFill>
                   <a:srgbClr val="FFFFFF"/>
                 </a:solidFill>
@@ -16453,7 +16950,7 @@
               </a:ln>
               <a:extLst>
                 <a:ext uri="{91240B29-F687-4f45-9708-019B960494DF}">
-                  <a14:hiddenLine xmlns:a14="http://schemas.microsoft.com/office/drawing/2010/main" xmlns="" w="9525">
+                  <a14:hiddenLine xmlns="" xmlns:a14="http://schemas.microsoft.com/office/drawing/2010/main" w="9525">
                     <a:solidFill>
                       <a:srgbClr val="000000"/>
                     </a:solidFill>
@@ -16543,7 +17040,7 @@
               </a:ln>
               <a:extLst>
                 <a:ext uri="{91240B29-F687-4f45-9708-019B960494DF}">
-                  <a14:hiddenLine xmlns:a14="http://schemas.microsoft.com/office/drawing/2010/main" xmlns="" w="9525">
+                  <a14:hiddenLine xmlns="" xmlns:a14="http://schemas.microsoft.com/office/drawing/2010/main" w="9525">
                     <a:solidFill>
                       <a:srgbClr val="000000"/>
                     </a:solidFill>
@@ -16633,7 +17130,7 @@
               </a:ln>
               <a:extLst>
                 <a:ext uri="{91240B29-F687-4f45-9708-019B960494DF}">
-                  <a14:hiddenLine xmlns:a14="http://schemas.microsoft.com/office/drawing/2010/main" xmlns="" w="9525">
+                  <a14:hiddenLine xmlns="" xmlns:a14="http://schemas.microsoft.com/office/drawing/2010/main" w="9525">
                     <a:solidFill>
                       <a:srgbClr val="000000"/>
                     </a:solidFill>
@@ -16695,7 +17192,7 @@
               </a:ln>
               <a:extLst>
                 <a:ext uri="{91240B29-F687-4f45-9708-019B960494DF}">
-                  <a14:hiddenLine xmlns:a14="http://schemas.microsoft.com/office/drawing/2010/main" xmlns="" w="9525">
+                  <a14:hiddenLine xmlns="" xmlns:a14="http://schemas.microsoft.com/office/drawing/2010/main" w="9525">
                     <a:solidFill>
                       <a:srgbClr val="000000"/>
                     </a:solidFill>
@@ -16785,7 +17282,7 @@
               </a:ln>
               <a:extLst>
                 <a:ext uri="{91240B29-F687-4f45-9708-019B960494DF}">
-                  <a14:hiddenLine xmlns:a14="http://schemas.microsoft.com/office/drawing/2010/main" xmlns="" w="9525">
+                  <a14:hiddenLine xmlns="" xmlns:a14="http://schemas.microsoft.com/office/drawing/2010/main" w="9525">
                     <a:solidFill>
                       <a:srgbClr val="000000"/>
                     </a:solidFill>
@@ -16847,7 +17344,7 @@
               </a:ln>
               <a:extLst>
                 <a:ext uri="{91240B29-F687-4f45-9708-019B960494DF}">
-                  <a14:hiddenLine xmlns:a14="http://schemas.microsoft.com/office/drawing/2010/main" xmlns="" w="9525">
+                  <a14:hiddenLine xmlns="" xmlns:a14="http://schemas.microsoft.com/office/drawing/2010/main" w="9525">
                     <a:solidFill>
                       <a:srgbClr val="000000"/>
                     </a:solidFill>
@@ -16909,7 +17406,7 @@
               </a:ln>
               <a:extLst>
                 <a:ext uri="{91240B29-F687-4f45-9708-019B960494DF}">
-                  <a14:hiddenLine xmlns:a14="http://schemas.microsoft.com/office/drawing/2010/main" xmlns="" w="9525">
+                  <a14:hiddenLine xmlns="" xmlns:a14="http://schemas.microsoft.com/office/drawing/2010/main" w="9525">
                     <a:solidFill>
                       <a:srgbClr val="000000"/>
                     </a:solidFill>
@@ -16999,7 +17496,7 @@
               </a:ln>
               <a:extLst>
                 <a:ext uri="{91240B29-F687-4f45-9708-019B960494DF}">
-                  <a14:hiddenLine xmlns:a14="http://schemas.microsoft.com/office/drawing/2010/main" xmlns="" w="9525">
+                  <a14:hiddenLine xmlns="" xmlns:a14="http://schemas.microsoft.com/office/drawing/2010/main" w="9525">
                     <a:solidFill>
                       <a:srgbClr val="000000"/>
                     </a:solidFill>
@@ -17089,7 +17586,7 @@
               </a:ln>
               <a:extLst>
                 <a:ext uri="{91240B29-F687-4f45-9708-019B960494DF}">
-                  <a14:hiddenLine xmlns:a14="http://schemas.microsoft.com/office/drawing/2010/main" xmlns="" w="9525">
+                  <a14:hiddenLine xmlns="" xmlns:a14="http://schemas.microsoft.com/office/drawing/2010/main" w="9525">
                     <a:solidFill>
                       <a:srgbClr val="000000"/>
                     </a:solidFill>
@@ -17151,7 +17648,7 @@
               </a:ln>
               <a:extLst>
                 <a:ext uri="{91240B29-F687-4f45-9708-019B960494DF}">
-                  <a14:hiddenLine xmlns:a14="http://schemas.microsoft.com/office/drawing/2010/main" xmlns="" w="9525">
+                  <a14:hiddenLine xmlns="" xmlns:a14="http://schemas.microsoft.com/office/drawing/2010/main" w="9525">
                     <a:solidFill>
                       <a:srgbClr val="000000"/>
                     </a:solidFill>
@@ -17261,7 +17758,7 @@
               </a:ln>
               <a:extLst>
                 <a:ext uri="{91240B29-F687-4f45-9708-019B960494DF}">
-                  <a14:hiddenLine xmlns:a14="http://schemas.microsoft.com/office/drawing/2010/main" xmlns="" w="9525">
+                  <a14:hiddenLine xmlns="" xmlns:a14="http://schemas.microsoft.com/office/drawing/2010/main" w="9525">
                     <a:solidFill>
                       <a:srgbClr val="000000"/>
                     </a:solidFill>
@@ -17345,7 +17842,7 @@
               </a:ln>
               <a:extLst>
                 <a:ext uri="{91240B29-F687-4f45-9708-019B960494DF}">
-                  <a14:hiddenLine xmlns:a14="http://schemas.microsoft.com/office/drawing/2010/main" xmlns="" w="9525">
+                  <a14:hiddenLine xmlns="" xmlns:a14="http://schemas.microsoft.com/office/drawing/2010/main" w="9525">
                     <a:solidFill>
                       <a:srgbClr val="000000"/>
                     </a:solidFill>
@@ -17407,7 +17904,7 @@
               </a:ln>
               <a:extLst>
                 <a:ext uri="{91240B29-F687-4f45-9708-019B960494DF}">
-                  <a14:hiddenLine xmlns:a14="http://schemas.microsoft.com/office/drawing/2010/main" xmlns="" w="9525">
+                  <a14:hiddenLine xmlns="" xmlns:a14="http://schemas.microsoft.com/office/drawing/2010/main" w="9525">
                     <a:solidFill>
                       <a:srgbClr val="000000"/>
                     </a:solidFill>
@@ -17469,7 +17966,7 @@
               </a:ln>
               <a:extLst>
                 <a:ext uri="{91240B29-F687-4f45-9708-019B960494DF}">
-                  <a14:hiddenLine xmlns:a14="http://schemas.microsoft.com/office/drawing/2010/main" xmlns="" w="9525">
+                  <a14:hiddenLine xmlns="" xmlns:a14="http://schemas.microsoft.com/office/drawing/2010/main" w="9525">
                     <a:solidFill>
                       <a:srgbClr val="000000"/>
                     </a:solidFill>
@@ -17559,7 +18056,7 @@
               </a:ln>
               <a:extLst>
                 <a:ext uri="{91240B29-F687-4f45-9708-019B960494DF}">
-                  <a14:hiddenLine xmlns:a14="http://schemas.microsoft.com/office/drawing/2010/main" xmlns="" w="9525">
+                  <a14:hiddenLine xmlns="" xmlns:a14="http://schemas.microsoft.com/office/drawing/2010/main" w="9525">
                     <a:solidFill>
                       <a:srgbClr val="000000"/>
                     </a:solidFill>
@@ -17593,7 +18090,7 @@
               </a:ln>
               <a:extLst>
                 <a:ext uri="{91240B29-F687-4f45-9708-019B960494DF}">
-                  <a14:hiddenLine xmlns:a14="http://schemas.microsoft.com/office/drawing/2010/main" xmlns="" w="9525">
+                  <a14:hiddenLine xmlns="" xmlns:a14="http://schemas.microsoft.com/office/drawing/2010/main" w="9525">
                     <a:solidFill>
                       <a:srgbClr val="000000"/>
                     </a:solidFill>
@@ -17658,7 +18155,7 @@
               </a:ln>
               <a:extLst>
                 <a:ext uri="{91240B29-F687-4f45-9708-019B960494DF}">
-                  <a14:hiddenLine xmlns:a14="http://schemas.microsoft.com/office/drawing/2010/main" xmlns="" w="9525">
+                  <a14:hiddenLine xmlns="" xmlns:a14="http://schemas.microsoft.com/office/drawing/2010/main" w="9525">
                     <a:solidFill>
                       <a:srgbClr val="000000"/>
                     </a:solidFill>
@@ -17748,7 +18245,7 @@
               </a:ln>
               <a:extLst>
                 <a:ext uri="{91240B29-F687-4f45-9708-019B960494DF}">
-                  <a14:hiddenLine xmlns:a14="http://schemas.microsoft.com/office/drawing/2010/main" xmlns="" w="9525">
+                  <a14:hiddenLine xmlns="" xmlns:a14="http://schemas.microsoft.com/office/drawing/2010/main" w="9525">
                     <a:solidFill>
                       <a:srgbClr val="000000"/>
                     </a:solidFill>
@@ -17810,7 +18307,7 @@
               </a:ln>
               <a:extLst>
                 <a:ext uri="{91240B29-F687-4f45-9708-019B960494DF}">
-                  <a14:hiddenLine xmlns:a14="http://schemas.microsoft.com/office/drawing/2010/main" xmlns="" w="9525">
+                  <a14:hiddenLine xmlns="" xmlns:a14="http://schemas.microsoft.com/office/drawing/2010/main" w="9525">
                     <a:solidFill>
                       <a:srgbClr val="000000"/>
                     </a:solidFill>
@@ -17900,7 +18397,7 @@
               </a:ln>
               <a:extLst>
                 <a:ext uri="{91240B29-F687-4f45-9708-019B960494DF}">
-                  <a14:hiddenLine xmlns:a14="http://schemas.microsoft.com/office/drawing/2010/main" xmlns="" w="9525">
+                  <a14:hiddenLine xmlns="" xmlns:a14="http://schemas.microsoft.com/office/drawing/2010/main" w="9525">
                     <a:solidFill>
                       <a:srgbClr val="000000"/>
                     </a:solidFill>
@@ -17965,7 +18462,7 @@
               </a:ln>
               <a:extLst>
                 <a:ext uri="{91240B29-F687-4f45-9708-019B960494DF}">
-                  <a14:hiddenLine xmlns:a14="http://schemas.microsoft.com/office/drawing/2010/main" xmlns="" w="9525">
+                  <a14:hiddenLine xmlns="" xmlns:a14="http://schemas.microsoft.com/office/drawing/2010/main" w="9525">
                     <a:solidFill>
                       <a:srgbClr val="000000"/>
                     </a:solidFill>
@@ -18027,7 +18524,7 @@
               </a:ln>
               <a:extLst>
                 <a:ext uri="{91240B29-F687-4f45-9708-019B960494DF}">
-                  <a14:hiddenLine xmlns:a14="http://schemas.microsoft.com/office/drawing/2010/main" xmlns="" w="9525">
+                  <a14:hiddenLine xmlns="" xmlns:a14="http://schemas.microsoft.com/office/drawing/2010/main" w="9525">
                     <a:solidFill>
                       <a:srgbClr val="000000"/>
                     </a:solidFill>
@@ -18117,7 +18614,7 @@
               </a:ln>
               <a:extLst>
                 <a:ext uri="{91240B29-F687-4f45-9708-019B960494DF}">
-                  <a14:hiddenLine xmlns:a14="http://schemas.microsoft.com/office/drawing/2010/main" xmlns="" w="9525">
+                  <a14:hiddenLine xmlns="" xmlns:a14="http://schemas.microsoft.com/office/drawing/2010/main" w="9525">
                     <a:solidFill>
                       <a:srgbClr val="000000"/>
                     </a:solidFill>
@@ -18207,7 +18704,7 @@
               </a:ln>
               <a:extLst>
                 <a:ext uri="{91240B29-F687-4f45-9708-019B960494DF}">
-                  <a14:hiddenLine xmlns:a14="http://schemas.microsoft.com/office/drawing/2010/main" xmlns="" w="9525">
+                  <a14:hiddenLine xmlns="" xmlns:a14="http://schemas.microsoft.com/office/drawing/2010/main" w="9525">
                     <a:solidFill>
                       <a:srgbClr val="000000"/>
                     </a:solidFill>
@@ -18272,7 +18769,7 @@
               </a:ln>
               <a:extLst>
                 <a:ext uri="{91240B29-F687-4f45-9708-019B960494DF}">
-                  <a14:hiddenLine xmlns:a14="http://schemas.microsoft.com/office/drawing/2010/main" xmlns="" w="9525">
+                  <a14:hiddenLine xmlns="" xmlns:a14="http://schemas.microsoft.com/office/drawing/2010/main" w="9525">
                     <a:solidFill>
                       <a:srgbClr val="000000"/>
                     </a:solidFill>
@@ -18392,7 +18889,7 @@
               </a:ln>
               <a:extLst>
                 <a:ext uri="{91240B29-F687-4f45-9708-019B960494DF}">
-                  <a14:hiddenLine xmlns:a14="http://schemas.microsoft.com/office/drawing/2010/main" xmlns="" w="9525">
+                  <a14:hiddenLine xmlns="" xmlns:a14="http://schemas.microsoft.com/office/drawing/2010/main" w="9525">
                     <a:solidFill>
                       <a:srgbClr val="000000"/>
                     </a:solidFill>
@@ -18490,7 +18987,7 @@
               </a:ln>
               <a:extLst>
                 <a:ext uri="{91240B29-F687-4f45-9708-019B960494DF}">
-                  <a14:hiddenLine xmlns:a14="http://schemas.microsoft.com/office/drawing/2010/main" xmlns="" w="9525">
+                  <a14:hiddenLine xmlns="" xmlns:a14="http://schemas.microsoft.com/office/drawing/2010/main" w="9525">
                     <a:solidFill>
                       <a:srgbClr val="000000"/>
                     </a:solidFill>
@@ -18605,7 +19102,7 @@
               </a:ln>
               <a:extLst>
                 <a:ext uri="{91240B29-F687-4f45-9708-019B960494DF}">
-                  <a14:hiddenLine xmlns:a14="http://schemas.microsoft.com/office/drawing/2010/main" xmlns="" w="9525">
+                  <a14:hiddenLine xmlns="" xmlns:a14="http://schemas.microsoft.com/office/drawing/2010/main" w="9525">
                     <a:solidFill>
                       <a:srgbClr val="000000"/>
                     </a:solidFill>
@@ -18695,7 +19192,7 @@
               </a:ln>
               <a:extLst>
                 <a:ext uri="{91240B29-F687-4f45-9708-019B960494DF}">
-                  <a14:hiddenLine xmlns:a14="http://schemas.microsoft.com/office/drawing/2010/main" xmlns="" w="9525">
+                  <a14:hiddenLine xmlns="" xmlns:a14="http://schemas.microsoft.com/office/drawing/2010/main" w="9525">
                     <a:solidFill>
                       <a:srgbClr val="000000"/>
                     </a:solidFill>
@@ -18760,7 +19257,7 @@
               </a:ln>
               <a:extLst>
                 <a:ext uri="{91240B29-F687-4f45-9708-019B960494DF}">
-                  <a14:hiddenLine xmlns:a14="http://schemas.microsoft.com/office/drawing/2010/main" xmlns="" w="9525">
+                  <a14:hiddenLine xmlns="" xmlns:a14="http://schemas.microsoft.com/office/drawing/2010/main" w="9525">
                     <a:solidFill>
                       <a:srgbClr val="000000"/>
                     </a:solidFill>
@@ -18850,7 +19347,7 @@
               </a:ln>
               <a:extLst>
                 <a:ext uri="{91240B29-F687-4f45-9708-019B960494DF}">
-                  <a14:hiddenLine xmlns:a14="http://schemas.microsoft.com/office/drawing/2010/main" xmlns="" w="9525">
+                  <a14:hiddenLine xmlns="" xmlns:a14="http://schemas.microsoft.com/office/drawing/2010/main" w="9525">
                     <a:solidFill>
                       <a:srgbClr val="000000"/>
                     </a:solidFill>
@@ -18918,7 +19415,7 @@
               </a:ln>
               <a:extLst>
                 <a:ext uri="{91240B29-F687-4f45-9708-019B960494DF}">
-                  <a14:hiddenLine xmlns:a14="http://schemas.microsoft.com/office/drawing/2010/main" xmlns="" w="9525">
+                  <a14:hiddenLine xmlns="" xmlns:a14="http://schemas.microsoft.com/office/drawing/2010/main" w="9525">
                     <a:solidFill>
                       <a:srgbClr val="000000"/>
                     </a:solidFill>
@@ -19008,7 +19505,7 @@
               </a:ln>
               <a:extLst>
                 <a:ext uri="{91240B29-F687-4f45-9708-019B960494DF}">
-                  <a14:hiddenLine xmlns:a14="http://schemas.microsoft.com/office/drawing/2010/main" xmlns="" w="9525">
+                  <a14:hiddenLine xmlns="" xmlns:a14="http://schemas.microsoft.com/office/drawing/2010/main" w="9525">
                     <a:solidFill>
                       <a:srgbClr val="000000"/>
                     </a:solidFill>
@@ -19076,7 +19573,7 @@
               </a:ln>
               <a:extLst>
                 <a:ext uri="{91240B29-F687-4f45-9708-019B960494DF}">
-                  <a14:hiddenLine xmlns:a14="http://schemas.microsoft.com/office/drawing/2010/main" xmlns="" w="9525">
+                  <a14:hiddenLine xmlns="" xmlns:a14="http://schemas.microsoft.com/office/drawing/2010/main" w="9525">
                     <a:solidFill>
                       <a:srgbClr val="000000"/>
                     </a:solidFill>
@@ -19166,7 +19663,7 @@
               </a:ln>
               <a:extLst>
                 <a:ext uri="{91240B29-F687-4f45-9708-019B960494DF}">
-                  <a14:hiddenLine xmlns:a14="http://schemas.microsoft.com/office/drawing/2010/main" xmlns="" w="9525">
+                  <a14:hiddenLine xmlns="" xmlns:a14="http://schemas.microsoft.com/office/drawing/2010/main" w="9525">
                     <a:solidFill>
                       <a:srgbClr val="000000"/>
                     </a:solidFill>
@@ -19200,7 +19697,7 @@
               </a:ln>
               <a:extLst>
                 <a:ext uri="{91240B29-F687-4f45-9708-019B960494DF}">
-                  <a14:hiddenLine xmlns:a14="http://schemas.microsoft.com/office/drawing/2010/main" xmlns="" w="9525">
+                  <a14:hiddenLine xmlns="" xmlns:a14="http://schemas.microsoft.com/office/drawing/2010/main" w="9525">
                     <a:solidFill>
                       <a:srgbClr val="000000"/>
                     </a:solidFill>
@@ -19340,7 +19837,7 @@
           <a:p>
             <a:fld id="{0535669A-2E25-4AFC-8E75-7D13DCC7EC24}" type="datetimeFigureOut">
               <a:rPr lang="en-US" smtClean="0"/>
-              <a:t>1/15/2015</a:t>
+              <a:t>1/16/2015</a:t>
             </a:fld>
             <a:endParaRPr lang="en-US"/>
           </a:p>
@@ -21421,7 +21918,7 @@
         </p:blipFill>
         <p:spPr bwMode="auto">
           <a:xfrm>
-            <a:off x="2617421" y="3637888"/>
+            <a:off x="2617421" y="3664782"/>
             <a:ext cx="7114845" cy="3173221"/>
           </a:xfrm>
           <a:prstGeom prst="rect">
@@ -21716,7 +22213,7 @@
         </p:nvSpPr>
         <p:spPr>
           <a:xfrm>
-            <a:off x="1141412" y="3555773"/>
+            <a:off x="1141412" y="1982467"/>
             <a:ext cx="9905999" cy="3541714"/>
           </a:xfrm>
         </p:spPr>
@@ -21754,8 +22251,83 @@
                 </a:solidFill>
                 <a:latin typeface="Gill Sans MT" panose="020B0502020104020203" pitchFamily="34" charset="-18"/>
               </a:rPr>
-              <a:t>has integrity</a:t>
-            </a:r>
+              <a:t>has </a:t>
+            </a:r>
+            <a:r>
+              <a:rPr lang="en-US" sz="4400" dirty="0" smtClean="0">
+                <a:solidFill>
+                  <a:schemeClr val="bg1"/>
+                </a:solidFill>
+                <a:latin typeface="Gill Sans MT" panose="020B0502020104020203" pitchFamily="34" charset="-18"/>
+              </a:rPr>
+              <a:t>integrity</a:t>
+            </a:r>
+          </a:p>
+          <a:p>
+            <a:pPr algn="ctr"/>
+            <a:r>
+              <a:rPr lang="en-US" sz="2800" dirty="0" smtClean="0">
+                <a:solidFill>
+                  <a:schemeClr val="bg1"/>
+                </a:solidFill>
+                <a:latin typeface="Gill Sans MT" panose="020B0502020104020203" pitchFamily="34" charset="-18"/>
+              </a:rPr>
+              <a:t>Each file has it’s own checksum(SHA-1 hash)</a:t>
+            </a:r>
+          </a:p>
+          <a:p>
+            <a:pPr algn="ctr"/>
+            <a:r>
+              <a:rPr lang="en-US" sz="2800" dirty="0" err="1" smtClean="0">
+                <a:solidFill>
+                  <a:schemeClr val="bg1"/>
+                </a:solidFill>
+                <a:latin typeface="Gill Sans MT" panose="020B0502020104020203" pitchFamily="34" charset="-18"/>
+              </a:rPr>
+              <a:t>Git</a:t>
+            </a:r>
+            <a:r>
+              <a:rPr lang="en-US" sz="2800" dirty="0" smtClean="0">
+                <a:solidFill>
+                  <a:schemeClr val="bg1"/>
+                </a:solidFill>
+                <a:latin typeface="Gill Sans MT" panose="020B0502020104020203" pitchFamily="34" charset="-18"/>
+              </a:rPr>
+              <a:t> uses the checksum to detect changes and identify files</a:t>
+            </a:r>
+          </a:p>
+          <a:p>
+            <a:pPr marL="0" indent="0" algn="ctr">
+              <a:buNone/>
+            </a:pPr>
+            <a:r>
+              <a:rPr lang="en-US" sz="2800" dirty="0">
+                <a:solidFill>
+                  <a:schemeClr val="bg1"/>
+                </a:solidFill>
+              </a:rPr>
+              <a:t>24b9da6552252987aa493b52f8696cd6d3b00373</a:t>
+            </a:r>
+          </a:p>
+          <a:p>
+            <a:pPr algn="ctr"/>
+            <a:endParaRPr lang="en-US" sz="2800" dirty="0">
+              <a:solidFill>
+                <a:schemeClr val="bg1"/>
+              </a:solidFill>
+              <a:latin typeface="Gill Sans MT" panose="020B0502020104020203" pitchFamily="34" charset="-18"/>
+            </a:endParaRPr>
+          </a:p>
+          <a:p>
+            <a:pPr marL="0" indent="0" algn="ctr">
+              <a:buNone/>
+            </a:pPr>
+            <a:endParaRPr lang="en-US" sz="2800" dirty="0" smtClean="0">
+              <a:solidFill>
+                <a:schemeClr val="bg1"/>
+              </a:solidFill>
+              <a:latin typeface="Gill Sans MT" panose="020B0502020104020203" pitchFamily="34" charset="-18"/>
+            </a:endParaRPr>
           </a:p>
         </p:txBody>
       </p:sp>
@@ -21859,19 +22431,21 @@
         </p:nvSpPr>
         <p:spPr>
           <a:xfrm>
-            <a:off x="890203" y="3465338"/>
+            <a:off x="1141413" y="3017891"/>
             <a:ext cx="9905999" cy="3541714"/>
           </a:xfrm>
         </p:spPr>
         <p:txBody>
-          <a:bodyPr/>
+          <a:bodyPr>
+            <a:normAutofit/>
+          </a:bodyPr>
           <a:lstStyle/>
           <a:p>
             <a:pPr marL="0" indent="0" algn="ctr">
               <a:buNone/>
             </a:pPr>
             <a:r>
-              <a:rPr lang="en-US" sz="4400" dirty="0" smtClean="0">
+              <a:rPr lang="en-US" sz="4400" dirty="0">
                 <a:solidFill>
                   <a:schemeClr val="bg1"/>
                 </a:solidFill>
@@ -21881,19 +22455,40 @@
             </a:r>
           </a:p>
           <a:p>
-            <a:endParaRPr lang="en-US" dirty="0">
+            <a:pPr algn="ctr"/>
+            <a:r>
+              <a:rPr lang="en-US" sz="2800" dirty="0" smtClean="0">
+                <a:solidFill>
+                  <a:schemeClr val="bg1"/>
+                </a:solidFill>
+                <a:latin typeface="Gill Sans MT" panose="020B0502020104020203" pitchFamily="34" charset="-18"/>
+              </a:rPr>
+              <a:t>[Almost] everything is undoable</a:t>
+            </a:r>
+            <a:endParaRPr lang="en-US" sz="2800" dirty="0">
               <a:solidFill>
                 <a:schemeClr val="bg1"/>
               </a:solidFill>
               <a:latin typeface="Gill Sans MT" panose="020B0502020104020203" pitchFamily="34" charset="-18"/>
             </a:endParaRPr>
           </a:p>
+          <a:p>
+            <a:pPr marL="0" indent="0">
+              <a:buNone/>
+            </a:pPr>
+            <a:endParaRPr lang="en-US" sz="2800" dirty="0" smtClean="0">
+              <a:solidFill>
+                <a:schemeClr val="bg1"/>
+              </a:solidFill>
+              <a:latin typeface="Gill Sans MT" panose="020B0502020104020203" pitchFamily="34" charset="-18"/>
+            </a:endParaRPr>
+          </a:p>
         </p:txBody>
       </p:sp>
     </p:spTree>
     <p:extLst>
       <p:ext uri="{BB962C8B-B14F-4D97-AF65-F5344CB8AC3E}">
-        <p14:creationId xmlns:p14="http://schemas.microsoft.com/office/powerpoint/2010/main" val="2230308903"/>
+        <p14:creationId xmlns:p14="http://schemas.microsoft.com/office/powerpoint/2010/main" val="138346031"/>
       </p:ext>
     </p:extLst>
   </p:cSld>
@@ -22396,7 +22991,6 @@
           <a:bodyPr/>
           <a:lstStyle/>
           <a:p>
-            <a:pPr algn="ctr"/>
             <a:r>
               <a:rPr lang="en-US" dirty="0" smtClean="0">
                 <a:solidFill>
@@ -22422,7 +23016,7 @@
                 </a:solidFill>
                 <a:latin typeface="Gill Sans MT" panose="020B0502020104020203" pitchFamily="34" charset="-18"/>
               </a:rPr>
-              <a:t> works?</a:t>
+              <a:t> works</a:t>
             </a:r>
             <a:endParaRPr lang="en-US" dirty="0">
               <a:solidFill>
@@ -22443,65 +23037,63 @@
             <p:ph idx="1"/>
           </p:nvPr>
         </p:nvSpPr>
-        <p:spPr/>
+        <p:spPr>
+          <a:xfrm>
+            <a:off x="849862" y="2097088"/>
+            <a:ext cx="9905999" cy="3541714"/>
+          </a:xfrm>
+        </p:spPr>
         <p:txBody>
           <a:bodyPr/>
           <a:lstStyle/>
           <a:p>
-            <a:endParaRPr lang="en-US" dirty="0" smtClean="0">
+            <a:pPr marL="0" indent="0" algn="ctr">
+              <a:buNone/>
+            </a:pPr>
+            <a:r>
+              <a:rPr lang="en-US" sz="4400" dirty="0" smtClean="0">
+                <a:solidFill>
+                  <a:schemeClr val="bg1"/>
+                </a:solidFill>
+                <a:latin typeface="Gill Sans MT" panose="020B0502020104020203" pitchFamily="34" charset="-18"/>
+              </a:rPr>
+              <a:t>It’s very hard to lose </a:t>
+            </a:r>
+            <a:r>
+              <a:rPr lang="en-US" sz="4400" dirty="0" smtClean="0">
+                <a:solidFill>
+                  <a:schemeClr val="bg1"/>
+                </a:solidFill>
+                <a:latin typeface="Gill Sans MT" panose="020B0502020104020203" pitchFamily="34" charset="-18"/>
+              </a:rPr>
+              <a:t>data</a:t>
+            </a:r>
+          </a:p>
+          <a:p>
+            <a:pPr marL="0" indent="0" algn="ctr">
+              <a:buNone/>
+            </a:pPr>
+            <a:endParaRPr lang="en-US" sz="4400" dirty="0" smtClean="0">
               <a:solidFill>
                 <a:schemeClr val="bg1"/>
               </a:solidFill>
               <a:latin typeface="Gill Sans MT" panose="020B0502020104020203" pitchFamily="34" charset="-18"/>
             </a:endParaRPr>
           </a:p>
+          <a:p>
+            <a:endParaRPr lang="en-US" dirty="0">
+              <a:solidFill>
+                <a:schemeClr val="bg1"/>
+              </a:solidFill>
+              <a:latin typeface="Gill Sans MT" panose="020B0502020104020203" pitchFamily="34" charset="-18"/>
+            </a:endParaRPr>
+          </a:p>
         </p:txBody>
       </p:sp>
-      <p:pic>
-        <p:nvPicPr>
-          <p:cNvPr id="1026" name="Picture 2" descr="Working directory, staging area, and Git directory."/>
-          <p:cNvPicPr>
-            <a:picLocks noChangeAspect="1" noChangeArrowheads="1"/>
-          </p:cNvPicPr>
-          <p:nvPr/>
-        </p:nvPicPr>
-        <p:blipFill>
-          <a:blip r:embed="rId3">
-            <a:extLst>
-              <a:ext uri="{28A0092B-C50C-407E-A947-70E740481C1C}">
-                <a14:useLocalDpi xmlns:a14="http://schemas.microsoft.com/office/drawing/2010/main" val="0"/>
-              </a:ext>
-            </a:extLst>
-          </a:blip>
-          <a:srcRect/>
-          <a:stretch>
-            <a:fillRect/>
-          </a:stretch>
-        </p:blipFill>
-        <p:spPr bwMode="auto">
-          <a:xfrm>
-            <a:off x="1537398" y="2097088"/>
-            <a:ext cx="7936453" cy="4373956"/>
-          </a:xfrm>
-          <a:prstGeom prst="rect">
-            <a:avLst/>
-          </a:prstGeom>
-          <a:noFill/>
-          <a:extLst>
-            <a:ext uri="{909E8E84-426E-40DD-AFC4-6F175D3DCCD1}">
-              <a14:hiddenFill xmlns:a14="http://schemas.microsoft.com/office/drawing/2010/main">
-                <a:solidFill>
-                  <a:srgbClr val="FFFFFF"/>
-                </a:solidFill>
-              </a14:hiddenFill>
-            </a:ext>
-          </a:extLst>
-        </p:spPr>
-      </p:pic>
     </p:spTree>
     <p:extLst>
       <p:ext uri="{BB962C8B-B14F-4D97-AF65-F5344CB8AC3E}">
-        <p14:creationId xmlns:p14="http://schemas.microsoft.com/office/powerpoint/2010/main" val="1011412187"/>
+        <p14:creationId xmlns:p14="http://schemas.microsoft.com/office/powerpoint/2010/main" val="2230308903"/>
       </p:ext>
     </p:extLst>
   </p:cSld>
@@ -22545,16 +23137,9 @@
             <p:ph type="title"/>
           </p:nvPr>
         </p:nvSpPr>
-        <p:spPr>
-          <a:xfrm>
-            <a:off x="838200" y="2786778"/>
-            <a:ext cx="10515600" cy="1325563"/>
-          </a:xfrm>
-        </p:spPr>
+        <p:spPr/>
         <p:txBody>
-          <a:bodyPr>
-            <a:normAutofit fontScale="90000"/>
-          </a:bodyPr>
+          <a:bodyPr/>
           <a:lstStyle/>
           <a:p>
             <a:pPr algn="ctr"/>
@@ -22565,74 +23150,104 @@
                 </a:solidFill>
                 <a:latin typeface="Gill Sans MT" panose="020B0502020104020203" pitchFamily="34" charset="-18"/>
               </a:rPr>
-              <a:t>Create a repository</a:t>
+              <a:t>how </a:t>
+            </a:r>
+            <a:r>
+              <a:rPr lang="en-US" dirty="0" err="1" smtClean="0">
+                <a:solidFill>
+                  <a:schemeClr val="bg1"/>
+                </a:solidFill>
+                <a:latin typeface="Gill Sans MT" panose="020B0502020104020203" pitchFamily="34" charset="-18"/>
+              </a:rPr>
+              <a:t>git</a:t>
             </a:r>
             <a:r>
               <a:rPr lang="en-US" dirty="0" smtClean="0">
-                <a:latin typeface="Rockwell" panose="02060603020205020403" pitchFamily="18" charset="0"/>
-              </a:rPr>
-              <a:t/>
-            </a:r>
-            <a:br>
-              <a:rPr lang="en-US" dirty="0" smtClean="0">
-                <a:latin typeface="Rockwell" panose="02060603020205020403" pitchFamily="18" charset="0"/>
-              </a:rPr>
-            </a:br>
-            <a:r>
-              <a:rPr lang="en-US" dirty="0" smtClean="0">
-                <a:latin typeface="Rockwell" panose="02060603020205020403" pitchFamily="18" charset="0"/>
-              </a:rPr>
-              <a:t> </a:t>
-            </a:r>
-            <a:r>
-              <a:rPr lang="en-US" dirty="0" smtClean="0"/>
-              <a:t/>
-            </a:r>
-            <a:br>
-              <a:rPr lang="en-US" dirty="0" smtClean="0"/>
-            </a:br>
-            <a:r>
-              <a:rPr lang="en-US" dirty="0" err="1" smtClean="0">
-                <a:solidFill>
-                  <a:srgbClr val="F15034"/>
+                <a:solidFill>
+                  <a:schemeClr val="bg1"/>
                 </a:solidFill>
                 <a:latin typeface="Gill Sans MT" panose="020B0502020104020203" pitchFamily="34" charset="-18"/>
               </a:rPr>
-              <a:t>git</a:t>
-            </a:r>
-            <a:r>
-              <a:rPr lang="en-US" dirty="0" smtClean="0">
-                <a:solidFill>
-                  <a:srgbClr val="F15034"/>
-                </a:solidFill>
-                <a:latin typeface="Gill Sans MT" panose="020B0502020104020203" pitchFamily="34" charset="-18"/>
-              </a:rPr>
-              <a:t> </a:t>
-            </a:r>
-            <a:r>
-              <a:rPr lang="en-US" dirty="0" err="1" smtClean="0">
-                <a:solidFill>
-                  <a:srgbClr val="F15034"/>
-                </a:solidFill>
-                <a:latin typeface="Gill Sans MT" panose="020B0502020104020203" pitchFamily="34" charset="-18"/>
-              </a:rPr>
-              <a:t>init</a:t>
-            </a:r>
-            <a:r>
-              <a:rPr lang="en-US" dirty="0" smtClean="0"/>
-              <a:t/>
-            </a:r>
-            <a:br>
-              <a:rPr lang="en-US" dirty="0" smtClean="0"/>
-            </a:br>
-            <a:endParaRPr lang="en-US" dirty="0"/>
+              <a:t> works?</a:t>
+            </a:r>
+            <a:endParaRPr lang="en-US" dirty="0">
+              <a:solidFill>
+                <a:schemeClr val="bg1"/>
+              </a:solidFill>
+              <a:latin typeface="Gill Sans MT" panose="020B0502020104020203" pitchFamily="34" charset="-18"/>
+            </a:endParaRPr>
           </a:p>
         </p:txBody>
       </p:sp>
+      <p:sp>
+        <p:nvSpPr>
+          <p:cNvPr id="3" name="Content Placeholder 2"/>
+          <p:cNvSpPr>
+            <a:spLocks noGrp="1"/>
+          </p:cNvSpPr>
+          <p:nvPr>
+            <p:ph idx="1"/>
+          </p:nvPr>
+        </p:nvSpPr>
+        <p:spPr/>
+        <p:txBody>
+          <a:bodyPr/>
+          <a:lstStyle/>
+          <a:p>
+            <a:endParaRPr lang="en-US" dirty="0" smtClean="0">
+              <a:solidFill>
+                <a:schemeClr val="bg1"/>
+              </a:solidFill>
+              <a:latin typeface="Gill Sans MT" panose="020B0502020104020203" pitchFamily="34" charset="-18"/>
+            </a:endParaRPr>
+          </a:p>
+        </p:txBody>
+      </p:sp>
+      <p:pic>
+        <p:nvPicPr>
+          <p:cNvPr id="1026" name="Picture 2" descr="Working directory, staging area, and Git directory."/>
+          <p:cNvPicPr>
+            <a:picLocks noChangeAspect="1" noChangeArrowheads="1"/>
+          </p:cNvPicPr>
+          <p:nvPr/>
+        </p:nvPicPr>
+        <p:blipFill>
+          <a:blip r:embed="rId3">
+            <a:extLst>
+              <a:ext uri="{28A0092B-C50C-407E-A947-70E740481C1C}">
+                <a14:useLocalDpi xmlns:a14="http://schemas.microsoft.com/office/drawing/2010/main" val="0"/>
+              </a:ext>
+            </a:extLst>
+          </a:blip>
+          <a:srcRect/>
+          <a:stretch>
+            <a:fillRect/>
+          </a:stretch>
+        </p:blipFill>
+        <p:spPr bwMode="auto">
+          <a:xfrm>
+            <a:off x="1537398" y="2097088"/>
+            <a:ext cx="7936453" cy="4373956"/>
+          </a:xfrm>
+          <a:prstGeom prst="rect">
+            <a:avLst/>
+          </a:prstGeom>
+          <a:noFill/>
+          <a:extLst>
+            <a:ext uri="{909E8E84-426E-40DD-AFC4-6F175D3DCCD1}">
+              <a14:hiddenFill xmlns:a14="http://schemas.microsoft.com/office/drawing/2010/main">
+                <a:solidFill>
+                  <a:srgbClr val="FFFFFF"/>
+                </a:solidFill>
+              </a14:hiddenFill>
+            </a:ext>
+          </a:extLst>
+        </p:spPr>
+      </p:pic>
     </p:spTree>
     <p:extLst>
       <p:ext uri="{BB962C8B-B14F-4D97-AF65-F5344CB8AC3E}">
-        <p14:creationId xmlns:p14="http://schemas.microsoft.com/office/powerpoint/2010/main" val="53998303"/>
+        <p14:creationId xmlns:p14="http://schemas.microsoft.com/office/powerpoint/2010/main" val="1011412187"/>
       </p:ext>
     </p:extLst>
   </p:cSld>
@@ -22696,7 +23311,7 @@
                 </a:solidFill>
                 <a:latin typeface="Gill Sans MT" panose="020B0502020104020203" pitchFamily="34" charset="-18"/>
               </a:rPr>
-              <a:t>Clone a repository</a:t>
+              <a:t>Create a repository</a:t>
             </a:r>
             <a:r>
               <a:rPr lang="en-US" dirty="0" smtClean="0">
@@ -22713,59 +23328,57 @@
               <a:rPr lang="en-US" dirty="0" smtClean="0">
                 <a:latin typeface="Rockwell" panose="02060603020205020403" pitchFamily="18" charset="0"/>
               </a:rPr>
+              <a:t> </a:t>
+            </a:r>
+            <a:r>
+              <a:rPr lang="en-US" dirty="0" smtClean="0"/>
               <a:t/>
             </a:r>
             <a:br>
+              <a:rPr lang="en-US" dirty="0" smtClean="0"/>
+            </a:br>
+            <a:r>
+              <a:rPr lang="en-US" dirty="0" err="1" smtClean="0">
+                <a:solidFill>
+                  <a:srgbClr val="F15034"/>
+                </a:solidFill>
+                <a:latin typeface="Gill Sans MT" panose="020B0502020104020203" pitchFamily="34" charset="-18"/>
+              </a:rPr>
+              <a:t>git</a:t>
+            </a:r>
+            <a:r>
               <a:rPr lang="en-US" dirty="0" smtClean="0">
-                <a:latin typeface="Rockwell" panose="02060603020205020403" pitchFamily="18" charset="0"/>
-              </a:rPr>
+                <a:solidFill>
+                  <a:srgbClr val="F15034"/>
+                </a:solidFill>
+                <a:latin typeface="Gill Sans MT" panose="020B0502020104020203" pitchFamily="34" charset="-18"/>
+              </a:rPr>
+              <a:t> </a:t>
+            </a:r>
+            <a:r>
+              <a:rPr lang="en-US" dirty="0" err="1" smtClean="0">
+                <a:solidFill>
+                  <a:srgbClr val="F15034"/>
+                </a:solidFill>
+                <a:latin typeface="Gill Sans MT" panose="020B0502020104020203" pitchFamily="34" charset="-18"/>
+              </a:rPr>
+              <a:t>init</a:t>
+            </a:r>
+            <a:r>
+              <a:rPr lang="en-US" dirty="0" smtClean="0"/>
+              <a:t/>
+            </a:r>
+            <a:br>
+              <a:rPr lang="en-US" dirty="0" smtClean="0"/>
             </a:br>
-            <a:r>
-              <a:rPr lang="en-US" dirty="0" err="1" smtClean="0">
-                <a:solidFill>
-                  <a:srgbClr val="F15034"/>
-                </a:solidFill>
-                <a:latin typeface="Gill Sans MT" panose="020B0502020104020203" pitchFamily="34" charset="-18"/>
-              </a:rPr>
-              <a:t>git</a:t>
-            </a:r>
-            <a:r>
-              <a:rPr lang="en-US" dirty="0" smtClean="0">
-                <a:solidFill>
-                  <a:srgbClr val="F15034"/>
-                </a:solidFill>
-                <a:latin typeface="Gill Sans MT" panose="020B0502020104020203" pitchFamily="34" charset="-18"/>
-              </a:rPr>
-              <a:t> clone &lt;</a:t>
-            </a:r>
-            <a:r>
-              <a:rPr lang="en-US" dirty="0" err="1" smtClean="0">
-                <a:solidFill>
-                  <a:srgbClr val="F15034"/>
-                </a:solidFill>
-                <a:latin typeface="Gill Sans MT" panose="020B0502020104020203" pitchFamily="34" charset="-18"/>
-              </a:rPr>
-              <a:t>url</a:t>
-            </a:r>
-            <a:r>
-              <a:rPr lang="en-US" dirty="0" smtClean="0">
-                <a:solidFill>
-                  <a:srgbClr val="F15034"/>
-                </a:solidFill>
-                <a:latin typeface="Gill Sans MT" panose="020B0502020104020203" pitchFamily="34" charset="-18"/>
-              </a:rPr>
-              <a:t>&gt;</a:t>
-            </a:r>
-            <a:endParaRPr lang="en-US" dirty="0" smtClean="0">
-              <a:latin typeface="Gill Sans MT" panose="020B0502020104020203" pitchFamily="34" charset="-18"/>
-            </a:endParaRPr>
+            <a:endParaRPr lang="en-US" dirty="0"/>
           </a:p>
         </p:txBody>
       </p:sp>
     </p:spTree>
     <p:extLst>
       <p:ext uri="{BB962C8B-B14F-4D97-AF65-F5344CB8AC3E}">
-        <p14:creationId xmlns:p14="http://schemas.microsoft.com/office/powerpoint/2010/main" val="18941146"/>
+        <p14:creationId xmlns:p14="http://schemas.microsoft.com/office/powerpoint/2010/main" val="53998303"/>
       </p:ext>
     </p:extLst>
   </p:cSld>
@@ -22829,28 +23442,36 @@
                 </a:solidFill>
                 <a:latin typeface="Gill Sans MT" panose="020B0502020104020203" pitchFamily="34" charset="-18"/>
               </a:rPr>
-              <a:t>Check repository status</a:t>
-            </a:r>
-            <a:r>
-              <a:rPr lang="en-US" dirty="0" smtClean="0"/>
+              <a:t>Clone a repository</a:t>
+            </a:r>
+            <a:r>
+              <a:rPr lang="en-US" dirty="0" smtClean="0">
+                <a:latin typeface="Rockwell" panose="02060603020205020403" pitchFamily="18" charset="0"/>
+              </a:rPr>
               <a:t/>
             </a:r>
             <a:br>
-              <a:rPr lang="en-US" dirty="0" smtClean="0"/>
+              <a:rPr lang="en-US" dirty="0" smtClean="0">
+                <a:latin typeface="Rockwell" panose="02060603020205020403" pitchFamily="18" charset="0"/>
+              </a:rPr>
             </a:br>
             <a:r>
-              <a:rPr lang="en-US" dirty="0" smtClean="0"/>
-              <a:t> </a:t>
+              <a:rPr lang="en-US" dirty="0" smtClean="0">
+                <a:latin typeface="Rockwell" panose="02060603020205020403" pitchFamily="18" charset="0"/>
+              </a:rPr>
+              <a:t/>
             </a:r>
             <a:br>
-              <a:rPr lang="en-US" dirty="0" smtClean="0"/>
+              <a:rPr lang="en-US" dirty="0" smtClean="0">
+                <a:latin typeface="Rockwell" panose="02060603020205020403" pitchFamily="18" charset="0"/>
+              </a:rPr>
             </a:br>
             <a:r>
               <a:rPr lang="en-US" dirty="0" err="1" smtClean="0">
                 <a:solidFill>
                   <a:srgbClr val="F15034"/>
                 </a:solidFill>
-                <a:latin typeface="Lucida Console" panose="020B0609040504020204" pitchFamily="49" charset="0"/>
+                <a:latin typeface="Gill Sans MT" panose="020B0502020104020203" pitchFamily="34" charset="-18"/>
               </a:rPr>
               <a:t>git</a:t>
             </a:r>
@@ -22859,12 +23480,102 @@
                 <a:solidFill>
                   <a:srgbClr val="F15034"/>
                 </a:solidFill>
-                <a:latin typeface="Lucida Console" panose="020B0609040504020204" pitchFamily="49" charset="0"/>
-              </a:rPr>
-              <a:t> status</a:t>
-            </a:r>
+                <a:latin typeface="Gill Sans MT" panose="020B0502020104020203" pitchFamily="34" charset="-18"/>
+              </a:rPr>
+              <a:t> clone &lt;</a:t>
+            </a:r>
+            <a:r>
+              <a:rPr lang="en-US" dirty="0" err="1" smtClean="0">
+                <a:solidFill>
+                  <a:srgbClr val="F15034"/>
+                </a:solidFill>
+                <a:latin typeface="Gill Sans MT" panose="020B0502020104020203" pitchFamily="34" charset="-18"/>
+              </a:rPr>
+              <a:t>url</a:t>
+            </a:r>
+            <a:r>
+              <a:rPr lang="en-US" dirty="0" smtClean="0">
+                <a:solidFill>
+                  <a:srgbClr val="F15034"/>
+                </a:solidFill>
+                <a:latin typeface="Gill Sans MT" panose="020B0502020104020203" pitchFamily="34" charset="-18"/>
+              </a:rPr>
+              <a:t>&gt;</a:t>
+            </a:r>
+            <a:br>
+              <a:rPr lang="en-US" dirty="0" smtClean="0">
+                <a:solidFill>
+                  <a:srgbClr val="F15034"/>
+                </a:solidFill>
+                <a:latin typeface="Gill Sans MT" panose="020B0502020104020203" pitchFamily="34" charset="-18"/>
+              </a:rPr>
+            </a:br>
+            <a:r>
+              <a:rPr lang="en-US" dirty="0">
+                <a:solidFill>
+                  <a:srgbClr val="F15034"/>
+                </a:solidFill>
+                <a:latin typeface="Gill Sans MT" panose="020B0502020104020203" pitchFamily="34" charset="-18"/>
+              </a:rPr>
+              <a:t/>
+            </a:r>
+            <a:br>
+              <a:rPr lang="en-US" dirty="0">
+                <a:solidFill>
+                  <a:srgbClr val="F15034"/>
+                </a:solidFill>
+                <a:latin typeface="Gill Sans MT" panose="020B0502020104020203" pitchFamily="34" charset="-18"/>
+              </a:rPr>
+            </a:br>
             <a:endParaRPr lang="en-US" dirty="0" smtClean="0">
-              <a:latin typeface="Lucida Console" panose="020B0609040504020204" pitchFamily="49" charset="0"/>
+              <a:solidFill>
+                <a:schemeClr val="bg1"/>
+              </a:solidFill>
+              <a:latin typeface="Gill Sans MT" panose="020B0502020104020203" pitchFamily="34" charset="-18"/>
+            </a:endParaRPr>
+          </a:p>
+        </p:txBody>
+      </p:sp>
+      <p:sp>
+        <p:nvSpPr>
+          <p:cNvPr id="3" name="TextBox 2"/>
+          <p:cNvSpPr txBox="1"/>
+          <p:nvPr/>
+        </p:nvSpPr>
+        <p:spPr>
+          <a:xfrm>
+            <a:off x="2312894" y="4397188"/>
+            <a:ext cx="7831311" cy="523220"/>
+          </a:xfrm>
+          <a:prstGeom prst="rect">
+            <a:avLst/>
+          </a:prstGeom>
+          <a:noFill/>
+        </p:spPr>
+        <p:txBody>
+          <a:bodyPr wrap="none" rtlCol="0">
+            <a:spAutoFit/>
+          </a:bodyPr>
+          <a:lstStyle/>
+          <a:p>
+            <a:pPr marL="457200" indent="-457200" algn="ctr">
+              <a:buFont typeface="Arial" panose="020B0604020202020204" pitchFamily="34" charset="0"/>
+              <a:buChar char="•"/>
+            </a:pPr>
+            <a:r>
+              <a:rPr lang="en-US" sz="2800" dirty="0" smtClean="0">
+                <a:solidFill>
+                  <a:schemeClr val="bg1"/>
+                </a:solidFill>
+                <a:latin typeface="Gill Sans MT" panose="020B0502020104020203" pitchFamily="34" charset="-18"/>
+              </a:rPr>
+              <a:t>Support for known protocols: http(s)://, SSH, git://</a:t>
+            </a:r>
+            <a:endParaRPr lang="ro-RO" sz="2800" dirty="0">
+              <a:solidFill>
+                <a:schemeClr val="bg1"/>
+              </a:solidFill>
+              <a:latin typeface="Gill Sans MT" panose="020B0502020104020203" pitchFamily="34" charset="-18"/>
             </a:endParaRPr>
           </a:p>
         </p:txBody>
@@ -22872,7 +23583,7 @@
     </p:spTree>
     <p:extLst>
       <p:ext uri="{BB962C8B-B14F-4D97-AF65-F5344CB8AC3E}">
-        <p14:creationId xmlns:p14="http://schemas.microsoft.com/office/powerpoint/2010/main" val="1419371930"/>
+        <p14:creationId xmlns:p14="http://schemas.microsoft.com/office/powerpoint/2010/main" val="18941146"/>
       </p:ext>
     </p:extLst>
   </p:cSld>
@@ -22916,103 +23627,70 @@
             <p:ph type="title"/>
           </p:nvPr>
         </p:nvSpPr>
-        <p:spPr/>
-        <p:txBody>
-          <a:bodyPr/>
-          <a:lstStyle/>
-          <a:p>
-            <a:endParaRPr lang="en-US" dirty="0"/>
-          </a:p>
-        </p:txBody>
-      </p:sp>
-      <p:sp>
-        <p:nvSpPr>
-          <p:cNvPr id="3" name="Content Placeholder 2"/>
-          <p:cNvSpPr>
-            <a:spLocks noGrp="1"/>
-          </p:cNvSpPr>
-          <p:nvPr>
-            <p:ph idx="1"/>
-          </p:nvPr>
-        </p:nvSpPr>
         <p:spPr>
           <a:xfrm>
-            <a:off x="1023528" y="963298"/>
-            <a:ext cx="9905999" cy="3541714"/>
+            <a:off x="838200" y="2786778"/>
+            <a:ext cx="10515600" cy="1325563"/>
           </a:xfrm>
         </p:spPr>
         <p:txBody>
           <a:bodyPr>
-            <a:normAutofit/>
+            <a:normAutofit fontScale="90000"/>
           </a:bodyPr>
           <a:lstStyle/>
           <a:p>
-            <a:pPr marL="0" indent="0" algn="ctr">
-              <a:buNone/>
-            </a:pPr>
-            <a:r>
-              <a:rPr lang="en-US" sz="4000" dirty="0" smtClean="0">
+            <a:pPr algn="ctr"/>
+            <a:r>
+              <a:rPr lang="en-US" dirty="0" smtClean="0">
                 <a:solidFill>
                   <a:schemeClr val="bg1"/>
                 </a:solidFill>
                 <a:latin typeface="Gill Sans MT" panose="020B0502020104020203" pitchFamily="34" charset="-18"/>
               </a:rPr>
-              <a:t>tracked			untracked</a:t>
-            </a:r>
-            <a:endParaRPr lang="en-US" sz="4000" dirty="0">
-              <a:solidFill>
-                <a:schemeClr val="bg1"/>
-              </a:solidFill>
-              <a:latin typeface="Gill Sans MT" panose="020B0502020104020203" pitchFamily="34" charset="-18"/>
+              <a:t>Check repository status</a:t>
+            </a:r>
+            <a:r>
+              <a:rPr lang="en-US" dirty="0" smtClean="0"/>
+              <a:t/>
+            </a:r>
+            <a:br>
+              <a:rPr lang="en-US" dirty="0" smtClean="0"/>
+            </a:br>
+            <a:r>
+              <a:rPr lang="en-US" dirty="0" smtClean="0"/>
+              <a:t> </a:t>
+            </a:r>
+            <a:br>
+              <a:rPr lang="en-US" dirty="0" smtClean="0"/>
+            </a:br>
+            <a:r>
+              <a:rPr lang="en-US" dirty="0" err="1" smtClean="0">
+                <a:solidFill>
+                  <a:srgbClr val="F15034"/>
+                </a:solidFill>
+                <a:latin typeface="Lucida Console" panose="020B0609040504020204" pitchFamily="49" charset="0"/>
+              </a:rPr>
+              <a:t>git</a:t>
+            </a:r>
+            <a:r>
+              <a:rPr lang="en-US" dirty="0" smtClean="0">
+                <a:solidFill>
+                  <a:srgbClr val="F15034"/>
+                </a:solidFill>
+                <a:latin typeface="Lucida Console" panose="020B0609040504020204" pitchFamily="49" charset="0"/>
+              </a:rPr>
+              <a:t> status</a:t>
+            </a:r>
+            <a:endParaRPr lang="en-US" dirty="0" smtClean="0">
+              <a:latin typeface="Lucida Console" panose="020B0609040504020204" pitchFamily="49" charset="0"/>
             </a:endParaRPr>
           </a:p>
         </p:txBody>
       </p:sp>
-      <p:pic>
-        <p:nvPicPr>
-          <p:cNvPr id="5122" name="Picture 2" descr="http://git-scm.com/figures/18333fig0201-tn.png"/>
-          <p:cNvPicPr>
-            <a:picLocks noChangeAspect="1" noChangeArrowheads="1"/>
-          </p:cNvPicPr>
-          <p:nvPr/>
-        </p:nvPicPr>
-        <p:blipFill>
-          <a:blip r:embed="rId3">
-            <a:extLst>
-              <a:ext uri="{28A0092B-C50C-407E-A947-70E740481C1C}">
-                <a14:useLocalDpi xmlns:a14="http://schemas.microsoft.com/office/drawing/2010/main" val="0"/>
-              </a:ext>
-            </a:extLst>
-          </a:blip>
-          <a:srcRect/>
-          <a:stretch>
-            <a:fillRect/>
-          </a:stretch>
-        </p:blipFill>
-        <p:spPr bwMode="auto">
-          <a:xfrm>
-            <a:off x="2075529" y="1984361"/>
-            <a:ext cx="7801055" cy="4677696"/>
-          </a:xfrm>
-          <a:prstGeom prst="rect">
-            <a:avLst/>
-          </a:prstGeom>
-          <a:noFill/>
-          <a:extLst>
-            <a:ext uri="{909E8E84-426E-40DD-AFC4-6F175D3DCCD1}">
-              <a14:hiddenFill xmlns:a14="http://schemas.microsoft.com/office/drawing/2010/main">
-                <a:solidFill>
-                  <a:srgbClr val="FFFFFF"/>
-                </a:solidFill>
-              </a14:hiddenFill>
-            </a:ext>
-          </a:extLst>
-        </p:spPr>
-      </p:pic>
     </p:spTree>
     <p:extLst>
       <p:ext uri="{BB962C8B-B14F-4D97-AF65-F5344CB8AC3E}">
-        <p14:creationId xmlns:p14="http://schemas.microsoft.com/office/powerpoint/2010/main" val="4226345724"/>
+        <p14:creationId xmlns:p14="http://schemas.microsoft.com/office/powerpoint/2010/main" val="1419371930"/>
       </p:ext>
     </p:extLst>
   </p:cSld>
@@ -23056,72 +23734,103 @@
             <p:ph type="title"/>
           </p:nvPr>
         </p:nvSpPr>
+        <p:spPr/>
+        <p:txBody>
+          <a:bodyPr/>
+          <a:lstStyle/>
+          <a:p>
+            <a:endParaRPr lang="en-US" dirty="0"/>
+          </a:p>
+        </p:txBody>
+      </p:sp>
+      <p:sp>
+        <p:nvSpPr>
+          <p:cNvPr id="3" name="Content Placeholder 2"/>
+          <p:cNvSpPr>
+            <a:spLocks noGrp="1"/>
+          </p:cNvSpPr>
+          <p:nvPr>
+            <p:ph idx="1"/>
+          </p:nvPr>
+        </p:nvSpPr>
         <p:spPr>
           <a:xfrm>
-            <a:off x="838200" y="2786778"/>
-            <a:ext cx="10515600" cy="1325563"/>
+            <a:off x="1023528" y="963298"/>
+            <a:ext cx="9905999" cy="3541714"/>
           </a:xfrm>
         </p:spPr>
         <p:txBody>
           <a:bodyPr>
-            <a:normAutofit fontScale="90000"/>
+            <a:normAutofit/>
           </a:bodyPr>
           <a:lstStyle/>
           <a:p>
-            <a:pPr algn="ctr"/>
-            <a:r>
-              <a:rPr lang="en-US" dirty="0" smtClean="0">
+            <a:pPr marL="0" indent="0" algn="ctr">
+              <a:buNone/>
+            </a:pPr>
+            <a:r>
+              <a:rPr lang="en-US" sz="4000" dirty="0" smtClean="0">
                 <a:solidFill>
                   <a:schemeClr val="bg1"/>
                 </a:solidFill>
                 <a:latin typeface="Gill Sans MT" panose="020B0502020104020203" pitchFamily="34" charset="-18"/>
               </a:rPr>
-              <a:t>Stage files </a:t>
-            </a:r>
-            <a:br>
-              <a:rPr lang="en-US" dirty="0" smtClean="0">
-                <a:solidFill>
-                  <a:schemeClr val="bg1"/>
-                </a:solidFill>
-                <a:latin typeface="Gill Sans MT" panose="020B0502020104020203" pitchFamily="34" charset="-18"/>
-              </a:rPr>
-            </a:br>
-            <a:r>
-              <a:rPr lang="en-US" dirty="0" smtClean="0">
-                <a:latin typeface="Lucida Console" panose="020B0609040504020204" pitchFamily="49" charset="0"/>
-              </a:rPr>
-              <a:t/>
-            </a:r>
-            <a:br>
-              <a:rPr lang="en-US" dirty="0" smtClean="0">
-                <a:latin typeface="Lucida Console" panose="020B0609040504020204" pitchFamily="49" charset="0"/>
-              </a:rPr>
-            </a:br>
-            <a:r>
-              <a:rPr lang="en-US" dirty="0" err="1" smtClean="0">
-                <a:solidFill>
-                  <a:srgbClr val="F15034"/>
-                </a:solidFill>
-                <a:latin typeface="Lucida Console" panose="020B0609040504020204" pitchFamily="49" charset="0"/>
-              </a:rPr>
-              <a:t>git</a:t>
-            </a:r>
-            <a:r>
-              <a:rPr lang="en-US" dirty="0" smtClean="0">
-                <a:solidFill>
-                  <a:srgbClr val="F15034"/>
-                </a:solidFill>
-                <a:latin typeface="Lucida Console" panose="020B0609040504020204" pitchFamily="49" charset="0"/>
-              </a:rPr>
-              <a:t> add</a:t>
-            </a:r>
+              <a:t>tracked			untracked</a:t>
+            </a:r>
+            <a:endParaRPr lang="en-US" sz="4000" dirty="0">
+              <a:solidFill>
+                <a:schemeClr val="bg1"/>
+              </a:solidFill>
+              <a:latin typeface="Gill Sans MT" panose="020B0502020104020203" pitchFamily="34" charset="-18"/>
+            </a:endParaRPr>
           </a:p>
         </p:txBody>
       </p:sp>
+      <p:pic>
+        <p:nvPicPr>
+          <p:cNvPr id="5122" name="Picture 2" descr="http://git-scm.com/figures/18333fig0201-tn.png"/>
+          <p:cNvPicPr>
+            <a:picLocks noChangeAspect="1" noChangeArrowheads="1"/>
+          </p:cNvPicPr>
+          <p:nvPr/>
+        </p:nvPicPr>
+        <p:blipFill>
+          <a:blip r:embed="rId3">
+            <a:extLst>
+              <a:ext uri="{28A0092B-C50C-407E-A947-70E740481C1C}">
+                <a14:useLocalDpi xmlns:a14="http://schemas.microsoft.com/office/drawing/2010/main" val="0"/>
+              </a:ext>
+            </a:extLst>
+          </a:blip>
+          <a:srcRect/>
+          <a:stretch>
+            <a:fillRect/>
+          </a:stretch>
+        </p:blipFill>
+        <p:spPr bwMode="auto">
+          <a:xfrm>
+            <a:off x="2075529" y="1984361"/>
+            <a:ext cx="7801055" cy="4677696"/>
+          </a:xfrm>
+          <a:prstGeom prst="rect">
+            <a:avLst/>
+          </a:prstGeom>
+          <a:noFill/>
+          <a:extLst>
+            <a:ext uri="{909E8E84-426E-40DD-AFC4-6F175D3DCCD1}">
+              <a14:hiddenFill xmlns:a14="http://schemas.microsoft.com/office/drawing/2010/main">
+                <a:solidFill>
+                  <a:srgbClr val="FFFFFF"/>
+                </a:solidFill>
+              </a14:hiddenFill>
+            </a:ext>
+          </a:extLst>
+        </p:spPr>
+      </p:pic>
     </p:spTree>
     <p:extLst>
       <p:ext uri="{BB962C8B-B14F-4D97-AF65-F5344CB8AC3E}">
-        <p14:creationId xmlns:p14="http://schemas.microsoft.com/office/powerpoint/2010/main" val="141712516"/>
+        <p14:creationId xmlns:p14="http://schemas.microsoft.com/office/powerpoint/2010/main" val="4226345724"/>
       </p:ext>
     </p:extLst>
   </p:cSld>
@@ -23167,7 +23876,7 @@
         </p:nvSpPr>
         <p:spPr>
           <a:xfrm>
-            <a:off x="828152" y="2756633"/>
+            <a:off x="838200" y="2786778"/>
             <a:ext cx="10515600" cy="1325563"/>
           </a:xfrm>
         </p:spPr>
@@ -23185,28 +23894,25 @@
                 </a:solidFill>
                 <a:latin typeface="Gill Sans MT" panose="020B0502020104020203" pitchFamily="34" charset="-18"/>
               </a:rPr>
-              <a:t>Create a snapshot </a:t>
-            </a:r>
-            <a:r>
-              <a:rPr lang="en-US" dirty="0" smtClean="0">
-                <a:latin typeface="Rockwell" panose="02060603020205020403" pitchFamily="18" charset="0"/>
-              </a:rPr>
-              <a:t/>
+              <a:t>Stage files </a:t>
             </a:r>
             <a:br>
               <a:rPr lang="en-US" dirty="0" smtClean="0">
-                <a:latin typeface="Rockwell" panose="02060603020205020403" pitchFamily="18" charset="0"/>
+                <a:solidFill>
+                  <a:schemeClr val="bg1"/>
+                </a:solidFill>
+                <a:latin typeface="Gill Sans MT" panose="020B0502020104020203" pitchFamily="34" charset="-18"/>
               </a:rPr>
             </a:br>
             <a:r>
               <a:rPr lang="en-US" dirty="0" smtClean="0">
-                <a:latin typeface="Rockwell" panose="02060603020205020403" pitchFamily="18" charset="0"/>
+                <a:latin typeface="Lucida Console" panose="020B0609040504020204" pitchFamily="49" charset="0"/>
               </a:rPr>
               <a:t/>
             </a:r>
             <a:br>
               <a:rPr lang="en-US" dirty="0" smtClean="0">
-                <a:latin typeface="Rockwell" panose="02060603020205020403" pitchFamily="18" charset="0"/>
+                <a:latin typeface="Lucida Console" panose="020B0609040504020204" pitchFamily="49" charset="0"/>
               </a:rPr>
             </a:br>
             <a:r>
@@ -23225,21 +23931,15 @@
                 </a:solidFill>
                 <a:latin typeface="Lucida Console" panose="020B0609040504020204" pitchFamily="49" charset="0"/>
               </a:rPr>
-              <a:t> commit</a:t>
-            </a:r>
-            <a:endParaRPr lang="en-US" dirty="0">
-              <a:solidFill>
-                <a:srgbClr val="F15034"/>
-              </a:solidFill>
-              <a:latin typeface="Lucida Console" panose="020B0609040504020204" pitchFamily="49" charset="0"/>
-            </a:endParaRPr>
+              <a:t> add</a:t>
+            </a:r>
           </a:p>
         </p:txBody>
       </p:sp>
     </p:spTree>
     <p:extLst>
       <p:ext uri="{BB962C8B-B14F-4D97-AF65-F5344CB8AC3E}">
-        <p14:creationId xmlns:p14="http://schemas.microsoft.com/office/powerpoint/2010/main" val="1929621067"/>
+        <p14:creationId xmlns:p14="http://schemas.microsoft.com/office/powerpoint/2010/main" val="141712516"/>
       </p:ext>
     </p:extLst>
   </p:cSld>
@@ -23303,6 +24003,124 @@
                 </a:solidFill>
                 <a:latin typeface="Gill Sans MT" panose="020B0502020104020203" pitchFamily="34" charset="-18"/>
               </a:rPr>
+              <a:t>Create a snapshot </a:t>
+            </a:r>
+            <a:r>
+              <a:rPr lang="en-US" dirty="0" smtClean="0">
+                <a:latin typeface="Rockwell" panose="02060603020205020403" pitchFamily="18" charset="0"/>
+              </a:rPr>
+              <a:t/>
+            </a:r>
+            <a:br>
+              <a:rPr lang="en-US" dirty="0" smtClean="0">
+                <a:latin typeface="Rockwell" panose="02060603020205020403" pitchFamily="18" charset="0"/>
+              </a:rPr>
+            </a:br>
+            <a:r>
+              <a:rPr lang="en-US" dirty="0" smtClean="0">
+                <a:latin typeface="Rockwell" panose="02060603020205020403" pitchFamily="18" charset="0"/>
+              </a:rPr>
+              <a:t/>
+            </a:r>
+            <a:br>
+              <a:rPr lang="en-US" dirty="0" smtClean="0">
+                <a:latin typeface="Rockwell" panose="02060603020205020403" pitchFamily="18" charset="0"/>
+              </a:rPr>
+            </a:br>
+            <a:r>
+              <a:rPr lang="en-US" dirty="0" err="1" smtClean="0">
+                <a:solidFill>
+                  <a:srgbClr val="F15034"/>
+                </a:solidFill>
+                <a:latin typeface="Lucida Console" panose="020B0609040504020204" pitchFamily="49" charset="0"/>
+              </a:rPr>
+              <a:t>git</a:t>
+            </a:r>
+            <a:r>
+              <a:rPr lang="en-US" dirty="0" smtClean="0">
+                <a:solidFill>
+                  <a:srgbClr val="F15034"/>
+                </a:solidFill>
+                <a:latin typeface="Lucida Console" panose="020B0609040504020204" pitchFamily="49" charset="0"/>
+              </a:rPr>
+              <a:t> commit</a:t>
+            </a:r>
+            <a:endParaRPr lang="en-US" dirty="0">
+              <a:solidFill>
+                <a:srgbClr val="F15034"/>
+              </a:solidFill>
+              <a:latin typeface="Lucida Console" panose="020B0609040504020204" pitchFamily="49" charset="0"/>
+            </a:endParaRPr>
+          </a:p>
+        </p:txBody>
+      </p:sp>
+    </p:spTree>
+    <p:extLst>
+      <p:ext uri="{BB962C8B-B14F-4D97-AF65-F5344CB8AC3E}">
+        <p14:creationId xmlns:p14="http://schemas.microsoft.com/office/powerpoint/2010/main" val="1929621067"/>
+      </p:ext>
+    </p:extLst>
+  </p:cSld>
+  <p:clrMapOvr>
+    <a:masterClrMapping/>
+  </p:clrMapOvr>
+  <p:timing>
+    <p:tnLst>
+      <p:par>
+        <p:cTn id="1" dur="indefinite" restart="never" nodeType="tmRoot"/>
+      </p:par>
+    </p:tnLst>
+  </p:timing>
+</p:sld>
+</file>
+
+<file path=ppt/slides/slide28.xml><?xml version="1.0" encoding="utf-8"?>
+<p:sld xmlns:a="http://schemas.openxmlformats.org/drawingml/2006/main" xmlns:r="http://schemas.openxmlformats.org/officeDocument/2006/relationships" xmlns:p="http://schemas.openxmlformats.org/presentationml/2006/main" showMasterSp="0">
+  <p:cSld>
+    <p:spTree>
+      <p:nvGrpSpPr>
+        <p:cNvPr id="1" name=""/>
+        <p:cNvGrpSpPr/>
+        <p:nvPr/>
+      </p:nvGrpSpPr>
+      <p:grpSpPr>
+        <a:xfrm>
+          <a:off x="0" y="0"/>
+          <a:ext cx="0" cy="0"/>
+          <a:chOff x="0" y="0"/>
+          <a:chExt cx="0" cy="0"/>
+        </a:xfrm>
+      </p:grpSpPr>
+      <p:sp>
+        <p:nvSpPr>
+          <p:cNvPr id="2" name="Title 1"/>
+          <p:cNvSpPr>
+            <a:spLocks noGrp="1"/>
+          </p:cNvSpPr>
+          <p:nvPr>
+            <p:ph type="title"/>
+          </p:nvPr>
+        </p:nvSpPr>
+        <p:spPr>
+          <a:xfrm>
+            <a:off x="828152" y="2756633"/>
+            <a:ext cx="10515600" cy="1325563"/>
+          </a:xfrm>
+        </p:spPr>
+        <p:txBody>
+          <a:bodyPr>
+            <a:normAutofit fontScale="90000"/>
+          </a:bodyPr>
+          <a:lstStyle/>
+          <a:p>
+            <a:pPr algn="ctr"/>
+            <a:r>
+              <a:rPr lang="en-US" dirty="0" smtClean="0">
+                <a:solidFill>
+                  <a:schemeClr val="bg1"/>
+                </a:solidFill>
+                <a:latin typeface="Gill Sans MT" panose="020B0502020104020203" pitchFamily="34" charset="-18"/>
+              </a:rPr>
               <a:t>Amend a commit</a:t>
             </a:r>
             <a:r>
@@ -23374,7 +24192,7 @@
 </p:sld>
 </file>
 
-<file path=ppt/slides/slide28.xml><?xml version="1.0" encoding="utf-8"?>
+<file path=ppt/slides/slide29.xml><?xml version="1.0" encoding="utf-8"?>
 <p:sld xmlns:a="http://schemas.openxmlformats.org/drawingml/2006/main" xmlns:r="http://schemas.openxmlformats.org/officeDocument/2006/relationships" xmlns:p="http://schemas.openxmlformats.org/presentationml/2006/main" showMasterSp="0">
   <p:cSld>
     <p:spTree>
@@ -23601,123 +24419,6 @@
 </p:sld>
 </file>
 
-<file path=ppt/slides/slide29.xml><?xml version="1.0" encoding="utf-8"?>
-<p:sld xmlns:a="http://schemas.openxmlformats.org/drawingml/2006/main" xmlns:r="http://schemas.openxmlformats.org/officeDocument/2006/relationships" xmlns:p="http://schemas.openxmlformats.org/presentationml/2006/main" showMasterSp="0">
-  <p:cSld>
-    <p:spTree>
-      <p:nvGrpSpPr>
-        <p:cNvPr id="1" name=""/>
-        <p:cNvGrpSpPr/>
-        <p:nvPr/>
-      </p:nvGrpSpPr>
-      <p:grpSpPr>
-        <a:xfrm>
-          <a:off x="0" y="0"/>
-          <a:ext cx="0" cy="0"/>
-          <a:chOff x="0" y="0"/>
-          <a:chExt cx="0" cy="0"/>
-        </a:xfrm>
-      </p:grpSpPr>
-      <p:sp>
-        <p:nvSpPr>
-          <p:cNvPr id="2" name="Title 1"/>
-          <p:cNvSpPr>
-            <a:spLocks noGrp="1"/>
-          </p:cNvSpPr>
-          <p:nvPr>
-            <p:ph type="title"/>
-          </p:nvPr>
-        </p:nvSpPr>
-        <p:spPr>
-          <a:xfrm>
-            <a:off x="838200" y="2786778"/>
-            <a:ext cx="10515600" cy="1325563"/>
-          </a:xfrm>
-        </p:spPr>
-        <p:txBody>
-          <a:bodyPr>
-            <a:normAutofit fontScale="90000"/>
-          </a:bodyPr>
-          <a:lstStyle/>
-          <a:p>
-            <a:pPr algn="ctr"/>
-            <a:r>
-              <a:rPr lang="en-US" dirty="0" smtClean="0">
-                <a:solidFill>
-                  <a:schemeClr val="bg1"/>
-                </a:solidFill>
-                <a:latin typeface="Gill Sans MT" panose="020B0502020104020203" pitchFamily="34" charset="-18"/>
-              </a:rPr>
-              <a:t>THE END</a:t>
-            </a:r>
-            <a:br>
-              <a:rPr lang="en-US" dirty="0" smtClean="0">
-                <a:solidFill>
-                  <a:schemeClr val="bg1"/>
-                </a:solidFill>
-                <a:latin typeface="Gill Sans MT" panose="020B0502020104020203" pitchFamily="34" charset="-18"/>
-              </a:rPr>
-            </a:br>
-            <a:r>
-              <a:rPr lang="en-US" dirty="0">
-                <a:latin typeface="Rockwell" panose="02060603020205020403" pitchFamily="18" charset="0"/>
-              </a:rPr>
-              <a:t/>
-            </a:r>
-            <a:br>
-              <a:rPr lang="en-US" dirty="0">
-                <a:latin typeface="Rockwell" panose="02060603020205020403" pitchFamily="18" charset="0"/>
-              </a:rPr>
-            </a:br>
-            <a:r>
-              <a:rPr lang="en-US" dirty="0">
-                <a:latin typeface="Rockwell" panose="02060603020205020403" pitchFamily="18" charset="0"/>
-              </a:rPr>
-              <a:t>Resources:</a:t>
-            </a:r>
-            <a:br>
-              <a:rPr lang="en-US" dirty="0">
-                <a:latin typeface="Rockwell" panose="02060603020205020403" pitchFamily="18" charset="0"/>
-              </a:rPr>
-            </a:br>
-            <a:r>
-              <a:rPr lang="en-US" dirty="0">
-                <a:solidFill>
-                  <a:srgbClr val="F15034"/>
-                </a:solidFill>
-                <a:latin typeface="Rockwell" panose="02060603020205020403" pitchFamily="18" charset="0"/>
-              </a:rPr>
-              <a:t>http://git-scm.com/</a:t>
-            </a:r>
-            <a:endParaRPr lang="en-US" dirty="0">
-              <a:solidFill>
-                <a:srgbClr val="F15034"/>
-              </a:solidFill>
-              <a:latin typeface="Lucida Console" panose="020B0609040504020204" pitchFamily="49" charset="0"/>
-            </a:endParaRPr>
-          </a:p>
-        </p:txBody>
-      </p:sp>
-    </p:spTree>
-    <p:extLst>
-      <p:ext uri="{BB962C8B-B14F-4D97-AF65-F5344CB8AC3E}">
-        <p14:creationId xmlns:p14="http://schemas.microsoft.com/office/powerpoint/2010/main" val="2980692305"/>
-      </p:ext>
-    </p:extLst>
-  </p:cSld>
-  <p:clrMapOvr>
-    <a:masterClrMapping/>
-  </p:clrMapOvr>
-  <p:timing>
-    <p:tnLst>
-      <p:par>
-        <p:cTn id="1" dur="indefinite" restart="never" nodeType="tmRoot"/>
-      </p:par>
-    </p:tnLst>
-  </p:timing>
-</p:sld>
-</file>
-
 <file path=ppt/slides/slide3.xml><?xml version="1.0" encoding="utf-8"?>
 <p:sld xmlns:a="http://schemas.openxmlformats.org/drawingml/2006/main" xmlns:r="http://schemas.openxmlformats.org/officeDocument/2006/relationships" xmlns:p="http://schemas.openxmlformats.org/presentationml/2006/main" showMasterSp="0">
   <p:cSld>
@@ -23863,17 +24564,7 @@
                 <a:latin typeface="Gill Sans MT" panose="020B0502020104020203" pitchFamily="34" charset="-18"/>
                 <a:cs typeface="Helvetica" panose="020B0604020202020204" pitchFamily="34" charset="0"/>
               </a:rPr>
-              <a:t> </a:t>
-            </a:r>
-            <a:r>
-              <a:rPr lang="en-US" sz="3200" dirty="0" smtClean="0">
-                <a:solidFill>
-                  <a:schemeClr val="bg1"/>
-                </a:solidFill>
-                <a:latin typeface="Gill Sans MT" panose="020B0502020104020203" pitchFamily="34" charset="-18"/>
-                <a:cs typeface="Helvetica" panose="020B0604020202020204" pitchFamily="34" charset="0"/>
-              </a:rPr>
-              <a:t>vs SVN</a:t>
+              <a:t> vs SVN</a:t>
             </a:r>
           </a:p>
           <a:p>
@@ -24242,6 +24933,123 @@
             </p:seq>
           </p:childTnLst>
         </p:cTn>
+      </p:par>
+    </p:tnLst>
+  </p:timing>
+</p:sld>
+</file>
+
+<file path=ppt/slides/slide30.xml><?xml version="1.0" encoding="utf-8"?>
+<p:sld xmlns:a="http://schemas.openxmlformats.org/drawingml/2006/main" xmlns:r="http://schemas.openxmlformats.org/officeDocument/2006/relationships" xmlns:p="http://schemas.openxmlformats.org/presentationml/2006/main" showMasterSp="0">
+  <p:cSld>
+    <p:spTree>
+      <p:nvGrpSpPr>
+        <p:cNvPr id="1" name=""/>
+        <p:cNvGrpSpPr/>
+        <p:nvPr/>
+      </p:nvGrpSpPr>
+      <p:grpSpPr>
+        <a:xfrm>
+          <a:off x="0" y="0"/>
+          <a:ext cx="0" cy="0"/>
+          <a:chOff x="0" y="0"/>
+          <a:chExt cx="0" cy="0"/>
+        </a:xfrm>
+      </p:grpSpPr>
+      <p:sp>
+        <p:nvSpPr>
+          <p:cNvPr id="2" name="Title 1"/>
+          <p:cNvSpPr>
+            <a:spLocks noGrp="1"/>
+          </p:cNvSpPr>
+          <p:nvPr>
+            <p:ph type="title"/>
+          </p:nvPr>
+        </p:nvSpPr>
+        <p:spPr>
+          <a:xfrm>
+            <a:off x="838200" y="2786778"/>
+            <a:ext cx="10515600" cy="1325563"/>
+          </a:xfrm>
+        </p:spPr>
+        <p:txBody>
+          <a:bodyPr>
+            <a:normAutofit fontScale="90000"/>
+          </a:bodyPr>
+          <a:lstStyle/>
+          <a:p>
+            <a:pPr algn="ctr"/>
+            <a:r>
+              <a:rPr lang="en-US" dirty="0" smtClean="0">
+                <a:solidFill>
+                  <a:schemeClr val="bg1"/>
+                </a:solidFill>
+                <a:latin typeface="Gill Sans MT" panose="020B0502020104020203" pitchFamily="34" charset="-18"/>
+              </a:rPr>
+              <a:t>THE END</a:t>
+            </a:r>
+            <a:br>
+              <a:rPr lang="en-US" dirty="0" smtClean="0">
+                <a:solidFill>
+                  <a:schemeClr val="bg1"/>
+                </a:solidFill>
+                <a:latin typeface="Gill Sans MT" panose="020B0502020104020203" pitchFamily="34" charset="-18"/>
+              </a:rPr>
+            </a:br>
+            <a:r>
+              <a:rPr lang="en-US" dirty="0">
+                <a:latin typeface="Rockwell" panose="02060603020205020403" pitchFamily="18" charset="0"/>
+              </a:rPr>
+              <a:t/>
+            </a:r>
+            <a:br>
+              <a:rPr lang="en-US" dirty="0">
+                <a:latin typeface="Rockwell" panose="02060603020205020403" pitchFamily="18" charset="0"/>
+              </a:rPr>
+            </a:br>
+            <a:r>
+              <a:rPr lang="en-US" dirty="0">
+                <a:latin typeface="Rockwell" panose="02060603020205020403" pitchFamily="18" charset="0"/>
+              </a:rPr>
+              <a:t>Resources:</a:t>
+            </a:r>
+            <a:br>
+              <a:rPr lang="en-US" dirty="0">
+                <a:latin typeface="Rockwell" panose="02060603020205020403" pitchFamily="18" charset="0"/>
+              </a:rPr>
+            </a:br>
+            <a:r>
+              <a:rPr lang="en-US" dirty="0">
+                <a:solidFill>
+                  <a:srgbClr val="F15034"/>
+                </a:solidFill>
+                <a:latin typeface="Rockwell" panose="02060603020205020403" pitchFamily="18" charset="0"/>
+              </a:rPr>
+              <a:t>http://git-scm.com/</a:t>
+            </a:r>
+            <a:endParaRPr lang="en-US" dirty="0">
+              <a:solidFill>
+                <a:srgbClr val="F15034"/>
+              </a:solidFill>
+              <a:latin typeface="Lucida Console" panose="020B0609040504020204" pitchFamily="49" charset="0"/>
+            </a:endParaRPr>
+          </a:p>
+        </p:txBody>
+      </p:sp>
+    </p:spTree>
+    <p:extLst>
+      <p:ext uri="{BB962C8B-B14F-4D97-AF65-F5344CB8AC3E}">
+        <p14:creationId xmlns:p14="http://schemas.microsoft.com/office/powerpoint/2010/main" val="2980692305"/>
+      </p:ext>
+    </p:extLst>
+  </p:cSld>
+  <p:clrMapOvr>
+    <a:masterClrMapping/>
+  </p:clrMapOvr>
+  <p:timing>
+    <p:tnLst>
+      <p:par>
+        <p:cTn id="1" dur="indefinite" restart="never" nodeType="tmRoot"/>
       </p:par>
     </p:tnLst>
   </p:timing>
@@ -25512,19 +26320,19 @@
           <a:lstStyle/>
           <a:p>
             <a:r>
-              <a:rPr lang="en-US" b="1" dirty="0">
+              <a:rPr lang="en-US" dirty="0">
                 <a:solidFill>
                   <a:schemeClr val="bg1"/>
                 </a:solidFill>
-                <a:latin typeface="Rockwell" panose="02060603020205020403" pitchFamily="18" charset="0"/>
+                <a:latin typeface="Gill Sans MT" panose="020B0502020104020203" pitchFamily="34" charset="-18"/>
               </a:rPr>
               <a:t>Some History</a:t>
             </a:r>
-            <a:endParaRPr lang="ro-RO" b="1" dirty="0">
+            <a:endParaRPr lang="ro-RO" dirty="0">
               <a:solidFill>
                 <a:schemeClr val="bg1"/>
               </a:solidFill>
-              <a:latin typeface="Rockwell" panose="02060603020205020403" pitchFamily="18" charset="0"/>
+              <a:latin typeface="Gill Sans MT" panose="020B0502020104020203" pitchFamily="34" charset="-18"/>
             </a:endParaRPr>
           </a:p>
         </p:txBody>
@@ -25555,28 +26363,37 @@
               <a:buNone/>
             </a:pPr>
             <a:r>
-              <a:rPr lang="en-US" sz="3200" b="1" dirty="0" smtClean="0">
+              <a:rPr lang="en-US" sz="3200" dirty="0" smtClean="0">
                 <a:solidFill>
                   <a:schemeClr val="bg1"/>
                 </a:solidFill>
-                <a:latin typeface="Lucida Console" panose="020B0609040504020204" pitchFamily="49" charset="0"/>
-              </a:rPr>
-              <a:t>In the beginning, there was the local </a:t>
-            </a:r>
-            <a:r>
-              <a:rPr lang="en-US" sz="3200" b="1" dirty="0" smtClean="0">
+                <a:latin typeface="Gill Sans MT" panose="020B0502020104020203" pitchFamily="34" charset="-18"/>
+              </a:rPr>
+              <a:t>In the beginning, there was the </a:t>
+            </a:r>
+            <a:r>
+              <a:rPr lang="en-US" sz="3200" dirty="0" smtClean="0">
+                <a:solidFill>
+                  <a:srgbClr val="FF0000"/>
+                </a:solidFill>
+                <a:latin typeface="Gill Sans MT" panose="020B0502020104020203" pitchFamily="34" charset="-18"/>
+              </a:rPr>
+              <a:t>copy/paste</a:t>
+            </a:r>
+            <a:r>
+              <a:rPr lang="en-US" sz="3200" dirty="0" smtClean="0">
                 <a:solidFill>
                   <a:schemeClr val="bg1"/>
                 </a:solidFill>
-                <a:latin typeface="Lucida Console" panose="020B0609040504020204" pitchFamily="49" charset="0"/>
-              </a:rPr>
-              <a:t>VCS.</a:t>
-            </a:r>
-            <a:endParaRPr lang="ro-RO" sz="3200" b="1" dirty="0">
+                <a:latin typeface="Gill Sans MT" panose="020B0502020104020203" pitchFamily="34" charset="-18"/>
+              </a:rPr>
+              <a:t> method(some people are still using it).</a:t>
+            </a:r>
+            <a:endParaRPr lang="ro-RO" sz="3200" dirty="0">
               <a:solidFill>
                 <a:schemeClr val="bg1"/>
               </a:solidFill>
-              <a:latin typeface="Lucida Console" panose="020B0609040504020204" pitchFamily="49" charset="0"/>
+              <a:latin typeface="Gill Sans MT" panose="020B0502020104020203" pitchFamily="34" charset="-18"/>
             </a:endParaRPr>
           </a:p>
         </p:txBody>

--- a/Course 1.pptx
+++ b/Course 1.pptx
@@ -5,7 +5,7 @@
     <p:sldMasterId id="2147483881" r:id="rId1"/>
   </p:sldMasterIdLst>
   <p:notesMasterIdLst>
-    <p:notesMasterId r:id="rId32"/>
+    <p:notesMasterId r:id="rId31"/>
   </p:notesMasterIdLst>
   <p:sldIdLst>
     <p:sldId id="256" r:id="rId2"/>
@@ -27,17 +27,16 @@
     <p:sldId id="278" r:id="rId18"/>
     <p:sldId id="279" r:id="rId19"/>
     <p:sldId id="291" r:id="rId20"/>
-    <p:sldId id="280" r:id="rId21"/>
-    <p:sldId id="261" r:id="rId22"/>
-    <p:sldId id="263" r:id="rId23"/>
-    <p:sldId id="276" r:id="rId24"/>
-    <p:sldId id="264" r:id="rId25"/>
-    <p:sldId id="282" r:id="rId26"/>
-    <p:sldId id="265" r:id="rId27"/>
-    <p:sldId id="266" r:id="rId28"/>
-    <p:sldId id="289" r:id="rId29"/>
-    <p:sldId id="287" r:id="rId30"/>
-    <p:sldId id="284" r:id="rId31"/>
+    <p:sldId id="261" r:id="rId21"/>
+    <p:sldId id="263" r:id="rId22"/>
+    <p:sldId id="276" r:id="rId23"/>
+    <p:sldId id="264" r:id="rId24"/>
+    <p:sldId id="282" r:id="rId25"/>
+    <p:sldId id="265" r:id="rId26"/>
+    <p:sldId id="266" r:id="rId27"/>
+    <p:sldId id="289" r:id="rId28"/>
+    <p:sldId id="287" r:id="rId29"/>
+    <p:sldId id="284" r:id="rId30"/>
   </p:sldIdLst>
   <p:sldSz cx="12192000" cy="6858000"/>
   <p:notesSz cx="6858000" cy="9144000"/>
@@ -189,11 +188,13 @@
           <a:bodyPr vert="horz" lIns="91440" tIns="45720" rIns="91440" bIns="45720" rtlCol="0"/>
           <a:lstStyle>
             <a:lvl1pPr algn="l">
-              <a:defRPr sz="1200"/>
+              <a:defRPr sz="1200">
+                <a:latin typeface="Century Gothic" panose="020B0502020202020204" pitchFamily="34" charset="0"/>
+              </a:defRPr>
             </a:lvl1pPr>
           </a:lstStyle>
           <a:p>
-            <a:endParaRPr lang="en-US"/>
+            <a:endParaRPr lang="en-US" dirty="0"/>
           </a:p>
         </p:txBody>
       </p:sp>
@@ -220,15 +221,18 @@
           <a:bodyPr vert="horz" lIns="91440" tIns="45720" rIns="91440" bIns="45720" rtlCol="0"/>
           <a:lstStyle>
             <a:lvl1pPr algn="r">
-              <a:defRPr sz="1200"/>
+              <a:defRPr sz="1200">
+                <a:latin typeface="Century Gothic" panose="020B0502020202020204" pitchFamily="34" charset="0"/>
+              </a:defRPr>
             </a:lvl1pPr>
           </a:lstStyle>
           <a:p>
             <a:fld id="{CFC4894B-788D-4FC6-BE67-98174E613C54}" type="datetimeFigureOut">
               <a:rPr lang="en-US" smtClean="0"/>
+              <a:pPr/>
               <a:t>1/16/2015</a:t>
             </a:fld>
-            <a:endParaRPr lang="en-US"/>
+            <a:endParaRPr lang="en-US" dirty="0"/>
           </a:p>
         </p:txBody>
       </p:sp>
@@ -261,7 +265,7 @@
           <a:bodyPr vert="horz" lIns="91440" tIns="45720" rIns="91440" bIns="45720" rtlCol="0" anchor="ctr"/>
           <a:lstStyle/>
           <a:p>
-            <a:endParaRPr lang="en-US"/>
+            <a:endParaRPr lang="en-US" dirty="0"/>
           </a:p>
         </p:txBody>
       </p:sp>
@@ -290,38 +294,38 @@
           <a:p>
             <a:pPr lvl="0"/>
             <a:r>
-              <a:rPr lang="en-US" smtClean="0"/>
+              <a:rPr lang="en-US" dirty="0" smtClean="0"/>
               <a:t>Click to edit Master text styles</a:t>
             </a:r>
           </a:p>
           <a:p>
             <a:pPr lvl="1"/>
             <a:r>
-              <a:rPr lang="en-US" smtClean="0"/>
+              <a:rPr lang="en-US" dirty="0" smtClean="0"/>
               <a:t>Second level</a:t>
             </a:r>
           </a:p>
           <a:p>
             <a:pPr lvl="2"/>
             <a:r>
-              <a:rPr lang="en-US" smtClean="0"/>
+              <a:rPr lang="en-US" dirty="0" smtClean="0"/>
               <a:t>Third level</a:t>
             </a:r>
           </a:p>
           <a:p>
             <a:pPr lvl="3"/>
             <a:r>
-              <a:rPr lang="en-US" smtClean="0"/>
+              <a:rPr lang="en-US" dirty="0" smtClean="0"/>
               <a:t>Fourth level</a:t>
             </a:r>
           </a:p>
           <a:p>
             <a:pPr lvl="4"/>
             <a:r>
-              <a:rPr lang="en-US" smtClean="0"/>
+              <a:rPr lang="en-US" dirty="0" smtClean="0"/>
               <a:t>Fifth level</a:t>
             </a:r>
-            <a:endParaRPr lang="en-US"/>
+            <a:endParaRPr lang="en-US" dirty="0"/>
           </a:p>
         </p:txBody>
       </p:sp>
@@ -348,11 +352,13 @@
           <a:bodyPr vert="horz" lIns="91440" tIns="45720" rIns="91440" bIns="45720" rtlCol="0" anchor="b"/>
           <a:lstStyle>
             <a:lvl1pPr algn="l">
-              <a:defRPr sz="1200"/>
+              <a:defRPr sz="1200">
+                <a:latin typeface="Century Gothic" panose="020B0502020202020204" pitchFamily="34" charset="0"/>
+              </a:defRPr>
             </a:lvl1pPr>
           </a:lstStyle>
           <a:p>
-            <a:endParaRPr lang="en-US"/>
+            <a:endParaRPr lang="en-US" dirty="0"/>
           </a:p>
         </p:txBody>
       </p:sp>
@@ -379,15 +385,18 @@
           <a:bodyPr vert="horz" lIns="91440" tIns="45720" rIns="91440" bIns="45720" rtlCol="0" anchor="b"/>
           <a:lstStyle>
             <a:lvl1pPr algn="r">
-              <a:defRPr sz="1200"/>
+              <a:defRPr sz="1200">
+                <a:latin typeface="Century Gothic" panose="020B0502020202020204" pitchFamily="34" charset="0"/>
+              </a:defRPr>
             </a:lvl1pPr>
           </a:lstStyle>
           <a:p>
             <a:fld id="{377DD0F0-666F-466B-B16F-52B53CCC9AC6}" type="slidenum">
               <a:rPr lang="en-US" smtClean="0"/>
+              <a:pPr/>
               <a:t>‹#›</a:t>
             </a:fld>
-            <a:endParaRPr lang="en-US"/>
+            <a:endParaRPr lang="en-US" dirty="0"/>
           </a:p>
         </p:txBody>
       </p:sp>
@@ -405,7 +414,7 @@
         <a:solidFill>
           <a:schemeClr val="tx1"/>
         </a:solidFill>
-        <a:latin typeface="+mn-lt"/>
+        <a:latin typeface="Century Gothic" panose="020B0502020202020204" pitchFamily="34" charset="0"/>
         <a:ea typeface="+mn-ea"/>
         <a:cs typeface="+mn-cs"/>
       </a:defRPr>
@@ -415,7 +424,7 @@
         <a:solidFill>
           <a:schemeClr val="tx1"/>
         </a:solidFill>
-        <a:latin typeface="+mn-lt"/>
+        <a:latin typeface="Century Gothic" panose="020B0502020202020204" pitchFamily="34" charset="0"/>
         <a:ea typeface="+mn-ea"/>
         <a:cs typeface="+mn-cs"/>
       </a:defRPr>
@@ -425,7 +434,7 @@
         <a:solidFill>
           <a:schemeClr val="tx1"/>
         </a:solidFill>
-        <a:latin typeface="+mn-lt"/>
+        <a:latin typeface="Century Gothic" panose="020B0502020202020204" pitchFamily="34" charset="0"/>
         <a:ea typeface="+mn-ea"/>
         <a:cs typeface="+mn-cs"/>
       </a:defRPr>
@@ -435,7 +444,7 @@
         <a:solidFill>
           <a:schemeClr val="tx1"/>
         </a:solidFill>
-        <a:latin typeface="+mn-lt"/>
+        <a:latin typeface="Century Gothic" panose="020B0502020202020204" pitchFamily="34" charset="0"/>
         <a:ea typeface="+mn-ea"/>
         <a:cs typeface="+mn-cs"/>
       </a:defRPr>
@@ -445,7 +454,7 @@
         <a:solidFill>
           <a:schemeClr val="tx1"/>
         </a:solidFill>
-        <a:latin typeface="+mn-lt"/>
+        <a:latin typeface="Century Gothic" panose="020B0502020202020204" pitchFamily="34" charset="0"/>
         <a:ea typeface="+mn-ea"/>
         <a:cs typeface="+mn-cs"/>
       </a:defRPr>
@@ -629,7 +638,6 @@
                   <a:schemeClr val="tx1"/>
                 </a:solidFill>
                 <a:effectLst/>
-                <a:latin typeface="+mn-lt"/>
                 <a:ea typeface="+mn-ea"/>
                 <a:cs typeface="+mn-cs"/>
               </a:rPr>
@@ -641,7 +649,6 @@
                   <a:schemeClr val="tx1"/>
                 </a:solidFill>
                 <a:effectLst/>
-                <a:latin typeface="+mn-lt"/>
                 <a:ea typeface="+mn-ea"/>
                 <a:cs typeface="+mn-cs"/>
               </a:rPr>
@@ -652,7 +659,6 @@
                 <a:schemeClr val="tx1"/>
               </a:solidFill>
               <a:effectLst/>
-              <a:latin typeface="+mn-lt"/>
               <a:ea typeface="+mn-ea"/>
               <a:cs typeface="+mn-cs"/>
             </a:endParaRPr>
@@ -681,7 +687,6 @@
                   <a:schemeClr val="tx1"/>
                 </a:solidFill>
                 <a:effectLst/>
-                <a:latin typeface="+mn-lt"/>
                 <a:ea typeface="+mn-ea"/>
                 <a:cs typeface="+mn-cs"/>
               </a:rPr>
@@ -693,7 +698,6 @@
                   <a:schemeClr val="tx1"/>
                 </a:solidFill>
                 <a:effectLst/>
-                <a:latin typeface="+mn-lt"/>
                 <a:ea typeface="+mn-ea"/>
                 <a:cs typeface="+mn-cs"/>
               </a:rPr>
@@ -705,7 +709,6 @@
                   <a:schemeClr val="tx1"/>
                 </a:solidFill>
                 <a:effectLst/>
-                <a:latin typeface="+mn-lt"/>
                 <a:ea typeface="+mn-ea"/>
                 <a:cs typeface="+mn-cs"/>
               </a:rPr>
@@ -717,7 +720,6 @@
                   <a:schemeClr val="tx1"/>
                 </a:solidFill>
                 <a:effectLst/>
-                <a:latin typeface="+mn-lt"/>
                 <a:ea typeface="+mn-ea"/>
                 <a:cs typeface="+mn-cs"/>
               </a:rPr>
@@ -729,7 +731,6 @@
                   <a:schemeClr val="tx1"/>
                 </a:solidFill>
                 <a:effectLst/>
-                <a:latin typeface="+mn-lt"/>
                 <a:ea typeface="+mn-ea"/>
                 <a:cs typeface="+mn-cs"/>
               </a:rPr>
@@ -741,7 +742,6 @@
                   <a:schemeClr val="tx1"/>
                 </a:solidFill>
                 <a:effectLst/>
-                <a:latin typeface="+mn-lt"/>
                 <a:ea typeface="+mn-ea"/>
                 <a:cs typeface="+mn-cs"/>
               </a:rPr>
@@ -753,7 +753,6 @@
                   <a:schemeClr val="tx1"/>
                 </a:solidFill>
                 <a:effectLst/>
-                <a:latin typeface="+mn-lt"/>
                 <a:ea typeface="+mn-ea"/>
                 <a:cs typeface="+mn-cs"/>
               </a:rPr>
@@ -765,7 +764,6 @@
                   <a:schemeClr val="tx1"/>
                 </a:solidFill>
                 <a:effectLst/>
-                <a:latin typeface="+mn-lt"/>
                 <a:ea typeface="+mn-ea"/>
                 <a:cs typeface="+mn-cs"/>
               </a:rPr>
@@ -777,7 +775,6 @@
                   <a:schemeClr val="tx1"/>
                 </a:solidFill>
                 <a:effectLst/>
-                <a:latin typeface="+mn-lt"/>
                 <a:ea typeface="+mn-ea"/>
                 <a:cs typeface="+mn-cs"/>
               </a:rPr>
@@ -789,7 +786,6 @@
                   <a:schemeClr val="tx1"/>
                 </a:solidFill>
                 <a:effectLst/>
-                <a:latin typeface="+mn-lt"/>
                 <a:ea typeface="+mn-ea"/>
                 <a:cs typeface="+mn-cs"/>
               </a:rPr>
@@ -800,7 +796,6 @@
                 <a:schemeClr val="tx1"/>
               </a:solidFill>
               <a:effectLst/>
-              <a:latin typeface="+mn-lt"/>
               <a:ea typeface="+mn-ea"/>
               <a:cs typeface="+mn-cs"/>
             </a:endParaRPr>
@@ -2136,7 +2131,6 @@
                   <a:schemeClr val="tx1"/>
                 </a:solidFill>
                 <a:effectLst/>
-                <a:latin typeface="+mn-lt"/>
                 <a:ea typeface="+mn-ea"/>
                 <a:cs typeface="+mn-cs"/>
               </a:rPr>
@@ -2147,7 +2141,6 @@
                 <a:schemeClr val="tx1"/>
               </a:solidFill>
               <a:effectLst/>
-              <a:latin typeface="+mn-lt"/>
               <a:ea typeface="+mn-ea"/>
               <a:cs typeface="+mn-cs"/>
             </a:endParaRPr>
@@ -2160,7 +2153,6 @@
                   <a:schemeClr val="tx1"/>
                 </a:solidFill>
                 <a:effectLst/>
-                <a:latin typeface="+mn-lt"/>
                 <a:ea typeface="+mn-ea"/>
                 <a:cs typeface="+mn-cs"/>
               </a:rPr>
@@ -2172,7 +2164,6 @@
                   <a:schemeClr val="tx1"/>
                 </a:solidFill>
                 <a:effectLst/>
-                <a:latin typeface="+mn-lt"/>
                 <a:ea typeface="+mn-ea"/>
                 <a:cs typeface="+mn-cs"/>
               </a:rPr>
@@ -2184,7 +2175,6 @@
                   <a:schemeClr val="tx1"/>
                 </a:solidFill>
                 <a:effectLst/>
-                <a:latin typeface="+mn-lt"/>
                 <a:ea typeface="+mn-ea"/>
                 <a:cs typeface="+mn-cs"/>
               </a:rPr>
@@ -2196,7 +2186,6 @@
                   <a:schemeClr val="tx1"/>
                 </a:solidFill>
                 <a:effectLst/>
-                <a:latin typeface="+mn-lt"/>
                 <a:ea typeface="+mn-ea"/>
                 <a:cs typeface="+mn-cs"/>
               </a:rPr>
@@ -2208,7 +2197,6 @@
                   <a:schemeClr val="tx1"/>
                 </a:solidFill>
                 <a:effectLst/>
-                <a:latin typeface="+mn-lt"/>
                 <a:ea typeface="+mn-ea"/>
                 <a:cs typeface="+mn-cs"/>
               </a:rPr>
@@ -2220,7 +2208,6 @@
                   <a:schemeClr val="tx1"/>
                 </a:solidFill>
                 <a:effectLst/>
-                <a:latin typeface="+mn-lt"/>
                 <a:ea typeface="+mn-ea"/>
                 <a:cs typeface="+mn-cs"/>
               </a:rPr>
@@ -2231,7 +2218,6 @@
                 <a:schemeClr val="tx1"/>
               </a:solidFill>
               <a:effectLst/>
-              <a:latin typeface="+mn-lt"/>
               <a:ea typeface="+mn-ea"/>
               <a:cs typeface="+mn-cs"/>
             </a:endParaRPr>
@@ -2244,7 +2230,6 @@
                   <a:schemeClr val="tx1"/>
                 </a:solidFill>
                 <a:effectLst/>
-                <a:latin typeface="+mn-lt"/>
                 <a:ea typeface="+mn-ea"/>
                 <a:cs typeface="+mn-cs"/>
               </a:rPr>
@@ -2255,7 +2240,6 @@
                 <a:schemeClr val="tx1"/>
               </a:solidFill>
               <a:effectLst/>
-              <a:latin typeface="+mn-lt"/>
               <a:ea typeface="+mn-ea"/>
               <a:cs typeface="+mn-cs"/>
             </a:endParaRPr>
@@ -2268,7 +2252,6 @@
                   <a:schemeClr val="tx1"/>
                 </a:solidFill>
                 <a:effectLst/>
-                <a:latin typeface="+mn-lt"/>
                 <a:ea typeface="+mn-ea"/>
                 <a:cs typeface="+mn-cs"/>
               </a:rPr>
@@ -2279,7 +2262,6 @@
                 <a:schemeClr val="tx1"/>
               </a:solidFill>
               <a:effectLst/>
-              <a:latin typeface="+mn-lt"/>
               <a:ea typeface="+mn-ea"/>
               <a:cs typeface="+mn-cs"/>
             </a:endParaRPr>
@@ -2292,7 +2274,6 @@
                   <a:schemeClr val="tx1"/>
                 </a:solidFill>
                 <a:effectLst/>
-                <a:latin typeface="+mn-lt"/>
                 <a:ea typeface="+mn-ea"/>
                 <a:cs typeface="+mn-cs"/>
               </a:rPr>
@@ -2303,7 +2284,6 @@
                 <a:schemeClr val="tx1"/>
               </a:solidFill>
               <a:effectLst/>
-              <a:latin typeface="+mn-lt"/>
               <a:ea typeface="+mn-ea"/>
               <a:cs typeface="+mn-cs"/>
             </a:endParaRPr>
@@ -2399,7 +2379,6 @@
                 <a:schemeClr val="tx1"/>
               </a:solidFill>
               <a:effectLst/>
-              <a:latin typeface="+mn-lt"/>
               <a:ea typeface="+mn-ea"/>
               <a:cs typeface="+mn-cs"/>
             </a:endParaRPr>
@@ -2492,7 +2471,6 @@
                 <a:schemeClr val="tx1"/>
               </a:solidFill>
               <a:effectLst/>
-              <a:latin typeface="+mn-lt"/>
               <a:ea typeface="+mn-ea"/>
               <a:cs typeface="+mn-cs"/>
             </a:endParaRPr>
@@ -2784,7 +2762,6 @@
                   <a:schemeClr val="tx1"/>
                 </a:solidFill>
                 <a:effectLst/>
-                <a:latin typeface="+mn-lt"/>
                 <a:ea typeface="+mn-ea"/>
                 <a:cs typeface="+mn-cs"/>
               </a:rPr>
@@ -2796,7 +2773,6 @@
                   <a:schemeClr val="tx1"/>
                 </a:solidFill>
                 <a:effectLst/>
-                <a:latin typeface="+mn-lt"/>
                 <a:ea typeface="+mn-ea"/>
                 <a:cs typeface="+mn-cs"/>
               </a:rPr>
@@ -2808,7 +2784,6 @@
                   <a:schemeClr val="tx1"/>
                 </a:solidFill>
                 <a:effectLst/>
-                <a:latin typeface="+mn-lt"/>
                 <a:ea typeface="+mn-ea"/>
                 <a:cs typeface="+mn-cs"/>
               </a:rPr>
@@ -2820,7 +2795,6 @@
                   <a:schemeClr val="tx1"/>
                 </a:solidFill>
                 <a:effectLst/>
-                <a:latin typeface="+mn-lt"/>
                 <a:ea typeface="+mn-ea"/>
                 <a:cs typeface="+mn-cs"/>
               </a:rPr>
@@ -2832,7 +2806,6 @@
                   <a:schemeClr val="tx1"/>
                 </a:solidFill>
                 <a:effectLst/>
-                <a:latin typeface="+mn-lt"/>
                 <a:ea typeface="+mn-ea"/>
                 <a:cs typeface="+mn-cs"/>
               </a:rPr>
@@ -2844,7 +2817,6 @@
                   <a:schemeClr val="tx1"/>
                 </a:solidFill>
                 <a:effectLst/>
-                <a:latin typeface="+mn-lt"/>
                 <a:ea typeface="+mn-ea"/>
                 <a:cs typeface="+mn-cs"/>
               </a:rPr>
@@ -2856,7 +2828,6 @@
                   <a:schemeClr val="tx1"/>
                 </a:solidFill>
                 <a:effectLst/>
-                <a:latin typeface="+mn-lt"/>
                 <a:ea typeface="+mn-ea"/>
                 <a:cs typeface="+mn-cs"/>
               </a:rPr>
@@ -3151,7 +3122,6 @@
                   <a:schemeClr val="tx1"/>
                 </a:solidFill>
                 <a:effectLst/>
-                <a:latin typeface="+mn-lt"/>
                 <a:ea typeface="+mn-ea"/>
                 <a:cs typeface="+mn-cs"/>
               </a:rPr>
@@ -3163,7 +3133,6 @@
                   <a:schemeClr val="tx1"/>
                 </a:solidFill>
                 <a:effectLst/>
-                <a:latin typeface="+mn-lt"/>
                 <a:ea typeface="+mn-ea"/>
                 <a:cs typeface="+mn-cs"/>
               </a:rPr>
@@ -3175,7 +3144,6 @@
                   <a:schemeClr val="tx1"/>
                 </a:solidFill>
                 <a:effectLst/>
-                <a:latin typeface="+mn-lt"/>
                 <a:ea typeface="+mn-ea"/>
                 <a:cs typeface="+mn-cs"/>
               </a:rPr>
@@ -3187,7 +3155,6 @@
                   <a:schemeClr val="tx1"/>
                 </a:solidFill>
                 <a:effectLst/>
-                <a:latin typeface="+mn-lt"/>
                 <a:ea typeface="+mn-ea"/>
                 <a:cs typeface="+mn-cs"/>
               </a:rPr>
@@ -3199,7 +3166,6 @@
                   <a:schemeClr val="tx1"/>
                 </a:solidFill>
                 <a:effectLst/>
-                <a:latin typeface="+mn-lt"/>
                 <a:ea typeface="+mn-ea"/>
                 <a:cs typeface="+mn-cs"/>
               </a:rPr>
@@ -3211,7 +3177,6 @@
                   <a:schemeClr val="tx1"/>
                 </a:solidFill>
                 <a:effectLst/>
-                <a:latin typeface="+mn-lt"/>
                 <a:ea typeface="+mn-ea"/>
                 <a:cs typeface="+mn-cs"/>
               </a:rPr>
@@ -3223,7 +3188,6 @@
                   <a:schemeClr val="tx1"/>
                 </a:solidFill>
                 <a:effectLst/>
-                <a:latin typeface="+mn-lt"/>
                 <a:ea typeface="+mn-ea"/>
                 <a:cs typeface="+mn-cs"/>
               </a:rPr>
@@ -3313,158 +3277,15 @@
           <a:bodyPr/>
           <a:lstStyle/>
           <a:p>
-            <a:r>
-              <a:rPr lang="en-US" dirty="0" err="1" smtClean="0"/>
-              <a:t>Orice</a:t>
-            </a:r>
-            <a:r>
-              <a:rPr lang="en-US" baseline="0" dirty="0" smtClean="0"/>
-              <a:t> </a:t>
-            </a:r>
-            <a:r>
-              <a:rPr lang="en-US" baseline="0" dirty="0" err="1" smtClean="0"/>
-              <a:t>actiune</a:t>
-            </a:r>
-            <a:r>
-              <a:rPr lang="en-US" baseline="0" dirty="0" smtClean="0"/>
-              <a:t> </a:t>
-            </a:r>
-            <a:r>
-              <a:rPr lang="en-US" baseline="0" dirty="0" err="1" smtClean="0"/>
-              <a:t>este</a:t>
-            </a:r>
-            <a:r>
-              <a:rPr lang="en-US" baseline="0" dirty="0" smtClean="0"/>
-              <a:t> </a:t>
-            </a:r>
-            <a:r>
-              <a:rPr lang="en-US" baseline="0" dirty="0" err="1" smtClean="0"/>
-              <a:t>salvata</a:t>
-            </a:r>
-            <a:r>
-              <a:rPr lang="en-US" baseline="0" dirty="0" smtClean="0"/>
-              <a:t> </a:t>
-            </a:r>
-            <a:r>
-              <a:rPr lang="en-US" baseline="0" dirty="0" err="1" smtClean="0"/>
-              <a:t>intr</a:t>
-            </a:r>
-            <a:r>
-              <a:rPr lang="en-US" baseline="0" dirty="0" smtClean="0"/>
-              <a:t>-o </a:t>
-            </a:r>
-            <a:r>
-              <a:rPr lang="en-US" baseline="0" dirty="0" err="1" smtClean="0"/>
-              <a:t>baza</a:t>
-            </a:r>
-            <a:r>
-              <a:rPr lang="en-US" baseline="0" dirty="0" smtClean="0"/>
-              <a:t> de date, </a:t>
-            </a:r>
-            <a:r>
-              <a:rPr lang="en-US" baseline="0" dirty="0" err="1" smtClean="0"/>
-              <a:t>deci</a:t>
-            </a:r>
-            <a:r>
-              <a:rPr lang="en-US" baseline="0" dirty="0" smtClean="0"/>
-              <a:t> </a:t>
-            </a:r>
-            <a:r>
-              <a:rPr lang="en-US" baseline="0" dirty="0" err="1" smtClean="0"/>
-              <a:t>este</a:t>
-            </a:r>
-            <a:r>
-              <a:rPr lang="en-US" baseline="0" dirty="0" smtClean="0"/>
-              <a:t> </a:t>
-            </a:r>
-            <a:r>
-              <a:rPr lang="en-US" baseline="0" dirty="0" err="1" smtClean="0"/>
-              <a:t>foarte</a:t>
-            </a:r>
-            <a:r>
-              <a:rPr lang="en-US" baseline="0" dirty="0" smtClean="0"/>
-              <a:t> </a:t>
-            </a:r>
-            <a:r>
-              <a:rPr lang="en-US" baseline="0" dirty="0" err="1" smtClean="0"/>
-              <a:t>greu</a:t>
-            </a:r>
-            <a:r>
-              <a:rPr lang="en-US" baseline="0" dirty="0" smtClean="0"/>
-              <a:t> </a:t>
-            </a:r>
-            <a:r>
-              <a:rPr lang="en-US" baseline="0" dirty="0" err="1" smtClean="0"/>
-              <a:t>sa</a:t>
-            </a:r>
-            <a:r>
-              <a:rPr lang="en-US" baseline="0" dirty="0" smtClean="0"/>
-              <a:t> </a:t>
-            </a:r>
-            <a:r>
-              <a:rPr lang="en-US" baseline="0" dirty="0" err="1" smtClean="0"/>
-              <a:t>pierzi</a:t>
-            </a:r>
-            <a:r>
-              <a:rPr lang="en-US" baseline="0" dirty="0" smtClean="0"/>
-              <a:t> </a:t>
-            </a:r>
-            <a:r>
-              <a:rPr lang="en-US" baseline="0" dirty="0" err="1" smtClean="0"/>
-              <a:t>fisiere</a:t>
-            </a:r>
-            <a:r>
-              <a:rPr lang="en-US" baseline="0" dirty="0" smtClean="0"/>
-              <a:t> </a:t>
-            </a:r>
-            <a:r>
-              <a:rPr lang="en-US" baseline="0" dirty="0" err="1" smtClean="0"/>
-              <a:t>sau</a:t>
-            </a:r>
-            <a:r>
-              <a:rPr lang="en-US" baseline="0" dirty="0" smtClean="0"/>
-              <a:t> </a:t>
-            </a:r>
-            <a:r>
-              <a:rPr lang="en-US" baseline="0" dirty="0" err="1" smtClean="0"/>
-              <a:t>schimbari</a:t>
-            </a:r>
-            <a:r>
-              <a:rPr lang="en-US" baseline="0" dirty="0" smtClean="0"/>
-              <a:t>, </a:t>
-            </a:r>
-            <a:r>
-              <a:rPr lang="en-US" baseline="0" dirty="0" err="1" smtClean="0"/>
-              <a:t>mai</a:t>
-            </a:r>
-            <a:r>
-              <a:rPr lang="en-US" baseline="0" dirty="0" smtClean="0"/>
-              <a:t> ales </a:t>
-            </a:r>
-            <a:r>
-              <a:rPr lang="en-US" baseline="0" dirty="0" err="1" smtClean="0"/>
-              <a:t>daca</a:t>
-            </a:r>
-            <a:r>
-              <a:rPr lang="en-US" baseline="0" dirty="0" smtClean="0"/>
-              <a:t> </a:t>
-            </a:r>
-            <a:r>
-              <a:rPr lang="en-US" baseline="0" dirty="0" err="1" smtClean="0"/>
-              <a:t>sunt</a:t>
-            </a:r>
-            <a:r>
-              <a:rPr lang="en-US" baseline="0" dirty="0" smtClean="0"/>
-              <a:t> </a:t>
-            </a:r>
-            <a:r>
-              <a:rPr lang="en-US" baseline="0" dirty="0" err="1" smtClean="0"/>
-              <a:t>intr</a:t>
-            </a:r>
-            <a:r>
-              <a:rPr lang="en-US" baseline="0" dirty="0" smtClean="0"/>
-              <a:t>-un snapshot.</a:t>
-            </a:r>
+            <a:pPr lvl="1"/>
+            <a:endParaRPr lang="en-US" sz="1200" kern="1200" dirty="0">
+              <a:solidFill>
+                <a:schemeClr val="tx1"/>
+              </a:solidFill>
+              <a:effectLst/>
+              <a:ea typeface="+mn-ea"/>
+              <a:cs typeface="+mn-cs"/>
+            </a:endParaRPr>
           </a:p>
         </p:txBody>
       </p:sp>
@@ -3494,7 +3315,7 @@
     </p:spTree>
     <p:extLst>
       <p:ext uri="{BB962C8B-B14F-4D97-AF65-F5344CB8AC3E}">
-        <p14:creationId xmlns:p14="http://schemas.microsoft.com/office/powerpoint/2010/main" val="2194722138"/>
+        <p14:creationId xmlns:p14="http://schemas.microsoft.com/office/powerpoint/2010/main" val="3840557923"/>
       </p:ext>
     </p:extLst>
   </p:cSld>
@@ -3633,12 +3454,209 @@
           <a:lstStyle/>
           <a:p>
             <a:pPr lvl="1"/>
-            <a:endParaRPr lang="en-US" sz="1200" kern="1200" dirty="0">
+            <a:r>
+              <a:rPr lang="ro-RO" sz="1200" kern="1200" dirty="0" smtClean="0">
+                <a:solidFill>
+                  <a:schemeClr val="tx1"/>
+                </a:solidFill>
+                <a:effectLst/>
+                <a:ea typeface="+mn-ea"/>
+                <a:cs typeface="+mn-cs"/>
+              </a:rPr>
+              <a:t>Avem doua optiuni, putem crea un repository </a:t>
+            </a:r>
+            <a:r>
+              <a:rPr lang="en-US" sz="1200" kern="1200" dirty="0" err="1" smtClean="0">
+                <a:solidFill>
+                  <a:schemeClr val="tx1"/>
+                </a:solidFill>
+                <a:effectLst/>
+                <a:ea typeface="+mn-ea"/>
+                <a:cs typeface="+mn-cs"/>
+              </a:rPr>
+              <a:t>nou</a:t>
+            </a:r>
+            <a:r>
+              <a:rPr lang="en-US" sz="1200" kern="1200" dirty="0" smtClean="0">
+                <a:solidFill>
+                  <a:schemeClr val="tx1"/>
+                </a:solidFill>
+                <a:effectLst/>
+                <a:ea typeface="+mn-ea"/>
+                <a:cs typeface="+mn-cs"/>
+              </a:rPr>
+              <a:t>,</a:t>
+            </a:r>
+            <a:r>
+              <a:rPr lang="en-US" sz="1200" kern="1200" baseline="0" dirty="0" smtClean="0">
+                <a:solidFill>
+                  <a:schemeClr val="tx1"/>
+                </a:solidFill>
+                <a:effectLst/>
+                <a:ea typeface="+mn-ea"/>
+                <a:cs typeface="+mn-cs"/>
+              </a:rPr>
+              <a:t> </a:t>
+            </a:r>
+            <a:r>
+              <a:rPr lang="en-US" sz="1200" kern="1200" baseline="0" dirty="0" err="1" smtClean="0">
+                <a:solidFill>
+                  <a:schemeClr val="tx1"/>
+                </a:solidFill>
+                <a:effectLst/>
+                <a:ea typeface="+mn-ea"/>
+                <a:cs typeface="+mn-cs"/>
+              </a:rPr>
+              <a:t>folosind</a:t>
+            </a:r>
+            <a:r>
+              <a:rPr lang="en-US" sz="1200" kern="1200" baseline="0" dirty="0" smtClean="0">
+                <a:solidFill>
+                  <a:schemeClr val="tx1"/>
+                </a:solidFill>
+                <a:effectLst/>
+                <a:ea typeface="+mn-ea"/>
+                <a:cs typeface="+mn-cs"/>
+              </a:rPr>
+              <a:t> </a:t>
+            </a:r>
+            <a:r>
+              <a:rPr lang="en-US" sz="1200" kern="1200" baseline="0" dirty="0" err="1" smtClean="0">
+                <a:solidFill>
+                  <a:schemeClr val="tx1"/>
+                </a:solidFill>
+                <a:effectLst/>
+                <a:ea typeface="+mn-ea"/>
+                <a:cs typeface="+mn-cs"/>
+              </a:rPr>
+              <a:t>comanda</a:t>
+            </a:r>
+            <a:r>
+              <a:rPr lang="en-US" sz="1200" kern="1200" baseline="0" dirty="0" smtClean="0">
+                <a:solidFill>
+                  <a:schemeClr val="tx1"/>
+                </a:solidFill>
+                <a:effectLst/>
+                <a:ea typeface="+mn-ea"/>
+                <a:cs typeface="+mn-cs"/>
+              </a:rPr>
+              <a:t> </a:t>
+            </a:r>
+            <a:r>
+              <a:rPr lang="en-US" sz="1200" kern="1200" baseline="0" dirty="0" err="1" smtClean="0">
+                <a:solidFill>
+                  <a:schemeClr val="tx1"/>
+                </a:solidFill>
+                <a:effectLst/>
+                <a:ea typeface="+mn-ea"/>
+                <a:cs typeface="+mn-cs"/>
+              </a:rPr>
+              <a:t>git</a:t>
+            </a:r>
+            <a:r>
+              <a:rPr lang="en-US" sz="1200" kern="1200" baseline="0" dirty="0" smtClean="0">
+                <a:solidFill>
+                  <a:schemeClr val="tx1"/>
+                </a:solidFill>
+                <a:effectLst/>
+                <a:ea typeface="+mn-ea"/>
+                <a:cs typeface="+mn-cs"/>
+              </a:rPr>
+              <a:t> </a:t>
+            </a:r>
+            <a:r>
+              <a:rPr lang="en-US" sz="1200" kern="1200" baseline="0" dirty="0" err="1" smtClean="0">
+                <a:solidFill>
+                  <a:schemeClr val="tx1"/>
+                </a:solidFill>
+                <a:effectLst/>
+                <a:ea typeface="+mn-ea"/>
+                <a:cs typeface="+mn-cs"/>
+              </a:rPr>
+              <a:t>init</a:t>
+            </a:r>
+            <a:endParaRPr lang="en-US" sz="1200" kern="1200" baseline="0" dirty="0" smtClean="0">
               <a:solidFill>
                 <a:schemeClr val="tx1"/>
               </a:solidFill>
               <a:effectLst/>
-              <a:latin typeface="+mn-lt"/>
+              <a:ea typeface="+mn-ea"/>
+              <a:cs typeface="+mn-cs"/>
+            </a:endParaRPr>
+          </a:p>
+          <a:p>
+            <a:pPr lvl="1"/>
+            <a:r>
+              <a:rPr lang="en-US" sz="1200" kern="1200" baseline="0" dirty="0" err="1" smtClean="0">
+                <a:solidFill>
+                  <a:schemeClr val="tx1"/>
+                </a:solidFill>
+                <a:effectLst/>
+                <a:ea typeface="+mn-ea"/>
+                <a:cs typeface="+mn-cs"/>
+              </a:rPr>
+              <a:t>Sau</a:t>
+            </a:r>
+            <a:r>
+              <a:rPr lang="en-US" sz="1200" kern="1200" baseline="0" dirty="0" smtClean="0">
+                <a:solidFill>
+                  <a:schemeClr val="tx1"/>
+                </a:solidFill>
+                <a:effectLst/>
+                <a:ea typeface="+mn-ea"/>
+                <a:cs typeface="+mn-cs"/>
+              </a:rPr>
+              <a:t> </a:t>
+            </a:r>
+            <a:r>
+              <a:rPr lang="en-US" sz="1200" kern="1200" baseline="0" dirty="0" err="1" smtClean="0">
+                <a:solidFill>
+                  <a:schemeClr val="tx1"/>
+                </a:solidFill>
+                <a:effectLst/>
+                <a:ea typeface="+mn-ea"/>
+                <a:cs typeface="+mn-cs"/>
+              </a:rPr>
+              <a:t>putem</a:t>
+            </a:r>
+            <a:r>
+              <a:rPr lang="en-US" sz="1200" kern="1200" baseline="0" dirty="0" smtClean="0">
+                <a:solidFill>
+                  <a:schemeClr val="tx1"/>
+                </a:solidFill>
+                <a:effectLst/>
+                <a:ea typeface="+mn-ea"/>
+                <a:cs typeface="+mn-cs"/>
+              </a:rPr>
+              <a:t> </a:t>
+            </a:r>
+            <a:r>
+              <a:rPr lang="en-US" sz="1200" kern="1200" baseline="0" dirty="0" err="1" smtClean="0">
+                <a:solidFill>
+                  <a:schemeClr val="tx1"/>
+                </a:solidFill>
+                <a:effectLst/>
+                <a:ea typeface="+mn-ea"/>
+                <a:cs typeface="+mn-cs"/>
+              </a:rPr>
+              <a:t>clona</a:t>
+            </a:r>
+            <a:r>
+              <a:rPr lang="en-US" sz="1200" kern="1200" baseline="0" dirty="0" smtClean="0">
+                <a:solidFill>
+                  <a:schemeClr val="tx1"/>
+                </a:solidFill>
+                <a:effectLst/>
+                <a:ea typeface="+mn-ea"/>
+                <a:cs typeface="+mn-cs"/>
+              </a:rPr>
+              <a:t> un repository</a:t>
+            </a:r>
+            <a:endParaRPr lang="en-US" sz="1200" kern="1200" dirty="0" smtClean="0">
+              <a:solidFill>
+                <a:schemeClr val="tx1"/>
+              </a:solidFill>
+              <a:effectLst/>
               <a:ea typeface="+mn-ea"/>
               <a:cs typeface="+mn-cs"/>
             </a:endParaRPr>
@@ -3671,7 +3689,7 @@
     </p:spTree>
     <p:extLst>
       <p:ext uri="{BB962C8B-B14F-4D97-AF65-F5344CB8AC3E}">
-        <p14:creationId xmlns:p14="http://schemas.microsoft.com/office/powerpoint/2010/main" val="3840557923"/>
+        <p14:creationId xmlns:p14="http://schemas.microsoft.com/office/powerpoint/2010/main" val="1813145882"/>
       </p:ext>
     </p:extLst>
   </p:cSld>
@@ -3732,222 +3750,86 @@
                   <a:schemeClr val="tx1"/>
                 </a:solidFill>
                 <a:effectLst/>
-                <a:latin typeface="+mn-lt"/>
                 <a:ea typeface="+mn-ea"/>
                 <a:cs typeface="+mn-cs"/>
               </a:rPr>
-              <a:t>Avem doua optiuni, putem crea un repository </a:t>
-            </a:r>
-            <a:r>
-              <a:rPr lang="en-US" sz="1200" kern="1200" dirty="0" err="1" smtClean="0">
-                <a:solidFill>
-                  <a:schemeClr val="tx1"/>
-                </a:solidFill>
-                <a:effectLst/>
-                <a:latin typeface="+mn-lt"/>
-                <a:ea typeface="+mn-ea"/>
-                <a:cs typeface="+mn-cs"/>
-              </a:rPr>
-              <a:t>nou</a:t>
-            </a:r>
-            <a:r>
-              <a:rPr lang="en-US" sz="1200" kern="1200" dirty="0" smtClean="0">
-                <a:solidFill>
-                  <a:schemeClr val="tx1"/>
-                </a:solidFill>
-                <a:effectLst/>
-                <a:latin typeface="+mn-lt"/>
-                <a:ea typeface="+mn-ea"/>
-                <a:cs typeface="+mn-cs"/>
-              </a:rPr>
-              <a:t>,</a:t>
-            </a:r>
-            <a:r>
-              <a:rPr lang="en-US" sz="1200" kern="1200" baseline="0" dirty="0" smtClean="0">
-                <a:solidFill>
-                  <a:schemeClr val="tx1"/>
-                </a:solidFill>
-                <a:effectLst/>
-                <a:latin typeface="+mn-lt"/>
-                <a:ea typeface="+mn-ea"/>
-                <a:cs typeface="+mn-cs"/>
-              </a:rPr>
-              <a:t> </a:t>
-            </a:r>
-            <a:r>
-              <a:rPr lang="en-US" sz="1200" kern="1200" baseline="0" dirty="0" err="1" smtClean="0">
-                <a:solidFill>
-                  <a:schemeClr val="tx1"/>
-                </a:solidFill>
-                <a:effectLst/>
-                <a:latin typeface="+mn-lt"/>
-                <a:ea typeface="+mn-ea"/>
-                <a:cs typeface="+mn-cs"/>
-              </a:rPr>
-              <a:t>folosind</a:t>
-            </a:r>
-            <a:r>
-              <a:rPr lang="en-US" sz="1200" kern="1200" baseline="0" dirty="0" smtClean="0">
-                <a:solidFill>
-                  <a:schemeClr val="tx1"/>
-                </a:solidFill>
-                <a:effectLst/>
-                <a:latin typeface="+mn-lt"/>
-                <a:ea typeface="+mn-ea"/>
-                <a:cs typeface="+mn-cs"/>
-              </a:rPr>
-              <a:t> </a:t>
-            </a:r>
-            <a:r>
-              <a:rPr lang="en-US" sz="1200" kern="1200" baseline="0" dirty="0" err="1" smtClean="0">
-                <a:solidFill>
-                  <a:schemeClr val="tx1"/>
-                </a:solidFill>
-                <a:effectLst/>
-                <a:latin typeface="+mn-lt"/>
-                <a:ea typeface="+mn-ea"/>
-                <a:cs typeface="+mn-cs"/>
-              </a:rPr>
-              <a:t>comanda</a:t>
-            </a:r>
-            <a:r>
-              <a:rPr lang="en-US" sz="1200" kern="1200" baseline="0" dirty="0" smtClean="0">
-                <a:solidFill>
-                  <a:schemeClr val="tx1"/>
-                </a:solidFill>
-                <a:effectLst/>
-                <a:latin typeface="+mn-lt"/>
-                <a:ea typeface="+mn-ea"/>
-                <a:cs typeface="+mn-cs"/>
-              </a:rPr>
-              <a:t> </a:t>
-            </a:r>
-            <a:r>
-              <a:rPr lang="en-US" sz="1200" kern="1200" baseline="0" dirty="0" err="1" smtClean="0">
-                <a:solidFill>
-                  <a:schemeClr val="tx1"/>
-                </a:solidFill>
-                <a:effectLst/>
-                <a:latin typeface="+mn-lt"/>
-                <a:ea typeface="+mn-ea"/>
-                <a:cs typeface="+mn-cs"/>
-              </a:rPr>
-              <a:t>git</a:t>
-            </a:r>
-            <a:r>
-              <a:rPr lang="en-US" sz="1200" kern="1200" baseline="0" dirty="0" smtClean="0">
-                <a:solidFill>
-                  <a:schemeClr val="tx1"/>
-                </a:solidFill>
-                <a:effectLst/>
-                <a:latin typeface="+mn-lt"/>
-                <a:ea typeface="+mn-ea"/>
-                <a:cs typeface="+mn-cs"/>
-              </a:rPr>
-              <a:t> </a:t>
-            </a:r>
-            <a:r>
-              <a:rPr lang="en-US" sz="1200" kern="1200" baseline="0" dirty="0" err="1" smtClean="0">
-                <a:solidFill>
-                  <a:schemeClr val="tx1"/>
-                </a:solidFill>
-                <a:effectLst/>
-                <a:latin typeface="+mn-lt"/>
-                <a:ea typeface="+mn-ea"/>
-                <a:cs typeface="+mn-cs"/>
-              </a:rPr>
-              <a:t>init</a:t>
-            </a:r>
-            <a:endParaRPr lang="en-US" sz="1200" kern="1200" baseline="0" dirty="0" smtClean="0">
-              <a:solidFill>
-                <a:schemeClr val="tx1"/>
-              </a:solidFill>
-              <a:effectLst/>
-              <a:latin typeface="+mn-lt"/>
-              <a:ea typeface="+mn-ea"/>
-              <a:cs typeface="+mn-cs"/>
-            </a:endParaRPr>
-          </a:p>
-          <a:p>
-            <a:pPr lvl="1"/>
-            <a:r>
-              <a:rPr lang="en-US" sz="1200" kern="1200" baseline="0" dirty="0" err="1" smtClean="0">
-                <a:solidFill>
-                  <a:schemeClr val="tx1"/>
-                </a:solidFill>
-                <a:effectLst/>
-                <a:latin typeface="+mn-lt"/>
-                <a:ea typeface="+mn-ea"/>
-                <a:cs typeface="+mn-cs"/>
-              </a:rPr>
-              <a:t>Sau</a:t>
-            </a:r>
-            <a:r>
-              <a:rPr lang="en-US" sz="1200" kern="1200" baseline="0" dirty="0" smtClean="0">
-                <a:solidFill>
-                  <a:schemeClr val="tx1"/>
-                </a:solidFill>
-                <a:effectLst/>
-                <a:latin typeface="+mn-lt"/>
-                <a:ea typeface="+mn-ea"/>
-                <a:cs typeface="+mn-cs"/>
-              </a:rPr>
-              <a:t> </a:t>
-            </a:r>
-            <a:r>
-              <a:rPr lang="en-US" sz="1200" kern="1200" baseline="0" dirty="0" err="1" smtClean="0">
-                <a:solidFill>
-                  <a:schemeClr val="tx1"/>
-                </a:solidFill>
-                <a:effectLst/>
-                <a:latin typeface="+mn-lt"/>
-                <a:ea typeface="+mn-ea"/>
-                <a:cs typeface="+mn-cs"/>
-              </a:rPr>
-              <a:t>putem</a:t>
-            </a:r>
-            <a:r>
-              <a:rPr lang="en-US" sz="1200" kern="1200" baseline="0" dirty="0" smtClean="0">
-                <a:solidFill>
-                  <a:schemeClr val="tx1"/>
-                </a:solidFill>
-                <a:effectLst/>
-                <a:latin typeface="+mn-lt"/>
-                <a:ea typeface="+mn-ea"/>
-                <a:cs typeface="+mn-cs"/>
-              </a:rPr>
-              <a:t> </a:t>
-            </a:r>
-            <a:r>
-              <a:rPr lang="en-US" sz="1200" kern="1200" baseline="0" dirty="0" err="1" smtClean="0">
-                <a:solidFill>
-                  <a:schemeClr val="tx1"/>
-                </a:solidFill>
-                <a:effectLst/>
-                <a:latin typeface="+mn-lt"/>
-                <a:ea typeface="+mn-ea"/>
-                <a:cs typeface="+mn-cs"/>
-              </a:rPr>
-              <a:t>clona</a:t>
-            </a:r>
-            <a:r>
-              <a:rPr lang="en-US" sz="1200" kern="1200" baseline="0" dirty="0" smtClean="0">
-                <a:solidFill>
-                  <a:schemeClr val="tx1"/>
-                </a:solidFill>
-                <a:effectLst/>
-                <a:latin typeface="+mn-lt"/>
-                <a:ea typeface="+mn-ea"/>
-                <a:cs typeface="+mn-cs"/>
-              </a:rPr>
-              <a:t> un repository</a:t>
+              <a:t>Importarea unui repository existent se face cu git clone [url]</a:t>
             </a:r>
             <a:endParaRPr lang="en-US" sz="1200" kern="1200" dirty="0" smtClean="0">
               <a:solidFill>
                 <a:schemeClr val="tx1"/>
               </a:solidFill>
               <a:effectLst/>
-              <a:latin typeface="+mn-lt"/>
+              <a:ea typeface="+mn-ea"/>
+              <a:cs typeface="+mn-cs"/>
+            </a:endParaRPr>
+          </a:p>
+          <a:p>
+            <a:pPr lvl="1"/>
+            <a:r>
+              <a:rPr lang="ro-RO" sz="1200" kern="1200" dirty="0" smtClean="0">
+                <a:solidFill>
+                  <a:schemeClr val="tx1"/>
+                </a:solidFill>
+                <a:effectLst/>
+                <a:ea typeface="+mn-ea"/>
+                <a:cs typeface="+mn-cs"/>
+              </a:rPr>
+              <a:t>Am facut un repository pe Github, pe care il voi clona</a:t>
+            </a:r>
+            <a:r>
+              <a:rPr lang="en-US" sz="1200" kern="1200" dirty="0" smtClean="0">
+                <a:solidFill>
+                  <a:schemeClr val="tx1"/>
+                </a:solidFill>
+                <a:effectLst/>
+                <a:ea typeface="+mn-ea"/>
+                <a:cs typeface="+mn-cs"/>
+              </a:rPr>
+              <a:t> local</a:t>
+            </a:r>
+          </a:p>
+          <a:p>
+            <a:pPr lvl="1"/>
+            <a:r>
+              <a:rPr lang="ro-RO" sz="1200" kern="1200" dirty="0" smtClean="0">
+                <a:solidFill>
+                  <a:schemeClr val="tx1"/>
+                </a:solidFill>
+                <a:effectLst/>
+                <a:ea typeface="+mn-ea"/>
+                <a:cs typeface="+mn-cs"/>
+              </a:rPr>
+              <a:t>Git suporta mai multe protocoale pentru transferul de date, cum ar fi http(s)://, git://, sau </a:t>
+            </a:r>
+            <a:r>
+              <a:rPr lang="ro-RO" sz="1200" u="sng" kern="1200" dirty="0" smtClean="0">
+                <a:solidFill>
+                  <a:schemeClr val="tx1"/>
+                </a:solidFill>
+                <a:effectLst/>
+                <a:ea typeface="+mn-ea"/>
+                <a:cs typeface="+mn-cs"/>
+                <a:hlinkClick r:id="rId3"/>
+              </a:rPr>
+              <a:t>user@server:/path.git</a:t>
+            </a:r>
+            <a:r>
+              <a:rPr lang="ro-RO" sz="1200" kern="1200" dirty="0" smtClean="0">
+                <a:solidFill>
+                  <a:schemeClr val="tx1"/>
+                </a:solidFill>
+                <a:effectLst/>
+                <a:ea typeface="+mn-ea"/>
+                <a:cs typeface="+mn-cs"/>
+              </a:rPr>
+              <a:t> prin SSH.</a:t>
+            </a:r>
+            <a:endParaRPr lang="en-US" sz="1200" kern="1200" dirty="0">
+              <a:solidFill>
+                <a:schemeClr val="tx1"/>
+              </a:solidFill>
+              <a:effectLst/>
               <a:ea typeface="+mn-ea"/>
               <a:cs typeface="+mn-cs"/>
             </a:endParaRPr>
@@ -3980,7 +3862,7 @@
     </p:spTree>
     <p:extLst>
       <p:ext uri="{BB962C8B-B14F-4D97-AF65-F5344CB8AC3E}">
-        <p14:creationId xmlns:p14="http://schemas.microsoft.com/office/powerpoint/2010/main" val="1813145882"/>
+        <p14:creationId xmlns:p14="http://schemas.microsoft.com/office/powerpoint/2010/main" val="3129033969"/>
       </p:ext>
     </p:extLst>
   </p:cSld>
@@ -4036,99 +3918,296 @@
           <a:p>
             <a:pPr lvl="1"/>
             <a:r>
-              <a:rPr lang="ro-RO" sz="1200" kern="1200" dirty="0" smtClean="0">
+              <a:rPr lang="en-US" sz="1200" kern="1200" dirty="0" smtClean="0">
                 <a:solidFill>
                   <a:schemeClr val="tx1"/>
                 </a:solidFill>
                 <a:effectLst/>
-                <a:latin typeface="+mn-lt"/>
                 <a:ea typeface="+mn-ea"/>
                 <a:cs typeface="+mn-cs"/>
               </a:rPr>
-              <a:t>Importarea unui repository existent se face cu git clone [url]</a:t>
+              <a:t>Pot </a:t>
+            </a:r>
+            <a:r>
+              <a:rPr lang="en-US" sz="1200" kern="1200" dirty="0" err="1" smtClean="0">
+                <a:solidFill>
+                  <a:schemeClr val="tx1"/>
+                </a:solidFill>
+                <a:effectLst/>
+                <a:ea typeface="+mn-ea"/>
+                <a:cs typeface="+mn-cs"/>
+              </a:rPr>
+              <a:t>verifica</a:t>
+            </a:r>
+            <a:r>
+              <a:rPr lang="en-US" sz="1200" kern="1200" dirty="0" smtClean="0">
+                <a:solidFill>
+                  <a:schemeClr val="tx1"/>
+                </a:solidFill>
+                <a:effectLst/>
+                <a:ea typeface="+mn-ea"/>
+                <a:cs typeface="+mn-cs"/>
+              </a:rPr>
+              <a:t> </a:t>
+            </a:r>
+            <a:r>
+              <a:rPr lang="en-US" sz="1200" kern="1200" dirty="0" err="1" smtClean="0">
+                <a:solidFill>
+                  <a:schemeClr val="tx1"/>
+                </a:solidFill>
+                <a:effectLst/>
+                <a:ea typeface="+mn-ea"/>
+                <a:cs typeface="+mn-cs"/>
+              </a:rPr>
+              <a:t>starea</a:t>
+            </a:r>
+            <a:r>
+              <a:rPr lang="en-US" sz="1200" kern="1200" dirty="0" smtClean="0">
+                <a:solidFill>
+                  <a:schemeClr val="tx1"/>
+                </a:solidFill>
+                <a:effectLst/>
+                <a:ea typeface="+mn-ea"/>
+                <a:cs typeface="+mn-cs"/>
+              </a:rPr>
+              <a:t> repository-</a:t>
+            </a:r>
+            <a:r>
+              <a:rPr lang="en-US" sz="1200" kern="1200" dirty="0" err="1" smtClean="0">
+                <a:solidFill>
+                  <a:schemeClr val="tx1"/>
+                </a:solidFill>
+                <a:effectLst/>
+                <a:ea typeface="+mn-ea"/>
+                <a:cs typeface="+mn-cs"/>
+              </a:rPr>
+              <a:t>ului</a:t>
+            </a:r>
+            <a:r>
+              <a:rPr lang="en-US" sz="1200" kern="1200" baseline="0" dirty="0" smtClean="0">
+                <a:solidFill>
+                  <a:schemeClr val="tx1"/>
+                </a:solidFill>
+                <a:effectLst/>
+                <a:ea typeface="+mn-ea"/>
+                <a:cs typeface="+mn-cs"/>
+              </a:rPr>
+              <a:t> </a:t>
+            </a:r>
+            <a:r>
+              <a:rPr lang="en-US" sz="1200" kern="1200" baseline="0" dirty="0" err="1" smtClean="0">
+                <a:solidFill>
+                  <a:schemeClr val="tx1"/>
+                </a:solidFill>
+                <a:effectLst/>
+                <a:ea typeface="+mn-ea"/>
+                <a:cs typeface="+mn-cs"/>
+              </a:rPr>
+              <a:t>folosind</a:t>
+            </a:r>
+            <a:r>
+              <a:rPr lang="en-US" sz="1200" kern="1200" baseline="0" dirty="0" smtClean="0">
+                <a:solidFill>
+                  <a:schemeClr val="tx1"/>
+                </a:solidFill>
+                <a:effectLst/>
+                <a:ea typeface="+mn-ea"/>
+                <a:cs typeface="+mn-cs"/>
+              </a:rPr>
+              <a:t> </a:t>
+            </a:r>
+            <a:r>
+              <a:rPr lang="en-US" sz="1200" kern="1200" baseline="0" dirty="0" err="1" smtClean="0">
+                <a:solidFill>
+                  <a:schemeClr val="tx1"/>
+                </a:solidFill>
+                <a:effectLst/>
+                <a:ea typeface="+mn-ea"/>
+                <a:cs typeface="+mn-cs"/>
+              </a:rPr>
+              <a:t>comanda</a:t>
+            </a:r>
+            <a:r>
+              <a:rPr lang="en-US" sz="1200" kern="1200" baseline="0" dirty="0" smtClean="0">
+                <a:solidFill>
+                  <a:schemeClr val="tx1"/>
+                </a:solidFill>
+                <a:effectLst/>
+                <a:ea typeface="+mn-ea"/>
+                <a:cs typeface="+mn-cs"/>
+              </a:rPr>
+              <a:t> </a:t>
+            </a:r>
+            <a:r>
+              <a:rPr lang="en-US" sz="1200" kern="1200" baseline="0" dirty="0" err="1" smtClean="0">
+                <a:solidFill>
+                  <a:schemeClr val="tx1"/>
+                </a:solidFill>
+                <a:effectLst/>
+                <a:ea typeface="+mn-ea"/>
+                <a:cs typeface="+mn-cs"/>
+              </a:rPr>
+              <a:t>git</a:t>
+            </a:r>
+            <a:r>
+              <a:rPr lang="en-US" sz="1200" kern="1200" baseline="0" dirty="0" smtClean="0">
+                <a:solidFill>
+                  <a:schemeClr val="tx1"/>
+                </a:solidFill>
+                <a:effectLst/>
+                <a:ea typeface="+mn-ea"/>
+                <a:cs typeface="+mn-cs"/>
+              </a:rPr>
+              <a:t> status</a:t>
+            </a:r>
+          </a:p>
+          <a:p>
+            <a:pPr lvl="1"/>
+            <a:r>
+              <a:rPr lang="en-US" sz="1200" kern="1200" baseline="0" dirty="0" err="1" smtClean="0">
+                <a:solidFill>
+                  <a:schemeClr val="tx1"/>
+                </a:solidFill>
+                <a:effectLst/>
+                <a:ea typeface="+mn-ea"/>
+                <a:cs typeface="+mn-cs"/>
+              </a:rPr>
+              <a:t>Git</a:t>
+            </a:r>
+            <a:r>
+              <a:rPr lang="en-US" sz="1200" kern="1200" baseline="0" dirty="0" smtClean="0">
+                <a:solidFill>
+                  <a:schemeClr val="tx1"/>
+                </a:solidFill>
+                <a:effectLst/>
+                <a:ea typeface="+mn-ea"/>
+                <a:cs typeface="+mn-cs"/>
+              </a:rPr>
+              <a:t> </a:t>
+            </a:r>
+            <a:r>
+              <a:rPr lang="en-US" sz="1200" kern="1200" baseline="0" dirty="0" err="1" smtClean="0">
+                <a:solidFill>
+                  <a:schemeClr val="tx1"/>
+                </a:solidFill>
+                <a:effectLst/>
+                <a:ea typeface="+mn-ea"/>
+                <a:cs typeface="+mn-cs"/>
+              </a:rPr>
+              <a:t>clasifica</a:t>
+            </a:r>
+            <a:r>
+              <a:rPr lang="en-US" sz="1200" kern="1200" baseline="0" dirty="0" smtClean="0">
+                <a:solidFill>
+                  <a:schemeClr val="tx1"/>
+                </a:solidFill>
+                <a:effectLst/>
+                <a:ea typeface="+mn-ea"/>
+                <a:cs typeface="+mn-cs"/>
+              </a:rPr>
+              <a:t> </a:t>
+            </a:r>
+            <a:r>
+              <a:rPr lang="en-US" sz="1200" kern="1200" baseline="0" dirty="0" err="1" smtClean="0">
+                <a:solidFill>
+                  <a:schemeClr val="tx1"/>
+                </a:solidFill>
+                <a:effectLst/>
+                <a:ea typeface="+mn-ea"/>
+                <a:cs typeface="+mn-cs"/>
+              </a:rPr>
+              <a:t>fisierele</a:t>
+            </a:r>
+            <a:r>
+              <a:rPr lang="en-US" sz="1200" kern="1200" baseline="0" dirty="0" smtClean="0">
+                <a:solidFill>
+                  <a:schemeClr val="tx1"/>
+                </a:solidFill>
+                <a:effectLst/>
+                <a:ea typeface="+mn-ea"/>
+                <a:cs typeface="+mn-cs"/>
+              </a:rPr>
+              <a:t> in 2 </a:t>
+            </a:r>
+            <a:r>
+              <a:rPr lang="en-US" sz="1200" kern="1200" baseline="0" dirty="0" err="1" smtClean="0">
+                <a:solidFill>
+                  <a:schemeClr val="tx1"/>
+                </a:solidFill>
+                <a:effectLst/>
+                <a:ea typeface="+mn-ea"/>
+                <a:cs typeface="+mn-cs"/>
+              </a:rPr>
+              <a:t>tipuri</a:t>
+            </a:r>
+            <a:r>
+              <a:rPr lang="en-US" sz="1200" kern="1200" baseline="0" dirty="0" smtClean="0">
+                <a:solidFill>
+                  <a:schemeClr val="tx1"/>
+                </a:solidFill>
+                <a:effectLst/>
+                <a:ea typeface="+mn-ea"/>
+                <a:cs typeface="+mn-cs"/>
+              </a:rPr>
+              <a:t>, tracked </a:t>
+            </a:r>
+            <a:r>
+              <a:rPr lang="en-US" sz="1200" kern="1200" baseline="0" dirty="0" err="1" smtClean="0">
+                <a:solidFill>
+                  <a:schemeClr val="tx1"/>
+                </a:solidFill>
+                <a:effectLst/>
+                <a:ea typeface="+mn-ea"/>
+                <a:cs typeface="+mn-cs"/>
+              </a:rPr>
+              <a:t>si</a:t>
+            </a:r>
+            <a:r>
+              <a:rPr lang="en-US" sz="1200" kern="1200" baseline="0" dirty="0" smtClean="0">
+                <a:solidFill>
+                  <a:schemeClr val="tx1"/>
+                </a:solidFill>
+                <a:effectLst/>
+                <a:ea typeface="+mn-ea"/>
+                <a:cs typeface="+mn-cs"/>
+              </a:rPr>
+              <a:t> untracked</a:t>
+            </a:r>
+          </a:p>
+          <a:p>
+            <a:pPr marL="457200" marR="0" lvl="1" indent="0" algn="l" defTabSz="914400" rtl="0" eaLnBrk="1" fontAlgn="auto" latinLnBrk="0" hangingPunct="1">
+              <a:lnSpc>
+                <a:spcPct val="100000"/>
+              </a:lnSpc>
+              <a:spcBef>
+                <a:spcPts val="0"/>
+              </a:spcBef>
+              <a:spcAft>
+                <a:spcPts val="0"/>
+              </a:spcAft>
+              <a:buClrTx/>
+              <a:buSzTx/>
+              <a:buFontTx/>
+              <a:buNone/>
+              <a:tabLst/>
+              <a:defRPr/>
+            </a:pPr>
+            <a:r>
+              <a:rPr lang="ro-RO" sz="1200" kern="1200" dirty="0" smtClean="0">
+                <a:solidFill>
+                  <a:schemeClr val="tx1"/>
+                </a:solidFill>
+                <a:effectLst/>
+                <a:ea typeface="+mn-ea"/>
+                <a:cs typeface="+mn-cs"/>
+              </a:rPr>
+              <a:t>Untracked inseamna ca fisierul nu era prezent in ultimul snapshot, iar tracked inseamna ca fisierul a fost inclus si git urmareste schimbarile prin care trece</a:t>
             </a:r>
             <a:endParaRPr lang="en-US" sz="1200" kern="1200" dirty="0" smtClean="0">
               <a:solidFill>
                 <a:schemeClr val="tx1"/>
               </a:solidFill>
               <a:effectLst/>
-              <a:latin typeface="+mn-lt"/>
-              <a:ea typeface="+mn-ea"/>
-              <a:cs typeface="+mn-cs"/>
-            </a:endParaRPr>
-          </a:p>
-          <a:p>
-            <a:pPr lvl="1"/>
-            <a:r>
-              <a:rPr lang="ro-RO" sz="1200" kern="1200" dirty="0" smtClean="0">
-                <a:solidFill>
-                  <a:schemeClr val="tx1"/>
-                </a:solidFill>
-                <a:effectLst/>
-                <a:latin typeface="+mn-lt"/>
-                <a:ea typeface="+mn-ea"/>
-                <a:cs typeface="+mn-cs"/>
-              </a:rPr>
-              <a:t>Am facut un repository pe Github, pe care il voi clona</a:t>
-            </a:r>
-            <a:r>
-              <a:rPr lang="en-US" sz="1200" kern="1200" dirty="0" smtClean="0">
-                <a:solidFill>
-                  <a:schemeClr val="tx1"/>
-                </a:solidFill>
-                <a:effectLst/>
-                <a:latin typeface="+mn-lt"/>
-                <a:ea typeface="+mn-ea"/>
-                <a:cs typeface="+mn-cs"/>
-              </a:rPr>
-              <a:t> local</a:t>
-            </a:r>
-          </a:p>
-          <a:p>
-            <a:pPr lvl="1"/>
-            <a:r>
-              <a:rPr lang="ro-RO" sz="1200" kern="1200" dirty="0" smtClean="0">
-                <a:solidFill>
-                  <a:schemeClr val="tx1"/>
-                </a:solidFill>
-                <a:effectLst/>
-                <a:latin typeface="+mn-lt"/>
-                <a:ea typeface="+mn-ea"/>
-                <a:cs typeface="+mn-cs"/>
-              </a:rPr>
-              <a:t>Git suporta mai multe protocoale pentru transferul de date, cum ar fi http(s)://, git://, sau </a:t>
-            </a:r>
-            <a:r>
-              <a:rPr lang="ro-RO" sz="1200" u="sng" kern="1200" dirty="0" smtClean="0">
-                <a:solidFill>
-                  <a:schemeClr val="tx1"/>
-                </a:solidFill>
-                <a:effectLst/>
-                <a:latin typeface="+mn-lt"/>
-                <a:ea typeface="+mn-ea"/>
-                <a:cs typeface="+mn-cs"/>
-                <a:hlinkClick r:id="rId3"/>
-              </a:rPr>
-              <a:t>user@server:/path.git</a:t>
-            </a:r>
-            <a:r>
-              <a:rPr lang="ro-RO" sz="1200" kern="1200" dirty="0" smtClean="0">
-                <a:solidFill>
-                  <a:schemeClr val="tx1"/>
-                </a:solidFill>
-                <a:effectLst/>
-                <a:latin typeface="+mn-lt"/>
-                <a:ea typeface="+mn-ea"/>
-                <a:cs typeface="+mn-cs"/>
-              </a:rPr>
-              <a:t> prin SSH.</a:t>
-            </a:r>
-            <a:endParaRPr lang="en-US" sz="1200" kern="1200" dirty="0">
-              <a:solidFill>
-                <a:schemeClr val="tx1"/>
-              </a:solidFill>
-              <a:effectLst/>
-              <a:latin typeface="+mn-lt"/>
               <a:ea typeface="+mn-ea"/>
               <a:cs typeface="+mn-cs"/>
             </a:endParaRPr>
@@ -4161,7 +4240,7 @@
     </p:spTree>
     <p:extLst>
       <p:ext uri="{BB962C8B-B14F-4D97-AF65-F5344CB8AC3E}">
-        <p14:creationId xmlns:p14="http://schemas.microsoft.com/office/powerpoint/2010/main" val="3129033969"/>
+        <p14:creationId xmlns:p14="http://schemas.microsoft.com/office/powerpoint/2010/main" val="3184268566"/>
       </p:ext>
     </p:extLst>
   </p:cSld>
@@ -4215,289 +4294,7 @@
           <a:bodyPr/>
           <a:lstStyle/>
           <a:p>
-            <a:pPr lvl="1"/>
-            <a:r>
-              <a:rPr lang="en-US" sz="1200" kern="1200" dirty="0" smtClean="0">
-                <a:solidFill>
-                  <a:schemeClr val="tx1"/>
-                </a:solidFill>
-                <a:effectLst/>
-                <a:latin typeface="+mn-lt"/>
-                <a:ea typeface="+mn-ea"/>
-                <a:cs typeface="+mn-cs"/>
-              </a:rPr>
-              <a:t>Pot </a:t>
-            </a:r>
-            <a:r>
-              <a:rPr lang="en-US" sz="1200" kern="1200" dirty="0" err="1" smtClean="0">
-                <a:solidFill>
-                  <a:schemeClr val="tx1"/>
-                </a:solidFill>
-                <a:effectLst/>
-                <a:latin typeface="+mn-lt"/>
-                <a:ea typeface="+mn-ea"/>
-                <a:cs typeface="+mn-cs"/>
-              </a:rPr>
-              <a:t>verifica</a:t>
-            </a:r>
-            <a:r>
-              <a:rPr lang="en-US" sz="1200" kern="1200" dirty="0" smtClean="0">
-                <a:solidFill>
-                  <a:schemeClr val="tx1"/>
-                </a:solidFill>
-                <a:effectLst/>
-                <a:latin typeface="+mn-lt"/>
-                <a:ea typeface="+mn-ea"/>
-                <a:cs typeface="+mn-cs"/>
-              </a:rPr>
-              <a:t> </a:t>
-            </a:r>
-            <a:r>
-              <a:rPr lang="en-US" sz="1200" kern="1200" dirty="0" err="1" smtClean="0">
-                <a:solidFill>
-                  <a:schemeClr val="tx1"/>
-                </a:solidFill>
-                <a:effectLst/>
-                <a:latin typeface="+mn-lt"/>
-                <a:ea typeface="+mn-ea"/>
-                <a:cs typeface="+mn-cs"/>
-              </a:rPr>
-              <a:t>starea</a:t>
-            </a:r>
-            <a:r>
-              <a:rPr lang="en-US" sz="1200" kern="1200" dirty="0" smtClean="0">
-                <a:solidFill>
-                  <a:schemeClr val="tx1"/>
-                </a:solidFill>
-                <a:effectLst/>
-                <a:latin typeface="+mn-lt"/>
-                <a:ea typeface="+mn-ea"/>
-                <a:cs typeface="+mn-cs"/>
-              </a:rPr>
-              <a:t> repository-</a:t>
-            </a:r>
-            <a:r>
-              <a:rPr lang="en-US" sz="1200" kern="1200" dirty="0" err="1" smtClean="0">
-                <a:solidFill>
-                  <a:schemeClr val="tx1"/>
-                </a:solidFill>
-                <a:effectLst/>
-                <a:latin typeface="+mn-lt"/>
-                <a:ea typeface="+mn-ea"/>
-                <a:cs typeface="+mn-cs"/>
-              </a:rPr>
-              <a:t>ului</a:t>
-            </a:r>
-            <a:r>
-              <a:rPr lang="en-US" sz="1200" kern="1200" baseline="0" dirty="0" smtClean="0">
-                <a:solidFill>
-                  <a:schemeClr val="tx1"/>
-                </a:solidFill>
-                <a:effectLst/>
-                <a:latin typeface="+mn-lt"/>
-                <a:ea typeface="+mn-ea"/>
-                <a:cs typeface="+mn-cs"/>
-              </a:rPr>
-              <a:t> </a:t>
-            </a:r>
-            <a:r>
-              <a:rPr lang="en-US" sz="1200" kern="1200" baseline="0" dirty="0" err="1" smtClean="0">
-                <a:solidFill>
-                  <a:schemeClr val="tx1"/>
-                </a:solidFill>
-                <a:effectLst/>
-                <a:latin typeface="+mn-lt"/>
-                <a:ea typeface="+mn-ea"/>
-                <a:cs typeface="+mn-cs"/>
-              </a:rPr>
-              <a:t>folosind</a:t>
-            </a:r>
-            <a:r>
-              <a:rPr lang="en-US" sz="1200" kern="1200" baseline="0" dirty="0" smtClean="0">
-                <a:solidFill>
-                  <a:schemeClr val="tx1"/>
-                </a:solidFill>
-                <a:effectLst/>
-                <a:latin typeface="+mn-lt"/>
-                <a:ea typeface="+mn-ea"/>
-                <a:cs typeface="+mn-cs"/>
-              </a:rPr>
-              <a:t> </a:t>
-            </a:r>
-            <a:r>
-              <a:rPr lang="en-US" sz="1200" kern="1200" baseline="0" dirty="0" err="1" smtClean="0">
-                <a:solidFill>
-                  <a:schemeClr val="tx1"/>
-                </a:solidFill>
-                <a:effectLst/>
-                <a:latin typeface="+mn-lt"/>
-                <a:ea typeface="+mn-ea"/>
-                <a:cs typeface="+mn-cs"/>
-              </a:rPr>
-              <a:t>comanda</a:t>
-            </a:r>
-            <a:r>
-              <a:rPr lang="en-US" sz="1200" kern="1200" baseline="0" dirty="0" smtClean="0">
-                <a:solidFill>
-                  <a:schemeClr val="tx1"/>
-                </a:solidFill>
-                <a:effectLst/>
-                <a:latin typeface="+mn-lt"/>
-                <a:ea typeface="+mn-ea"/>
-                <a:cs typeface="+mn-cs"/>
-              </a:rPr>
-              <a:t> </a:t>
-            </a:r>
-            <a:r>
-              <a:rPr lang="en-US" sz="1200" kern="1200" baseline="0" dirty="0" err="1" smtClean="0">
-                <a:solidFill>
-                  <a:schemeClr val="tx1"/>
-                </a:solidFill>
-                <a:effectLst/>
-                <a:latin typeface="+mn-lt"/>
-                <a:ea typeface="+mn-ea"/>
-                <a:cs typeface="+mn-cs"/>
-              </a:rPr>
-              <a:t>git</a:t>
-            </a:r>
-            <a:r>
-              <a:rPr lang="en-US" sz="1200" kern="1200" baseline="0" dirty="0" smtClean="0">
-                <a:solidFill>
-                  <a:schemeClr val="tx1"/>
-                </a:solidFill>
-                <a:effectLst/>
-                <a:latin typeface="+mn-lt"/>
-                <a:ea typeface="+mn-ea"/>
-                <a:cs typeface="+mn-cs"/>
-              </a:rPr>
-              <a:t> status</a:t>
-            </a:r>
-          </a:p>
-          <a:p>
-            <a:pPr lvl="1"/>
-            <a:r>
-              <a:rPr lang="en-US" sz="1200" kern="1200" baseline="0" dirty="0" err="1" smtClean="0">
-                <a:solidFill>
-                  <a:schemeClr val="tx1"/>
-                </a:solidFill>
-                <a:effectLst/>
-                <a:latin typeface="+mn-lt"/>
-                <a:ea typeface="+mn-ea"/>
-                <a:cs typeface="+mn-cs"/>
-              </a:rPr>
-              <a:t>Git</a:t>
-            </a:r>
-            <a:r>
-              <a:rPr lang="en-US" sz="1200" kern="1200" baseline="0" dirty="0" smtClean="0">
-                <a:solidFill>
-                  <a:schemeClr val="tx1"/>
-                </a:solidFill>
-                <a:effectLst/>
-                <a:latin typeface="+mn-lt"/>
-                <a:ea typeface="+mn-ea"/>
-                <a:cs typeface="+mn-cs"/>
-              </a:rPr>
-              <a:t> </a:t>
-            </a:r>
-            <a:r>
-              <a:rPr lang="en-US" sz="1200" kern="1200" baseline="0" dirty="0" err="1" smtClean="0">
-                <a:solidFill>
-                  <a:schemeClr val="tx1"/>
-                </a:solidFill>
-                <a:effectLst/>
-                <a:latin typeface="+mn-lt"/>
-                <a:ea typeface="+mn-ea"/>
-                <a:cs typeface="+mn-cs"/>
-              </a:rPr>
-              <a:t>clasifica</a:t>
-            </a:r>
-            <a:r>
-              <a:rPr lang="en-US" sz="1200" kern="1200" baseline="0" dirty="0" smtClean="0">
-                <a:solidFill>
-                  <a:schemeClr val="tx1"/>
-                </a:solidFill>
-                <a:effectLst/>
-                <a:latin typeface="+mn-lt"/>
-                <a:ea typeface="+mn-ea"/>
-                <a:cs typeface="+mn-cs"/>
-              </a:rPr>
-              <a:t> </a:t>
-            </a:r>
-            <a:r>
-              <a:rPr lang="en-US" sz="1200" kern="1200" baseline="0" dirty="0" err="1" smtClean="0">
-                <a:solidFill>
-                  <a:schemeClr val="tx1"/>
-                </a:solidFill>
-                <a:effectLst/>
-                <a:latin typeface="+mn-lt"/>
-                <a:ea typeface="+mn-ea"/>
-                <a:cs typeface="+mn-cs"/>
-              </a:rPr>
-              <a:t>fisierele</a:t>
-            </a:r>
-            <a:r>
-              <a:rPr lang="en-US" sz="1200" kern="1200" baseline="0" dirty="0" smtClean="0">
-                <a:solidFill>
-                  <a:schemeClr val="tx1"/>
-                </a:solidFill>
-                <a:effectLst/>
-                <a:latin typeface="+mn-lt"/>
-                <a:ea typeface="+mn-ea"/>
-                <a:cs typeface="+mn-cs"/>
-              </a:rPr>
-              <a:t> in 2 </a:t>
-            </a:r>
-            <a:r>
-              <a:rPr lang="en-US" sz="1200" kern="1200" baseline="0" dirty="0" err="1" smtClean="0">
-                <a:solidFill>
-                  <a:schemeClr val="tx1"/>
-                </a:solidFill>
-                <a:effectLst/>
-                <a:latin typeface="+mn-lt"/>
-                <a:ea typeface="+mn-ea"/>
-                <a:cs typeface="+mn-cs"/>
-              </a:rPr>
-              <a:t>tipuri</a:t>
-            </a:r>
-            <a:r>
-              <a:rPr lang="en-US" sz="1200" kern="1200" baseline="0" dirty="0" smtClean="0">
-                <a:solidFill>
-                  <a:schemeClr val="tx1"/>
-                </a:solidFill>
-                <a:effectLst/>
-                <a:latin typeface="+mn-lt"/>
-                <a:ea typeface="+mn-ea"/>
-                <a:cs typeface="+mn-cs"/>
-              </a:rPr>
-              <a:t>, tracked </a:t>
-            </a:r>
-            <a:r>
-              <a:rPr lang="en-US" sz="1200" kern="1200" baseline="0" dirty="0" err="1" smtClean="0">
-                <a:solidFill>
-                  <a:schemeClr val="tx1"/>
-                </a:solidFill>
-                <a:effectLst/>
-                <a:latin typeface="+mn-lt"/>
-                <a:ea typeface="+mn-ea"/>
-                <a:cs typeface="+mn-cs"/>
-              </a:rPr>
-              <a:t>si</a:t>
-            </a:r>
-            <a:r>
-              <a:rPr lang="en-US" sz="1200" kern="1200" baseline="0" dirty="0" smtClean="0">
-                <a:solidFill>
-                  <a:schemeClr val="tx1"/>
-                </a:solidFill>
-                <a:effectLst/>
-                <a:latin typeface="+mn-lt"/>
-                <a:ea typeface="+mn-ea"/>
-                <a:cs typeface="+mn-cs"/>
-              </a:rPr>
-              <a:t> untracked</a:t>
-            </a:r>
-          </a:p>
-          <a:p>
-            <a:pPr marL="457200" marR="0" lvl="1" indent="0" algn="l" defTabSz="914400" rtl="0" eaLnBrk="1" fontAlgn="auto" latinLnBrk="0" hangingPunct="1">
+            <a:pPr marL="0" marR="0" lvl="1" indent="0" algn="l" defTabSz="914400" rtl="0" eaLnBrk="1" fontAlgn="auto" latinLnBrk="0" hangingPunct="1">
               <a:lnSpc>
                 <a:spcPct val="100000"/>
               </a:lnSpc>
@@ -4520,7 +4317,6 @@
                   <a:schemeClr val="tx1"/>
                 </a:solidFill>
                 <a:effectLst/>
-                <a:latin typeface="+mn-lt"/>
                 <a:ea typeface="+mn-ea"/>
                 <a:cs typeface="+mn-cs"/>
               </a:rPr>
@@ -4531,10 +4327,88 @@
                 <a:schemeClr val="tx1"/>
               </a:solidFill>
               <a:effectLst/>
-              <a:latin typeface="+mn-lt"/>
               <a:ea typeface="+mn-ea"/>
               <a:cs typeface="+mn-cs"/>
             </a:endParaRPr>
+          </a:p>
+          <a:p>
+            <a:pPr marL="0" marR="0" lvl="1" indent="0" algn="l" defTabSz="914400" rtl="0" eaLnBrk="1" fontAlgn="auto" latinLnBrk="0" hangingPunct="1">
+              <a:lnSpc>
+                <a:spcPct val="100000"/>
+              </a:lnSpc>
+              <a:spcBef>
+                <a:spcPts val="0"/>
+              </a:spcBef>
+              <a:spcAft>
+                <a:spcPts val="0"/>
+              </a:spcAft>
+              <a:buClrTx/>
+              <a:buSzTx/>
+              <a:buFontTx/>
+              <a:buNone/>
+              <a:tabLst/>
+              <a:defRPr/>
+            </a:pPr>
+            <a:r>
+              <a:rPr lang="ro-RO" sz="1200" kern="1200" dirty="0" smtClean="0">
+                <a:solidFill>
+                  <a:schemeClr val="tx1"/>
+                </a:solidFill>
+                <a:effectLst/>
+                <a:ea typeface="+mn-ea"/>
+                <a:cs typeface="+mn-cs"/>
+              </a:rPr>
+              <a:t>Orice fisier nou este untracked</a:t>
+            </a:r>
+            <a:endParaRPr lang="en-US" sz="1200" kern="1200" dirty="0" smtClean="0">
+              <a:solidFill>
+                <a:schemeClr val="tx1"/>
+              </a:solidFill>
+              <a:effectLst/>
+              <a:ea typeface="+mn-ea"/>
+              <a:cs typeface="+mn-cs"/>
+            </a:endParaRPr>
+          </a:p>
+          <a:p>
+            <a:pPr lvl="2"/>
+            <a:endParaRPr lang="en-US" sz="1200" kern="1200" dirty="0" smtClean="0">
+              <a:solidFill>
+                <a:schemeClr val="tx1"/>
+              </a:solidFill>
+              <a:effectLst/>
+              <a:ea typeface="+mn-ea"/>
+              <a:cs typeface="+mn-cs"/>
+            </a:endParaRPr>
+          </a:p>
+          <a:p>
+            <a:pPr marL="0" marR="0" lvl="1" indent="0" algn="l" defTabSz="914400" rtl="0" eaLnBrk="1" fontAlgn="auto" latinLnBrk="0" hangingPunct="1">
+              <a:lnSpc>
+                <a:spcPct val="100000"/>
+              </a:lnSpc>
+              <a:spcBef>
+                <a:spcPts val="0"/>
+              </a:spcBef>
+              <a:spcAft>
+                <a:spcPts val="0"/>
+              </a:spcAft>
+              <a:buClrTx/>
+              <a:buSzTx/>
+              <a:buFontTx/>
+              <a:buNone/>
+              <a:tabLst/>
+              <a:defRPr/>
+            </a:pPr>
+            <a:endParaRPr lang="en-US" sz="1200" kern="1200" dirty="0" smtClean="0">
+              <a:solidFill>
+                <a:schemeClr val="tx1"/>
+              </a:solidFill>
+              <a:effectLst/>
+              <a:ea typeface="+mn-ea"/>
+              <a:cs typeface="+mn-cs"/>
+            </a:endParaRPr>
+          </a:p>
+          <a:p>
+            <a:endParaRPr lang="en-US" dirty="0"/>
           </a:p>
         </p:txBody>
       </p:sp>
@@ -4564,7 +4438,7 @@
     </p:spTree>
     <p:extLst>
       <p:ext uri="{BB962C8B-B14F-4D97-AF65-F5344CB8AC3E}">
-        <p14:creationId xmlns:p14="http://schemas.microsoft.com/office/powerpoint/2010/main" val="3184268566"/>
+        <p14:creationId xmlns:p14="http://schemas.microsoft.com/office/powerpoint/2010/main" val="541932893"/>
       </p:ext>
     </p:extLst>
   </p:cSld>
@@ -4618,127 +4492,730 @@
           <a:bodyPr/>
           <a:lstStyle/>
           <a:p>
-            <a:pPr marL="0" marR="0" lvl="1" indent="0" algn="l" defTabSz="914400" rtl="0" eaLnBrk="1" fontAlgn="auto" latinLnBrk="0" hangingPunct="1">
-              <a:lnSpc>
-                <a:spcPct val="100000"/>
-              </a:lnSpc>
-              <a:spcBef>
-                <a:spcPts val="0"/>
-              </a:spcBef>
-              <a:spcAft>
-                <a:spcPts val="0"/>
-              </a:spcAft>
-              <a:buClrTx/>
-              <a:buSzTx/>
-              <a:buFontTx/>
-              <a:buNone/>
-              <a:tabLst/>
-              <a:defRPr/>
-            </a:pPr>
-            <a:r>
-              <a:rPr lang="ro-RO" sz="1200" kern="1200" dirty="0" smtClean="0">
+            <a:pPr lvl="1"/>
+            <a:r>
+              <a:rPr lang="en-US" sz="1200" kern="1200" dirty="0" err="1" smtClean="0">
                 <a:solidFill>
                   <a:schemeClr val="tx1"/>
                 </a:solidFill>
                 <a:effectLst/>
-                <a:latin typeface="+mn-lt"/>
                 <a:ea typeface="+mn-ea"/>
                 <a:cs typeface="+mn-cs"/>
               </a:rPr>
-              <a:t>Untracked inseamna ca fisierul nu era prezent in ultimul snapshot, iar tracked inseamna ca fisierul a fost inclus si git urmareste schimbarile prin care trece</a:t>
+              <a:t>Daca</a:t>
+            </a:r>
+            <a:r>
+              <a:rPr lang="en-US" sz="1200" kern="1200" dirty="0" smtClean="0">
+                <a:solidFill>
+                  <a:schemeClr val="tx1"/>
+                </a:solidFill>
+                <a:effectLst/>
+                <a:ea typeface="+mn-ea"/>
+                <a:cs typeface="+mn-cs"/>
+              </a:rPr>
+              <a:t> </a:t>
+            </a:r>
+            <a:r>
+              <a:rPr lang="en-US" sz="1200" kern="1200" dirty="0" err="1" smtClean="0">
+                <a:solidFill>
+                  <a:schemeClr val="tx1"/>
+                </a:solidFill>
+                <a:effectLst/>
+                <a:ea typeface="+mn-ea"/>
+                <a:cs typeface="+mn-cs"/>
+              </a:rPr>
+              <a:t>vrem</a:t>
+            </a:r>
+            <a:r>
+              <a:rPr lang="en-US" sz="1200" kern="1200" dirty="0" smtClean="0">
+                <a:solidFill>
+                  <a:schemeClr val="tx1"/>
+                </a:solidFill>
+                <a:effectLst/>
+                <a:ea typeface="+mn-ea"/>
+                <a:cs typeface="+mn-cs"/>
+              </a:rPr>
+              <a:t> </a:t>
+            </a:r>
+            <a:r>
+              <a:rPr lang="en-US" sz="1200" kern="1200" dirty="0" err="1" smtClean="0">
+                <a:solidFill>
+                  <a:schemeClr val="tx1"/>
+                </a:solidFill>
+                <a:effectLst/>
+                <a:ea typeface="+mn-ea"/>
+                <a:cs typeface="+mn-cs"/>
+              </a:rPr>
+              <a:t>sa</a:t>
+            </a:r>
+            <a:r>
+              <a:rPr lang="en-US" sz="1200" kern="1200" dirty="0" smtClean="0">
+                <a:solidFill>
+                  <a:schemeClr val="tx1"/>
+                </a:solidFill>
+                <a:effectLst/>
+                <a:ea typeface="+mn-ea"/>
+                <a:cs typeface="+mn-cs"/>
+              </a:rPr>
+              <a:t> </a:t>
+            </a:r>
+            <a:r>
+              <a:rPr lang="en-US" sz="1200" kern="1200" dirty="0" err="1" smtClean="0">
+                <a:solidFill>
+                  <a:schemeClr val="tx1"/>
+                </a:solidFill>
+                <a:effectLst/>
+                <a:ea typeface="+mn-ea"/>
+                <a:cs typeface="+mn-cs"/>
+              </a:rPr>
+              <a:t>adaugam</a:t>
+            </a:r>
+            <a:r>
+              <a:rPr lang="en-US" sz="1200" kern="1200" baseline="0" dirty="0" smtClean="0">
+                <a:solidFill>
+                  <a:schemeClr val="tx1"/>
+                </a:solidFill>
+                <a:effectLst/>
+                <a:ea typeface="+mn-ea"/>
+                <a:cs typeface="+mn-cs"/>
+              </a:rPr>
+              <a:t> un </a:t>
+            </a:r>
+            <a:r>
+              <a:rPr lang="en-US" sz="1200" kern="1200" baseline="0" dirty="0" err="1" smtClean="0">
+                <a:solidFill>
+                  <a:schemeClr val="tx1"/>
+                </a:solidFill>
+                <a:effectLst/>
+                <a:ea typeface="+mn-ea"/>
+                <a:cs typeface="+mn-cs"/>
+              </a:rPr>
+              <a:t>fisier</a:t>
+            </a:r>
+            <a:r>
+              <a:rPr lang="en-US" sz="1200" kern="1200" baseline="0" dirty="0" smtClean="0">
+                <a:solidFill>
+                  <a:schemeClr val="tx1"/>
+                </a:solidFill>
+                <a:effectLst/>
+                <a:ea typeface="+mn-ea"/>
+                <a:cs typeface="+mn-cs"/>
+              </a:rPr>
+              <a:t> in staging, </a:t>
+            </a:r>
+            <a:r>
+              <a:rPr lang="en-US" sz="1200" kern="1200" baseline="0" dirty="0" err="1" smtClean="0">
+                <a:solidFill>
+                  <a:schemeClr val="tx1"/>
+                </a:solidFill>
+                <a:effectLst/>
+                <a:ea typeface="+mn-ea"/>
+                <a:cs typeface="+mn-cs"/>
+              </a:rPr>
+              <a:t>folosim</a:t>
+            </a:r>
+            <a:r>
+              <a:rPr lang="en-US" sz="1200" kern="1200" baseline="0" dirty="0" smtClean="0">
+                <a:solidFill>
+                  <a:schemeClr val="tx1"/>
+                </a:solidFill>
+                <a:effectLst/>
+                <a:ea typeface="+mn-ea"/>
+                <a:cs typeface="+mn-cs"/>
+              </a:rPr>
+              <a:t> </a:t>
+            </a:r>
+            <a:r>
+              <a:rPr lang="en-US" sz="1200" kern="1200" baseline="0" dirty="0" err="1" smtClean="0">
+                <a:solidFill>
+                  <a:schemeClr val="tx1"/>
+                </a:solidFill>
+                <a:effectLst/>
+                <a:ea typeface="+mn-ea"/>
+                <a:cs typeface="+mn-cs"/>
+              </a:rPr>
+              <a:t>comanda</a:t>
+            </a:r>
+            <a:r>
+              <a:rPr lang="en-US" sz="1200" kern="1200" baseline="0" dirty="0" smtClean="0">
+                <a:solidFill>
+                  <a:schemeClr val="tx1"/>
+                </a:solidFill>
+                <a:effectLst/>
+                <a:ea typeface="+mn-ea"/>
+                <a:cs typeface="+mn-cs"/>
+              </a:rPr>
+              <a:t> </a:t>
+            </a:r>
+            <a:r>
+              <a:rPr lang="en-US" sz="1200" kern="1200" baseline="0" dirty="0" err="1" smtClean="0">
+                <a:solidFill>
+                  <a:schemeClr val="tx1"/>
+                </a:solidFill>
+                <a:effectLst/>
+                <a:ea typeface="+mn-ea"/>
+                <a:cs typeface="+mn-cs"/>
+              </a:rPr>
+              <a:t>git</a:t>
+            </a:r>
+            <a:r>
+              <a:rPr lang="en-US" sz="1200" kern="1200" baseline="0" dirty="0" smtClean="0">
+                <a:solidFill>
+                  <a:schemeClr val="tx1"/>
+                </a:solidFill>
+                <a:effectLst/>
+                <a:ea typeface="+mn-ea"/>
+                <a:cs typeface="+mn-cs"/>
+              </a:rPr>
+              <a:t> add. </a:t>
+            </a:r>
+            <a:r>
+              <a:rPr lang="en-US" sz="1200" kern="1200" baseline="0" dirty="0" err="1" smtClean="0">
+                <a:solidFill>
+                  <a:schemeClr val="tx1"/>
+                </a:solidFill>
+                <a:effectLst/>
+                <a:ea typeface="+mn-ea"/>
+                <a:cs typeface="+mn-cs"/>
+              </a:rPr>
+              <a:t>Aceasta</a:t>
+            </a:r>
+            <a:r>
+              <a:rPr lang="en-US" sz="1200" kern="1200" baseline="0" dirty="0" smtClean="0">
+                <a:solidFill>
+                  <a:schemeClr val="tx1"/>
+                </a:solidFill>
+                <a:effectLst/>
+                <a:ea typeface="+mn-ea"/>
+                <a:cs typeface="+mn-cs"/>
+              </a:rPr>
+              <a:t> </a:t>
+            </a:r>
+            <a:r>
+              <a:rPr lang="en-US" sz="1200" kern="1200" baseline="0" dirty="0" err="1" smtClean="0">
+                <a:solidFill>
+                  <a:schemeClr val="tx1"/>
+                </a:solidFill>
+                <a:effectLst/>
+                <a:ea typeface="+mn-ea"/>
+                <a:cs typeface="+mn-cs"/>
+              </a:rPr>
+              <a:t>comanda</a:t>
+            </a:r>
+            <a:r>
+              <a:rPr lang="en-US" sz="1200" kern="1200" baseline="0" dirty="0" smtClean="0">
+                <a:solidFill>
+                  <a:schemeClr val="tx1"/>
+                </a:solidFill>
+                <a:effectLst/>
+                <a:ea typeface="+mn-ea"/>
+                <a:cs typeface="+mn-cs"/>
+              </a:rPr>
+              <a:t> nu </a:t>
+            </a:r>
+            <a:r>
+              <a:rPr lang="en-US" sz="1200" kern="1200" baseline="0" dirty="0" err="1" smtClean="0">
+                <a:solidFill>
+                  <a:schemeClr val="tx1"/>
+                </a:solidFill>
+                <a:effectLst/>
+                <a:ea typeface="+mn-ea"/>
+                <a:cs typeface="+mn-cs"/>
+              </a:rPr>
+              <a:t>creeaza</a:t>
+            </a:r>
+            <a:r>
+              <a:rPr lang="en-US" sz="1200" kern="1200" baseline="0" dirty="0" smtClean="0">
+                <a:solidFill>
+                  <a:schemeClr val="tx1"/>
+                </a:solidFill>
+                <a:effectLst/>
+                <a:ea typeface="+mn-ea"/>
+                <a:cs typeface="+mn-cs"/>
+              </a:rPr>
+              <a:t> un </a:t>
+            </a:r>
+            <a:r>
+              <a:rPr lang="en-US" sz="1200" kern="1200" baseline="0" dirty="0" err="1" smtClean="0">
+                <a:solidFill>
+                  <a:schemeClr val="tx1"/>
+                </a:solidFill>
+                <a:effectLst/>
+                <a:ea typeface="+mn-ea"/>
+                <a:cs typeface="+mn-cs"/>
+              </a:rPr>
+              <a:t>fisier</a:t>
+            </a:r>
+            <a:r>
+              <a:rPr lang="en-US" sz="1200" kern="1200" baseline="0" dirty="0" smtClean="0">
+                <a:solidFill>
+                  <a:schemeClr val="tx1"/>
+                </a:solidFill>
+                <a:effectLst/>
+                <a:ea typeface="+mn-ea"/>
+                <a:cs typeface="+mn-cs"/>
+              </a:rPr>
+              <a:t> </a:t>
+            </a:r>
+            <a:r>
+              <a:rPr lang="en-US" sz="1200" kern="1200" baseline="0" dirty="0" err="1" smtClean="0">
+                <a:solidFill>
+                  <a:schemeClr val="tx1"/>
+                </a:solidFill>
+                <a:effectLst/>
+                <a:ea typeface="+mn-ea"/>
+                <a:cs typeface="+mn-cs"/>
+              </a:rPr>
+              <a:t>pe</a:t>
+            </a:r>
+            <a:r>
+              <a:rPr lang="en-US" sz="1200" kern="1200" baseline="0" dirty="0" smtClean="0">
+                <a:solidFill>
+                  <a:schemeClr val="tx1"/>
+                </a:solidFill>
+                <a:effectLst/>
+                <a:ea typeface="+mn-ea"/>
+                <a:cs typeface="+mn-cs"/>
+              </a:rPr>
+              <a:t> disk, ci ii </a:t>
+            </a:r>
+            <a:r>
+              <a:rPr lang="en-US" sz="1200" kern="1200" baseline="0" dirty="0" err="1" smtClean="0">
+                <a:solidFill>
+                  <a:schemeClr val="tx1"/>
+                </a:solidFill>
+                <a:effectLst/>
+                <a:ea typeface="+mn-ea"/>
+                <a:cs typeface="+mn-cs"/>
+              </a:rPr>
+              <a:t>spune</a:t>
+            </a:r>
+            <a:r>
+              <a:rPr lang="en-US" sz="1200" kern="1200" baseline="0" dirty="0" smtClean="0">
+                <a:solidFill>
+                  <a:schemeClr val="tx1"/>
+                </a:solidFill>
+                <a:effectLst/>
+                <a:ea typeface="+mn-ea"/>
+                <a:cs typeface="+mn-cs"/>
+              </a:rPr>
+              <a:t> </a:t>
+            </a:r>
+            <a:r>
+              <a:rPr lang="en-US" sz="1200" kern="1200" baseline="0" dirty="0" err="1" smtClean="0">
+                <a:solidFill>
+                  <a:schemeClr val="tx1"/>
+                </a:solidFill>
+                <a:effectLst/>
+                <a:ea typeface="+mn-ea"/>
+                <a:cs typeface="+mn-cs"/>
+              </a:rPr>
+              <a:t>lui</a:t>
+            </a:r>
+            <a:r>
+              <a:rPr lang="en-US" sz="1200" kern="1200" baseline="0" dirty="0" smtClean="0">
+                <a:solidFill>
+                  <a:schemeClr val="tx1"/>
+                </a:solidFill>
+                <a:effectLst/>
+                <a:ea typeface="+mn-ea"/>
+                <a:cs typeface="+mn-cs"/>
+              </a:rPr>
+              <a:t> </a:t>
+            </a:r>
+            <a:r>
+              <a:rPr lang="en-US" sz="1200" kern="1200" baseline="0" dirty="0" err="1" smtClean="0">
+                <a:solidFill>
+                  <a:schemeClr val="tx1"/>
+                </a:solidFill>
+                <a:effectLst/>
+                <a:ea typeface="+mn-ea"/>
+                <a:cs typeface="+mn-cs"/>
+              </a:rPr>
+              <a:t>git</a:t>
+            </a:r>
+            <a:r>
+              <a:rPr lang="en-US" sz="1200" kern="1200" baseline="0" dirty="0" smtClean="0">
+                <a:solidFill>
+                  <a:schemeClr val="tx1"/>
+                </a:solidFill>
+                <a:effectLst/>
+                <a:ea typeface="+mn-ea"/>
+                <a:cs typeface="+mn-cs"/>
+              </a:rPr>
+              <a:t> </a:t>
+            </a:r>
+            <a:r>
+              <a:rPr lang="en-US" sz="1200" kern="1200" baseline="0" dirty="0" err="1" smtClean="0">
+                <a:solidFill>
+                  <a:schemeClr val="tx1"/>
+                </a:solidFill>
+                <a:effectLst/>
+                <a:ea typeface="+mn-ea"/>
+                <a:cs typeface="+mn-cs"/>
+              </a:rPr>
+              <a:t>sa</a:t>
+            </a:r>
+            <a:r>
+              <a:rPr lang="en-US" sz="1200" kern="1200" baseline="0" dirty="0" smtClean="0">
+                <a:solidFill>
+                  <a:schemeClr val="tx1"/>
+                </a:solidFill>
+                <a:effectLst/>
+                <a:ea typeface="+mn-ea"/>
+                <a:cs typeface="+mn-cs"/>
+              </a:rPr>
+              <a:t> </a:t>
+            </a:r>
+            <a:r>
+              <a:rPr lang="en-US" sz="1200" kern="1200" baseline="0" dirty="0" err="1" smtClean="0">
+                <a:solidFill>
+                  <a:schemeClr val="tx1"/>
+                </a:solidFill>
+                <a:effectLst/>
+                <a:ea typeface="+mn-ea"/>
+                <a:cs typeface="+mn-cs"/>
+              </a:rPr>
+              <a:t>adauge</a:t>
+            </a:r>
+            <a:r>
+              <a:rPr lang="en-US" sz="1200" kern="1200" baseline="0" dirty="0" smtClean="0">
+                <a:solidFill>
+                  <a:schemeClr val="tx1"/>
+                </a:solidFill>
+                <a:effectLst/>
+                <a:ea typeface="+mn-ea"/>
+                <a:cs typeface="+mn-cs"/>
+              </a:rPr>
+              <a:t> </a:t>
+            </a:r>
+            <a:r>
+              <a:rPr lang="en-US" sz="1200" kern="1200" baseline="0" dirty="0" err="1" smtClean="0">
+                <a:solidFill>
+                  <a:schemeClr val="tx1"/>
+                </a:solidFill>
+                <a:effectLst/>
+                <a:ea typeface="+mn-ea"/>
+                <a:cs typeface="+mn-cs"/>
+              </a:rPr>
+              <a:t>fisierul</a:t>
+            </a:r>
+            <a:r>
+              <a:rPr lang="en-US" sz="1200" kern="1200" baseline="0" dirty="0" smtClean="0">
+                <a:solidFill>
+                  <a:schemeClr val="tx1"/>
+                </a:solidFill>
+                <a:effectLst/>
+                <a:ea typeface="+mn-ea"/>
+                <a:cs typeface="+mn-cs"/>
+              </a:rPr>
+              <a:t> existent, in repository. </a:t>
+            </a:r>
+            <a:r>
+              <a:rPr lang="en-US" sz="1200" kern="1200" baseline="0" dirty="0" err="1" smtClean="0">
+                <a:solidFill>
+                  <a:schemeClr val="tx1"/>
+                </a:solidFill>
+                <a:effectLst/>
+                <a:ea typeface="+mn-ea"/>
+                <a:cs typeface="+mn-cs"/>
+              </a:rPr>
+              <a:t>Facand</a:t>
+            </a:r>
+            <a:r>
+              <a:rPr lang="en-US" sz="1200" kern="1200" baseline="0" dirty="0" smtClean="0">
+                <a:solidFill>
+                  <a:schemeClr val="tx1"/>
+                </a:solidFill>
+                <a:effectLst/>
+                <a:ea typeface="+mn-ea"/>
+                <a:cs typeface="+mn-cs"/>
+              </a:rPr>
+              <a:t> </a:t>
+            </a:r>
+            <a:r>
+              <a:rPr lang="en-US" sz="1200" kern="1200" baseline="0" dirty="0" err="1" smtClean="0">
+                <a:solidFill>
+                  <a:schemeClr val="tx1"/>
+                </a:solidFill>
+                <a:effectLst/>
+                <a:ea typeface="+mn-ea"/>
+                <a:cs typeface="+mn-cs"/>
+              </a:rPr>
+              <a:t>asta</a:t>
+            </a:r>
+            <a:r>
+              <a:rPr lang="en-US" sz="1200" kern="1200" baseline="0" dirty="0" smtClean="0">
+                <a:solidFill>
+                  <a:schemeClr val="tx1"/>
+                </a:solidFill>
+                <a:effectLst/>
+                <a:ea typeface="+mn-ea"/>
+                <a:cs typeface="+mn-cs"/>
+              </a:rPr>
+              <a:t>, </a:t>
+            </a:r>
+            <a:r>
+              <a:rPr lang="en-US" sz="1200" kern="1200" baseline="0" dirty="0" err="1" smtClean="0">
+                <a:solidFill>
+                  <a:schemeClr val="tx1"/>
+                </a:solidFill>
+                <a:effectLst/>
+                <a:ea typeface="+mn-ea"/>
+                <a:cs typeface="+mn-cs"/>
+              </a:rPr>
+              <a:t>git</a:t>
+            </a:r>
+            <a:r>
+              <a:rPr lang="en-US" sz="1200" kern="1200" baseline="0" dirty="0" smtClean="0">
+                <a:solidFill>
+                  <a:schemeClr val="tx1"/>
+                </a:solidFill>
+                <a:effectLst/>
+                <a:ea typeface="+mn-ea"/>
+                <a:cs typeface="+mn-cs"/>
+              </a:rPr>
+              <a:t> </a:t>
+            </a:r>
+            <a:r>
+              <a:rPr lang="en-US" sz="1200" kern="1200" baseline="0" dirty="0" err="1" smtClean="0">
+                <a:solidFill>
+                  <a:schemeClr val="tx1"/>
+                </a:solidFill>
+                <a:effectLst/>
+                <a:ea typeface="+mn-ea"/>
+                <a:cs typeface="+mn-cs"/>
+              </a:rPr>
+              <a:t>va</a:t>
+            </a:r>
+            <a:r>
+              <a:rPr lang="en-US" sz="1200" kern="1200" baseline="0" dirty="0" smtClean="0">
+                <a:solidFill>
+                  <a:schemeClr val="tx1"/>
+                </a:solidFill>
+                <a:effectLst/>
+                <a:ea typeface="+mn-ea"/>
+                <a:cs typeface="+mn-cs"/>
+              </a:rPr>
+              <a:t> </a:t>
+            </a:r>
+            <a:r>
+              <a:rPr lang="en-US" sz="1200" kern="1200" baseline="0" dirty="0" err="1" smtClean="0">
+                <a:solidFill>
+                  <a:schemeClr val="tx1"/>
+                </a:solidFill>
+                <a:effectLst/>
+                <a:ea typeface="+mn-ea"/>
+                <a:cs typeface="+mn-cs"/>
+              </a:rPr>
+              <a:t>urmari</a:t>
+            </a:r>
+            <a:r>
+              <a:rPr lang="en-US" sz="1200" kern="1200" baseline="0" dirty="0" smtClean="0">
+                <a:solidFill>
+                  <a:schemeClr val="tx1"/>
+                </a:solidFill>
+                <a:effectLst/>
+                <a:ea typeface="+mn-ea"/>
+                <a:cs typeface="+mn-cs"/>
+              </a:rPr>
+              <a:t> </a:t>
+            </a:r>
+            <a:r>
+              <a:rPr lang="en-US" sz="1200" kern="1200" baseline="0" dirty="0" err="1" smtClean="0">
+                <a:solidFill>
+                  <a:schemeClr val="tx1"/>
+                </a:solidFill>
+                <a:effectLst/>
+                <a:ea typeface="+mn-ea"/>
+                <a:cs typeface="+mn-cs"/>
+              </a:rPr>
+              <a:t>toate</a:t>
+            </a:r>
+            <a:r>
+              <a:rPr lang="en-US" sz="1200" kern="1200" baseline="0" dirty="0" smtClean="0">
+                <a:solidFill>
+                  <a:schemeClr val="tx1"/>
+                </a:solidFill>
+                <a:effectLst/>
+                <a:ea typeface="+mn-ea"/>
+                <a:cs typeface="+mn-cs"/>
+              </a:rPr>
+              <a:t> </a:t>
+            </a:r>
+            <a:r>
+              <a:rPr lang="en-US" sz="1200" kern="1200" baseline="0" dirty="0" err="1" smtClean="0">
+                <a:solidFill>
+                  <a:schemeClr val="tx1"/>
+                </a:solidFill>
+                <a:effectLst/>
+                <a:ea typeface="+mn-ea"/>
+                <a:cs typeface="+mn-cs"/>
+              </a:rPr>
+              <a:t>modificarile</a:t>
+            </a:r>
+            <a:r>
+              <a:rPr lang="en-US" sz="1200" kern="1200" baseline="0" dirty="0" smtClean="0">
+                <a:solidFill>
+                  <a:schemeClr val="tx1"/>
+                </a:solidFill>
+                <a:effectLst/>
+                <a:ea typeface="+mn-ea"/>
+                <a:cs typeface="+mn-cs"/>
+              </a:rPr>
+              <a:t> </a:t>
+            </a:r>
+            <a:r>
+              <a:rPr lang="en-US" sz="1200" kern="1200" baseline="0" dirty="0" err="1" smtClean="0">
+                <a:solidFill>
+                  <a:schemeClr val="tx1"/>
+                </a:solidFill>
+                <a:effectLst/>
+                <a:ea typeface="+mn-ea"/>
+                <a:cs typeface="+mn-cs"/>
+              </a:rPr>
+              <a:t>aduse</a:t>
+            </a:r>
+            <a:r>
+              <a:rPr lang="en-US" sz="1200" kern="1200" baseline="0" dirty="0" smtClean="0">
+                <a:solidFill>
+                  <a:schemeClr val="tx1"/>
+                </a:solidFill>
+                <a:effectLst/>
+                <a:ea typeface="+mn-ea"/>
+                <a:cs typeface="+mn-cs"/>
+              </a:rPr>
+              <a:t> </a:t>
+            </a:r>
+            <a:r>
+              <a:rPr lang="en-US" sz="1200" kern="1200" baseline="0" dirty="0" err="1" smtClean="0">
+                <a:solidFill>
+                  <a:schemeClr val="tx1"/>
+                </a:solidFill>
+                <a:effectLst/>
+                <a:ea typeface="+mn-ea"/>
+                <a:cs typeface="+mn-cs"/>
+              </a:rPr>
+              <a:t>fisierului</a:t>
+            </a:r>
+            <a:r>
+              <a:rPr lang="en-US" sz="1200" kern="1200" baseline="0" dirty="0" smtClean="0">
+                <a:solidFill>
+                  <a:schemeClr val="tx1"/>
+                </a:solidFill>
+                <a:effectLst/>
+                <a:ea typeface="+mn-ea"/>
+                <a:cs typeface="+mn-cs"/>
+              </a:rPr>
+              <a:t>.</a:t>
             </a:r>
             <a:endParaRPr lang="en-US" sz="1200" kern="1200" dirty="0" smtClean="0">
               <a:solidFill>
                 <a:schemeClr val="tx1"/>
               </a:solidFill>
               <a:effectLst/>
-              <a:latin typeface="+mn-lt"/>
               <a:ea typeface="+mn-ea"/>
               <a:cs typeface="+mn-cs"/>
             </a:endParaRPr>
           </a:p>
           <a:p>
-            <a:pPr marL="0" marR="0" lvl="1" indent="0" algn="l" defTabSz="914400" rtl="0" eaLnBrk="1" fontAlgn="auto" latinLnBrk="0" hangingPunct="1">
-              <a:lnSpc>
-                <a:spcPct val="100000"/>
-              </a:lnSpc>
-              <a:spcBef>
-                <a:spcPts val="0"/>
-              </a:spcBef>
-              <a:spcAft>
-                <a:spcPts val="0"/>
-              </a:spcAft>
-              <a:buClrTx/>
-              <a:buSzTx/>
-              <a:buFontTx/>
-              <a:buNone/>
-              <a:tabLst/>
-              <a:defRPr/>
-            </a:pPr>
-            <a:r>
-              <a:rPr lang="ro-RO" sz="1200" kern="1200" dirty="0" smtClean="0">
+            <a:pPr lvl="1"/>
+            <a:r>
+              <a:rPr lang="en-US" sz="1200" kern="1200" dirty="0" smtClean="0">
                 <a:solidFill>
                   <a:schemeClr val="tx1"/>
                 </a:solidFill>
                 <a:effectLst/>
-                <a:latin typeface="+mn-lt"/>
                 <a:ea typeface="+mn-ea"/>
                 <a:cs typeface="+mn-cs"/>
               </a:rPr>
-              <a:t>Orice fisier nou este untracked</a:t>
+              <a:t>D</a:t>
+            </a:r>
+            <a:r>
+              <a:rPr lang="ro-RO" sz="1200" kern="1200" dirty="0" smtClean="0">
+                <a:solidFill>
+                  <a:schemeClr val="tx1"/>
+                </a:solidFill>
+                <a:effectLst/>
+                <a:ea typeface="+mn-ea"/>
+                <a:cs typeface="+mn-cs"/>
+              </a:rPr>
+              <a:t>aca vrem sa adaugam toate fisierele, putem folosi comanda git add . in loc sa o folosim cu numele fiecarui fisier</a:t>
             </a:r>
             <a:endParaRPr lang="en-US" sz="1200" kern="1200" dirty="0" smtClean="0">
               <a:solidFill>
                 <a:schemeClr val="tx1"/>
               </a:solidFill>
               <a:effectLst/>
-              <a:latin typeface="+mn-lt"/>
               <a:ea typeface="+mn-ea"/>
               <a:cs typeface="+mn-cs"/>
             </a:endParaRPr>
           </a:p>
           <a:p>
-            <a:pPr lvl="2"/>
+            <a:pPr lvl="1"/>
+            <a:r>
+              <a:rPr lang="ro-RO" sz="1200" kern="1200" dirty="0" smtClean="0">
+                <a:solidFill>
+                  <a:schemeClr val="tx1"/>
+                </a:solidFill>
+                <a:effectLst/>
+                <a:ea typeface="+mn-ea"/>
+                <a:cs typeface="+mn-cs"/>
+              </a:rPr>
+              <a:t>dupa ce adaugam fisierul text, si executam comanda git status, vedem ca fisierul este gata de a fi „commited”, adica daca salvam un snapshot cu starea actuala a proiectului, va fi salvata si starea actuala a acestui fisier</a:t>
+            </a:r>
             <a:endParaRPr lang="en-US" sz="1200" kern="1200" dirty="0" smtClean="0">
               <a:solidFill>
                 <a:schemeClr val="tx1"/>
               </a:solidFill>
               <a:effectLst/>
-              <a:latin typeface="+mn-lt"/>
               <a:ea typeface="+mn-ea"/>
               <a:cs typeface="+mn-cs"/>
             </a:endParaRPr>
           </a:p>
           <a:p>
-            <a:pPr marL="0" marR="0" lvl="1" indent="0" algn="l" defTabSz="914400" rtl="0" eaLnBrk="1" fontAlgn="auto" latinLnBrk="0" hangingPunct="1">
-              <a:lnSpc>
-                <a:spcPct val="100000"/>
-              </a:lnSpc>
-              <a:spcBef>
-                <a:spcPts val="0"/>
-              </a:spcBef>
-              <a:spcAft>
-                <a:spcPts val="0"/>
-              </a:spcAft>
-              <a:buClrTx/>
-              <a:buSzTx/>
-              <a:buFontTx/>
-              <a:buNone/>
-              <a:tabLst/>
-              <a:defRPr/>
-            </a:pPr>
+            <a:pPr lvl="1"/>
+            <a:r>
+              <a:rPr lang="ro-RO" sz="1200" kern="1200" dirty="0" smtClean="0">
+                <a:solidFill>
+                  <a:schemeClr val="tx1"/>
+                </a:solidFill>
+                <a:effectLst/>
+                <a:ea typeface="+mn-ea"/>
+                <a:cs typeface="+mn-cs"/>
+              </a:rPr>
+              <a:t>daca vrem sa il scoatem din staging, putem executa comanda git rm –cached [nume fisier]</a:t>
+            </a:r>
             <a:endParaRPr lang="en-US" sz="1200" kern="1200" dirty="0" smtClean="0">
               <a:solidFill>
                 <a:schemeClr val="tx1"/>
               </a:solidFill>
               <a:effectLst/>
-              <a:latin typeface="+mn-lt"/>
               <a:ea typeface="+mn-ea"/>
               <a:cs typeface="+mn-cs"/>
             </a:endParaRPr>
           </a:p>
           <a:p>
-            <a:endParaRPr lang="en-US" dirty="0"/>
+            <a:pPr lvl="1"/>
+            <a:r>
+              <a:rPr lang="ro-RO" sz="1200" kern="1200" dirty="0" smtClean="0">
+                <a:solidFill>
+                  <a:schemeClr val="tx1"/>
+                </a:solidFill>
+                <a:effectLst/>
+                <a:ea typeface="+mn-ea"/>
+                <a:cs typeface="+mn-cs"/>
+              </a:rPr>
+              <a:t>mai trebuie mentionat faptul ca odata ce adaugam un fisier, noi de fapt adaugam starea in care este el acum, si daca il modificam inainte sa facem un commit, trebuie sa il adaugam din nou in staging</a:t>
+            </a:r>
+            <a:endParaRPr lang="en-US" sz="1200" kern="1200" dirty="0" smtClean="0">
+              <a:solidFill>
+                <a:schemeClr val="tx1"/>
+              </a:solidFill>
+              <a:effectLst/>
+              <a:ea typeface="+mn-ea"/>
+              <a:cs typeface="+mn-cs"/>
+            </a:endParaRPr>
           </a:p>
         </p:txBody>
       </p:sp>
@@ -4768,7 +5245,7 @@
     </p:spTree>
     <p:extLst>
       <p:ext uri="{BB962C8B-B14F-4D97-AF65-F5344CB8AC3E}">
-        <p14:creationId xmlns:p14="http://schemas.microsoft.com/office/powerpoint/2010/main" val="541932893"/>
+        <p14:creationId xmlns:p14="http://schemas.microsoft.com/office/powerpoint/2010/main" val="2817924808"/>
       </p:ext>
     </p:extLst>
   </p:cSld>
@@ -4822,796 +5299,111 @@
           <a:bodyPr/>
           <a:lstStyle/>
           <a:p>
-            <a:pPr lvl="1"/>
-            <a:r>
-              <a:rPr lang="en-US" sz="1200" kern="1200" dirty="0" err="1" smtClean="0">
+            <a:pPr marL="0" marR="0" lvl="0" indent="0" algn="l" defTabSz="914400" rtl="0" eaLnBrk="1" fontAlgn="auto" latinLnBrk="0" hangingPunct="1">
+              <a:lnSpc>
+                <a:spcPct val="100000"/>
+              </a:lnSpc>
+              <a:spcBef>
+                <a:spcPts val="0"/>
+              </a:spcBef>
+              <a:spcAft>
+                <a:spcPts val="0"/>
+              </a:spcAft>
+              <a:buClrTx/>
+              <a:buSzTx/>
+              <a:buFontTx/>
+              <a:buNone/>
+              <a:tabLst/>
+              <a:defRPr/>
+            </a:pPr>
+            <a:r>
+              <a:rPr lang="ro-RO" sz="1200" kern="1200" dirty="0" smtClean="0">
                 <a:solidFill>
                   <a:schemeClr val="tx1"/>
                 </a:solidFill>
                 <a:effectLst/>
-                <a:latin typeface="+mn-lt"/>
                 <a:ea typeface="+mn-ea"/>
                 <a:cs typeface="+mn-cs"/>
               </a:rPr>
-              <a:t>Daca</a:t>
-            </a:r>
-            <a:r>
-              <a:rPr lang="en-US" sz="1200" kern="1200" dirty="0" smtClean="0">
-                <a:solidFill>
-                  <a:schemeClr val="tx1"/>
-                </a:solidFill>
-                <a:effectLst/>
-                <a:latin typeface="+mn-lt"/>
-                <a:ea typeface="+mn-ea"/>
-                <a:cs typeface="+mn-cs"/>
-              </a:rPr>
-              <a:t> </a:t>
-            </a:r>
-            <a:r>
-              <a:rPr lang="en-US" sz="1200" kern="1200" dirty="0" err="1" smtClean="0">
-                <a:solidFill>
-                  <a:schemeClr val="tx1"/>
-                </a:solidFill>
-                <a:effectLst/>
-                <a:latin typeface="+mn-lt"/>
-                <a:ea typeface="+mn-ea"/>
-                <a:cs typeface="+mn-cs"/>
-              </a:rPr>
-              <a:t>vrem</a:t>
-            </a:r>
-            <a:r>
-              <a:rPr lang="en-US" sz="1200" kern="1200" dirty="0" smtClean="0">
-                <a:solidFill>
-                  <a:schemeClr val="tx1"/>
-                </a:solidFill>
-                <a:effectLst/>
-                <a:latin typeface="+mn-lt"/>
-                <a:ea typeface="+mn-ea"/>
-                <a:cs typeface="+mn-cs"/>
-              </a:rPr>
-              <a:t> </a:t>
-            </a:r>
-            <a:r>
-              <a:rPr lang="en-US" sz="1200" kern="1200" dirty="0" err="1" smtClean="0">
-                <a:solidFill>
-                  <a:schemeClr val="tx1"/>
-                </a:solidFill>
-                <a:effectLst/>
-                <a:latin typeface="+mn-lt"/>
-                <a:ea typeface="+mn-ea"/>
-                <a:cs typeface="+mn-cs"/>
-              </a:rPr>
-              <a:t>sa</a:t>
-            </a:r>
-            <a:r>
-              <a:rPr lang="en-US" sz="1200" kern="1200" dirty="0" smtClean="0">
-                <a:solidFill>
-                  <a:schemeClr val="tx1"/>
-                </a:solidFill>
-                <a:effectLst/>
-                <a:latin typeface="+mn-lt"/>
-                <a:ea typeface="+mn-ea"/>
-                <a:cs typeface="+mn-cs"/>
-              </a:rPr>
-              <a:t> </a:t>
-            </a:r>
-            <a:r>
-              <a:rPr lang="en-US" sz="1200" kern="1200" dirty="0" err="1" smtClean="0">
-                <a:solidFill>
-                  <a:schemeClr val="tx1"/>
-                </a:solidFill>
-                <a:effectLst/>
-                <a:latin typeface="+mn-lt"/>
-                <a:ea typeface="+mn-ea"/>
-                <a:cs typeface="+mn-cs"/>
-              </a:rPr>
-              <a:t>adaugam</a:t>
-            </a:r>
-            <a:r>
-              <a:rPr lang="en-US" sz="1200" kern="1200" baseline="0" dirty="0" smtClean="0">
-                <a:solidFill>
-                  <a:schemeClr val="tx1"/>
-                </a:solidFill>
-                <a:effectLst/>
-                <a:latin typeface="+mn-lt"/>
-                <a:ea typeface="+mn-ea"/>
-                <a:cs typeface="+mn-cs"/>
-              </a:rPr>
-              <a:t> un </a:t>
-            </a:r>
-            <a:r>
-              <a:rPr lang="en-US" sz="1200" kern="1200" baseline="0" dirty="0" err="1" smtClean="0">
-                <a:solidFill>
-                  <a:schemeClr val="tx1"/>
-                </a:solidFill>
-                <a:effectLst/>
-                <a:latin typeface="+mn-lt"/>
-                <a:ea typeface="+mn-ea"/>
-                <a:cs typeface="+mn-cs"/>
-              </a:rPr>
-              <a:t>fisier</a:t>
-            </a:r>
-            <a:r>
-              <a:rPr lang="en-US" sz="1200" kern="1200" baseline="0" dirty="0" smtClean="0">
-                <a:solidFill>
-                  <a:schemeClr val="tx1"/>
-                </a:solidFill>
-                <a:effectLst/>
-                <a:latin typeface="+mn-lt"/>
-                <a:ea typeface="+mn-ea"/>
-                <a:cs typeface="+mn-cs"/>
-              </a:rPr>
-              <a:t> in staging, </a:t>
-            </a:r>
-            <a:r>
-              <a:rPr lang="en-US" sz="1200" kern="1200" baseline="0" dirty="0" err="1" smtClean="0">
-                <a:solidFill>
-                  <a:schemeClr val="tx1"/>
-                </a:solidFill>
-                <a:effectLst/>
-                <a:latin typeface="+mn-lt"/>
-                <a:ea typeface="+mn-ea"/>
-                <a:cs typeface="+mn-cs"/>
-              </a:rPr>
-              <a:t>folosim</a:t>
-            </a:r>
-            <a:r>
-              <a:rPr lang="en-US" sz="1200" kern="1200" baseline="0" dirty="0" smtClean="0">
-                <a:solidFill>
-                  <a:schemeClr val="tx1"/>
-                </a:solidFill>
-                <a:effectLst/>
-                <a:latin typeface="+mn-lt"/>
-                <a:ea typeface="+mn-ea"/>
-                <a:cs typeface="+mn-cs"/>
-              </a:rPr>
-              <a:t> </a:t>
-            </a:r>
-            <a:r>
-              <a:rPr lang="en-US" sz="1200" kern="1200" baseline="0" dirty="0" err="1" smtClean="0">
-                <a:solidFill>
-                  <a:schemeClr val="tx1"/>
-                </a:solidFill>
-                <a:effectLst/>
-                <a:latin typeface="+mn-lt"/>
-                <a:ea typeface="+mn-ea"/>
-                <a:cs typeface="+mn-cs"/>
-              </a:rPr>
-              <a:t>comanda</a:t>
-            </a:r>
-            <a:r>
-              <a:rPr lang="en-US" sz="1200" kern="1200" baseline="0" dirty="0" smtClean="0">
-                <a:solidFill>
-                  <a:schemeClr val="tx1"/>
-                </a:solidFill>
-                <a:effectLst/>
-                <a:latin typeface="+mn-lt"/>
-                <a:ea typeface="+mn-ea"/>
-                <a:cs typeface="+mn-cs"/>
-              </a:rPr>
-              <a:t> </a:t>
-            </a:r>
-            <a:r>
-              <a:rPr lang="en-US" sz="1200" kern="1200" baseline="0" dirty="0" err="1" smtClean="0">
-                <a:solidFill>
-                  <a:schemeClr val="tx1"/>
-                </a:solidFill>
-                <a:effectLst/>
-                <a:latin typeface="+mn-lt"/>
-                <a:ea typeface="+mn-ea"/>
-                <a:cs typeface="+mn-cs"/>
-              </a:rPr>
-              <a:t>git</a:t>
-            </a:r>
-            <a:r>
-              <a:rPr lang="en-US" sz="1200" kern="1200" baseline="0" dirty="0" smtClean="0">
-                <a:solidFill>
-                  <a:schemeClr val="tx1"/>
-                </a:solidFill>
-                <a:effectLst/>
-                <a:latin typeface="+mn-lt"/>
-                <a:ea typeface="+mn-ea"/>
-                <a:cs typeface="+mn-cs"/>
-              </a:rPr>
-              <a:t> add. </a:t>
-            </a:r>
-            <a:r>
-              <a:rPr lang="en-US" sz="1200" kern="1200" baseline="0" dirty="0" err="1" smtClean="0">
-                <a:solidFill>
-                  <a:schemeClr val="tx1"/>
-                </a:solidFill>
-                <a:effectLst/>
-                <a:latin typeface="+mn-lt"/>
-                <a:ea typeface="+mn-ea"/>
-                <a:cs typeface="+mn-cs"/>
-              </a:rPr>
-              <a:t>Aceasta</a:t>
-            </a:r>
-            <a:r>
-              <a:rPr lang="en-US" sz="1200" kern="1200" baseline="0" dirty="0" smtClean="0">
-                <a:solidFill>
-                  <a:schemeClr val="tx1"/>
-                </a:solidFill>
-                <a:effectLst/>
-                <a:latin typeface="+mn-lt"/>
-                <a:ea typeface="+mn-ea"/>
-                <a:cs typeface="+mn-cs"/>
-              </a:rPr>
-              <a:t> </a:t>
-            </a:r>
-            <a:r>
-              <a:rPr lang="en-US" sz="1200" kern="1200" baseline="0" dirty="0" err="1" smtClean="0">
-                <a:solidFill>
-                  <a:schemeClr val="tx1"/>
-                </a:solidFill>
-                <a:effectLst/>
-                <a:latin typeface="+mn-lt"/>
-                <a:ea typeface="+mn-ea"/>
-                <a:cs typeface="+mn-cs"/>
-              </a:rPr>
-              <a:t>comanda</a:t>
-            </a:r>
-            <a:r>
-              <a:rPr lang="en-US" sz="1200" kern="1200" baseline="0" dirty="0" smtClean="0">
-                <a:solidFill>
-                  <a:schemeClr val="tx1"/>
-                </a:solidFill>
-                <a:effectLst/>
-                <a:latin typeface="+mn-lt"/>
-                <a:ea typeface="+mn-ea"/>
-                <a:cs typeface="+mn-cs"/>
-              </a:rPr>
-              <a:t> nu </a:t>
-            </a:r>
-            <a:r>
-              <a:rPr lang="en-US" sz="1200" kern="1200" baseline="0" dirty="0" err="1" smtClean="0">
-                <a:solidFill>
-                  <a:schemeClr val="tx1"/>
-                </a:solidFill>
-                <a:effectLst/>
-                <a:latin typeface="+mn-lt"/>
-                <a:ea typeface="+mn-ea"/>
-                <a:cs typeface="+mn-cs"/>
-              </a:rPr>
-              <a:t>creeaza</a:t>
-            </a:r>
-            <a:r>
-              <a:rPr lang="en-US" sz="1200" kern="1200" baseline="0" dirty="0" smtClean="0">
-                <a:solidFill>
-                  <a:schemeClr val="tx1"/>
-                </a:solidFill>
-                <a:effectLst/>
-                <a:latin typeface="+mn-lt"/>
-                <a:ea typeface="+mn-ea"/>
-                <a:cs typeface="+mn-cs"/>
-              </a:rPr>
-              <a:t> un </a:t>
-            </a:r>
-            <a:r>
-              <a:rPr lang="en-US" sz="1200" kern="1200" baseline="0" dirty="0" err="1" smtClean="0">
-                <a:solidFill>
-                  <a:schemeClr val="tx1"/>
-                </a:solidFill>
-                <a:effectLst/>
-                <a:latin typeface="+mn-lt"/>
-                <a:ea typeface="+mn-ea"/>
-                <a:cs typeface="+mn-cs"/>
-              </a:rPr>
-              <a:t>fisier</a:t>
-            </a:r>
-            <a:r>
-              <a:rPr lang="en-US" sz="1200" kern="1200" baseline="0" dirty="0" smtClean="0">
-                <a:solidFill>
-                  <a:schemeClr val="tx1"/>
-                </a:solidFill>
-                <a:effectLst/>
-                <a:latin typeface="+mn-lt"/>
-                <a:ea typeface="+mn-ea"/>
-                <a:cs typeface="+mn-cs"/>
-              </a:rPr>
-              <a:t> </a:t>
-            </a:r>
-            <a:r>
-              <a:rPr lang="en-US" sz="1200" kern="1200" baseline="0" dirty="0" err="1" smtClean="0">
-                <a:solidFill>
-                  <a:schemeClr val="tx1"/>
-                </a:solidFill>
-                <a:effectLst/>
-                <a:latin typeface="+mn-lt"/>
-                <a:ea typeface="+mn-ea"/>
-                <a:cs typeface="+mn-cs"/>
-              </a:rPr>
-              <a:t>pe</a:t>
-            </a:r>
-            <a:r>
-              <a:rPr lang="en-US" sz="1200" kern="1200" baseline="0" dirty="0" smtClean="0">
-                <a:solidFill>
-                  <a:schemeClr val="tx1"/>
-                </a:solidFill>
-                <a:effectLst/>
-                <a:latin typeface="+mn-lt"/>
-                <a:ea typeface="+mn-ea"/>
-                <a:cs typeface="+mn-cs"/>
-              </a:rPr>
-              <a:t> disk, ci ii </a:t>
-            </a:r>
-            <a:r>
-              <a:rPr lang="en-US" sz="1200" kern="1200" baseline="0" dirty="0" err="1" smtClean="0">
-                <a:solidFill>
-                  <a:schemeClr val="tx1"/>
-                </a:solidFill>
-                <a:effectLst/>
-                <a:latin typeface="+mn-lt"/>
-                <a:ea typeface="+mn-ea"/>
-                <a:cs typeface="+mn-cs"/>
-              </a:rPr>
-              <a:t>spune</a:t>
-            </a:r>
-            <a:r>
-              <a:rPr lang="en-US" sz="1200" kern="1200" baseline="0" dirty="0" smtClean="0">
-                <a:solidFill>
-                  <a:schemeClr val="tx1"/>
-                </a:solidFill>
-                <a:effectLst/>
-                <a:latin typeface="+mn-lt"/>
-                <a:ea typeface="+mn-ea"/>
-                <a:cs typeface="+mn-cs"/>
-              </a:rPr>
-              <a:t> </a:t>
-            </a:r>
-            <a:r>
-              <a:rPr lang="en-US" sz="1200" kern="1200" baseline="0" dirty="0" err="1" smtClean="0">
-                <a:solidFill>
-                  <a:schemeClr val="tx1"/>
-                </a:solidFill>
-                <a:effectLst/>
-                <a:latin typeface="+mn-lt"/>
-                <a:ea typeface="+mn-ea"/>
-                <a:cs typeface="+mn-cs"/>
-              </a:rPr>
-              <a:t>lui</a:t>
-            </a:r>
-            <a:r>
-              <a:rPr lang="en-US" sz="1200" kern="1200" baseline="0" dirty="0" smtClean="0">
-                <a:solidFill>
-                  <a:schemeClr val="tx1"/>
-                </a:solidFill>
-                <a:effectLst/>
-                <a:latin typeface="+mn-lt"/>
-                <a:ea typeface="+mn-ea"/>
-                <a:cs typeface="+mn-cs"/>
-              </a:rPr>
-              <a:t> </a:t>
-            </a:r>
-            <a:r>
-              <a:rPr lang="en-US" sz="1200" kern="1200" baseline="0" dirty="0" err="1" smtClean="0">
-                <a:solidFill>
-                  <a:schemeClr val="tx1"/>
-                </a:solidFill>
-                <a:effectLst/>
-                <a:latin typeface="+mn-lt"/>
-                <a:ea typeface="+mn-ea"/>
-                <a:cs typeface="+mn-cs"/>
-              </a:rPr>
-              <a:t>git</a:t>
-            </a:r>
-            <a:r>
-              <a:rPr lang="en-US" sz="1200" kern="1200" baseline="0" dirty="0" smtClean="0">
-                <a:solidFill>
-                  <a:schemeClr val="tx1"/>
-                </a:solidFill>
-                <a:effectLst/>
-                <a:latin typeface="+mn-lt"/>
-                <a:ea typeface="+mn-ea"/>
-                <a:cs typeface="+mn-cs"/>
-              </a:rPr>
-              <a:t> </a:t>
-            </a:r>
-            <a:r>
-              <a:rPr lang="en-US" sz="1200" kern="1200" baseline="0" dirty="0" err="1" smtClean="0">
-                <a:solidFill>
-                  <a:schemeClr val="tx1"/>
-                </a:solidFill>
-                <a:effectLst/>
-                <a:latin typeface="+mn-lt"/>
-                <a:ea typeface="+mn-ea"/>
-                <a:cs typeface="+mn-cs"/>
-              </a:rPr>
-              <a:t>sa</a:t>
-            </a:r>
-            <a:r>
-              <a:rPr lang="en-US" sz="1200" kern="1200" baseline="0" dirty="0" smtClean="0">
-                <a:solidFill>
-                  <a:schemeClr val="tx1"/>
-                </a:solidFill>
-                <a:effectLst/>
-                <a:latin typeface="+mn-lt"/>
-                <a:ea typeface="+mn-ea"/>
-                <a:cs typeface="+mn-cs"/>
-              </a:rPr>
-              <a:t> </a:t>
-            </a:r>
-            <a:r>
-              <a:rPr lang="en-US" sz="1200" kern="1200" baseline="0" dirty="0" err="1" smtClean="0">
-                <a:solidFill>
-                  <a:schemeClr val="tx1"/>
-                </a:solidFill>
-                <a:effectLst/>
-                <a:latin typeface="+mn-lt"/>
-                <a:ea typeface="+mn-ea"/>
-                <a:cs typeface="+mn-cs"/>
-              </a:rPr>
-              <a:t>adauge</a:t>
-            </a:r>
-            <a:r>
-              <a:rPr lang="en-US" sz="1200" kern="1200" baseline="0" dirty="0" smtClean="0">
-                <a:solidFill>
-                  <a:schemeClr val="tx1"/>
-                </a:solidFill>
-                <a:effectLst/>
-                <a:latin typeface="+mn-lt"/>
-                <a:ea typeface="+mn-ea"/>
-                <a:cs typeface="+mn-cs"/>
-              </a:rPr>
-              <a:t> </a:t>
-            </a:r>
-            <a:r>
-              <a:rPr lang="en-US" sz="1200" kern="1200" baseline="0" dirty="0" err="1" smtClean="0">
-                <a:solidFill>
-                  <a:schemeClr val="tx1"/>
-                </a:solidFill>
-                <a:effectLst/>
-                <a:latin typeface="+mn-lt"/>
-                <a:ea typeface="+mn-ea"/>
-                <a:cs typeface="+mn-cs"/>
-              </a:rPr>
-              <a:t>fisierul</a:t>
-            </a:r>
-            <a:r>
-              <a:rPr lang="en-US" sz="1200" kern="1200" baseline="0" dirty="0" smtClean="0">
-                <a:solidFill>
-                  <a:schemeClr val="tx1"/>
-                </a:solidFill>
-                <a:effectLst/>
-                <a:latin typeface="+mn-lt"/>
-                <a:ea typeface="+mn-ea"/>
-                <a:cs typeface="+mn-cs"/>
-              </a:rPr>
-              <a:t> existent, in repository. </a:t>
-            </a:r>
-            <a:r>
-              <a:rPr lang="en-US" sz="1200" kern="1200" baseline="0" dirty="0" err="1" smtClean="0">
-                <a:solidFill>
-                  <a:schemeClr val="tx1"/>
-                </a:solidFill>
-                <a:effectLst/>
-                <a:latin typeface="+mn-lt"/>
-                <a:ea typeface="+mn-ea"/>
-                <a:cs typeface="+mn-cs"/>
-              </a:rPr>
-              <a:t>Facand</a:t>
-            </a:r>
-            <a:r>
-              <a:rPr lang="en-US" sz="1200" kern="1200" baseline="0" dirty="0" smtClean="0">
-                <a:solidFill>
-                  <a:schemeClr val="tx1"/>
-                </a:solidFill>
-                <a:effectLst/>
-                <a:latin typeface="+mn-lt"/>
-                <a:ea typeface="+mn-ea"/>
-                <a:cs typeface="+mn-cs"/>
-              </a:rPr>
-              <a:t> </a:t>
-            </a:r>
-            <a:r>
-              <a:rPr lang="en-US" sz="1200" kern="1200" baseline="0" dirty="0" err="1" smtClean="0">
-                <a:solidFill>
-                  <a:schemeClr val="tx1"/>
-                </a:solidFill>
-                <a:effectLst/>
-                <a:latin typeface="+mn-lt"/>
-                <a:ea typeface="+mn-ea"/>
-                <a:cs typeface="+mn-cs"/>
-              </a:rPr>
-              <a:t>asta</a:t>
-            </a:r>
-            <a:r>
-              <a:rPr lang="en-US" sz="1200" kern="1200" baseline="0" dirty="0" smtClean="0">
-                <a:solidFill>
-                  <a:schemeClr val="tx1"/>
-                </a:solidFill>
-                <a:effectLst/>
-                <a:latin typeface="+mn-lt"/>
-                <a:ea typeface="+mn-ea"/>
-                <a:cs typeface="+mn-cs"/>
-              </a:rPr>
-              <a:t>, </a:t>
-            </a:r>
-            <a:r>
-              <a:rPr lang="en-US" sz="1200" kern="1200" baseline="0" dirty="0" err="1" smtClean="0">
-                <a:solidFill>
-                  <a:schemeClr val="tx1"/>
-                </a:solidFill>
-                <a:effectLst/>
-                <a:latin typeface="+mn-lt"/>
-                <a:ea typeface="+mn-ea"/>
-                <a:cs typeface="+mn-cs"/>
-              </a:rPr>
-              <a:t>git</a:t>
-            </a:r>
-            <a:r>
-              <a:rPr lang="en-US" sz="1200" kern="1200" baseline="0" dirty="0" smtClean="0">
-                <a:solidFill>
-                  <a:schemeClr val="tx1"/>
-                </a:solidFill>
-                <a:effectLst/>
-                <a:latin typeface="+mn-lt"/>
-                <a:ea typeface="+mn-ea"/>
-                <a:cs typeface="+mn-cs"/>
-              </a:rPr>
-              <a:t> </a:t>
-            </a:r>
-            <a:r>
-              <a:rPr lang="en-US" sz="1200" kern="1200" baseline="0" dirty="0" err="1" smtClean="0">
-                <a:solidFill>
-                  <a:schemeClr val="tx1"/>
-                </a:solidFill>
-                <a:effectLst/>
-                <a:latin typeface="+mn-lt"/>
-                <a:ea typeface="+mn-ea"/>
-                <a:cs typeface="+mn-cs"/>
-              </a:rPr>
-              <a:t>va</a:t>
-            </a:r>
-            <a:r>
-              <a:rPr lang="en-US" sz="1200" kern="1200" baseline="0" dirty="0" smtClean="0">
-                <a:solidFill>
-                  <a:schemeClr val="tx1"/>
-                </a:solidFill>
-                <a:effectLst/>
-                <a:latin typeface="+mn-lt"/>
-                <a:ea typeface="+mn-ea"/>
-                <a:cs typeface="+mn-cs"/>
-              </a:rPr>
-              <a:t> </a:t>
-            </a:r>
-            <a:r>
-              <a:rPr lang="en-US" sz="1200" kern="1200" baseline="0" dirty="0" err="1" smtClean="0">
-                <a:solidFill>
-                  <a:schemeClr val="tx1"/>
-                </a:solidFill>
-                <a:effectLst/>
-                <a:latin typeface="+mn-lt"/>
-                <a:ea typeface="+mn-ea"/>
-                <a:cs typeface="+mn-cs"/>
-              </a:rPr>
-              <a:t>urmari</a:t>
-            </a:r>
-            <a:r>
-              <a:rPr lang="en-US" sz="1200" kern="1200" baseline="0" dirty="0" smtClean="0">
-                <a:solidFill>
-                  <a:schemeClr val="tx1"/>
-                </a:solidFill>
-                <a:effectLst/>
-                <a:latin typeface="+mn-lt"/>
-                <a:ea typeface="+mn-ea"/>
-                <a:cs typeface="+mn-cs"/>
-              </a:rPr>
-              <a:t> </a:t>
-            </a:r>
-            <a:r>
-              <a:rPr lang="en-US" sz="1200" kern="1200" baseline="0" dirty="0" err="1" smtClean="0">
-                <a:solidFill>
-                  <a:schemeClr val="tx1"/>
-                </a:solidFill>
-                <a:effectLst/>
-                <a:latin typeface="+mn-lt"/>
-                <a:ea typeface="+mn-ea"/>
-                <a:cs typeface="+mn-cs"/>
-              </a:rPr>
-              <a:t>toate</a:t>
-            </a:r>
-            <a:r>
-              <a:rPr lang="en-US" sz="1200" kern="1200" baseline="0" dirty="0" smtClean="0">
-                <a:solidFill>
-                  <a:schemeClr val="tx1"/>
-                </a:solidFill>
-                <a:effectLst/>
-                <a:latin typeface="+mn-lt"/>
-                <a:ea typeface="+mn-ea"/>
-                <a:cs typeface="+mn-cs"/>
-              </a:rPr>
-              <a:t> </a:t>
-            </a:r>
-            <a:r>
-              <a:rPr lang="en-US" sz="1200" kern="1200" baseline="0" dirty="0" err="1" smtClean="0">
-                <a:solidFill>
-                  <a:schemeClr val="tx1"/>
-                </a:solidFill>
-                <a:effectLst/>
-                <a:latin typeface="+mn-lt"/>
-                <a:ea typeface="+mn-ea"/>
-                <a:cs typeface="+mn-cs"/>
-              </a:rPr>
-              <a:t>modificarile</a:t>
-            </a:r>
-            <a:r>
-              <a:rPr lang="en-US" sz="1200" kern="1200" baseline="0" dirty="0" smtClean="0">
-                <a:solidFill>
-                  <a:schemeClr val="tx1"/>
-                </a:solidFill>
-                <a:effectLst/>
-                <a:latin typeface="+mn-lt"/>
-                <a:ea typeface="+mn-ea"/>
-                <a:cs typeface="+mn-cs"/>
-              </a:rPr>
-              <a:t> </a:t>
-            </a:r>
-            <a:r>
-              <a:rPr lang="en-US" sz="1200" kern="1200" baseline="0" dirty="0" err="1" smtClean="0">
-                <a:solidFill>
-                  <a:schemeClr val="tx1"/>
-                </a:solidFill>
-                <a:effectLst/>
-                <a:latin typeface="+mn-lt"/>
-                <a:ea typeface="+mn-ea"/>
-                <a:cs typeface="+mn-cs"/>
-              </a:rPr>
-              <a:t>aduse</a:t>
-            </a:r>
-            <a:r>
-              <a:rPr lang="en-US" sz="1200" kern="1200" baseline="0" dirty="0" smtClean="0">
-                <a:solidFill>
-                  <a:schemeClr val="tx1"/>
-                </a:solidFill>
-                <a:effectLst/>
-                <a:latin typeface="+mn-lt"/>
-                <a:ea typeface="+mn-ea"/>
-                <a:cs typeface="+mn-cs"/>
-              </a:rPr>
-              <a:t> </a:t>
-            </a:r>
-            <a:r>
-              <a:rPr lang="en-US" sz="1200" kern="1200" baseline="0" dirty="0" err="1" smtClean="0">
-                <a:solidFill>
-                  <a:schemeClr val="tx1"/>
-                </a:solidFill>
-                <a:effectLst/>
-                <a:latin typeface="+mn-lt"/>
-                <a:ea typeface="+mn-ea"/>
-                <a:cs typeface="+mn-cs"/>
-              </a:rPr>
-              <a:t>fisierului</a:t>
-            </a:r>
-            <a:r>
-              <a:rPr lang="en-US" sz="1200" kern="1200" baseline="0" dirty="0" smtClean="0">
-                <a:solidFill>
-                  <a:schemeClr val="tx1"/>
-                </a:solidFill>
-                <a:effectLst/>
-                <a:latin typeface="+mn-lt"/>
-                <a:ea typeface="+mn-ea"/>
-                <a:cs typeface="+mn-cs"/>
-              </a:rPr>
-              <a:t>.</a:t>
+              <a:t>Urmatorul pas este sa facem un snapshot si pentru asta folosim comanda git commit</a:t>
             </a:r>
             <a:endParaRPr lang="en-US" sz="1200" kern="1200" dirty="0" smtClean="0">
               <a:solidFill>
                 <a:schemeClr val="tx1"/>
               </a:solidFill>
               <a:effectLst/>
-              <a:latin typeface="+mn-lt"/>
               <a:ea typeface="+mn-ea"/>
               <a:cs typeface="+mn-cs"/>
             </a:endParaRPr>
           </a:p>
           <a:p>
-            <a:pPr lvl="1"/>
-            <a:r>
-              <a:rPr lang="en-US" sz="1200" kern="1200" dirty="0" smtClean="0">
+            <a:pPr lvl="0"/>
+            <a:r>
+              <a:rPr lang="ro-RO" sz="1200" kern="1200" dirty="0" smtClean="0">
                 <a:solidFill>
                   <a:schemeClr val="tx1"/>
                 </a:solidFill>
                 <a:effectLst/>
-                <a:latin typeface="+mn-lt"/>
                 <a:ea typeface="+mn-ea"/>
                 <a:cs typeface="+mn-cs"/>
               </a:rPr>
-              <a:t>D</a:t>
-            </a:r>
-            <a:r>
-              <a:rPr lang="ro-RO" sz="1200" kern="1200" dirty="0" smtClean="0">
-                <a:solidFill>
-                  <a:schemeClr val="tx1"/>
-                </a:solidFill>
-                <a:effectLst/>
-                <a:latin typeface="+mn-lt"/>
-                <a:ea typeface="+mn-ea"/>
-                <a:cs typeface="+mn-cs"/>
-              </a:rPr>
-              <a:t>aca vrem sa adaugam toate fisierele, putem folosi comanda git add . in loc sa o folosim cu numele fiecarui fisier</a:t>
+              <a:t>Fiecare commit are si un mesaj, ce este specificat cu optiunea -m</a:t>
             </a:r>
             <a:endParaRPr lang="en-US" sz="1200" kern="1200" dirty="0" smtClean="0">
               <a:solidFill>
                 <a:schemeClr val="tx1"/>
               </a:solidFill>
               <a:effectLst/>
-              <a:latin typeface="+mn-lt"/>
               <a:ea typeface="+mn-ea"/>
               <a:cs typeface="+mn-cs"/>
             </a:endParaRPr>
           </a:p>
           <a:p>
-            <a:pPr lvl="1"/>
+            <a:pPr lvl="0"/>
             <a:r>
               <a:rPr lang="ro-RO" sz="1200" kern="1200" dirty="0" smtClean="0">
                 <a:solidFill>
                   <a:schemeClr val="tx1"/>
                 </a:solidFill>
                 <a:effectLst/>
-                <a:latin typeface="+mn-lt"/>
                 <a:ea typeface="+mn-ea"/>
                 <a:cs typeface="+mn-cs"/>
               </a:rPr>
-              <a:t>dupa ce adaugam fisierul text, si executam comanda git status, vedem ca fisierul este gata de a fi „commited”, adica daca salvam un snapshot cu starea actuala a proiectului, va fi salvata si starea actuala a acestui fisier</a:t>
+              <a:t>Dupa ce facem commit-ul, daca executam comanda git status, vedem ca nu mai avem nicio schimbare</a:t>
             </a:r>
             <a:endParaRPr lang="en-US" sz="1200" kern="1200" dirty="0" smtClean="0">
               <a:solidFill>
                 <a:schemeClr val="tx1"/>
               </a:solidFill>
               <a:effectLst/>
-              <a:latin typeface="+mn-lt"/>
               <a:ea typeface="+mn-ea"/>
               <a:cs typeface="+mn-cs"/>
             </a:endParaRPr>
           </a:p>
           <a:p>
-            <a:pPr lvl="1"/>
+            <a:pPr lvl="0"/>
             <a:r>
               <a:rPr lang="ro-RO" sz="1200" kern="1200" dirty="0" smtClean="0">
                 <a:solidFill>
                   <a:schemeClr val="tx1"/>
                 </a:solidFill>
                 <a:effectLst/>
-                <a:latin typeface="+mn-lt"/>
                 <a:ea typeface="+mn-ea"/>
                 <a:cs typeface="+mn-cs"/>
               </a:rPr>
-              <a:t>daca vrem sa il scoatem din staging, putem executa comanda git rm –cached [nume fisier]</a:t>
+              <a:t>Fisierul este in staging, si nemodificat</a:t>
             </a:r>
             <a:endParaRPr lang="en-US" sz="1200" kern="1200" dirty="0" smtClean="0">
               <a:solidFill>
                 <a:schemeClr val="tx1"/>
               </a:solidFill>
               <a:effectLst/>
-              <a:latin typeface="+mn-lt"/>
               <a:ea typeface="+mn-ea"/>
               <a:cs typeface="+mn-cs"/>
             </a:endParaRPr>
           </a:p>
           <a:p>
-            <a:pPr lvl="1"/>
-            <a:r>
-              <a:rPr lang="ro-RO" sz="1200" kern="1200" dirty="0" smtClean="0">
-                <a:solidFill>
-                  <a:schemeClr val="tx1"/>
-                </a:solidFill>
-                <a:effectLst/>
-                <a:latin typeface="+mn-lt"/>
-                <a:ea typeface="+mn-ea"/>
-                <a:cs typeface="+mn-cs"/>
-              </a:rPr>
-              <a:t>mai trebuie mentionat faptul ca odata ce adaugam un fisier, noi de fapt adaugam starea in care este el acum, si daca il modificam inainte sa facem un commit, trebuie sa il adaugam din nou in staging</a:t>
-            </a:r>
-            <a:endParaRPr lang="en-US" sz="1200" kern="1200" dirty="0" smtClean="0">
-              <a:solidFill>
-                <a:schemeClr val="tx1"/>
-              </a:solidFill>
-              <a:effectLst/>
-              <a:latin typeface="+mn-lt"/>
-              <a:ea typeface="+mn-ea"/>
-              <a:cs typeface="+mn-cs"/>
-            </a:endParaRPr>
+            <a:endParaRPr lang="en-US" dirty="0"/>
           </a:p>
         </p:txBody>
       </p:sp>
@@ -5641,7 +5433,7 @@
     </p:spTree>
     <p:extLst>
       <p:ext uri="{BB962C8B-B14F-4D97-AF65-F5344CB8AC3E}">
-        <p14:creationId xmlns:p14="http://schemas.microsoft.com/office/powerpoint/2010/main" val="2817924808"/>
+        <p14:creationId xmlns:p14="http://schemas.microsoft.com/office/powerpoint/2010/main" val="3639487139"/>
       </p:ext>
     </p:extLst>
   </p:cSld>
@@ -5695,118 +5487,6 @@
           <a:bodyPr/>
           <a:lstStyle/>
           <a:p>
-            <a:pPr marL="0" marR="0" lvl="0" indent="0" algn="l" defTabSz="914400" rtl="0" eaLnBrk="1" fontAlgn="auto" latinLnBrk="0" hangingPunct="1">
-              <a:lnSpc>
-                <a:spcPct val="100000"/>
-              </a:lnSpc>
-              <a:spcBef>
-                <a:spcPts val="0"/>
-              </a:spcBef>
-              <a:spcAft>
-                <a:spcPts val="0"/>
-              </a:spcAft>
-              <a:buClrTx/>
-              <a:buSzTx/>
-              <a:buFontTx/>
-              <a:buNone/>
-              <a:tabLst/>
-              <a:defRPr/>
-            </a:pPr>
-            <a:r>
-              <a:rPr lang="ro-RO" sz="1200" kern="1200" dirty="0" smtClean="0">
-                <a:solidFill>
-                  <a:schemeClr val="tx1"/>
-                </a:solidFill>
-                <a:effectLst/>
-                <a:latin typeface="+mn-lt"/>
-                <a:ea typeface="+mn-ea"/>
-                <a:cs typeface="+mn-cs"/>
-              </a:rPr>
-              <a:t>Urmatorul pas este sa facem un snapshot si pentru asta folosim comanda git commit</a:t>
-            </a:r>
-            <a:endParaRPr lang="en-US" sz="1200" kern="1200" dirty="0" smtClean="0">
-              <a:solidFill>
-                <a:schemeClr val="tx1"/>
-              </a:solidFill>
-              <a:effectLst/>
-              <a:latin typeface="+mn-lt"/>
-              <a:ea typeface="+mn-ea"/>
-              <a:cs typeface="+mn-cs"/>
-            </a:endParaRPr>
-          </a:p>
-          <a:p>
-            <a:pPr lvl="0"/>
-            <a:r>
-              <a:rPr lang="ro-RO" sz="1200" kern="1200" dirty="0" smtClean="0">
-                <a:solidFill>
-                  <a:schemeClr val="tx1"/>
-                </a:solidFill>
-                <a:effectLst/>
-                <a:latin typeface="+mn-lt"/>
-                <a:ea typeface="+mn-ea"/>
-                <a:cs typeface="+mn-cs"/>
-              </a:rPr>
-              <a:t>Fiecare commit are si un mesaj, ce este specificat cu optiunea -m</a:t>
-            </a:r>
-            <a:endParaRPr lang="en-US" sz="1200" kern="1200" dirty="0" smtClean="0">
-              <a:solidFill>
-                <a:schemeClr val="tx1"/>
-              </a:solidFill>
-              <a:effectLst/>
-              <a:latin typeface="+mn-lt"/>
-              <a:ea typeface="+mn-ea"/>
-              <a:cs typeface="+mn-cs"/>
-            </a:endParaRPr>
-          </a:p>
-          <a:p>
-            <a:pPr lvl="0"/>
-            <a:r>
-              <a:rPr lang="ro-RO" sz="1200" kern="1200" dirty="0" smtClean="0">
-                <a:solidFill>
-                  <a:schemeClr val="tx1"/>
-                </a:solidFill>
-                <a:effectLst/>
-                <a:latin typeface="+mn-lt"/>
-                <a:ea typeface="+mn-ea"/>
-                <a:cs typeface="+mn-cs"/>
-              </a:rPr>
-              <a:t>Dupa ce facem commit-ul, daca executam comanda git status, vedem ca nu mai avem nicio schimbare</a:t>
-            </a:r>
-            <a:endParaRPr lang="en-US" sz="1200" kern="1200" dirty="0" smtClean="0">
-              <a:solidFill>
-                <a:schemeClr val="tx1"/>
-              </a:solidFill>
-              <a:effectLst/>
-              <a:latin typeface="+mn-lt"/>
-              <a:ea typeface="+mn-ea"/>
-              <a:cs typeface="+mn-cs"/>
-            </a:endParaRPr>
-          </a:p>
-          <a:p>
-            <a:pPr lvl="0"/>
-            <a:r>
-              <a:rPr lang="ro-RO" sz="1200" kern="1200" dirty="0" smtClean="0">
-                <a:solidFill>
-                  <a:schemeClr val="tx1"/>
-                </a:solidFill>
-                <a:effectLst/>
-                <a:latin typeface="+mn-lt"/>
-                <a:ea typeface="+mn-ea"/>
-                <a:cs typeface="+mn-cs"/>
-              </a:rPr>
-              <a:t>Fisierul este in staging, si nemodificat</a:t>
-            </a:r>
-            <a:endParaRPr lang="en-US" sz="1200" kern="1200" dirty="0" smtClean="0">
-              <a:solidFill>
-                <a:schemeClr val="tx1"/>
-              </a:solidFill>
-              <a:effectLst/>
-              <a:latin typeface="+mn-lt"/>
-              <a:ea typeface="+mn-ea"/>
-              <a:cs typeface="+mn-cs"/>
-            </a:endParaRPr>
-          </a:p>
-          <a:p>
             <a:endParaRPr lang="en-US" dirty="0"/>
           </a:p>
         </p:txBody>
@@ -5837,7 +5517,7 @@
     </p:spTree>
     <p:extLst>
       <p:ext uri="{BB962C8B-B14F-4D97-AF65-F5344CB8AC3E}">
-        <p14:creationId xmlns:p14="http://schemas.microsoft.com/office/powerpoint/2010/main" val="3639487139"/>
+        <p14:creationId xmlns:p14="http://schemas.microsoft.com/office/powerpoint/2010/main" val="961110323"/>
       </p:ext>
     </p:extLst>
   </p:cSld>
@@ -5921,7 +5601,7 @@
     </p:spTree>
     <p:extLst>
       <p:ext uri="{BB962C8B-B14F-4D97-AF65-F5344CB8AC3E}">
-        <p14:creationId xmlns:p14="http://schemas.microsoft.com/office/powerpoint/2010/main" val="961110323"/>
+        <p14:creationId xmlns:p14="http://schemas.microsoft.com/office/powerpoint/2010/main" val="3434195628"/>
       </p:ext>
     </p:extLst>
   </p:cSld>
@@ -5997,90 +5677,6 @@
             <a:fld id="{377DD0F0-666F-466B-B16F-52B53CCC9AC6}" type="slidenum">
               <a:rPr lang="en-US" smtClean="0"/>
               <a:t>29</a:t>
-            </a:fld>
-            <a:endParaRPr lang="en-US"/>
-          </a:p>
-        </p:txBody>
-      </p:sp>
-    </p:spTree>
-    <p:extLst>
-      <p:ext uri="{BB962C8B-B14F-4D97-AF65-F5344CB8AC3E}">
-        <p14:creationId xmlns:p14="http://schemas.microsoft.com/office/powerpoint/2010/main" val="3434195628"/>
-      </p:ext>
-    </p:extLst>
-  </p:cSld>
-  <p:clrMapOvr>
-    <a:masterClrMapping/>
-  </p:clrMapOvr>
-</p:notes>
-</file>
-
-<file path=ppt/notesSlides/notesSlide29.xml><?xml version="1.0" encoding="utf-8"?>
-<p:notes xmlns:a="http://schemas.openxmlformats.org/drawingml/2006/main" xmlns:r="http://schemas.openxmlformats.org/officeDocument/2006/relationships" xmlns:p="http://schemas.openxmlformats.org/presentationml/2006/main">
-  <p:cSld>
-    <p:spTree>
-      <p:nvGrpSpPr>
-        <p:cNvPr id="1" name=""/>
-        <p:cNvGrpSpPr/>
-        <p:nvPr/>
-      </p:nvGrpSpPr>
-      <p:grpSpPr>
-        <a:xfrm>
-          <a:off x="0" y="0"/>
-          <a:ext cx="0" cy="0"/>
-          <a:chOff x="0" y="0"/>
-          <a:chExt cx="0" cy="0"/>
-        </a:xfrm>
-      </p:grpSpPr>
-      <p:sp>
-        <p:nvSpPr>
-          <p:cNvPr id="2" name="Slide Image Placeholder 1"/>
-          <p:cNvSpPr>
-            <a:spLocks noGrp="1" noRot="1" noChangeAspect="1"/>
-          </p:cNvSpPr>
-          <p:nvPr>
-            <p:ph type="sldImg"/>
-          </p:nvPr>
-        </p:nvSpPr>
-        <p:spPr/>
-      </p:sp>
-      <p:sp>
-        <p:nvSpPr>
-          <p:cNvPr id="3" name="Notes Placeholder 2"/>
-          <p:cNvSpPr>
-            <a:spLocks noGrp="1"/>
-          </p:cNvSpPr>
-          <p:nvPr>
-            <p:ph type="body" idx="1"/>
-          </p:nvPr>
-        </p:nvSpPr>
-        <p:spPr/>
-        <p:txBody>
-          <a:bodyPr/>
-          <a:lstStyle/>
-          <a:p>
-            <a:endParaRPr lang="en-US" dirty="0"/>
-          </a:p>
-        </p:txBody>
-      </p:sp>
-      <p:sp>
-        <p:nvSpPr>
-          <p:cNvPr id="4" name="Slide Number Placeholder 3"/>
-          <p:cNvSpPr>
-            <a:spLocks noGrp="1"/>
-          </p:cNvSpPr>
-          <p:nvPr>
-            <p:ph type="sldNum" sz="quarter" idx="10"/>
-          </p:nvPr>
-        </p:nvSpPr>
-        <p:spPr/>
-        <p:txBody>
-          <a:bodyPr/>
-          <a:lstStyle/>
-          <a:p>
-            <a:fld id="{377DD0F0-666F-466B-B16F-52B53CCC9AC6}" type="slidenum">
-              <a:rPr lang="en-US" smtClean="0"/>
-              <a:t>30</a:t>
             </a:fld>
             <a:endParaRPr lang="en-US"/>
           </a:p>
@@ -6429,7 +6025,6 @@
                   <a:schemeClr val="tx1"/>
                 </a:solidFill>
                 <a:effectLst/>
-                <a:latin typeface="+mn-lt"/>
                 <a:ea typeface="+mn-ea"/>
                 <a:cs typeface="+mn-cs"/>
               </a:rPr>
@@ -6441,7 +6036,6 @@
                   <a:schemeClr val="tx1"/>
                 </a:solidFill>
                 <a:effectLst/>
-                <a:latin typeface="+mn-lt"/>
                 <a:ea typeface="+mn-ea"/>
                 <a:cs typeface="+mn-cs"/>
               </a:rPr>
@@ -6453,7 +6047,6 @@
                   <a:schemeClr val="bg1"/>
                 </a:solidFill>
                 <a:effectLst/>
-                <a:latin typeface="+mn-lt"/>
                 <a:ea typeface="+mn-ea"/>
                 <a:cs typeface="+mn-cs"/>
               </a:rPr>
@@ -6465,7 +6058,6 @@
                   <a:schemeClr val="bg1"/>
                 </a:solidFill>
                 <a:effectLst/>
-                <a:latin typeface="+mn-lt"/>
                 <a:ea typeface="+mn-ea"/>
                 <a:cs typeface="+mn-cs"/>
                 <a:hlinkClick r:id="rId3" tooltip="Software"/>
@@ -6478,7 +6070,6 @@
                   <a:schemeClr val="bg1"/>
                 </a:solidFill>
                 <a:effectLst/>
-                <a:latin typeface="+mn-lt"/>
                 <a:ea typeface="+mn-ea"/>
                 <a:cs typeface="+mn-cs"/>
               </a:rPr>
@@ -6490,7 +6081,6 @@
                   <a:schemeClr val="bg1"/>
                 </a:solidFill>
                 <a:effectLst/>
-                <a:latin typeface="+mn-lt"/>
                 <a:ea typeface="+mn-ea"/>
                 <a:cs typeface="+mn-cs"/>
               </a:rPr>
@@ -6502,7 +6092,6 @@
                   <a:schemeClr val="bg1"/>
                 </a:solidFill>
                 <a:effectLst/>
-                <a:latin typeface="+mn-lt"/>
                 <a:ea typeface="+mn-ea"/>
                 <a:cs typeface="+mn-cs"/>
                 <a:hlinkClick r:id="rId4" tooltip="Fișier"/>
@@ -6514,7 +6103,6 @@
                 <a:schemeClr val="bg1"/>
               </a:solidFill>
               <a:effectLst/>
-              <a:latin typeface="+mn-lt"/>
               <a:ea typeface="+mn-ea"/>
               <a:cs typeface="+mn-cs"/>
             </a:endParaRPr>
@@ -6615,7 +6203,6 @@
                   <a:schemeClr val="tx1"/>
                 </a:solidFill>
                 <a:effectLst/>
-                <a:latin typeface="+mn-lt"/>
                 <a:ea typeface="+mn-ea"/>
                 <a:cs typeface="+mn-cs"/>
               </a:rPr>
@@ -6630,7 +6217,6 @@
                   <a:schemeClr val="tx1"/>
                 </a:solidFill>
                 <a:effectLst/>
-                <a:latin typeface="+mn-lt"/>
                 <a:ea typeface="+mn-ea"/>
                 <a:cs typeface="+mn-cs"/>
               </a:rPr>
@@ -6641,7 +6227,6 @@
                 <a:schemeClr val="tx1"/>
               </a:solidFill>
               <a:effectLst/>
-              <a:latin typeface="+mn-lt"/>
               <a:ea typeface="+mn-ea"/>
               <a:cs typeface="+mn-cs"/>
             </a:endParaRPr>
@@ -6654,7 +6239,6 @@
                   <a:schemeClr val="tx1"/>
                 </a:solidFill>
                 <a:effectLst/>
-                <a:latin typeface="+mn-lt"/>
                 <a:ea typeface="+mn-ea"/>
                 <a:cs typeface="+mn-cs"/>
               </a:rPr>
@@ -6669,7 +6253,6 @@
                   <a:schemeClr val="tx1"/>
                 </a:solidFill>
                 <a:effectLst/>
-                <a:latin typeface="+mn-lt"/>
                 <a:ea typeface="+mn-ea"/>
                 <a:cs typeface="+mn-cs"/>
               </a:rPr>
@@ -6681,7 +6264,6 @@
                   <a:schemeClr val="tx1"/>
                 </a:solidFill>
                 <a:effectLst/>
-                <a:latin typeface="+mn-lt"/>
                 <a:ea typeface="+mn-ea"/>
                 <a:cs typeface="+mn-cs"/>
               </a:rPr>
@@ -6692,7 +6274,6 @@
                 <a:schemeClr val="tx1"/>
               </a:solidFill>
               <a:effectLst/>
-              <a:latin typeface="+mn-lt"/>
               <a:ea typeface="+mn-ea"/>
               <a:cs typeface="+mn-cs"/>
             </a:endParaRPr>
@@ -6721,7 +6302,6 @@
                   <a:schemeClr val="tx1"/>
                 </a:solidFill>
                 <a:effectLst/>
-                <a:latin typeface="+mn-lt"/>
                 <a:ea typeface="+mn-ea"/>
                 <a:cs typeface="+mn-cs"/>
               </a:rPr>
@@ -6733,7 +6313,6 @@
                   <a:schemeClr val="tx1"/>
                 </a:solidFill>
                 <a:effectLst/>
-                <a:latin typeface="+mn-lt"/>
                 <a:ea typeface="+mn-ea"/>
                 <a:cs typeface="+mn-cs"/>
               </a:rPr>
@@ -6745,7 +6324,6 @@
                   <a:schemeClr val="tx1"/>
                 </a:solidFill>
                 <a:effectLst/>
-                <a:latin typeface="+mn-lt"/>
                 <a:ea typeface="+mn-ea"/>
                 <a:cs typeface="+mn-cs"/>
               </a:rPr>
@@ -6757,7 +6335,6 @@
                   <a:schemeClr val="tx1"/>
                 </a:solidFill>
                 <a:effectLst/>
-                <a:latin typeface="+mn-lt"/>
                 <a:ea typeface="+mn-ea"/>
                 <a:cs typeface="+mn-cs"/>
               </a:rPr>
@@ -6769,7 +6346,6 @@
                   <a:schemeClr val="tx1"/>
                 </a:solidFill>
                 <a:effectLst/>
-                <a:latin typeface="+mn-lt"/>
                 <a:ea typeface="+mn-ea"/>
                 <a:cs typeface="+mn-cs"/>
               </a:rPr>
@@ -6781,7 +6357,6 @@
                   <a:schemeClr val="tx1"/>
                 </a:solidFill>
                 <a:effectLst/>
-                <a:latin typeface="+mn-lt"/>
                 <a:ea typeface="+mn-ea"/>
                 <a:cs typeface="+mn-cs"/>
               </a:rPr>
@@ -6795,7 +6370,6 @@
                 <a:schemeClr val="tx1"/>
               </a:solidFill>
               <a:effectLst/>
-              <a:latin typeface="+mn-lt"/>
               <a:ea typeface="+mn-ea"/>
               <a:cs typeface="+mn-cs"/>
             </a:endParaRPr>
@@ -6892,7 +6466,6 @@
                   <a:schemeClr val="tx1"/>
                 </a:solidFill>
                 <a:effectLst/>
-                <a:latin typeface="+mn-lt"/>
                 <a:ea typeface="+mn-ea"/>
                 <a:cs typeface="+mn-cs"/>
               </a:rPr>
@@ -6904,7 +6477,6 @@
                   <a:schemeClr val="tx1"/>
                 </a:solidFill>
                 <a:effectLst/>
-                <a:latin typeface="+mn-lt"/>
                 <a:ea typeface="+mn-ea"/>
                 <a:cs typeface="+mn-cs"/>
               </a:rPr>
@@ -6916,7 +6488,6 @@
                   <a:schemeClr val="tx1"/>
                 </a:solidFill>
                 <a:effectLst/>
-                <a:latin typeface="+mn-lt"/>
                 <a:ea typeface="+mn-ea"/>
                 <a:cs typeface="+mn-cs"/>
               </a:rPr>
@@ -6931,7 +6502,6 @@
                   <a:schemeClr val="tx1"/>
                 </a:solidFill>
                 <a:effectLst/>
-                <a:latin typeface="+mn-lt"/>
                 <a:ea typeface="+mn-ea"/>
                 <a:cs typeface="+mn-cs"/>
               </a:rPr>
@@ -7030,7 +6600,6 @@
                   <a:schemeClr val="tx1"/>
                 </a:solidFill>
                 <a:effectLst/>
-                <a:latin typeface="+mn-lt"/>
                 <a:ea typeface="+mn-ea"/>
                 <a:cs typeface="+mn-cs"/>
               </a:rPr>
@@ -7041,7 +6610,6 @@
                 <a:schemeClr val="tx1"/>
               </a:solidFill>
               <a:effectLst/>
-              <a:latin typeface="+mn-lt"/>
               <a:ea typeface="+mn-ea"/>
               <a:cs typeface="+mn-cs"/>
             </a:endParaRPr>
@@ -7054,7 +6622,6 @@
                   <a:schemeClr val="tx1"/>
                 </a:solidFill>
                 <a:effectLst/>
-                <a:latin typeface="+mn-lt"/>
                 <a:ea typeface="+mn-ea"/>
                 <a:cs typeface="+mn-cs"/>
               </a:rPr>
@@ -7065,7 +6632,6 @@
                 <a:schemeClr val="tx1"/>
               </a:solidFill>
               <a:effectLst/>
-              <a:latin typeface="+mn-lt"/>
               <a:ea typeface="+mn-ea"/>
               <a:cs typeface="+mn-cs"/>
             </a:endParaRPr>
@@ -7078,7 +6644,6 @@
                   <a:schemeClr val="tx1"/>
                 </a:solidFill>
                 <a:effectLst/>
-                <a:latin typeface="+mn-lt"/>
                 <a:ea typeface="+mn-ea"/>
                 <a:cs typeface="+mn-cs"/>
               </a:rPr>
@@ -7090,7 +6655,6 @@
                   <a:schemeClr val="tx1"/>
                 </a:solidFill>
                 <a:effectLst/>
-                <a:latin typeface="+mn-lt"/>
                 <a:ea typeface="+mn-ea"/>
                 <a:cs typeface="+mn-cs"/>
               </a:rPr>
@@ -7102,7 +6666,6 @@
                   <a:schemeClr val="tx1"/>
                 </a:solidFill>
                 <a:effectLst/>
-                <a:latin typeface="+mn-lt"/>
                 <a:ea typeface="+mn-ea"/>
                 <a:cs typeface="+mn-cs"/>
               </a:rPr>
@@ -7114,7 +6677,6 @@
                   <a:schemeClr val="tx1"/>
                 </a:solidFill>
                 <a:effectLst/>
-                <a:latin typeface="+mn-lt"/>
                 <a:ea typeface="+mn-ea"/>
                 <a:cs typeface="+mn-cs"/>
               </a:rPr>
@@ -7126,7 +6688,6 @@
                   <a:schemeClr val="tx1"/>
                 </a:solidFill>
                 <a:effectLst/>
-                <a:latin typeface="+mn-lt"/>
                 <a:ea typeface="+mn-ea"/>
                 <a:cs typeface="+mn-cs"/>
               </a:rPr>
@@ -7138,7 +6699,6 @@
                   <a:schemeClr val="tx1"/>
                 </a:solidFill>
                 <a:effectLst/>
-                <a:latin typeface="+mn-lt"/>
                 <a:ea typeface="+mn-ea"/>
                 <a:cs typeface="+mn-cs"/>
               </a:rPr>
@@ -7150,7 +6710,6 @@
                   <a:schemeClr val="tx1"/>
                 </a:solidFill>
                 <a:effectLst/>
-                <a:latin typeface="+mn-lt"/>
                 <a:ea typeface="+mn-ea"/>
                 <a:cs typeface="+mn-cs"/>
               </a:rPr>
@@ -7162,7 +6721,6 @@
                   <a:schemeClr val="tx1"/>
                 </a:solidFill>
                 <a:effectLst/>
-                <a:latin typeface="+mn-lt"/>
                 <a:ea typeface="+mn-ea"/>
                 <a:cs typeface="+mn-cs"/>
               </a:rPr>
@@ -7174,7 +6732,6 @@
                   <a:schemeClr val="tx1"/>
                 </a:solidFill>
                 <a:effectLst/>
-                <a:latin typeface="+mn-lt"/>
                 <a:ea typeface="+mn-ea"/>
                 <a:cs typeface="+mn-cs"/>
               </a:rPr>
@@ -7186,7 +6743,6 @@
                   <a:schemeClr val="tx1"/>
                 </a:solidFill>
                 <a:effectLst/>
-                <a:latin typeface="+mn-lt"/>
                 <a:ea typeface="+mn-ea"/>
                 <a:cs typeface="+mn-cs"/>
               </a:rPr>
@@ -7198,7 +6754,6 @@
                   <a:schemeClr val="tx1"/>
                 </a:solidFill>
                 <a:effectLst/>
-                <a:latin typeface="+mn-lt"/>
                 <a:ea typeface="+mn-ea"/>
                 <a:cs typeface="+mn-cs"/>
               </a:rPr>
@@ -7210,7 +6765,6 @@
                   <a:schemeClr val="tx1"/>
                 </a:solidFill>
                 <a:effectLst/>
-                <a:latin typeface="+mn-lt"/>
                 <a:ea typeface="+mn-ea"/>
                 <a:cs typeface="+mn-cs"/>
               </a:rPr>
@@ -7222,7 +6776,6 @@
                   <a:schemeClr val="tx1"/>
                 </a:solidFill>
                 <a:effectLst/>
-                <a:latin typeface="+mn-lt"/>
                 <a:ea typeface="+mn-ea"/>
                 <a:cs typeface="+mn-cs"/>
               </a:rPr>
@@ -7234,7 +6787,6 @@
                   <a:schemeClr val="tx1"/>
                 </a:solidFill>
                 <a:effectLst/>
-                <a:latin typeface="+mn-lt"/>
                 <a:ea typeface="+mn-ea"/>
                 <a:cs typeface="+mn-cs"/>
               </a:rPr>
@@ -7246,7 +6798,6 @@
                   <a:schemeClr val="tx1"/>
                 </a:solidFill>
                 <a:effectLst/>
-                <a:latin typeface="+mn-lt"/>
                 <a:ea typeface="+mn-ea"/>
                 <a:cs typeface="+mn-cs"/>
               </a:rPr>
@@ -7258,7 +6809,6 @@
                   <a:schemeClr val="tx1"/>
                 </a:solidFill>
                 <a:effectLst/>
-                <a:latin typeface="+mn-lt"/>
                 <a:ea typeface="+mn-ea"/>
                 <a:cs typeface="+mn-cs"/>
               </a:rPr>
@@ -7270,7 +6820,6 @@
                   <a:schemeClr val="tx1"/>
                 </a:solidFill>
                 <a:effectLst/>
-                <a:latin typeface="+mn-lt"/>
                 <a:ea typeface="+mn-ea"/>
                 <a:cs typeface="+mn-cs"/>
               </a:rPr>
@@ -7282,7 +6831,6 @@
                   <a:schemeClr val="tx1"/>
                 </a:solidFill>
                 <a:effectLst/>
-                <a:latin typeface="+mn-lt"/>
                 <a:ea typeface="+mn-ea"/>
                 <a:cs typeface="+mn-cs"/>
               </a:rPr>
@@ -7294,7 +6842,6 @@
                   <a:schemeClr val="tx1"/>
                 </a:solidFill>
                 <a:effectLst/>
-                <a:latin typeface="+mn-lt"/>
                 <a:ea typeface="+mn-ea"/>
                 <a:cs typeface="+mn-cs"/>
               </a:rPr>
@@ -7306,7 +6853,6 @@
                   <a:schemeClr val="tx1"/>
                 </a:solidFill>
                 <a:effectLst/>
-                <a:latin typeface="+mn-lt"/>
                 <a:ea typeface="+mn-ea"/>
                 <a:cs typeface="+mn-cs"/>
               </a:rPr>
@@ -7318,7 +6864,6 @@
                   <a:schemeClr val="tx1"/>
                 </a:solidFill>
                 <a:effectLst/>
-                <a:latin typeface="+mn-lt"/>
                 <a:ea typeface="+mn-ea"/>
                 <a:cs typeface="+mn-cs"/>
               </a:rPr>
@@ -7330,7 +6875,6 @@
                   <a:schemeClr val="tx1"/>
                 </a:solidFill>
                 <a:effectLst/>
-                <a:latin typeface="+mn-lt"/>
                 <a:ea typeface="+mn-ea"/>
                 <a:cs typeface="+mn-cs"/>
               </a:rPr>
@@ -7342,7 +6886,6 @@
                   <a:schemeClr val="tx1"/>
                 </a:solidFill>
                 <a:effectLst/>
-                <a:latin typeface="+mn-lt"/>
                 <a:ea typeface="+mn-ea"/>
                 <a:cs typeface="+mn-cs"/>
               </a:rPr>
@@ -7354,7 +6897,6 @@
                   <a:schemeClr val="tx1"/>
                 </a:solidFill>
                 <a:effectLst/>
-                <a:latin typeface="+mn-lt"/>
                 <a:ea typeface="+mn-ea"/>
                 <a:cs typeface="+mn-cs"/>
               </a:rPr>
@@ -7366,7 +6908,6 @@
                   <a:schemeClr val="tx1"/>
                 </a:solidFill>
                 <a:effectLst/>
-                <a:latin typeface="+mn-lt"/>
                 <a:ea typeface="+mn-ea"/>
                 <a:cs typeface="+mn-cs"/>
               </a:rPr>
@@ -7378,7 +6919,6 @@
                   <a:schemeClr val="tx1"/>
                 </a:solidFill>
                 <a:effectLst/>
-                <a:latin typeface="+mn-lt"/>
                 <a:ea typeface="+mn-ea"/>
                 <a:cs typeface="+mn-cs"/>
               </a:rPr>
@@ -7393,7 +6933,6 @@
                   <a:schemeClr val="tx1"/>
                 </a:solidFill>
                 <a:effectLst/>
-                <a:latin typeface="+mn-lt"/>
                 <a:ea typeface="+mn-ea"/>
                 <a:cs typeface="+mn-cs"/>
               </a:rPr>
@@ -7405,7 +6944,6 @@
                   <a:schemeClr val="tx1"/>
                 </a:solidFill>
                 <a:effectLst/>
-                <a:latin typeface="+mn-lt"/>
                 <a:ea typeface="+mn-ea"/>
                 <a:cs typeface="+mn-cs"/>
               </a:rPr>
@@ -7417,7 +6955,6 @@
                   <a:schemeClr val="tx1"/>
                 </a:solidFill>
                 <a:effectLst/>
-                <a:latin typeface="+mn-lt"/>
                 <a:ea typeface="+mn-ea"/>
                 <a:cs typeface="+mn-cs"/>
               </a:rPr>
@@ -7429,7 +6966,6 @@
                   <a:schemeClr val="tx1"/>
                 </a:solidFill>
                 <a:effectLst/>
-                <a:latin typeface="+mn-lt"/>
                 <a:ea typeface="+mn-ea"/>
                 <a:cs typeface="+mn-cs"/>
               </a:rPr>
@@ -7441,7 +6977,6 @@
                   <a:schemeClr val="tx1"/>
                 </a:solidFill>
                 <a:effectLst/>
-                <a:latin typeface="+mn-lt"/>
                 <a:ea typeface="+mn-ea"/>
                 <a:cs typeface="+mn-cs"/>
               </a:rPr>
@@ -7453,7 +6988,6 @@
                   <a:schemeClr val="tx1"/>
                 </a:solidFill>
                 <a:effectLst/>
-                <a:latin typeface="+mn-lt"/>
                 <a:ea typeface="+mn-ea"/>
                 <a:cs typeface="+mn-cs"/>
               </a:rPr>
@@ -7465,7 +6999,6 @@
                   <a:schemeClr val="tx1"/>
                 </a:solidFill>
                 <a:effectLst/>
-                <a:latin typeface="+mn-lt"/>
                 <a:ea typeface="+mn-ea"/>
                 <a:cs typeface="+mn-cs"/>
               </a:rPr>
@@ -7477,7 +7010,6 @@
                   <a:schemeClr val="tx1"/>
                 </a:solidFill>
                 <a:effectLst/>
-                <a:latin typeface="+mn-lt"/>
                 <a:ea typeface="+mn-ea"/>
                 <a:cs typeface="+mn-cs"/>
               </a:rPr>
@@ -7489,7 +7021,6 @@
                   <a:schemeClr val="tx1"/>
                 </a:solidFill>
                 <a:effectLst/>
-                <a:latin typeface="+mn-lt"/>
                 <a:ea typeface="+mn-ea"/>
                 <a:cs typeface="+mn-cs"/>
               </a:rPr>
@@ -7501,7 +7032,6 @@
                   <a:schemeClr val="tx1"/>
                 </a:solidFill>
                 <a:effectLst/>
-                <a:latin typeface="+mn-lt"/>
                 <a:ea typeface="+mn-ea"/>
                 <a:cs typeface="+mn-cs"/>
               </a:rPr>
@@ -7513,7 +7043,6 @@
                   <a:schemeClr val="tx1"/>
                 </a:solidFill>
                 <a:effectLst/>
-                <a:latin typeface="+mn-lt"/>
                 <a:ea typeface="+mn-ea"/>
                 <a:cs typeface="+mn-cs"/>
               </a:rPr>
@@ -7525,7 +7054,6 @@
                   <a:schemeClr val="tx1"/>
                 </a:solidFill>
                 <a:effectLst/>
-                <a:latin typeface="+mn-lt"/>
                 <a:ea typeface="+mn-ea"/>
                 <a:cs typeface="+mn-cs"/>
               </a:rPr>
@@ -7537,7 +7065,6 @@
                   <a:schemeClr val="tx1"/>
                 </a:solidFill>
                 <a:effectLst/>
-                <a:latin typeface="+mn-lt"/>
                 <a:ea typeface="+mn-ea"/>
                 <a:cs typeface="+mn-cs"/>
               </a:rPr>
@@ -7549,7 +7076,6 @@
                   <a:schemeClr val="tx1"/>
                 </a:solidFill>
                 <a:effectLst/>
-                <a:latin typeface="+mn-lt"/>
                 <a:ea typeface="+mn-ea"/>
                 <a:cs typeface="+mn-cs"/>
               </a:rPr>
@@ -7561,7 +7087,6 @@
                   <a:schemeClr val="tx1"/>
                 </a:solidFill>
                 <a:effectLst/>
-                <a:latin typeface="+mn-lt"/>
                 <a:ea typeface="+mn-ea"/>
                 <a:cs typeface="+mn-cs"/>
               </a:rPr>
@@ -7573,7 +7098,6 @@
                   <a:schemeClr val="tx1"/>
                 </a:solidFill>
                 <a:effectLst/>
-                <a:latin typeface="+mn-lt"/>
                 <a:ea typeface="+mn-ea"/>
                 <a:cs typeface="+mn-cs"/>
               </a:rPr>
@@ -7585,7 +7109,6 @@
                   <a:schemeClr val="tx1"/>
                 </a:solidFill>
                 <a:effectLst/>
-                <a:latin typeface="+mn-lt"/>
                 <a:ea typeface="+mn-ea"/>
                 <a:cs typeface="+mn-cs"/>
               </a:rPr>
@@ -7597,7 +7120,6 @@
                   <a:schemeClr val="tx1"/>
                 </a:solidFill>
                 <a:effectLst/>
-                <a:latin typeface="+mn-lt"/>
                 <a:ea typeface="+mn-ea"/>
                 <a:cs typeface="+mn-cs"/>
               </a:rPr>
@@ -7609,7 +7131,6 @@
                   <a:schemeClr val="tx1"/>
                 </a:solidFill>
                 <a:effectLst/>
-                <a:latin typeface="+mn-lt"/>
                 <a:ea typeface="+mn-ea"/>
                 <a:cs typeface="+mn-cs"/>
               </a:rPr>
@@ -7621,7 +7142,6 @@
                   <a:schemeClr val="tx1"/>
                 </a:solidFill>
                 <a:effectLst/>
-                <a:latin typeface="+mn-lt"/>
                 <a:ea typeface="+mn-ea"/>
                 <a:cs typeface="+mn-cs"/>
               </a:rPr>
@@ -7633,7 +7153,6 @@
                   <a:schemeClr val="tx1"/>
                 </a:solidFill>
                 <a:effectLst/>
-                <a:latin typeface="+mn-lt"/>
                 <a:ea typeface="+mn-ea"/>
                 <a:cs typeface="+mn-cs"/>
               </a:rPr>
@@ -7645,7 +7164,6 @@
                   <a:schemeClr val="tx1"/>
                 </a:solidFill>
                 <a:effectLst/>
-                <a:latin typeface="+mn-lt"/>
                 <a:ea typeface="+mn-ea"/>
                 <a:cs typeface="+mn-cs"/>
               </a:rPr>
@@ -7657,7 +7175,6 @@
                   <a:schemeClr val="tx1"/>
                 </a:solidFill>
                 <a:effectLst/>
-                <a:latin typeface="+mn-lt"/>
                 <a:ea typeface="+mn-ea"/>
                 <a:cs typeface="+mn-cs"/>
               </a:rPr>
@@ -7669,7 +7186,6 @@
                   <a:schemeClr val="tx1"/>
                 </a:solidFill>
                 <a:effectLst/>
-                <a:latin typeface="+mn-lt"/>
                 <a:ea typeface="+mn-ea"/>
                 <a:cs typeface="+mn-cs"/>
               </a:rPr>
@@ -7681,7 +7197,6 @@
                   <a:schemeClr val="tx1"/>
                 </a:solidFill>
                 <a:effectLst/>
-                <a:latin typeface="+mn-lt"/>
                 <a:ea typeface="+mn-ea"/>
                 <a:cs typeface="+mn-cs"/>
               </a:rPr>
@@ -7693,7 +7208,6 @@
                   <a:schemeClr val="tx1"/>
                 </a:solidFill>
                 <a:effectLst/>
-                <a:latin typeface="+mn-lt"/>
                 <a:ea typeface="+mn-ea"/>
                 <a:cs typeface="+mn-cs"/>
               </a:rPr>
@@ -7705,7 +7219,6 @@
                   <a:schemeClr val="tx1"/>
                 </a:solidFill>
                 <a:effectLst/>
-                <a:latin typeface="+mn-lt"/>
                 <a:ea typeface="+mn-ea"/>
                 <a:cs typeface="+mn-cs"/>
               </a:rPr>
@@ -7717,7 +7230,6 @@
                   <a:schemeClr val="tx1"/>
                 </a:solidFill>
                 <a:effectLst/>
-                <a:latin typeface="+mn-lt"/>
                 <a:ea typeface="+mn-ea"/>
                 <a:cs typeface="+mn-cs"/>
               </a:rPr>
@@ -7729,7 +7241,6 @@
                   <a:schemeClr val="tx1"/>
                 </a:solidFill>
                 <a:effectLst/>
-                <a:latin typeface="+mn-lt"/>
                 <a:ea typeface="+mn-ea"/>
                 <a:cs typeface="+mn-cs"/>
               </a:rPr>
@@ -7741,7 +7252,6 @@
                   <a:schemeClr val="tx1"/>
                 </a:solidFill>
                 <a:effectLst/>
-                <a:latin typeface="+mn-lt"/>
                 <a:ea typeface="+mn-ea"/>
                 <a:cs typeface="+mn-cs"/>
               </a:rPr>
@@ -7753,7 +7263,6 @@
                   <a:schemeClr val="tx1"/>
                 </a:solidFill>
                 <a:effectLst/>
-                <a:latin typeface="+mn-lt"/>
                 <a:ea typeface="+mn-ea"/>
                 <a:cs typeface="+mn-cs"/>
               </a:rPr>
@@ -7765,7 +7274,6 @@
                   <a:schemeClr val="tx1"/>
                 </a:solidFill>
                 <a:effectLst/>
-                <a:latin typeface="+mn-lt"/>
                 <a:ea typeface="+mn-ea"/>
                 <a:cs typeface="+mn-cs"/>
               </a:rPr>
@@ -7777,7 +7285,6 @@
                   <a:schemeClr val="tx1"/>
                 </a:solidFill>
                 <a:effectLst/>
-                <a:latin typeface="+mn-lt"/>
                 <a:ea typeface="+mn-ea"/>
                 <a:cs typeface="+mn-cs"/>
               </a:rPr>
@@ -7789,7 +7296,6 @@
                   <a:schemeClr val="tx1"/>
                 </a:solidFill>
                 <a:effectLst/>
-                <a:latin typeface="+mn-lt"/>
                 <a:ea typeface="+mn-ea"/>
                 <a:cs typeface="+mn-cs"/>
               </a:rPr>
@@ -7801,7 +7307,6 @@
                   <a:schemeClr val="tx1"/>
                 </a:solidFill>
                 <a:effectLst/>
-                <a:latin typeface="+mn-lt"/>
                 <a:ea typeface="+mn-ea"/>
                 <a:cs typeface="+mn-cs"/>
               </a:rPr>
@@ -7813,7 +7318,6 @@
                   <a:schemeClr val="tx1"/>
                 </a:solidFill>
                 <a:effectLst/>
-                <a:latin typeface="+mn-lt"/>
                 <a:ea typeface="+mn-ea"/>
                 <a:cs typeface="+mn-cs"/>
               </a:rPr>
@@ -7825,7 +7329,6 @@
                   <a:schemeClr val="tx1"/>
                 </a:solidFill>
                 <a:effectLst/>
-                <a:latin typeface="+mn-lt"/>
                 <a:ea typeface="+mn-ea"/>
                 <a:cs typeface="+mn-cs"/>
               </a:rPr>
@@ -7837,7 +7340,6 @@
                   <a:schemeClr val="tx1"/>
                 </a:solidFill>
                 <a:effectLst/>
-                <a:latin typeface="+mn-lt"/>
                 <a:ea typeface="+mn-ea"/>
                 <a:cs typeface="+mn-cs"/>
               </a:rPr>
@@ -7849,7 +7351,6 @@
                   <a:schemeClr val="tx1"/>
                 </a:solidFill>
                 <a:effectLst/>
-                <a:latin typeface="+mn-lt"/>
                 <a:ea typeface="+mn-ea"/>
                 <a:cs typeface="+mn-cs"/>
               </a:rPr>
@@ -7861,7 +7362,6 @@
                   <a:schemeClr val="tx1"/>
                 </a:solidFill>
                 <a:effectLst/>
-                <a:latin typeface="+mn-lt"/>
                 <a:ea typeface="+mn-ea"/>
                 <a:cs typeface="+mn-cs"/>
               </a:rPr>
@@ -7873,7 +7373,6 @@
                   <a:schemeClr val="tx1"/>
                 </a:solidFill>
                 <a:effectLst/>
-                <a:latin typeface="+mn-lt"/>
                 <a:ea typeface="+mn-ea"/>
                 <a:cs typeface="+mn-cs"/>
               </a:rPr>
@@ -7884,7 +7383,6 @@
                 <a:schemeClr val="tx1"/>
               </a:solidFill>
               <a:effectLst/>
-              <a:latin typeface="+mn-lt"/>
               <a:ea typeface="+mn-ea"/>
               <a:cs typeface="+mn-cs"/>
             </a:endParaRPr>
@@ -7980,7 +7478,7 @@
           <a:noFill/>
           <a:extLst>
             <a:ext uri="{909E8E84-426E-40dd-AFC4-6F175D3DCCD1}">
-              <a14:hiddenFill xmlns="" xmlns:a14="http://schemas.microsoft.com/office/drawing/2010/main">
+              <a14:hiddenFill xmlns:a14="http://schemas.microsoft.com/office/drawing/2010/main" xmlns="">
                 <a:solidFill>
                   <a:srgbClr val="FFFFFF"/>
                 </a:solidFill>
@@ -8040,7 +7538,7 @@
             </a:ln>
             <a:extLst>
               <a:ext uri="{91240B29-F687-4f45-9708-019B960494DF}">
-                <a14:hiddenLine xmlns="" xmlns:a14="http://schemas.microsoft.com/office/drawing/2010/main" w="9525">
+                <a14:hiddenLine xmlns:a14="http://schemas.microsoft.com/office/drawing/2010/main" xmlns="" w="9525">
                   <a:solidFill>
                     <a:srgbClr val="000000"/>
                   </a:solidFill>
@@ -8130,7 +7628,7 @@
             </a:ln>
             <a:extLst>
               <a:ext uri="{91240B29-F687-4f45-9708-019B960494DF}">
-                <a14:hiddenLine xmlns="" xmlns:a14="http://schemas.microsoft.com/office/drawing/2010/main" w="9525">
+                <a14:hiddenLine xmlns:a14="http://schemas.microsoft.com/office/drawing/2010/main" xmlns="" w="9525">
                   <a:solidFill>
                     <a:srgbClr val="000000"/>
                   </a:solidFill>
@@ -8220,7 +7718,7 @@
             </a:ln>
             <a:extLst>
               <a:ext uri="{91240B29-F687-4f45-9708-019B960494DF}">
-                <a14:hiddenLine xmlns="" xmlns:a14="http://schemas.microsoft.com/office/drawing/2010/main" w="9525">
+                <a14:hiddenLine xmlns:a14="http://schemas.microsoft.com/office/drawing/2010/main" xmlns="" w="9525">
                   <a:solidFill>
                     <a:srgbClr val="000000"/>
                   </a:solidFill>
@@ -8254,7 +7752,7 @@
             </a:ln>
             <a:extLst>
               <a:ext uri="{91240B29-F687-4f45-9708-019B960494DF}">
-                <a14:hiddenLine xmlns="" xmlns:a14="http://schemas.microsoft.com/office/drawing/2010/main" w="9525">
+                <a14:hiddenLine xmlns:a14="http://schemas.microsoft.com/office/drawing/2010/main" xmlns="" w="9525">
                   <a:solidFill>
                     <a:srgbClr val="000000"/>
                   </a:solidFill>
@@ -8344,7 +7842,7 @@
             </a:ln>
             <a:extLst>
               <a:ext uri="{91240B29-F687-4f45-9708-019B960494DF}">
-                <a14:hiddenLine xmlns="" xmlns:a14="http://schemas.microsoft.com/office/drawing/2010/main" w="9525">
+                <a14:hiddenLine xmlns:a14="http://schemas.microsoft.com/office/drawing/2010/main" xmlns="" w="9525">
                   <a:solidFill>
                     <a:srgbClr val="000000"/>
                   </a:solidFill>
@@ -8406,7 +7904,7 @@
             </a:ln>
             <a:extLst>
               <a:ext uri="{91240B29-F687-4f45-9708-019B960494DF}">
-                <a14:hiddenLine xmlns="" xmlns:a14="http://schemas.microsoft.com/office/drawing/2010/main" w="9525">
+                <a14:hiddenLine xmlns:a14="http://schemas.microsoft.com/office/drawing/2010/main" xmlns="" w="9525">
                   <a:solidFill>
                     <a:srgbClr val="000000"/>
                   </a:solidFill>
@@ -8468,7 +7966,7 @@
             </a:ln>
             <a:extLst>
               <a:ext uri="{91240B29-F687-4f45-9708-019B960494DF}">
-                <a14:hiddenLine xmlns="" xmlns:a14="http://schemas.microsoft.com/office/drawing/2010/main" w="9525">
+                <a14:hiddenLine xmlns:a14="http://schemas.microsoft.com/office/drawing/2010/main" xmlns="" w="9525">
                   <a:solidFill>
                     <a:srgbClr val="000000"/>
                   </a:solidFill>
@@ -8558,7 +8056,7 @@
             </a:ln>
             <a:extLst>
               <a:ext uri="{91240B29-F687-4f45-9708-019B960494DF}">
-                <a14:hiddenLine xmlns="" xmlns:a14="http://schemas.microsoft.com/office/drawing/2010/main" w="9525">
+                <a14:hiddenLine xmlns:a14="http://schemas.microsoft.com/office/drawing/2010/main" xmlns="" w="9525">
                   <a:solidFill>
                     <a:srgbClr val="000000"/>
                   </a:solidFill>
@@ -8620,7 +8118,7 @@
             </a:ln>
             <a:extLst>
               <a:ext uri="{91240B29-F687-4f45-9708-019B960494DF}">
-                <a14:hiddenLine xmlns="" xmlns:a14="http://schemas.microsoft.com/office/drawing/2010/main" w="9525">
+                <a14:hiddenLine xmlns:a14="http://schemas.microsoft.com/office/drawing/2010/main" xmlns="" w="9525">
                   <a:solidFill>
                     <a:srgbClr val="000000"/>
                   </a:solidFill>
@@ -8682,7 +8180,7 @@
             </a:ln>
             <a:extLst>
               <a:ext uri="{91240B29-F687-4f45-9708-019B960494DF}">
-                <a14:hiddenLine xmlns="" xmlns:a14="http://schemas.microsoft.com/office/drawing/2010/main" w="9525">
+                <a14:hiddenLine xmlns:a14="http://schemas.microsoft.com/office/drawing/2010/main" xmlns="" w="9525">
                   <a:solidFill>
                     <a:srgbClr val="000000"/>
                   </a:solidFill>
@@ -8772,7 +8270,7 @@
             </a:ln>
             <a:extLst>
               <a:ext uri="{91240B29-F687-4f45-9708-019B960494DF}">
-                <a14:hiddenLine xmlns="" xmlns:a14="http://schemas.microsoft.com/office/drawing/2010/main" w="9525">
+                <a14:hiddenLine xmlns:a14="http://schemas.microsoft.com/office/drawing/2010/main" xmlns="" w="9525">
                   <a:solidFill>
                     <a:srgbClr val="000000"/>
                   </a:solidFill>
@@ -8862,7 +8360,7 @@
             </a:ln>
             <a:extLst>
               <a:ext uri="{91240B29-F687-4f45-9708-019B960494DF}">
-                <a14:hiddenLine xmlns="" xmlns:a14="http://schemas.microsoft.com/office/drawing/2010/main" w="9525">
+                <a14:hiddenLine xmlns:a14="http://schemas.microsoft.com/office/drawing/2010/main" xmlns="" w="9525">
                   <a:solidFill>
                     <a:srgbClr val="000000"/>
                   </a:solidFill>
@@ -8924,7 +8422,7 @@
             </a:ln>
             <a:extLst>
               <a:ext uri="{91240B29-F687-4f45-9708-019B960494DF}">
-                <a14:hiddenLine xmlns="" xmlns:a14="http://schemas.microsoft.com/office/drawing/2010/main" w="9525">
+                <a14:hiddenLine xmlns:a14="http://schemas.microsoft.com/office/drawing/2010/main" xmlns="" w="9525">
                   <a:solidFill>
                     <a:srgbClr val="000000"/>
                   </a:solidFill>
@@ -9034,7 +8532,7 @@
             </a:ln>
             <a:extLst>
               <a:ext uri="{91240B29-F687-4f45-9708-019B960494DF}">
-                <a14:hiddenLine xmlns="" xmlns:a14="http://schemas.microsoft.com/office/drawing/2010/main" w="9525">
+                <a14:hiddenLine xmlns:a14="http://schemas.microsoft.com/office/drawing/2010/main" xmlns="" w="9525">
                   <a:solidFill>
                     <a:srgbClr val="000000"/>
                   </a:solidFill>
@@ -9096,7 +8594,7 @@
             </a:ln>
             <a:extLst>
               <a:ext uri="{91240B29-F687-4f45-9708-019B960494DF}">
-                <a14:hiddenLine xmlns="" xmlns:a14="http://schemas.microsoft.com/office/drawing/2010/main" w="9525">
+                <a14:hiddenLine xmlns:a14="http://schemas.microsoft.com/office/drawing/2010/main" xmlns="" w="9525">
                   <a:solidFill>
                     <a:srgbClr val="000000"/>
                   </a:solidFill>
@@ -9186,7 +8684,7 @@
             </a:ln>
             <a:extLst>
               <a:ext uri="{91240B29-F687-4f45-9708-019B960494DF}">
-                <a14:hiddenLine xmlns="" xmlns:a14="http://schemas.microsoft.com/office/drawing/2010/main" w="9525">
+                <a14:hiddenLine xmlns:a14="http://schemas.microsoft.com/office/drawing/2010/main" xmlns="" w="9525">
                   <a:solidFill>
                     <a:srgbClr val="000000"/>
                   </a:solidFill>
@@ -9276,7 +8774,7 @@
             </a:ln>
             <a:extLst>
               <a:ext uri="{91240B29-F687-4f45-9708-019B960494DF}">
-                <a14:hiddenLine xmlns="" xmlns:a14="http://schemas.microsoft.com/office/drawing/2010/main" w="9525">
+                <a14:hiddenLine xmlns:a14="http://schemas.microsoft.com/office/drawing/2010/main" xmlns="" w="9525">
                   <a:solidFill>
                     <a:srgbClr val="000000"/>
                   </a:solidFill>
@@ -9338,7 +8836,7 @@
             </a:ln>
             <a:extLst>
               <a:ext uri="{91240B29-F687-4f45-9708-019B960494DF}">
-                <a14:hiddenLine xmlns="" xmlns:a14="http://schemas.microsoft.com/office/drawing/2010/main" w="9525">
+                <a14:hiddenLine xmlns:a14="http://schemas.microsoft.com/office/drawing/2010/main" xmlns="" w="9525">
                   <a:solidFill>
                     <a:srgbClr val="000000"/>
                   </a:solidFill>
@@ -9428,7 +8926,7 @@
             </a:ln>
             <a:extLst>
               <a:ext uri="{91240B29-F687-4f45-9708-019B960494DF}">
-                <a14:hiddenLine xmlns="" xmlns:a14="http://schemas.microsoft.com/office/drawing/2010/main" w="9525">
+                <a14:hiddenLine xmlns:a14="http://schemas.microsoft.com/office/drawing/2010/main" xmlns="" w="9525">
                   <a:solidFill>
                     <a:srgbClr val="000000"/>
                   </a:solidFill>
@@ -9518,7 +9016,7 @@
             </a:ln>
             <a:extLst>
               <a:ext uri="{91240B29-F687-4f45-9708-019B960494DF}">
-                <a14:hiddenLine xmlns="" xmlns:a14="http://schemas.microsoft.com/office/drawing/2010/main" w="9525">
+                <a14:hiddenLine xmlns:a14="http://schemas.microsoft.com/office/drawing/2010/main" xmlns="" w="9525">
                   <a:solidFill>
                     <a:srgbClr val="000000"/>
                   </a:solidFill>
@@ -9574,7 +9072,7 @@
             </a:ln>
             <a:extLst>
               <a:ext uri="{91240B29-F687-4f45-9708-019B960494DF}">
-                <a14:hiddenLine xmlns="" xmlns:a14="http://schemas.microsoft.com/office/drawing/2010/main" w="9525">
+                <a14:hiddenLine xmlns:a14="http://schemas.microsoft.com/office/drawing/2010/main" xmlns="" w="9525">
                   <a:solidFill>
                     <a:srgbClr val="000000"/>
                   </a:solidFill>
@@ -9664,7 +9162,7 @@
             </a:ln>
             <a:extLst>
               <a:ext uri="{91240B29-F687-4f45-9708-019B960494DF}">
-                <a14:hiddenLine xmlns="" xmlns:a14="http://schemas.microsoft.com/office/drawing/2010/main" w="9525">
+                <a14:hiddenLine xmlns:a14="http://schemas.microsoft.com/office/drawing/2010/main" xmlns="" w="9525">
                   <a:solidFill>
                     <a:srgbClr val="000000"/>
                   </a:solidFill>
@@ -9720,7 +9218,7 @@
             </a:ln>
             <a:extLst>
               <a:ext uri="{91240B29-F687-4f45-9708-019B960494DF}">
-                <a14:hiddenLine xmlns="" xmlns:a14="http://schemas.microsoft.com/office/drawing/2010/main" w="9525">
+                <a14:hiddenLine xmlns:a14="http://schemas.microsoft.com/office/drawing/2010/main" xmlns="" w="9525">
                   <a:solidFill>
                     <a:srgbClr val="000000"/>
                   </a:solidFill>
@@ -9810,7 +9308,7 @@
             </a:ln>
             <a:extLst>
               <a:ext uri="{91240B29-F687-4f45-9708-019B960494DF}">
-                <a14:hiddenLine xmlns="" xmlns:a14="http://schemas.microsoft.com/office/drawing/2010/main" w="9525">
+                <a14:hiddenLine xmlns:a14="http://schemas.microsoft.com/office/drawing/2010/main" xmlns="" w="9525">
                   <a:solidFill>
                     <a:srgbClr val="000000"/>
                   </a:solidFill>
@@ -9878,7 +9376,7 @@
             </a:ln>
             <a:extLst>
               <a:ext uri="{91240B29-F687-4f45-9708-019B960494DF}">
-                <a14:hiddenLine xmlns="" xmlns:a14="http://schemas.microsoft.com/office/drawing/2010/main" w="9525">
+                <a14:hiddenLine xmlns:a14="http://schemas.microsoft.com/office/drawing/2010/main" xmlns="" w="9525">
                   <a:solidFill>
                     <a:srgbClr val="000000"/>
                   </a:solidFill>
@@ -9968,7 +9466,7 @@
             </a:ln>
             <a:extLst>
               <a:ext uri="{91240B29-F687-4f45-9708-019B960494DF}">
-                <a14:hiddenLine xmlns="" xmlns:a14="http://schemas.microsoft.com/office/drawing/2010/main" w="9525">
+                <a14:hiddenLine xmlns:a14="http://schemas.microsoft.com/office/drawing/2010/main" xmlns="" w="9525">
                   <a:solidFill>
                     <a:srgbClr val="000000"/>
                   </a:solidFill>
@@ -10036,7 +9534,7 @@
             </a:ln>
             <a:extLst>
               <a:ext uri="{91240B29-F687-4f45-9708-019B960494DF}">
-                <a14:hiddenLine xmlns="" xmlns:a14="http://schemas.microsoft.com/office/drawing/2010/main" w="9525">
+                <a14:hiddenLine xmlns:a14="http://schemas.microsoft.com/office/drawing/2010/main" xmlns="" w="9525">
                   <a:solidFill>
                     <a:srgbClr val="000000"/>
                   </a:solidFill>
@@ -10126,7 +9624,7 @@
             </a:ln>
             <a:extLst>
               <a:ext uri="{91240B29-F687-4f45-9708-019B960494DF}">
-                <a14:hiddenLine xmlns="" xmlns:a14="http://schemas.microsoft.com/office/drawing/2010/main" w="9525">
+                <a14:hiddenLine xmlns:a14="http://schemas.microsoft.com/office/drawing/2010/main" xmlns="" w="9525">
                   <a:solidFill>
                     <a:srgbClr val="000000"/>
                   </a:solidFill>
@@ -10160,7 +9658,7 @@
             </a:ln>
             <a:extLst>
               <a:ext uri="{91240B29-F687-4f45-9708-019B960494DF}">
-                <a14:hiddenLine xmlns="" xmlns:a14="http://schemas.microsoft.com/office/drawing/2010/main" w="9525">
+                <a14:hiddenLine xmlns:a14="http://schemas.microsoft.com/office/drawing/2010/main" xmlns="" w="9525">
                   <a:solidFill>
                     <a:srgbClr val="000000"/>
                   </a:solidFill>
@@ -10250,7 +9748,7 @@
             </a:ln>
             <a:extLst>
               <a:ext uri="{91240B29-F687-4f45-9708-019B960494DF}">
-                <a14:hiddenLine xmlns="" xmlns:a14="http://schemas.microsoft.com/office/drawing/2010/main" w="9525">
+                <a14:hiddenLine xmlns:a14="http://schemas.microsoft.com/office/drawing/2010/main" xmlns="" w="9525">
                   <a:solidFill>
                     <a:srgbClr val="000000"/>
                   </a:solidFill>
@@ -10312,7 +9810,7 @@
             </a:ln>
             <a:extLst>
               <a:ext uri="{91240B29-F687-4f45-9708-019B960494DF}">
-                <a14:hiddenLine xmlns="" xmlns:a14="http://schemas.microsoft.com/office/drawing/2010/main" w="9525">
+                <a14:hiddenLine xmlns:a14="http://schemas.microsoft.com/office/drawing/2010/main" xmlns="" w="9525">
                   <a:solidFill>
                     <a:srgbClr val="000000"/>
                   </a:solidFill>
@@ -10374,7 +9872,7 @@
             </a:ln>
             <a:extLst>
               <a:ext uri="{91240B29-F687-4f45-9708-019B960494DF}">
-                <a14:hiddenLine xmlns="" xmlns:a14="http://schemas.microsoft.com/office/drawing/2010/main" w="9525">
+                <a14:hiddenLine xmlns:a14="http://schemas.microsoft.com/office/drawing/2010/main" xmlns="" w="9525">
                   <a:solidFill>
                     <a:srgbClr val="000000"/>
                   </a:solidFill>
@@ -10464,7 +9962,7 @@
             </a:ln>
             <a:extLst>
               <a:ext uri="{91240B29-F687-4f45-9708-019B960494DF}">
-                <a14:hiddenLine xmlns="" xmlns:a14="http://schemas.microsoft.com/office/drawing/2010/main" w="9525">
+                <a14:hiddenLine xmlns:a14="http://schemas.microsoft.com/office/drawing/2010/main" xmlns="" w="9525">
                   <a:solidFill>
                     <a:srgbClr val="000000"/>
                   </a:solidFill>
@@ -10532,7 +10030,7 @@
             </a:ln>
             <a:extLst>
               <a:ext uri="{91240B29-F687-4f45-9708-019B960494DF}">
-                <a14:hiddenLine xmlns="" xmlns:a14="http://schemas.microsoft.com/office/drawing/2010/main" w="9525">
+                <a14:hiddenLine xmlns:a14="http://schemas.microsoft.com/office/drawing/2010/main" xmlns="" w="9525">
                   <a:solidFill>
                     <a:srgbClr val="000000"/>
                   </a:solidFill>
@@ -10594,7 +10092,7 @@
             </a:ln>
             <a:extLst>
               <a:ext uri="{91240B29-F687-4f45-9708-019B960494DF}">
-                <a14:hiddenLine xmlns="" xmlns:a14="http://schemas.microsoft.com/office/drawing/2010/main" w="9525">
+                <a14:hiddenLine xmlns:a14="http://schemas.microsoft.com/office/drawing/2010/main" xmlns="" w="9525">
                   <a:solidFill>
                     <a:srgbClr val="000000"/>
                   </a:solidFill>
@@ -10684,7 +10182,7 @@
             </a:ln>
             <a:extLst>
               <a:ext uri="{91240B29-F687-4f45-9708-019B960494DF}">
-                <a14:hiddenLine xmlns="" xmlns:a14="http://schemas.microsoft.com/office/drawing/2010/main" w="9525">
+                <a14:hiddenLine xmlns:a14="http://schemas.microsoft.com/office/drawing/2010/main" xmlns="" w="9525">
                   <a:solidFill>
                     <a:srgbClr val="000000"/>
                   </a:solidFill>
@@ -10746,7 +10244,7 @@
             </a:ln>
             <a:extLst>
               <a:ext uri="{91240B29-F687-4f45-9708-019B960494DF}">
-                <a14:hiddenLine xmlns="" xmlns:a14="http://schemas.microsoft.com/office/drawing/2010/main" w="9525">
+                <a14:hiddenLine xmlns:a14="http://schemas.microsoft.com/office/drawing/2010/main" xmlns="" w="9525">
                   <a:solidFill>
                     <a:srgbClr val="000000"/>
                   </a:solidFill>
@@ -10836,7 +10334,7 @@
             </a:ln>
             <a:extLst>
               <a:ext uri="{91240B29-F687-4f45-9708-019B960494DF}">
-                <a14:hiddenLine xmlns="" xmlns:a14="http://schemas.microsoft.com/office/drawing/2010/main" w="9525">
+                <a14:hiddenLine xmlns:a14="http://schemas.microsoft.com/office/drawing/2010/main" xmlns="" w="9525">
                   <a:solidFill>
                     <a:srgbClr val="000000"/>
                   </a:solidFill>
@@ -10898,7 +10396,7 @@
             </a:ln>
             <a:extLst>
               <a:ext uri="{91240B29-F687-4f45-9708-019B960494DF}">
-                <a14:hiddenLine xmlns="" xmlns:a14="http://schemas.microsoft.com/office/drawing/2010/main" w="9525">
+                <a14:hiddenLine xmlns:a14="http://schemas.microsoft.com/office/drawing/2010/main" xmlns="" w="9525">
                   <a:solidFill>
                     <a:srgbClr val="000000"/>
                   </a:solidFill>
@@ -10988,7 +10486,7 @@
             </a:ln>
             <a:extLst>
               <a:ext uri="{91240B29-F687-4f45-9708-019B960494DF}">
-                <a14:hiddenLine xmlns="" xmlns:a14="http://schemas.microsoft.com/office/drawing/2010/main" w="9525">
+                <a14:hiddenLine xmlns:a14="http://schemas.microsoft.com/office/drawing/2010/main" xmlns="" w="9525">
                   <a:solidFill>
                     <a:srgbClr val="000000"/>
                   </a:solidFill>
@@ -11022,7 +10520,7 @@
             </a:ln>
             <a:extLst>
               <a:ext uri="{91240B29-F687-4f45-9708-019B960494DF}">
-                <a14:hiddenLine xmlns="" xmlns:a14="http://schemas.microsoft.com/office/drawing/2010/main" w="9525">
+                <a14:hiddenLine xmlns:a14="http://schemas.microsoft.com/office/drawing/2010/main" xmlns="" w="9525">
                   <a:solidFill>
                     <a:srgbClr val="000000"/>
                   </a:solidFill>
@@ -11087,7 +10585,7 @@
             </a:ln>
             <a:extLst>
               <a:ext uri="{91240B29-F687-4f45-9708-019B960494DF}">
-                <a14:hiddenLine xmlns="" xmlns:a14="http://schemas.microsoft.com/office/drawing/2010/main" w="9525">
+                <a14:hiddenLine xmlns:a14="http://schemas.microsoft.com/office/drawing/2010/main" xmlns="" w="9525">
                   <a:solidFill>
                     <a:srgbClr val="000000"/>
                   </a:solidFill>
@@ -11177,7 +10675,7 @@
             </a:ln>
             <a:extLst>
               <a:ext uri="{91240B29-F687-4f45-9708-019B960494DF}">
-                <a14:hiddenLine xmlns="" xmlns:a14="http://schemas.microsoft.com/office/drawing/2010/main" w="9525">
+                <a14:hiddenLine xmlns:a14="http://schemas.microsoft.com/office/drawing/2010/main" xmlns="" w="9525">
                   <a:solidFill>
                     <a:srgbClr val="000000"/>
                   </a:solidFill>
@@ -11239,7 +10737,7 @@
             </a:ln>
             <a:extLst>
               <a:ext uri="{91240B29-F687-4f45-9708-019B960494DF}">
-                <a14:hiddenLine xmlns="" xmlns:a14="http://schemas.microsoft.com/office/drawing/2010/main" w="9525">
+                <a14:hiddenLine xmlns:a14="http://schemas.microsoft.com/office/drawing/2010/main" xmlns="" w="9525">
                   <a:solidFill>
                     <a:srgbClr val="000000"/>
                   </a:solidFill>
@@ -11329,7 +10827,7 @@
             </a:ln>
             <a:extLst>
               <a:ext uri="{91240B29-F687-4f45-9708-019B960494DF}">
-                <a14:hiddenLine xmlns="" xmlns:a14="http://schemas.microsoft.com/office/drawing/2010/main" w="9525">
+                <a14:hiddenLine xmlns:a14="http://schemas.microsoft.com/office/drawing/2010/main" xmlns="" w="9525">
                   <a:solidFill>
                     <a:srgbClr val="000000"/>
                   </a:solidFill>
@@ -11419,7 +10917,7 @@
             </a:ln>
             <a:extLst>
               <a:ext uri="{91240B29-F687-4f45-9708-019B960494DF}">
-                <a14:hiddenLine xmlns="" xmlns:a14="http://schemas.microsoft.com/office/drawing/2010/main" w="9525">
+                <a14:hiddenLine xmlns:a14="http://schemas.microsoft.com/office/drawing/2010/main" xmlns="" w="9525">
                   <a:solidFill>
                     <a:srgbClr val="000000"/>
                   </a:solidFill>
@@ -11484,7 +10982,7 @@
             </a:ln>
             <a:extLst>
               <a:ext uri="{91240B29-F687-4f45-9708-019B960494DF}">
-                <a14:hiddenLine xmlns="" xmlns:a14="http://schemas.microsoft.com/office/drawing/2010/main" w="9525">
+                <a14:hiddenLine xmlns:a14="http://schemas.microsoft.com/office/drawing/2010/main" xmlns="" w="9525">
                   <a:solidFill>
                     <a:srgbClr val="000000"/>
                   </a:solidFill>
@@ -11546,7 +11044,7 @@
             </a:ln>
             <a:extLst>
               <a:ext uri="{91240B29-F687-4f45-9708-019B960494DF}">
-                <a14:hiddenLine xmlns="" xmlns:a14="http://schemas.microsoft.com/office/drawing/2010/main" w="9525">
+                <a14:hiddenLine xmlns:a14="http://schemas.microsoft.com/office/drawing/2010/main" xmlns="" w="9525">
                   <a:solidFill>
                     <a:srgbClr val="000000"/>
                   </a:solidFill>
@@ -11636,7 +11134,7 @@
             </a:ln>
             <a:extLst>
               <a:ext uri="{91240B29-F687-4f45-9708-019B960494DF}">
-                <a14:hiddenLine xmlns="" xmlns:a14="http://schemas.microsoft.com/office/drawing/2010/main" w="9525">
+                <a14:hiddenLine xmlns:a14="http://schemas.microsoft.com/office/drawing/2010/main" xmlns="" w="9525">
                   <a:solidFill>
                     <a:srgbClr val="000000"/>
                   </a:solidFill>
@@ -11726,7 +11224,7 @@
             </a:ln>
             <a:extLst>
               <a:ext uri="{91240B29-F687-4f45-9708-019B960494DF}">
-                <a14:hiddenLine xmlns="" xmlns:a14="http://schemas.microsoft.com/office/drawing/2010/main" w="9525">
+                <a14:hiddenLine xmlns:a14="http://schemas.microsoft.com/office/drawing/2010/main" xmlns="" w="9525">
                   <a:solidFill>
                     <a:srgbClr val="000000"/>
                   </a:solidFill>
@@ -11788,7 +11286,7 @@
             </a:ln>
             <a:extLst>
               <a:ext uri="{91240B29-F687-4f45-9708-019B960494DF}">
-                <a14:hiddenLine xmlns="" xmlns:a14="http://schemas.microsoft.com/office/drawing/2010/main" w="9525">
+                <a14:hiddenLine xmlns:a14="http://schemas.microsoft.com/office/drawing/2010/main" xmlns="" w="9525">
                   <a:solidFill>
                     <a:srgbClr val="000000"/>
                   </a:solidFill>
@@ -11908,7 +11406,7 @@
             </a:ln>
             <a:extLst>
               <a:ext uri="{91240B29-F687-4f45-9708-019B960494DF}">
-                <a14:hiddenLine xmlns="" xmlns:a14="http://schemas.microsoft.com/office/drawing/2010/main" w="9525">
+                <a14:hiddenLine xmlns:a14="http://schemas.microsoft.com/office/drawing/2010/main" xmlns="" w="9525">
                   <a:solidFill>
                     <a:srgbClr val="000000"/>
                   </a:solidFill>
@@ -11976,7 +11474,7 @@
             </a:ln>
             <a:extLst>
               <a:ext uri="{91240B29-F687-4f45-9708-019B960494DF}">
-                <a14:hiddenLine xmlns="" xmlns:a14="http://schemas.microsoft.com/office/drawing/2010/main" w="9525">
+                <a14:hiddenLine xmlns:a14="http://schemas.microsoft.com/office/drawing/2010/main" xmlns="" w="9525">
                   <a:solidFill>
                     <a:srgbClr val="000000"/>
                   </a:solidFill>
@@ -12066,7 +11564,7 @@
             </a:ln>
             <a:extLst>
               <a:ext uri="{91240B29-F687-4f45-9708-019B960494DF}">
-                <a14:hiddenLine xmlns="" xmlns:a14="http://schemas.microsoft.com/office/drawing/2010/main" w="9525">
+                <a14:hiddenLine xmlns:a14="http://schemas.microsoft.com/office/drawing/2010/main" xmlns="" w="9525">
                   <a:solidFill>
                     <a:srgbClr val="000000"/>
                   </a:solidFill>
@@ -13093,6 +12591,7 @@
                   <a:schemeClr val="tx1"/>
                 </a:solidFill>
                 <a:effectLst/>
+                <a:latin typeface="Century Gothic" panose="020B0502020202020204" pitchFamily="34" charset="0"/>
               </a:rPr>
               <a:t>“</a:t>
             </a:r>
@@ -13212,6 +12711,7 @@
                   <a:schemeClr val="tx1"/>
                 </a:solidFill>
                 <a:effectLst/>
+                <a:latin typeface="Century Gothic" panose="020B0502020202020204" pitchFamily="34" charset="0"/>
               </a:rPr>
               <a:t>”</a:t>
             </a:r>
@@ -16876,7 +16376,7 @@
           <a:noFill/>
           <a:extLst>
             <a:ext uri="{909E8E84-426E-40dd-AFC4-6F175D3DCCD1}">
-              <a14:hiddenFill xmlns="" xmlns:a14="http://schemas.microsoft.com/office/drawing/2010/main">
+              <a14:hiddenFill xmlns:a14="http://schemas.microsoft.com/office/drawing/2010/main" xmlns="">
                 <a:solidFill>
                   <a:srgbClr val="FFFFFF"/>
                 </a:solidFill>
@@ -16950,7 +16450,7 @@
               </a:ln>
               <a:extLst>
                 <a:ext uri="{91240B29-F687-4f45-9708-019B960494DF}">
-                  <a14:hiddenLine xmlns="" xmlns:a14="http://schemas.microsoft.com/office/drawing/2010/main" w="9525">
+                  <a14:hiddenLine xmlns:a14="http://schemas.microsoft.com/office/drawing/2010/main" xmlns="" w="9525">
                     <a:solidFill>
                       <a:srgbClr val="000000"/>
                     </a:solidFill>
@@ -17040,7 +16540,7 @@
               </a:ln>
               <a:extLst>
                 <a:ext uri="{91240B29-F687-4f45-9708-019B960494DF}">
-                  <a14:hiddenLine xmlns="" xmlns:a14="http://schemas.microsoft.com/office/drawing/2010/main" w="9525">
+                  <a14:hiddenLine xmlns:a14="http://schemas.microsoft.com/office/drawing/2010/main" xmlns="" w="9525">
                     <a:solidFill>
                       <a:srgbClr val="000000"/>
                     </a:solidFill>
@@ -17130,7 +16630,7 @@
               </a:ln>
               <a:extLst>
                 <a:ext uri="{91240B29-F687-4f45-9708-019B960494DF}">
-                  <a14:hiddenLine xmlns="" xmlns:a14="http://schemas.microsoft.com/office/drawing/2010/main" w="9525">
+                  <a14:hiddenLine xmlns:a14="http://schemas.microsoft.com/office/drawing/2010/main" xmlns="" w="9525">
                     <a:solidFill>
                       <a:srgbClr val="000000"/>
                     </a:solidFill>
@@ -17192,7 +16692,7 @@
               </a:ln>
               <a:extLst>
                 <a:ext uri="{91240B29-F687-4f45-9708-019B960494DF}">
-                  <a14:hiddenLine xmlns="" xmlns:a14="http://schemas.microsoft.com/office/drawing/2010/main" w="9525">
+                  <a14:hiddenLine xmlns:a14="http://schemas.microsoft.com/office/drawing/2010/main" xmlns="" w="9525">
                     <a:solidFill>
                       <a:srgbClr val="000000"/>
                     </a:solidFill>
@@ -17282,7 +16782,7 @@
               </a:ln>
               <a:extLst>
                 <a:ext uri="{91240B29-F687-4f45-9708-019B960494DF}">
-                  <a14:hiddenLine xmlns="" xmlns:a14="http://schemas.microsoft.com/office/drawing/2010/main" w="9525">
+                  <a14:hiddenLine xmlns:a14="http://schemas.microsoft.com/office/drawing/2010/main" xmlns="" w="9525">
                     <a:solidFill>
                       <a:srgbClr val="000000"/>
                     </a:solidFill>
@@ -17344,7 +16844,7 @@
               </a:ln>
               <a:extLst>
                 <a:ext uri="{91240B29-F687-4f45-9708-019B960494DF}">
-                  <a14:hiddenLine xmlns="" xmlns:a14="http://schemas.microsoft.com/office/drawing/2010/main" w="9525">
+                  <a14:hiddenLine xmlns:a14="http://schemas.microsoft.com/office/drawing/2010/main" xmlns="" w="9525">
                     <a:solidFill>
                       <a:srgbClr val="000000"/>
                     </a:solidFill>
@@ -17406,7 +16906,7 @@
               </a:ln>
               <a:extLst>
                 <a:ext uri="{91240B29-F687-4f45-9708-019B960494DF}">
-                  <a14:hiddenLine xmlns="" xmlns:a14="http://schemas.microsoft.com/office/drawing/2010/main" w="9525">
+                  <a14:hiddenLine xmlns:a14="http://schemas.microsoft.com/office/drawing/2010/main" xmlns="" w="9525">
                     <a:solidFill>
                       <a:srgbClr val="000000"/>
                     </a:solidFill>
@@ -17496,7 +16996,7 @@
               </a:ln>
               <a:extLst>
                 <a:ext uri="{91240B29-F687-4f45-9708-019B960494DF}">
-                  <a14:hiddenLine xmlns="" xmlns:a14="http://schemas.microsoft.com/office/drawing/2010/main" w="9525">
+                  <a14:hiddenLine xmlns:a14="http://schemas.microsoft.com/office/drawing/2010/main" xmlns="" w="9525">
                     <a:solidFill>
                       <a:srgbClr val="000000"/>
                     </a:solidFill>
@@ -17586,7 +17086,7 @@
               </a:ln>
               <a:extLst>
                 <a:ext uri="{91240B29-F687-4f45-9708-019B960494DF}">
-                  <a14:hiddenLine xmlns="" xmlns:a14="http://schemas.microsoft.com/office/drawing/2010/main" w="9525">
+                  <a14:hiddenLine xmlns:a14="http://schemas.microsoft.com/office/drawing/2010/main" xmlns="" w="9525">
                     <a:solidFill>
                       <a:srgbClr val="000000"/>
                     </a:solidFill>
@@ -17648,7 +17148,7 @@
               </a:ln>
               <a:extLst>
                 <a:ext uri="{91240B29-F687-4f45-9708-019B960494DF}">
-                  <a14:hiddenLine xmlns="" xmlns:a14="http://schemas.microsoft.com/office/drawing/2010/main" w="9525">
+                  <a14:hiddenLine xmlns:a14="http://schemas.microsoft.com/office/drawing/2010/main" xmlns="" w="9525">
                     <a:solidFill>
                       <a:srgbClr val="000000"/>
                     </a:solidFill>
@@ -17758,7 +17258,7 @@
               </a:ln>
               <a:extLst>
                 <a:ext uri="{91240B29-F687-4f45-9708-019B960494DF}">
-                  <a14:hiddenLine xmlns="" xmlns:a14="http://schemas.microsoft.com/office/drawing/2010/main" w="9525">
+                  <a14:hiddenLine xmlns:a14="http://schemas.microsoft.com/office/drawing/2010/main" xmlns="" w="9525">
                     <a:solidFill>
                       <a:srgbClr val="000000"/>
                     </a:solidFill>
@@ -17842,7 +17342,7 @@
               </a:ln>
               <a:extLst>
                 <a:ext uri="{91240B29-F687-4f45-9708-019B960494DF}">
-                  <a14:hiddenLine xmlns="" xmlns:a14="http://schemas.microsoft.com/office/drawing/2010/main" w="9525">
+                  <a14:hiddenLine xmlns:a14="http://schemas.microsoft.com/office/drawing/2010/main" xmlns="" w="9525">
                     <a:solidFill>
                       <a:srgbClr val="000000"/>
                     </a:solidFill>
@@ -17904,7 +17404,7 @@
               </a:ln>
               <a:extLst>
                 <a:ext uri="{91240B29-F687-4f45-9708-019B960494DF}">
-                  <a14:hiddenLine xmlns="" xmlns:a14="http://schemas.microsoft.com/office/drawing/2010/main" w="9525">
+                  <a14:hiddenLine xmlns:a14="http://schemas.microsoft.com/office/drawing/2010/main" xmlns="" w="9525">
                     <a:solidFill>
                       <a:srgbClr val="000000"/>
                     </a:solidFill>
@@ -17966,7 +17466,7 @@
               </a:ln>
               <a:extLst>
                 <a:ext uri="{91240B29-F687-4f45-9708-019B960494DF}">
-                  <a14:hiddenLine xmlns="" xmlns:a14="http://schemas.microsoft.com/office/drawing/2010/main" w="9525">
+                  <a14:hiddenLine xmlns:a14="http://schemas.microsoft.com/office/drawing/2010/main" xmlns="" w="9525">
                     <a:solidFill>
                       <a:srgbClr val="000000"/>
                     </a:solidFill>
@@ -18056,7 +17556,7 @@
               </a:ln>
               <a:extLst>
                 <a:ext uri="{91240B29-F687-4f45-9708-019B960494DF}">
-                  <a14:hiddenLine xmlns="" xmlns:a14="http://schemas.microsoft.com/office/drawing/2010/main" w="9525">
+                  <a14:hiddenLine xmlns:a14="http://schemas.microsoft.com/office/drawing/2010/main" xmlns="" w="9525">
                     <a:solidFill>
                       <a:srgbClr val="000000"/>
                     </a:solidFill>
@@ -18090,7 +17590,7 @@
               </a:ln>
               <a:extLst>
                 <a:ext uri="{91240B29-F687-4f45-9708-019B960494DF}">
-                  <a14:hiddenLine xmlns="" xmlns:a14="http://schemas.microsoft.com/office/drawing/2010/main" w="9525">
+                  <a14:hiddenLine xmlns:a14="http://schemas.microsoft.com/office/drawing/2010/main" xmlns="" w="9525">
                     <a:solidFill>
                       <a:srgbClr val="000000"/>
                     </a:solidFill>
@@ -18155,7 +17655,7 @@
               </a:ln>
               <a:extLst>
                 <a:ext uri="{91240B29-F687-4f45-9708-019B960494DF}">
-                  <a14:hiddenLine xmlns="" xmlns:a14="http://schemas.microsoft.com/office/drawing/2010/main" w="9525">
+                  <a14:hiddenLine xmlns:a14="http://schemas.microsoft.com/office/drawing/2010/main" xmlns="" w="9525">
                     <a:solidFill>
                       <a:srgbClr val="000000"/>
                     </a:solidFill>
@@ -18245,7 +17745,7 @@
               </a:ln>
               <a:extLst>
                 <a:ext uri="{91240B29-F687-4f45-9708-019B960494DF}">
-                  <a14:hiddenLine xmlns="" xmlns:a14="http://schemas.microsoft.com/office/drawing/2010/main" w="9525">
+                  <a14:hiddenLine xmlns:a14="http://schemas.microsoft.com/office/drawing/2010/main" xmlns="" w="9525">
                     <a:solidFill>
                       <a:srgbClr val="000000"/>
                     </a:solidFill>
@@ -18307,7 +17807,7 @@
               </a:ln>
               <a:extLst>
                 <a:ext uri="{91240B29-F687-4f45-9708-019B960494DF}">
-                  <a14:hiddenLine xmlns="" xmlns:a14="http://schemas.microsoft.com/office/drawing/2010/main" w="9525">
+                  <a14:hiddenLine xmlns:a14="http://schemas.microsoft.com/office/drawing/2010/main" xmlns="" w="9525">
                     <a:solidFill>
                       <a:srgbClr val="000000"/>
                     </a:solidFill>
@@ -18397,7 +17897,7 @@
               </a:ln>
               <a:extLst>
                 <a:ext uri="{91240B29-F687-4f45-9708-019B960494DF}">
-                  <a14:hiddenLine xmlns="" xmlns:a14="http://schemas.microsoft.com/office/drawing/2010/main" w="9525">
+                  <a14:hiddenLine xmlns:a14="http://schemas.microsoft.com/office/drawing/2010/main" xmlns="" w="9525">
                     <a:solidFill>
                       <a:srgbClr val="000000"/>
                     </a:solidFill>
@@ -18462,7 +17962,7 @@
               </a:ln>
               <a:extLst>
                 <a:ext uri="{91240B29-F687-4f45-9708-019B960494DF}">
-                  <a14:hiddenLine xmlns="" xmlns:a14="http://schemas.microsoft.com/office/drawing/2010/main" w="9525">
+                  <a14:hiddenLine xmlns:a14="http://schemas.microsoft.com/office/drawing/2010/main" xmlns="" w="9525">
                     <a:solidFill>
                       <a:srgbClr val="000000"/>
                     </a:solidFill>
@@ -18524,7 +18024,7 @@
               </a:ln>
               <a:extLst>
                 <a:ext uri="{91240B29-F687-4f45-9708-019B960494DF}">
-                  <a14:hiddenLine xmlns="" xmlns:a14="http://schemas.microsoft.com/office/drawing/2010/main" w="9525">
+                  <a14:hiddenLine xmlns:a14="http://schemas.microsoft.com/office/drawing/2010/main" xmlns="" w="9525">
                     <a:solidFill>
                       <a:srgbClr val="000000"/>
                     </a:solidFill>
@@ -18614,7 +18114,7 @@
               </a:ln>
               <a:extLst>
                 <a:ext uri="{91240B29-F687-4f45-9708-019B960494DF}">
-                  <a14:hiddenLine xmlns="" xmlns:a14="http://schemas.microsoft.com/office/drawing/2010/main" w="9525">
+                  <a14:hiddenLine xmlns:a14="http://schemas.microsoft.com/office/drawing/2010/main" xmlns="" w="9525">
                     <a:solidFill>
                       <a:srgbClr val="000000"/>
                     </a:solidFill>
@@ -18704,7 +18204,7 @@
               </a:ln>
               <a:extLst>
                 <a:ext uri="{91240B29-F687-4f45-9708-019B960494DF}">
-                  <a14:hiddenLine xmlns="" xmlns:a14="http://schemas.microsoft.com/office/drawing/2010/main" w="9525">
+                  <a14:hiddenLine xmlns:a14="http://schemas.microsoft.com/office/drawing/2010/main" xmlns="" w="9525">
                     <a:solidFill>
                       <a:srgbClr val="000000"/>
                     </a:solidFill>
@@ -18769,7 +18269,7 @@
               </a:ln>
               <a:extLst>
                 <a:ext uri="{91240B29-F687-4f45-9708-019B960494DF}">
-                  <a14:hiddenLine xmlns="" xmlns:a14="http://schemas.microsoft.com/office/drawing/2010/main" w="9525">
+                  <a14:hiddenLine xmlns:a14="http://schemas.microsoft.com/office/drawing/2010/main" xmlns="" w="9525">
                     <a:solidFill>
                       <a:srgbClr val="000000"/>
                     </a:solidFill>
@@ -18889,7 +18389,7 @@
               </a:ln>
               <a:extLst>
                 <a:ext uri="{91240B29-F687-4f45-9708-019B960494DF}">
-                  <a14:hiddenLine xmlns="" xmlns:a14="http://schemas.microsoft.com/office/drawing/2010/main" w="9525">
+                  <a14:hiddenLine xmlns:a14="http://schemas.microsoft.com/office/drawing/2010/main" xmlns="" w="9525">
                     <a:solidFill>
                       <a:srgbClr val="000000"/>
                     </a:solidFill>
@@ -18987,7 +18487,7 @@
               </a:ln>
               <a:extLst>
                 <a:ext uri="{91240B29-F687-4f45-9708-019B960494DF}">
-                  <a14:hiddenLine xmlns="" xmlns:a14="http://schemas.microsoft.com/office/drawing/2010/main" w="9525">
+                  <a14:hiddenLine xmlns:a14="http://schemas.microsoft.com/office/drawing/2010/main" xmlns="" w="9525">
                     <a:solidFill>
                       <a:srgbClr val="000000"/>
                     </a:solidFill>
@@ -19102,7 +18602,7 @@
               </a:ln>
               <a:extLst>
                 <a:ext uri="{91240B29-F687-4f45-9708-019B960494DF}">
-                  <a14:hiddenLine xmlns="" xmlns:a14="http://schemas.microsoft.com/office/drawing/2010/main" w="9525">
+                  <a14:hiddenLine xmlns:a14="http://schemas.microsoft.com/office/drawing/2010/main" xmlns="" w="9525">
                     <a:solidFill>
                       <a:srgbClr val="000000"/>
                     </a:solidFill>
@@ -19192,7 +18692,7 @@
               </a:ln>
               <a:extLst>
                 <a:ext uri="{91240B29-F687-4f45-9708-019B960494DF}">
-                  <a14:hiddenLine xmlns="" xmlns:a14="http://schemas.microsoft.com/office/drawing/2010/main" w="9525">
+                  <a14:hiddenLine xmlns:a14="http://schemas.microsoft.com/office/drawing/2010/main" xmlns="" w="9525">
                     <a:solidFill>
                       <a:srgbClr val="000000"/>
                     </a:solidFill>
@@ -19257,7 +18757,7 @@
               </a:ln>
               <a:extLst>
                 <a:ext uri="{91240B29-F687-4f45-9708-019B960494DF}">
-                  <a14:hiddenLine xmlns="" xmlns:a14="http://schemas.microsoft.com/office/drawing/2010/main" w="9525">
+                  <a14:hiddenLine xmlns:a14="http://schemas.microsoft.com/office/drawing/2010/main" xmlns="" w="9525">
                     <a:solidFill>
                       <a:srgbClr val="000000"/>
                     </a:solidFill>
@@ -19347,7 +18847,7 @@
               </a:ln>
               <a:extLst>
                 <a:ext uri="{91240B29-F687-4f45-9708-019B960494DF}">
-                  <a14:hiddenLine xmlns="" xmlns:a14="http://schemas.microsoft.com/office/drawing/2010/main" w="9525">
+                  <a14:hiddenLine xmlns:a14="http://schemas.microsoft.com/office/drawing/2010/main" xmlns="" w="9525">
                     <a:solidFill>
                       <a:srgbClr val="000000"/>
                     </a:solidFill>
@@ -19415,7 +18915,7 @@
               </a:ln>
               <a:extLst>
                 <a:ext uri="{91240B29-F687-4f45-9708-019B960494DF}">
-                  <a14:hiddenLine xmlns="" xmlns:a14="http://schemas.microsoft.com/office/drawing/2010/main" w="9525">
+                  <a14:hiddenLine xmlns:a14="http://schemas.microsoft.com/office/drawing/2010/main" xmlns="" w="9525">
                     <a:solidFill>
                       <a:srgbClr val="000000"/>
                     </a:solidFill>
@@ -19505,7 +19005,7 @@
               </a:ln>
               <a:extLst>
                 <a:ext uri="{91240B29-F687-4f45-9708-019B960494DF}">
-                  <a14:hiddenLine xmlns="" xmlns:a14="http://schemas.microsoft.com/office/drawing/2010/main" w="9525">
+                  <a14:hiddenLine xmlns:a14="http://schemas.microsoft.com/office/drawing/2010/main" xmlns="" w="9525">
                     <a:solidFill>
                       <a:srgbClr val="000000"/>
                     </a:solidFill>
@@ -19573,7 +19073,7 @@
               </a:ln>
               <a:extLst>
                 <a:ext uri="{91240B29-F687-4f45-9708-019B960494DF}">
-                  <a14:hiddenLine xmlns="" xmlns:a14="http://schemas.microsoft.com/office/drawing/2010/main" w="9525">
+                  <a14:hiddenLine xmlns:a14="http://schemas.microsoft.com/office/drawing/2010/main" xmlns="" w="9525">
                     <a:solidFill>
                       <a:srgbClr val="000000"/>
                     </a:solidFill>
@@ -19663,7 +19163,7 @@
               </a:ln>
               <a:extLst>
                 <a:ext uri="{91240B29-F687-4f45-9708-019B960494DF}">
-                  <a14:hiddenLine xmlns="" xmlns:a14="http://schemas.microsoft.com/office/drawing/2010/main" w="9525">
+                  <a14:hiddenLine xmlns:a14="http://schemas.microsoft.com/office/drawing/2010/main" xmlns="" w="9525">
                     <a:solidFill>
                       <a:srgbClr val="000000"/>
                     </a:solidFill>
@@ -19697,7 +19197,7 @@
               </a:ln>
               <a:extLst>
                 <a:ext uri="{91240B29-F687-4f45-9708-019B960494DF}">
-                  <a14:hiddenLine xmlns="" xmlns:a14="http://schemas.microsoft.com/office/drawing/2010/main" w="9525">
+                  <a14:hiddenLine xmlns:a14="http://schemas.microsoft.com/office/drawing/2010/main" xmlns="" w="9525">
                     <a:solidFill>
                       <a:srgbClr val="000000"/>
                     </a:solidFill>
@@ -19767,35 +19267,35 @@
           <a:p>
             <a:pPr lvl="0"/>
             <a:r>
-              <a:rPr lang="en-US" smtClean="0"/>
+              <a:rPr lang="en-US" dirty="0" smtClean="0"/>
               <a:t>Click to edit Master text styles</a:t>
             </a:r>
           </a:p>
           <a:p>
             <a:pPr lvl="1"/>
             <a:r>
-              <a:rPr lang="en-US" smtClean="0"/>
+              <a:rPr lang="en-US" dirty="0" smtClean="0"/>
               <a:t>Second level</a:t>
             </a:r>
           </a:p>
           <a:p>
             <a:pPr lvl="2"/>
             <a:r>
-              <a:rPr lang="en-US" smtClean="0"/>
+              <a:rPr lang="en-US" dirty="0" smtClean="0"/>
               <a:t>Third level</a:t>
             </a:r>
           </a:p>
           <a:p>
             <a:pPr lvl="3"/>
             <a:r>
-              <a:rPr lang="en-US" smtClean="0"/>
+              <a:rPr lang="en-US" dirty="0" smtClean="0"/>
               <a:t>Fourth level</a:t>
             </a:r>
           </a:p>
           <a:p>
             <a:pPr lvl="4"/>
             <a:r>
-              <a:rPr lang="en-US" smtClean="0"/>
+              <a:rPr lang="en-US" dirty="0" smtClean="0"/>
               <a:t>Fifth level</a:t>
             </a:r>
             <a:endParaRPr lang="en-US" dirty="0"/>
@@ -19831,15 +19331,17 @@
                     <a:tint val="75000"/>
                   </a:schemeClr>
                 </a:solidFill>
+                <a:latin typeface="Century Gothic" panose="020B0502020202020204" pitchFamily="34" charset="0"/>
               </a:defRPr>
             </a:lvl1pPr>
           </a:lstStyle>
           <a:p>
             <a:fld id="{0535669A-2E25-4AFC-8E75-7D13DCC7EC24}" type="datetimeFigureOut">
               <a:rPr lang="en-US" smtClean="0"/>
+              <a:pPr/>
               <a:t>1/16/2015</a:t>
             </a:fld>
-            <a:endParaRPr lang="en-US"/>
+            <a:endParaRPr lang="en-US" dirty="0"/>
           </a:p>
         </p:txBody>
       </p:sp>
@@ -19872,11 +19374,12 @@
                     <a:tint val="75000"/>
                   </a:schemeClr>
                 </a:solidFill>
+                <a:latin typeface="Century Gothic" panose="020B0502020202020204" pitchFamily="34" charset="0"/>
               </a:defRPr>
             </a:lvl1pPr>
           </a:lstStyle>
           <a:p>
-            <a:endParaRPr lang="en-US"/>
+            <a:endParaRPr lang="en-US" dirty="0"/>
           </a:p>
         </p:txBody>
       </p:sp>
@@ -19909,15 +19412,17 @@
                     <a:tint val="75000"/>
                   </a:schemeClr>
                 </a:solidFill>
+                <a:latin typeface="Century Gothic" panose="020B0502020202020204" pitchFamily="34" charset="0"/>
               </a:defRPr>
             </a:lvl1pPr>
           </a:lstStyle>
           <a:p>
             <a:fld id="{3AB4650B-F7C2-47E0-A0F7-3CE6BD104C0E}" type="slidenum">
               <a:rPr lang="en-US" smtClean="0"/>
+              <a:pPr/>
               <a:t>‹#›</a:t>
             </a:fld>
-            <a:endParaRPr lang="en-US"/>
+            <a:endParaRPr lang="en-US" dirty="0"/>
           </a:p>
         </p:txBody>
       </p:sp>
@@ -19962,7 +19467,7 @@
           <a:solidFill>
             <a:schemeClr val="tx1"/>
           </a:solidFill>
-          <a:latin typeface="+mj-lt"/>
+          <a:latin typeface="Century Gothic" panose="020B0502020202020204" pitchFamily="34" charset="0"/>
           <a:ea typeface="+mj-ea"/>
           <a:cs typeface="+mj-cs"/>
         </a:defRPr>
@@ -19983,7 +19488,7 @@
           <a:solidFill>
             <a:schemeClr val="tx1"/>
           </a:solidFill>
-          <a:latin typeface="+mn-lt"/>
+          <a:latin typeface="Century Gothic" panose="020B0502020202020204" pitchFamily="34" charset="0"/>
           <a:ea typeface="+mn-ea"/>
           <a:cs typeface="+mn-cs"/>
         </a:defRPr>
@@ -20002,7 +19507,7 @@
           <a:solidFill>
             <a:schemeClr val="tx1"/>
           </a:solidFill>
-          <a:latin typeface="+mn-lt"/>
+          <a:latin typeface="Century Gothic" panose="020B0502020202020204" pitchFamily="34" charset="0"/>
           <a:ea typeface="+mn-ea"/>
           <a:cs typeface="+mn-cs"/>
         </a:defRPr>
@@ -20021,7 +19526,7 @@
           <a:solidFill>
             <a:schemeClr val="tx1"/>
           </a:solidFill>
-          <a:latin typeface="+mn-lt"/>
+          <a:latin typeface="Century Gothic" panose="020B0502020202020204" pitchFamily="34" charset="0"/>
           <a:ea typeface="+mn-ea"/>
           <a:cs typeface="+mn-cs"/>
         </a:defRPr>
@@ -20040,7 +19545,7 @@
           <a:solidFill>
             <a:schemeClr val="tx1"/>
           </a:solidFill>
-          <a:latin typeface="+mn-lt"/>
+          <a:latin typeface="Century Gothic" panose="020B0502020202020204" pitchFamily="34" charset="0"/>
           <a:ea typeface="+mn-ea"/>
           <a:cs typeface="+mn-cs"/>
         </a:defRPr>
@@ -20059,7 +19564,7 @@
           <a:solidFill>
             <a:schemeClr val="tx1"/>
           </a:solidFill>
-          <a:latin typeface="+mn-lt"/>
+          <a:latin typeface="Century Gothic" panose="020B0502020202020204" pitchFamily="34" charset="0"/>
           <a:ea typeface="+mn-ea"/>
           <a:cs typeface="+mn-cs"/>
         </a:defRPr>
@@ -20393,7 +19898,7 @@
                 <a:solidFill>
                   <a:schemeClr val="bg1"/>
                 </a:solidFill>
-                <a:latin typeface="Rockwell" panose="02060603020205020403" pitchFamily="18" charset="0"/>
+                <a:latin typeface="Century Gothic" panose="020B0502020202020204" pitchFamily="34" charset="0"/>
               </a:rPr>
               <a:t>Subversion(SVN)</a:t>
             </a:r>
@@ -20401,7 +19906,7 @@
               <a:solidFill>
                 <a:schemeClr val="bg1"/>
               </a:solidFill>
-              <a:latin typeface="Rockwell" panose="02060603020205020403" pitchFamily="18" charset="0"/>
+              <a:latin typeface="Century Gothic" panose="020B0502020202020204" pitchFamily="34" charset="0"/>
             </a:endParaRPr>
           </a:p>
         </p:txBody>
@@ -20507,7 +20012,7 @@
                 <a:solidFill>
                   <a:srgbClr val="4D4D4D"/>
                 </a:solidFill>
-                <a:latin typeface="Segoe UI Light"/>
+                <a:latin typeface="Century Gothic" panose="020B0502020202020204" pitchFamily="34" charset="0"/>
               </a:rPr>
               <a:t/>
             </a:r>
@@ -20516,7 +20021,7 @@
                 <a:solidFill>
                   <a:srgbClr val="4D4D4D"/>
                 </a:solidFill>
-                <a:latin typeface="Segoe UI Light"/>
+                <a:latin typeface="Century Gothic" panose="020B0502020202020204" pitchFamily="34" charset="0"/>
               </a:rPr>
             </a:br>
             <a:r>
@@ -20524,7 +20029,7 @@
                 <a:solidFill>
                   <a:srgbClr val="4D4D4D"/>
                 </a:solidFill>
-                <a:latin typeface="Segoe UI Light"/>
+                <a:latin typeface="Century Gothic" panose="020B0502020202020204" pitchFamily="34" charset="0"/>
               </a:rPr>
               <a:t/>
             </a:r>
@@ -20533,7 +20038,7 @@
                 <a:solidFill>
                   <a:srgbClr val="4D4D4D"/>
                 </a:solidFill>
-                <a:latin typeface="Segoe UI Light"/>
+                <a:latin typeface="Century Gothic" panose="020B0502020202020204" pitchFamily="34" charset="0"/>
               </a:rPr>
             </a:br>
             <a:r>
@@ -20541,7 +20046,7 @@
                 <a:solidFill>
                   <a:srgbClr val="4D4D4D"/>
                 </a:solidFill>
-                <a:latin typeface="Segoe UI Light"/>
+                <a:latin typeface="Century Gothic" panose="020B0502020202020204" pitchFamily="34" charset="0"/>
                 <a:ea typeface="+mn-ea"/>
                 <a:cs typeface="+mn-cs"/>
               </a:rPr>
@@ -20552,7 +20057,7 @@
                 <a:solidFill>
                   <a:srgbClr val="4D4D4D"/>
                 </a:solidFill>
-                <a:latin typeface="Segoe UI Light"/>
+                <a:latin typeface="Century Gothic" panose="020B0502020202020204" pitchFamily="34" charset="0"/>
                 <a:ea typeface="+mn-ea"/>
                 <a:cs typeface="+mn-cs"/>
               </a:rPr>
@@ -20600,7 +20105,7 @@
         <p:spPr>
           <a:xfrm>
             <a:off x="1286190" y="540005"/>
-            <a:ext cx="8300414" cy="584775"/>
+            <a:ext cx="8464177" cy="584775"/>
           </a:xfrm>
           <a:prstGeom prst="rect">
             <a:avLst/>
@@ -20615,7 +20120,7 @@
           <a:p>
             <a:r>
               <a:rPr lang="en-US" sz="3200" dirty="0" smtClean="0">
-                <a:latin typeface="Rockwell" panose="02060603020205020403" pitchFamily="18" charset="0"/>
+                <a:latin typeface="Century Gothic" panose="020B0502020202020204" pitchFamily="34" charset="0"/>
               </a:rPr>
               <a:t>DVCS </a:t>
             </a:r>
@@ -20624,7 +20129,7 @@
                 <a:solidFill>
                   <a:srgbClr val="F15034"/>
                 </a:solidFill>
-                <a:latin typeface="Rockwell" panose="02060603020205020403" pitchFamily="18" charset="0"/>
+                <a:latin typeface="Century Gothic" panose="020B0502020202020204" pitchFamily="34" charset="0"/>
               </a:rPr>
               <a:t>(Distributed Version Control System)</a:t>
             </a:r>
@@ -20632,7 +20137,7 @@
               <a:solidFill>
                 <a:srgbClr val="F15034"/>
               </a:solidFill>
-              <a:latin typeface="Rockwell" panose="02060603020205020403" pitchFamily="18" charset="0"/>
+              <a:latin typeface="Century Gothic" panose="020B0502020202020204" pitchFamily="34" charset="0"/>
             </a:endParaRPr>
           </a:p>
         </p:txBody>
@@ -20694,7 +20199,7 @@
                 <a:solidFill>
                   <a:schemeClr val="bg1"/>
                 </a:solidFill>
-                <a:latin typeface="Gill Sans MT" panose="020B0502020104020203" pitchFamily="34" charset="-18"/>
+                <a:latin typeface="Century Gothic" panose="020B0502020202020204" pitchFamily="34" charset="0"/>
               </a:rPr>
               <a:t>2005 - </a:t>
             </a:r>
@@ -20703,7 +20208,7 @@
                 <a:solidFill>
                   <a:schemeClr val="bg1"/>
                 </a:solidFill>
-                <a:latin typeface="Gill Sans MT" panose="020B0502020104020203" pitchFamily="34" charset="-18"/>
+                <a:latin typeface="Century Gothic" panose="020B0502020202020204" pitchFamily="34" charset="0"/>
               </a:rPr>
               <a:t>git</a:t>
             </a:r>
@@ -20712,7 +20217,7 @@
                 <a:solidFill>
                   <a:schemeClr val="bg1"/>
                 </a:solidFill>
-                <a:latin typeface="Gill Sans MT" panose="020B0502020104020203" pitchFamily="34" charset="-18"/>
+                <a:latin typeface="Century Gothic" panose="020B0502020202020204" pitchFamily="34" charset="0"/>
               </a:rPr>
               <a:t> was born</a:t>
             </a:r>
@@ -20871,7 +20376,7 @@
                 <a:solidFill>
                   <a:schemeClr val="bg1"/>
                 </a:solidFill>
-                <a:latin typeface="Gill Sans MT" panose="020B0502020104020203" pitchFamily="34" charset="-18"/>
+                <a:latin typeface="Century Gothic" panose="020B0502020202020204" pitchFamily="34" charset="0"/>
               </a:rPr>
               <a:t>2005 - </a:t>
             </a:r>
@@ -20880,7 +20385,7 @@
                 <a:solidFill>
                   <a:schemeClr val="bg1"/>
                 </a:solidFill>
-                <a:latin typeface="Gill Sans MT" panose="020B0502020104020203" pitchFamily="34" charset="-18"/>
+                <a:latin typeface="Century Gothic" panose="020B0502020202020204" pitchFamily="34" charset="0"/>
               </a:rPr>
               <a:t>git</a:t>
             </a:r>
@@ -20889,7 +20394,7 @@
                 <a:solidFill>
                   <a:schemeClr val="bg1"/>
                 </a:solidFill>
-                <a:latin typeface="Gill Sans MT" panose="020B0502020104020203" pitchFamily="34" charset="-18"/>
+                <a:latin typeface="Century Gothic" panose="020B0502020202020204" pitchFamily="34" charset="0"/>
               </a:rPr>
               <a:t> was born</a:t>
             </a:r>
@@ -20897,7 +20402,7 @@
               <a:solidFill>
                 <a:schemeClr val="bg1"/>
               </a:solidFill>
-              <a:latin typeface="Gill Sans MT" panose="020B0502020104020203" pitchFamily="34" charset="-18"/>
+              <a:latin typeface="Century Gothic" panose="020B0502020202020204" pitchFamily="34" charset="0"/>
             </a:endParaRPr>
           </a:p>
         </p:txBody>
@@ -20954,7 +20459,7 @@
         <p:spPr>
           <a:xfrm>
             <a:off x="1024932" y="2097088"/>
-            <a:ext cx="1464055" cy="369332"/>
+            <a:ext cx="1702710" cy="369332"/>
           </a:xfrm>
           <a:prstGeom prst="rect">
             <a:avLst/>
@@ -20968,18 +20473,26 @@
           <a:lstStyle/>
           <a:p>
             <a:r>
-              <a:rPr lang="en-US" dirty="0" smtClean="0"/>
+              <a:rPr lang="en-US" dirty="0" smtClean="0">
+                <a:latin typeface="Century Gothic" panose="020B0502020202020204" pitchFamily="34" charset="0"/>
+              </a:rPr>
               <a:t>What’s a </a:t>
             </a:r>
             <a:r>
-              <a:rPr lang="en-US" dirty="0" err="1" smtClean="0"/>
+              <a:rPr lang="en-US" dirty="0" err="1" smtClean="0">
+                <a:latin typeface="Century Gothic" panose="020B0502020202020204" pitchFamily="34" charset="0"/>
+              </a:rPr>
               <a:t>Git</a:t>
             </a:r>
             <a:r>
-              <a:rPr lang="en-US" dirty="0" smtClean="0"/>
+              <a:rPr lang="en-US" dirty="0" smtClean="0">
+                <a:latin typeface="Century Gothic" panose="020B0502020202020204" pitchFamily="34" charset="0"/>
+              </a:rPr>
               <a:t>?</a:t>
             </a:r>
-            <a:endParaRPr lang="en-US" dirty="0"/>
+            <a:endParaRPr lang="en-US" dirty="0">
+              <a:latin typeface="Century Gothic" panose="020B0502020202020204" pitchFamily="34" charset="0"/>
+            </a:endParaRPr>
           </a:p>
         </p:txBody>
       </p:sp>
@@ -21010,7 +20523,7 @@
                 <a:solidFill>
                   <a:schemeClr val="bg1"/>
                 </a:solidFill>
-                <a:latin typeface="Gill Sans MT" panose="020B0502020104020203" pitchFamily="34" charset="-18"/>
+                <a:latin typeface="Century Gothic" panose="020B0502020202020204" pitchFamily="34" charset="0"/>
               </a:rPr>
               <a:t>A completely ignorant, childish person with no manners. </a:t>
             </a:r>
@@ -21019,7 +20532,7 @@
                 <a:solidFill>
                   <a:schemeClr val="bg1"/>
                 </a:solidFill>
-                <a:latin typeface="Gill Sans MT" panose="020B0502020104020203" pitchFamily="34" charset="-18"/>
+                <a:latin typeface="Century Gothic" panose="020B0502020202020204" pitchFamily="34" charset="0"/>
               </a:rPr>
               <a:t>– http://urbandictionary.com</a:t>
             </a:r>
@@ -21027,7 +20540,7 @@
               <a:solidFill>
                 <a:schemeClr val="bg1"/>
               </a:solidFill>
-              <a:latin typeface="Gill Sans MT" panose="020B0502020104020203" pitchFamily="34" charset="-18"/>
+              <a:latin typeface="Century Gothic" panose="020B0502020202020204" pitchFamily="34" charset="0"/>
             </a:endParaRPr>
           </a:p>
         </p:txBody>
@@ -21353,7 +20866,7 @@
                 <a:solidFill>
                   <a:schemeClr val="bg1"/>
                 </a:solidFill>
-                <a:latin typeface="Gill Sans MT" panose="020B0502020104020203" pitchFamily="34" charset="-18"/>
+                <a:latin typeface="Century Gothic" panose="020B0502020202020204" pitchFamily="34" charset="0"/>
                 <a:cs typeface="Segoe UI Light" panose="020B0502040204020203" pitchFamily="34" charset="0"/>
               </a:rPr>
               <a:t>Recap: </a:t>
@@ -21363,7 +20876,7 @@
                 <a:solidFill>
                   <a:schemeClr val="bg1"/>
                 </a:solidFill>
-                <a:latin typeface="Gill Sans MT" panose="020B0502020104020203" pitchFamily="34" charset="-18"/>
+                <a:latin typeface="Century Gothic" panose="020B0502020202020204" pitchFamily="34" charset="0"/>
                 <a:cs typeface="Segoe UI Light" panose="020B0502040204020203" pitchFamily="34" charset="0"/>
               </a:rPr>
               <a:t>Git</a:t>
@@ -21373,7 +20886,7 @@
                 <a:solidFill>
                   <a:schemeClr val="bg1"/>
                 </a:solidFill>
-                <a:latin typeface="Gill Sans MT" panose="020B0502020104020203" pitchFamily="34" charset="-18"/>
+                <a:latin typeface="Century Gothic" panose="020B0502020202020204" pitchFamily="34" charset="0"/>
                 <a:cs typeface="Segoe UI Light" panose="020B0502040204020203" pitchFamily="34" charset="0"/>
               </a:rPr>
               <a:t> vs SVN</a:t>
@@ -21382,7 +20895,7 @@
               <a:solidFill>
                 <a:schemeClr val="bg1"/>
               </a:solidFill>
-              <a:latin typeface="Gill Sans MT" panose="020B0502020104020203" pitchFamily="34" charset="-18"/>
+              <a:latin typeface="Century Gothic" panose="020B0502020202020204" pitchFamily="34" charset="0"/>
               <a:cs typeface="Segoe UI Light" panose="020B0502040204020203" pitchFamily="34" charset="0"/>
             </a:endParaRPr>
           </a:p>
@@ -21410,7 +20923,7 @@
                 <a:solidFill>
                   <a:schemeClr val="bg1"/>
                 </a:solidFill>
-                <a:latin typeface="Gill Sans MT" panose="020B0502020104020203" pitchFamily="34" charset="-18"/>
+                <a:latin typeface="Century Gothic" panose="020B0502020202020204" pitchFamily="34" charset="0"/>
               </a:rPr>
               <a:t>Git</a:t>
             </a:r>
@@ -21419,7 +20932,7 @@
                 <a:solidFill>
                   <a:schemeClr val="bg1"/>
                 </a:solidFill>
-                <a:latin typeface="Gill Sans MT" panose="020B0502020104020203" pitchFamily="34" charset="-18"/>
+                <a:latin typeface="Century Gothic" panose="020B0502020202020204" pitchFamily="34" charset="0"/>
               </a:rPr>
               <a:t> is distributed, SVN is centralized</a:t>
             </a:r>
@@ -21430,7 +20943,7 @@
                 <a:solidFill>
                   <a:schemeClr val="bg1"/>
                 </a:solidFill>
-                <a:latin typeface="Gill Sans MT" panose="020B0502020104020203" pitchFamily="34" charset="-18"/>
+                <a:latin typeface="Century Gothic" panose="020B0502020202020204" pitchFamily="34" charset="0"/>
               </a:rPr>
               <a:t>Git</a:t>
             </a:r>
@@ -21439,7 +20952,7 @@
                 <a:solidFill>
                   <a:schemeClr val="bg1"/>
                 </a:solidFill>
-                <a:latin typeface="Gill Sans MT" panose="020B0502020104020203" pitchFamily="34" charset="-18"/>
+                <a:latin typeface="Century Gothic" panose="020B0502020202020204" pitchFamily="34" charset="0"/>
               </a:rPr>
               <a:t> is very good at working offline</a:t>
             </a:r>
@@ -21450,7 +20963,7 @@
                 <a:solidFill>
                   <a:schemeClr val="bg1"/>
                 </a:solidFill>
-                <a:latin typeface="Gill Sans MT" panose="020B0502020104020203" pitchFamily="34" charset="-18"/>
+                <a:latin typeface="Century Gothic" panose="020B0502020202020204" pitchFamily="34" charset="0"/>
               </a:rPr>
               <a:t>SVN requires a fast internet connection for most of the commands</a:t>
             </a:r>
@@ -21461,7 +20974,7 @@
                 <a:solidFill>
                   <a:schemeClr val="bg1"/>
                 </a:solidFill>
-                <a:latin typeface="Gill Sans MT" panose="020B0502020104020203" pitchFamily="34" charset="-18"/>
+                <a:latin typeface="Century Gothic" panose="020B0502020202020204" pitchFamily="34" charset="0"/>
               </a:rPr>
               <a:t>SVN users can’t collaborate if the server is offline</a:t>
             </a:r>
@@ -21472,7 +20985,7 @@
                 <a:solidFill>
                   <a:schemeClr val="bg1"/>
                 </a:solidFill>
-                <a:latin typeface="Gill Sans MT" panose="020B0502020104020203" pitchFamily="34" charset="-18"/>
+                <a:latin typeface="Century Gothic" panose="020B0502020202020204" pitchFamily="34" charset="0"/>
               </a:rPr>
               <a:t>Git</a:t>
             </a:r>
@@ -21481,7 +20994,7 @@
                 <a:solidFill>
                   <a:schemeClr val="bg1"/>
                 </a:solidFill>
-                <a:latin typeface="Gill Sans MT" panose="020B0502020104020203" pitchFamily="34" charset="-18"/>
+                <a:latin typeface="Century Gothic" panose="020B0502020202020204" pitchFamily="34" charset="0"/>
               </a:rPr>
               <a:t> users can add a new remote and use the code from any of the clients to restore data</a:t>
             </a:r>
@@ -21492,7 +21005,7 @@
                 <a:solidFill>
                   <a:schemeClr val="bg1"/>
                 </a:solidFill>
-                <a:latin typeface="Gill Sans MT" panose="020B0502020104020203" pitchFamily="34" charset="-18"/>
+                <a:latin typeface="Century Gothic" panose="020B0502020202020204" pitchFamily="34" charset="0"/>
               </a:rPr>
               <a:t>Git</a:t>
             </a:r>
@@ -21501,7 +21014,7 @@
                 <a:solidFill>
                   <a:schemeClr val="bg1"/>
                 </a:solidFill>
-                <a:latin typeface="Gill Sans MT" panose="020B0502020104020203" pitchFamily="34" charset="-18"/>
+                <a:latin typeface="Century Gothic" panose="020B0502020202020204" pitchFamily="34" charset="0"/>
               </a:rPr>
               <a:t> clients have a full history of the project</a:t>
             </a:r>
@@ -21509,7 +21022,7 @@
               <a:solidFill>
                 <a:schemeClr val="bg1"/>
               </a:solidFill>
-              <a:latin typeface="Gill Sans MT" panose="020B0502020104020203" pitchFamily="34" charset="-18"/>
+              <a:latin typeface="Century Gothic" panose="020B0502020202020204" pitchFamily="34" charset="0"/>
             </a:endParaRPr>
           </a:p>
         </p:txBody>
@@ -21571,7 +21084,7 @@
                 <a:solidFill>
                   <a:schemeClr val="bg1"/>
                 </a:solidFill>
-                <a:latin typeface="Gill Sans MT" panose="020B0502020104020203" pitchFamily="34" charset="-18"/>
+                <a:latin typeface="Century Gothic" panose="020B0502020202020204" pitchFamily="34" charset="0"/>
               </a:rPr>
               <a:t>Git</a:t>
             </a:r>
@@ -21580,7 +21093,7 @@
                 <a:solidFill>
                   <a:schemeClr val="bg1"/>
                 </a:solidFill>
-                <a:latin typeface="Gill Sans MT" panose="020B0502020104020203" pitchFamily="34" charset="-18"/>
+                <a:latin typeface="Century Gothic" panose="020B0502020202020204" pitchFamily="34" charset="0"/>
               </a:rPr>
               <a:t> tools</a:t>
             </a:r>
@@ -21588,7 +21101,7 @@
               <a:solidFill>
                 <a:schemeClr val="bg1"/>
               </a:solidFill>
-              <a:latin typeface="Gill Sans MT" panose="020B0502020104020203" pitchFamily="34" charset="-18"/>
+              <a:latin typeface="Century Gothic" panose="020B0502020202020204" pitchFamily="34" charset="0"/>
             </a:endParaRPr>
           </a:p>
         </p:txBody>
@@ -21613,7 +21126,7 @@
                 <a:solidFill>
                   <a:schemeClr val="bg1"/>
                 </a:solidFill>
-                <a:latin typeface="Gill Sans MT" panose="020B0502020104020203" pitchFamily="34" charset="-18"/>
+                <a:latin typeface="Century Gothic" panose="020B0502020202020204" pitchFamily="34" charset="0"/>
               </a:rPr>
               <a:t>Command-line(default)</a:t>
             </a:r>
@@ -21624,7 +21137,7 @@
                 <a:solidFill>
                   <a:schemeClr val="bg1"/>
                 </a:solidFill>
-                <a:latin typeface="Gill Sans MT" panose="020B0502020104020203" pitchFamily="34" charset="-18"/>
+                <a:latin typeface="Century Gothic" panose="020B0502020202020204" pitchFamily="34" charset="0"/>
               </a:rPr>
               <a:t>GUI</a:t>
             </a:r>
@@ -21636,7 +21149,7 @@
                 <a:solidFill>
                   <a:schemeClr val="bg1"/>
                 </a:solidFill>
-                <a:latin typeface="Gill Sans MT" panose="020B0502020104020203" pitchFamily="34" charset="-18"/>
+                <a:latin typeface="Century Gothic" panose="020B0502020202020204" pitchFamily="34" charset="0"/>
               </a:rPr>
               <a:t>Windows: </a:t>
             </a:r>
@@ -21645,7 +21158,7 @@
                 <a:solidFill>
                   <a:schemeClr val="bg1"/>
                 </a:solidFill>
-                <a:latin typeface="Gill Sans MT" panose="020B0502020104020203" pitchFamily="34" charset="-18"/>
+                <a:latin typeface="Century Gothic" panose="020B0502020202020204" pitchFamily="34" charset="0"/>
               </a:rPr>
               <a:t>Git</a:t>
             </a:r>
@@ -21654,7 +21167,7 @@
                 <a:solidFill>
                   <a:schemeClr val="bg1"/>
                 </a:solidFill>
-                <a:latin typeface="Gill Sans MT" panose="020B0502020104020203" pitchFamily="34" charset="-18"/>
+                <a:latin typeface="Century Gothic" panose="020B0502020202020204" pitchFamily="34" charset="0"/>
               </a:rPr>
               <a:t> Extensions, </a:t>
             </a:r>
@@ -21663,7 +21176,7 @@
                 <a:solidFill>
                   <a:schemeClr val="bg1"/>
                 </a:solidFill>
-                <a:latin typeface="Gill Sans MT" panose="020B0502020104020203" pitchFamily="34" charset="-18"/>
+                <a:latin typeface="Century Gothic" panose="020B0502020202020204" pitchFamily="34" charset="0"/>
               </a:rPr>
               <a:t>SourceTree</a:t>
             </a:r>
@@ -21672,7 +21185,7 @@
                 <a:solidFill>
                   <a:schemeClr val="bg1"/>
                 </a:solidFill>
-                <a:latin typeface="Gill Sans MT" panose="020B0502020104020203" pitchFamily="34" charset="-18"/>
+                <a:latin typeface="Century Gothic" panose="020B0502020202020204" pitchFamily="34" charset="0"/>
               </a:rPr>
               <a:t>, GitHub for Windows</a:t>
             </a:r>
@@ -21684,7 +21197,7 @@
                 <a:solidFill>
                   <a:schemeClr val="bg1"/>
                 </a:solidFill>
-                <a:latin typeface="Gill Sans MT" panose="020B0502020104020203" pitchFamily="34" charset="-18"/>
+                <a:latin typeface="Century Gothic" panose="020B0502020202020204" pitchFamily="34" charset="0"/>
               </a:rPr>
               <a:t>Mac: </a:t>
             </a:r>
@@ -21693,7 +21206,7 @@
                 <a:solidFill>
                   <a:schemeClr val="bg1"/>
                 </a:solidFill>
-                <a:latin typeface="Gill Sans MT" panose="020B0502020104020203" pitchFamily="34" charset="-18"/>
+                <a:latin typeface="Century Gothic" panose="020B0502020202020204" pitchFamily="34" charset="0"/>
               </a:rPr>
               <a:t>SourceTree</a:t>
             </a:r>
@@ -21702,7 +21215,7 @@
                 <a:solidFill>
                   <a:schemeClr val="bg1"/>
                 </a:solidFill>
-                <a:latin typeface="Gill Sans MT" panose="020B0502020104020203" pitchFamily="34" charset="-18"/>
+                <a:latin typeface="Century Gothic" panose="020B0502020202020204" pitchFamily="34" charset="0"/>
               </a:rPr>
               <a:t>, GitHub for Mac</a:t>
             </a:r>
@@ -21714,7 +21227,7 @@
                 <a:solidFill>
                   <a:schemeClr val="bg1"/>
                 </a:solidFill>
-                <a:latin typeface="Gill Sans MT" panose="020B0502020104020203" pitchFamily="34" charset="-18"/>
+                <a:latin typeface="Century Gothic" panose="020B0502020202020204" pitchFamily="34" charset="0"/>
               </a:rPr>
               <a:t>Linux: Giggle, </a:t>
             </a:r>
@@ -21723,7 +21236,7 @@
                 <a:solidFill>
                   <a:schemeClr val="bg1"/>
                 </a:solidFill>
-                <a:latin typeface="Gill Sans MT" panose="020B0502020104020203" pitchFamily="34" charset="-18"/>
+                <a:latin typeface="Century Gothic" panose="020B0502020202020204" pitchFamily="34" charset="0"/>
               </a:rPr>
               <a:t>Git</a:t>
             </a:r>
@@ -21732,7 +21245,7 @@
                 <a:solidFill>
                   <a:schemeClr val="bg1"/>
                 </a:solidFill>
-                <a:latin typeface="Gill Sans MT" panose="020B0502020104020203" pitchFamily="34" charset="-18"/>
+                <a:latin typeface="Century Gothic" panose="020B0502020202020204" pitchFamily="34" charset="0"/>
               </a:rPr>
               <a:t> Extensions(with Mono)</a:t>
             </a:r>
@@ -21744,7 +21257,7 @@
                 <a:solidFill>
                   <a:schemeClr val="bg1"/>
                 </a:solidFill>
-                <a:latin typeface="Gill Sans MT" panose="020B0502020104020203" pitchFamily="34" charset="-18"/>
+                <a:latin typeface="Century Gothic" panose="020B0502020202020204" pitchFamily="34" charset="0"/>
               </a:rPr>
               <a:t>A lot of IDEs have source control integrated</a:t>
             </a:r>
@@ -21752,7 +21265,7 @@
               <a:solidFill>
                 <a:schemeClr val="bg1"/>
               </a:solidFill>
-              <a:latin typeface="Gill Sans MT" panose="020B0502020104020203" pitchFamily="34" charset="-18"/>
+              <a:latin typeface="Century Gothic" panose="020B0502020202020204" pitchFamily="34" charset="0"/>
             </a:endParaRPr>
           </a:p>
         </p:txBody>
@@ -21815,7 +21328,7 @@
                 <a:solidFill>
                   <a:schemeClr val="bg1"/>
                 </a:solidFill>
-                <a:latin typeface="Gill Sans MT" panose="020B0502020104020203" pitchFamily="34" charset="-18"/>
+                <a:latin typeface="Century Gothic" panose="020B0502020202020204" pitchFamily="34" charset="0"/>
               </a:rPr>
               <a:t>how </a:t>
             </a:r>
@@ -21824,7 +21337,7 @@
                 <a:solidFill>
                   <a:schemeClr val="bg1"/>
                 </a:solidFill>
-                <a:latin typeface="Gill Sans MT" panose="020B0502020104020203" pitchFamily="34" charset="-18"/>
+                <a:latin typeface="Century Gothic" panose="020B0502020202020204" pitchFamily="34" charset="0"/>
               </a:rPr>
               <a:t>git</a:t>
             </a:r>
@@ -21833,7 +21346,7 @@
                 <a:solidFill>
                   <a:schemeClr val="bg1"/>
                 </a:solidFill>
-                <a:latin typeface="Gill Sans MT" panose="020B0502020104020203" pitchFamily="34" charset="-18"/>
+                <a:latin typeface="Century Gothic" panose="020B0502020202020204" pitchFamily="34" charset="0"/>
               </a:rPr>
               <a:t> works?</a:t>
             </a:r>
@@ -21841,7 +21354,7 @@
               <a:solidFill>
                 <a:schemeClr val="bg1"/>
               </a:solidFill>
-              <a:latin typeface="Gill Sans MT" panose="020B0502020104020203" pitchFamily="34" charset="-18"/>
+              <a:latin typeface="Century Gothic" panose="020B0502020202020204" pitchFamily="34" charset="0"/>
             </a:endParaRPr>
           </a:p>
         </p:txBody>
@@ -21866,7 +21379,7 @@
                 <a:solidFill>
                   <a:schemeClr val="bg1"/>
                 </a:solidFill>
-                <a:latin typeface="Gill Sans MT" panose="020B0502020104020203" pitchFamily="34" charset="-18"/>
+                <a:latin typeface="Century Gothic" panose="020B0502020202020204" pitchFamily="34" charset="0"/>
               </a:rPr>
               <a:t>First step, forget EVERYTHING you know about SVN</a:t>
             </a:r>
@@ -21877,7 +21390,7 @@
                 <a:solidFill>
                   <a:schemeClr val="bg1"/>
                 </a:solidFill>
-                <a:latin typeface="Gill Sans MT" panose="020B0502020104020203" pitchFamily="34" charset="-18"/>
+                <a:latin typeface="Century Gothic" panose="020B0502020202020204" pitchFamily="34" charset="0"/>
               </a:rPr>
               <a:t>Other systems store only the differences of the files</a:t>
             </a:r>
@@ -21890,7 +21403,7 @@
               <a:solidFill>
                 <a:schemeClr val="bg1"/>
               </a:solidFill>
-              <a:latin typeface="Gill Sans MT" panose="020B0502020104020203" pitchFamily="34" charset="-18"/>
+              <a:latin typeface="Century Gothic" panose="020B0502020202020204" pitchFamily="34" charset="0"/>
             </a:endParaRPr>
           </a:p>
         </p:txBody>
@@ -21994,7 +21507,7 @@
                 <a:solidFill>
                   <a:schemeClr val="bg1"/>
                 </a:solidFill>
-                <a:latin typeface="Gill Sans MT" panose="020B0502020104020203" pitchFamily="34" charset="0"/>
+                <a:latin typeface="Century Gothic" panose="020B0502020202020204" pitchFamily="34" charset="0"/>
               </a:rPr>
               <a:t>how does </a:t>
             </a:r>
@@ -22003,7 +21516,7 @@
                 <a:solidFill>
                   <a:schemeClr val="bg1"/>
                 </a:solidFill>
-                <a:latin typeface="Gill Sans MT" panose="020B0502020104020203" pitchFamily="34" charset="0"/>
+                <a:latin typeface="Century Gothic" panose="020B0502020202020204" pitchFamily="34" charset="0"/>
               </a:rPr>
               <a:t>git</a:t>
             </a:r>
@@ -22012,7 +21525,7 @@
                 <a:solidFill>
                   <a:schemeClr val="bg1"/>
                 </a:solidFill>
-                <a:latin typeface="Gill Sans MT" panose="020B0502020104020203" pitchFamily="34" charset="0"/>
+                <a:latin typeface="Century Gothic" panose="020B0502020202020204" pitchFamily="34" charset="0"/>
               </a:rPr>
               <a:t> work?</a:t>
             </a:r>
@@ -22020,7 +21533,7 @@
               <a:solidFill>
                 <a:schemeClr val="bg1"/>
               </a:solidFill>
-              <a:latin typeface="Gill Sans MT" panose="020B0502020104020203" pitchFamily="34" charset="0"/>
+              <a:latin typeface="Century Gothic" panose="020B0502020202020204" pitchFamily="34" charset="0"/>
             </a:endParaRPr>
           </a:p>
         </p:txBody>
@@ -22048,7 +21561,7 @@
                 <a:solidFill>
                   <a:schemeClr val="bg1"/>
                 </a:solidFill>
-                <a:latin typeface="Gill Sans MT" panose="020B0502020104020203" pitchFamily="34" charset="0"/>
+                <a:latin typeface="Century Gothic" panose="020B0502020202020204" pitchFamily="34" charset="0"/>
               </a:rPr>
               <a:t>Git</a:t>
             </a:r>
@@ -22057,7 +21570,7 @@
                 <a:solidFill>
                   <a:schemeClr val="bg1"/>
                 </a:solidFill>
-                <a:latin typeface="Gill Sans MT" panose="020B0502020104020203" pitchFamily="34" charset="0"/>
+                <a:latin typeface="Century Gothic" panose="020B0502020202020204" pitchFamily="34" charset="0"/>
               </a:rPr>
               <a:t> stores snapshots of the file system</a:t>
             </a:r>
@@ -22067,7 +21580,7 @@
               <a:buNone/>
             </a:pPr>
             <a:endParaRPr lang="en-US" dirty="0">
-              <a:latin typeface="Gill Sans MT" panose="020B0502020104020203" pitchFamily="34" charset="0"/>
+              <a:latin typeface="Century Gothic" panose="020B0502020202020204" pitchFamily="34" charset="0"/>
             </a:endParaRPr>
           </a:p>
         </p:txBody>
@@ -22170,7 +21683,7 @@
                 <a:solidFill>
                   <a:schemeClr val="bg1"/>
                 </a:solidFill>
-                <a:latin typeface="Gill Sans MT" panose="020B0502020104020203" pitchFamily="34" charset="-18"/>
+                <a:latin typeface="Century Gothic" panose="020B0502020202020204" pitchFamily="34" charset="0"/>
               </a:rPr>
               <a:t>how </a:t>
             </a:r>
@@ -22179,7 +21692,7 @@
                 <a:solidFill>
                   <a:schemeClr val="bg1"/>
                 </a:solidFill>
-                <a:latin typeface="Gill Sans MT" panose="020B0502020104020203" pitchFamily="34" charset="-18"/>
+                <a:latin typeface="Century Gothic" panose="020B0502020202020204" pitchFamily="34" charset="0"/>
               </a:rPr>
               <a:t>git</a:t>
             </a:r>
@@ -22188,7 +21701,7 @@
                 <a:solidFill>
                   <a:schemeClr val="bg1"/>
                 </a:solidFill>
-                <a:latin typeface="Gill Sans MT" panose="020B0502020104020203" pitchFamily="34" charset="-18"/>
+                <a:latin typeface="Century Gothic" panose="020B0502020202020204" pitchFamily="34" charset="0"/>
               </a:rPr>
               <a:t> works</a:t>
             </a:r>
@@ -22196,7 +21709,7 @@
               <a:solidFill>
                 <a:schemeClr val="bg1"/>
               </a:solidFill>
-              <a:latin typeface="Gill Sans MT" panose="020B0502020104020203" pitchFamily="34" charset="-18"/>
+              <a:latin typeface="Century Gothic" panose="020B0502020202020204" pitchFamily="34" charset="0"/>
             </a:endParaRPr>
           </a:p>
         </p:txBody>
@@ -22231,7 +21744,7 @@
                 <a:solidFill>
                   <a:schemeClr val="bg1"/>
                 </a:solidFill>
-                <a:latin typeface="Gill Sans MT" panose="020B0502020104020203" pitchFamily="34" charset="-18"/>
+                <a:latin typeface="Century Gothic" panose="020B0502020202020204" pitchFamily="34" charset="0"/>
               </a:rPr>
               <a:t>Git</a:t>
             </a:r>
@@ -22240,7 +21753,7 @@
                 <a:solidFill>
                   <a:schemeClr val="bg1"/>
                 </a:solidFill>
-                <a:latin typeface="Gill Sans MT" panose="020B0502020104020203" pitchFamily="34" charset="-18"/>
+                <a:latin typeface="Century Gothic" panose="020B0502020202020204" pitchFamily="34" charset="0"/>
               </a:rPr>
               <a:t> </a:t>
             </a:r>
@@ -22249,49 +21762,40 @@
                 <a:solidFill>
                   <a:schemeClr val="bg1"/>
                 </a:solidFill>
-                <a:latin typeface="Gill Sans MT" panose="020B0502020104020203" pitchFamily="34" charset="-18"/>
-              </a:rPr>
-              <a:t>has </a:t>
-            </a:r>
-            <a:r>
-              <a:rPr lang="en-US" sz="4400" dirty="0" smtClean="0">
+                <a:latin typeface="Century Gothic" panose="020B0502020202020204" pitchFamily="34" charset="0"/>
+              </a:rPr>
+              <a:t>has integrity</a:t>
+            </a:r>
+          </a:p>
+          <a:p>
+            <a:pPr algn="ctr"/>
+            <a:r>
+              <a:rPr lang="en-US" sz="2800" dirty="0" smtClean="0">
                 <a:solidFill>
                   <a:schemeClr val="bg1"/>
                 </a:solidFill>
-                <a:latin typeface="Gill Sans MT" panose="020B0502020104020203" pitchFamily="34" charset="-18"/>
-              </a:rPr>
-              <a:t>integrity</a:t>
+                <a:latin typeface="Century Gothic" panose="020B0502020202020204" pitchFamily="34" charset="0"/>
+              </a:rPr>
+              <a:t>Each file has it’s own checksum(SHA-1 hash)</a:t>
             </a:r>
           </a:p>
           <a:p>
             <a:pPr algn="ctr"/>
             <a:r>
+              <a:rPr lang="en-US" sz="2800" dirty="0" err="1" smtClean="0">
+                <a:solidFill>
+                  <a:schemeClr val="bg1"/>
+                </a:solidFill>
+                <a:latin typeface="Century Gothic" panose="020B0502020202020204" pitchFamily="34" charset="0"/>
+              </a:rPr>
+              <a:t>Git</a:t>
+            </a:r>
+            <a:r>
               <a:rPr lang="en-US" sz="2800" dirty="0" smtClean="0">
                 <a:solidFill>
                   <a:schemeClr val="bg1"/>
                 </a:solidFill>
-                <a:latin typeface="Gill Sans MT" panose="020B0502020104020203" pitchFamily="34" charset="-18"/>
-              </a:rPr>
-              <a:t>Each file has it’s own checksum(SHA-1 hash)</a:t>
-            </a:r>
-          </a:p>
-          <a:p>
-            <a:pPr algn="ctr"/>
-            <a:r>
-              <a:rPr lang="en-US" sz="2800" dirty="0" err="1" smtClean="0">
-                <a:solidFill>
-                  <a:schemeClr val="bg1"/>
-                </a:solidFill>
-                <a:latin typeface="Gill Sans MT" panose="020B0502020104020203" pitchFamily="34" charset="-18"/>
-              </a:rPr>
-              <a:t>Git</a:t>
-            </a:r>
-            <a:r>
-              <a:rPr lang="en-US" sz="2800" dirty="0" smtClean="0">
-                <a:solidFill>
-                  <a:schemeClr val="bg1"/>
-                </a:solidFill>
-                <a:latin typeface="Gill Sans MT" panose="020B0502020104020203" pitchFamily="34" charset="-18"/>
+                <a:latin typeface="Century Gothic" panose="020B0502020202020204" pitchFamily="34" charset="0"/>
               </a:rPr>
               <a:t> uses the checksum to detect changes and identify files</a:t>
             </a:r>
@@ -22315,7 +21819,7 @@
               <a:solidFill>
                 <a:schemeClr val="bg1"/>
               </a:solidFill>
-              <a:latin typeface="Gill Sans MT" panose="020B0502020104020203" pitchFamily="34" charset="-18"/>
+              <a:latin typeface="Century Gothic" panose="020B0502020202020204" pitchFamily="34" charset="0"/>
             </a:endParaRPr>
           </a:p>
           <a:p>
@@ -22326,7 +21830,7 @@
               <a:solidFill>
                 <a:schemeClr val="bg1"/>
               </a:solidFill>
-              <a:latin typeface="Gill Sans MT" panose="020B0502020104020203" pitchFamily="34" charset="-18"/>
+              <a:latin typeface="Century Gothic" panose="020B0502020202020204" pitchFamily="34" charset="0"/>
             </a:endParaRPr>
           </a:p>
         </p:txBody>
@@ -22388,7 +21892,7 @@
                 <a:solidFill>
                   <a:schemeClr val="bg1"/>
                 </a:solidFill>
-                <a:latin typeface="Gill Sans MT" panose="020B0502020104020203" pitchFamily="34" charset="-18"/>
+                <a:latin typeface="Century Gothic" panose="020B0502020202020204" pitchFamily="34" charset="0"/>
               </a:rPr>
               <a:t>how </a:t>
             </a:r>
@@ -22397,7 +21901,7 @@
                 <a:solidFill>
                   <a:schemeClr val="bg1"/>
                 </a:solidFill>
-                <a:latin typeface="Gill Sans MT" panose="020B0502020104020203" pitchFamily="34" charset="-18"/>
+                <a:latin typeface="Century Gothic" panose="020B0502020202020204" pitchFamily="34" charset="0"/>
               </a:rPr>
               <a:t>git</a:t>
             </a:r>
@@ -22406,7 +21910,7 @@
                 <a:solidFill>
                   <a:schemeClr val="bg1"/>
                 </a:solidFill>
-                <a:latin typeface="Gill Sans MT" panose="020B0502020104020203" pitchFamily="34" charset="-18"/>
+                <a:latin typeface="Century Gothic" panose="020B0502020202020204" pitchFamily="34" charset="0"/>
               </a:rPr>
               <a:t> works</a:t>
             </a:r>
@@ -22414,7 +21918,7 @@
               <a:solidFill>
                 <a:schemeClr val="bg1"/>
               </a:solidFill>
-              <a:latin typeface="Gill Sans MT" panose="020B0502020104020203" pitchFamily="34" charset="-18"/>
+              <a:latin typeface="Century Gothic" panose="020B0502020202020204" pitchFamily="34" charset="0"/>
             </a:endParaRPr>
           </a:p>
         </p:txBody>
@@ -22449,7 +21953,7 @@
                 <a:solidFill>
                   <a:schemeClr val="bg1"/>
                 </a:solidFill>
-                <a:latin typeface="Gill Sans MT" panose="020B0502020104020203" pitchFamily="34" charset="-18"/>
+                <a:latin typeface="Century Gothic" panose="020B0502020202020204" pitchFamily="34" charset="0"/>
               </a:rPr>
               <a:t>It’s very hard to lose data</a:t>
             </a:r>
@@ -22461,7 +21965,7 @@
                 <a:solidFill>
                   <a:schemeClr val="bg1"/>
                 </a:solidFill>
-                <a:latin typeface="Gill Sans MT" panose="020B0502020104020203" pitchFamily="34" charset="-18"/>
+                <a:latin typeface="Century Gothic" panose="020B0502020202020204" pitchFamily="34" charset="0"/>
               </a:rPr>
               <a:t>[Almost] everything is undoable</a:t>
             </a:r>
@@ -22469,7 +21973,7 @@
               <a:solidFill>
                 <a:schemeClr val="bg1"/>
               </a:solidFill>
-              <a:latin typeface="Gill Sans MT" panose="020B0502020104020203" pitchFamily="34" charset="-18"/>
+              <a:latin typeface="Century Gothic" panose="020B0502020202020204" pitchFamily="34" charset="0"/>
             </a:endParaRPr>
           </a:p>
           <a:p>
@@ -22480,7 +21984,7 @@
               <a:solidFill>
                 <a:schemeClr val="bg1"/>
               </a:solidFill>
-              <a:latin typeface="Gill Sans MT" panose="020B0502020104020203" pitchFamily="34" charset="-18"/>
+              <a:latin typeface="Century Gothic" panose="020B0502020202020204" pitchFamily="34" charset="0"/>
             </a:endParaRPr>
           </a:p>
         </p:txBody>
@@ -22544,7 +22048,7 @@
                 <a:solidFill>
                   <a:schemeClr val="bg1"/>
                 </a:solidFill>
-                <a:latin typeface="Gill Sans MT" panose="020B0502020104020203" pitchFamily="34" charset="-18"/>
+                <a:latin typeface="Century Gothic" panose="020B0502020202020204" pitchFamily="34" charset="0"/>
                 <a:cs typeface="Helvetica" panose="020B0604020202020204" pitchFamily="34" charset="0"/>
               </a:rPr>
               <a:t>About me &amp; my experience</a:t>
@@ -22553,7 +22057,7 @@
               <a:solidFill>
                 <a:schemeClr val="bg1"/>
               </a:solidFill>
-              <a:latin typeface="Gill Sans MT" panose="020B0502020104020203" pitchFamily="34" charset="-18"/>
+              <a:latin typeface="Century Gothic" panose="020B0502020202020204" pitchFamily="34" charset="0"/>
               <a:cs typeface="Helvetica" panose="020B0604020202020204" pitchFamily="34" charset="0"/>
             </a:endParaRPr>
           </a:p>
@@ -22581,7 +22085,7 @@
                 <a:solidFill>
                   <a:schemeClr val="bg1"/>
                 </a:solidFill>
-                <a:latin typeface="Gill Sans MT" panose="020B0502020104020203" pitchFamily="34" charset="-18"/>
+                <a:latin typeface="Century Gothic" panose="020B0502020202020204" pitchFamily="34" charset="0"/>
                 <a:cs typeface="Helvetica" panose="020B0604020202020204" pitchFamily="34" charset="0"/>
               </a:rPr>
               <a:t>Git</a:t>
@@ -22591,7 +22095,7 @@
                 <a:solidFill>
                   <a:schemeClr val="bg1"/>
                 </a:solidFill>
-                <a:latin typeface="Gill Sans MT" panose="020B0502020104020203" pitchFamily="34" charset="-18"/>
+                <a:latin typeface="Century Gothic" panose="020B0502020202020204" pitchFamily="34" charset="0"/>
                 <a:cs typeface="Helvetica" panose="020B0604020202020204" pitchFamily="34" charset="0"/>
               </a:rPr>
               <a:t> certifications</a:t>
@@ -22604,7 +22108,7 @@
                 <a:solidFill>
                   <a:schemeClr val="bg1"/>
                 </a:solidFill>
-                <a:latin typeface="Gill Sans MT" panose="020B0502020104020203" pitchFamily="34" charset="-18"/>
+                <a:latin typeface="Century Gothic" panose="020B0502020202020204" pitchFamily="34" charset="0"/>
                 <a:cs typeface="Helvetica" panose="020B0604020202020204" pitchFamily="34" charset="0"/>
               </a:rPr>
               <a:t>None</a:t>
@@ -22617,7 +22121,7 @@
                 <a:solidFill>
                   <a:schemeClr val="bg1"/>
                 </a:solidFill>
-                <a:latin typeface="Gill Sans MT" panose="020B0502020104020203" pitchFamily="34" charset="-18"/>
+                <a:latin typeface="Century Gothic" panose="020B0502020202020204" pitchFamily="34" charset="0"/>
                 <a:cs typeface="Helvetica" panose="020B0604020202020204" pitchFamily="34" charset="0"/>
               </a:rPr>
               <a:t>Nothing</a:t>
@@ -22630,7 +22134,7 @@
                 <a:solidFill>
                   <a:schemeClr val="bg1"/>
                 </a:solidFill>
-                <a:latin typeface="Gill Sans MT" panose="020B0502020104020203" pitchFamily="34" charset="-18"/>
+                <a:latin typeface="Century Gothic" panose="020B0502020202020204" pitchFamily="34" charset="0"/>
                 <a:cs typeface="Helvetica" panose="020B0604020202020204" pitchFamily="34" charset="0"/>
               </a:rPr>
               <a:t>0</a:t>
@@ -22642,7 +22146,7 @@
                 <a:solidFill>
                   <a:schemeClr val="bg1"/>
                 </a:solidFill>
-                <a:latin typeface="Gill Sans MT" panose="020B0502020104020203" pitchFamily="34" charset="-18"/>
+                <a:latin typeface="Century Gothic" panose="020B0502020202020204" pitchFamily="34" charset="0"/>
                 <a:cs typeface="Helvetica" panose="020B0604020202020204" pitchFamily="34" charset="0"/>
               </a:rPr>
               <a:t>Experience: </a:t>
@@ -22655,7 +22159,7 @@
                 <a:solidFill>
                   <a:schemeClr val="bg1"/>
                 </a:solidFill>
-                <a:latin typeface="Gill Sans MT" panose="020B0502020104020203" pitchFamily="34" charset="-18"/>
+                <a:latin typeface="Century Gothic" panose="020B0502020202020204" pitchFamily="34" charset="0"/>
                 <a:cs typeface="Helvetica" panose="020B0604020202020204" pitchFamily="34" charset="0"/>
               </a:rPr>
               <a:t>~3-4 years</a:t>
@@ -22991,12 +22495,13 @@
           <a:bodyPr/>
           <a:lstStyle/>
           <a:p>
+            <a:pPr algn="ctr"/>
             <a:r>
               <a:rPr lang="en-US" dirty="0" smtClean="0">
                 <a:solidFill>
                   <a:schemeClr val="bg1"/>
                 </a:solidFill>
-                <a:latin typeface="Gill Sans MT" panose="020B0502020104020203" pitchFamily="34" charset="-18"/>
+                <a:latin typeface="Century Gothic" panose="020B0502020202020204" pitchFamily="34" charset="0"/>
               </a:rPr>
               <a:t>how </a:t>
             </a:r>
@@ -23005,7 +22510,7 @@
                 <a:solidFill>
                   <a:schemeClr val="bg1"/>
                 </a:solidFill>
-                <a:latin typeface="Gill Sans MT" panose="020B0502020104020203" pitchFamily="34" charset="-18"/>
+                <a:latin typeface="Century Gothic" panose="020B0502020202020204" pitchFamily="34" charset="0"/>
               </a:rPr>
               <a:t>git</a:t>
             </a:r>
@@ -23014,15 +22519,15 @@
                 <a:solidFill>
                   <a:schemeClr val="bg1"/>
                 </a:solidFill>
-                <a:latin typeface="Gill Sans MT" panose="020B0502020104020203" pitchFamily="34" charset="-18"/>
-              </a:rPr>
-              <a:t> works</a:t>
+                <a:latin typeface="Century Gothic" panose="020B0502020202020204" pitchFamily="34" charset="0"/>
+              </a:rPr>
+              <a:t> works?</a:t>
             </a:r>
             <a:endParaRPr lang="en-US" dirty="0">
               <a:solidFill>
                 <a:schemeClr val="bg1"/>
               </a:solidFill>
-              <a:latin typeface="Gill Sans MT" panose="020B0502020104020203" pitchFamily="34" charset="-18"/>
+              <a:latin typeface="Century Gothic" panose="020B0502020202020204" pitchFamily="34" charset="0"/>
             </a:endParaRPr>
           </a:p>
         </p:txBody>
@@ -23037,63 +22542,65 @@
             <p:ph idx="1"/>
           </p:nvPr>
         </p:nvSpPr>
-        <p:spPr>
-          <a:xfrm>
-            <a:off x="849862" y="2097088"/>
-            <a:ext cx="9905999" cy="3541714"/>
-          </a:xfrm>
-        </p:spPr>
+        <p:spPr/>
         <p:txBody>
           <a:bodyPr/>
           <a:lstStyle/>
           <a:p>
-            <a:pPr marL="0" indent="0" algn="ctr">
-              <a:buNone/>
-            </a:pPr>
-            <a:r>
-              <a:rPr lang="en-US" sz="4400" dirty="0" smtClean="0">
-                <a:solidFill>
-                  <a:schemeClr val="bg1"/>
-                </a:solidFill>
-                <a:latin typeface="Gill Sans MT" panose="020B0502020104020203" pitchFamily="34" charset="-18"/>
-              </a:rPr>
-              <a:t>It’s very hard to lose </a:t>
-            </a:r>
-            <a:r>
-              <a:rPr lang="en-US" sz="4400" dirty="0" smtClean="0">
-                <a:solidFill>
-                  <a:schemeClr val="bg1"/>
-                </a:solidFill>
-                <a:latin typeface="Gill Sans MT" panose="020B0502020104020203" pitchFamily="34" charset="-18"/>
-              </a:rPr>
-              <a:t>data</a:t>
-            </a:r>
-          </a:p>
-          <a:p>
-            <a:pPr marL="0" indent="0" algn="ctr">
-              <a:buNone/>
-            </a:pPr>
-            <a:endParaRPr lang="en-US" sz="4400" dirty="0" smtClean="0">
+            <a:endParaRPr lang="en-US" dirty="0" smtClean="0">
               <a:solidFill>
                 <a:schemeClr val="bg1"/>
               </a:solidFill>
-              <a:latin typeface="Gill Sans MT" panose="020B0502020104020203" pitchFamily="34" charset="-18"/>
-            </a:endParaRPr>
-          </a:p>
-          <a:p>
-            <a:endParaRPr lang="en-US" dirty="0">
-              <a:solidFill>
-                <a:schemeClr val="bg1"/>
-              </a:solidFill>
-              <a:latin typeface="Gill Sans MT" panose="020B0502020104020203" pitchFamily="34" charset="-18"/>
+              <a:latin typeface="Century Gothic" panose="020B0502020202020204" pitchFamily="34" charset="0"/>
             </a:endParaRPr>
           </a:p>
         </p:txBody>
       </p:sp>
+      <p:pic>
+        <p:nvPicPr>
+          <p:cNvPr id="1026" name="Picture 2" descr="Working directory, staging area, and Git directory."/>
+          <p:cNvPicPr>
+            <a:picLocks noChangeAspect="1" noChangeArrowheads="1"/>
+          </p:cNvPicPr>
+          <p:nvPr/>
+        </p:nvPicPr>
+        <p:blipFill>
+          <a:blip r:embed="rId3">
+            <a:extLst>
+              <a:ext uri="{28A0092B-C50C-407E-A947-70E740481C1C}">
+                <a14:useLocalDpi xmlns:a14="http://schemas.microsoft.com/office/drawing/2010/main" val="0"/>
+              </a:ext>
+            </a:extLst>
+          </a:blip>
+          <a:srcRect/>
+          <a:stretch>
+            <a:fillRect/>
+          </a:stretch>
+        </p:blipFill>
+        <p:spPr bwMode="auto">
+          <a:xfrm>
+            <a:off x="1537398" y="2097088"/>
+            <a:ext cx="7936453" cy="4373956"/>
+          </a:xfrm>
+          <a:prstGeom prst="rect">
+            <a:avLst/>
+          </a:prstGeom>
+          <a:noFill/>
+          <a:extLst>
+            <a:ext uri="{909E8E84-426E-40DD-AFC4-6F175D3DCCD1}">
+              <a14:hiddenFill xmlns:a14="http://schemas.microsoft.com/office/drawing/2010/main">
+                <a:solidFill>
+                  <a:srgbClr val="FFFFFF"/>
+                </a:solidFill>
+              </a14:hiddenFill>
+            </a:ext>
+          </a:extLst>
+        </p:spPr>
+      </p:pic>
     </p:spTree>
     <p:extLst>
       <p:ext uri="{BB962C8B-B14F-4D97-AF65-F5344CB8AC3E}">
-        <p14:creationId xmlns:p14="http://schemas.microsoft.com/office/powerpoint/2010/main" val="2230308903"/>
+        <p14:creationId xmlns:p14="http://schemas.microsoft.com/office/powerpoint/2010/main" val="1011412187"/>
       </p:ext>
     </p:extLst>
   </p:cSld>
@@ -23137,9 +22644,16 @@
             <p:ph type="title"/>
           </p:nvPr>
         </p:nvSpPr>
-        <p:spPr/>
+        <p:spPr>
+          <a:xfrm>
+            <a:off x="838200" y="2786778"/>
+            <a:ext cx="10515600" cy="1325563"/>
+          </a:xfrm>
+        </p:spPr>
         <p:txBody>
-          <a:bodyPr/>
+          <a:bodyPr>
+            <a:normAutofit fontScale="90000"/>
+          </a:bodyPr>
           <a:lstStyle/>
           <a:p>
             <a:pPr algn="ctr"/>
@@ -23148,106 +22662,76 @@
                 <a:solidFill>
                   <a:schemeClr val="bg1"/>
                 </a:solidFill>
-                <a:latin typeface="Gill Sans MT" panose="020B0502020104020203" pitchFamily="34" charset="-18"/>
-              </a:rPr>
-              <a:t>how </a:t>
-            </a:r>
+                <a:latin typeface="Century Gothic" panose="020B0502020202020204" pitchFamily="34" charset="0"/>
+              </a:rPr>
+              <a:t>Create a repository</a:t>
+            </a:r>
+            <a:r>
+              <a:rPr lang="en-US" dirty="0" smtClean="0">
+                <a:latin typeface="Century Gothic" panose="020B0502020202020204" pitchFamily="34" charset="0"/>
+              </a:rPr>
+              <a:t/>
+            </a:r>
+            <a:br>
+              <a:rPr lang="en-US" dirty="0" smtClean="0">
+                <a:latin typeface="Century Gothic" panose="020B0502020202020204" pitchFamily="34" charset="0"/>
+              </a:rPr>
+            </a:br>
+            <a:r>
+              <a:rPr lang="en-US" dirty="0" smtClean="0">
+                <a:latin typeface="Century Gothic" panose="020B0502020202020204" pitchFamily="34" charset="0"/>
+              </a:rPr>
+              <a:t> </a:t>
+            </a:r>
+            <a:r>
+              <a:rPr lang="en-US" dirty="0" smtClean="0"/>
+              <a:t/>
+            </a:r>
+            <a:br>
+              <a:rPr lang="en-US" dirty="0" smtClean="0"/>
+            </a:br>
             <a:r>
               <a:rPr lang="en-US" dirty="0" err="1" smtClean="0">
                 <a:solidFill>
-                  <a:schemeClr val="bg1"/>
-                </a:solidFill>
-                <a:latin typeface="Gill Sans MT" panose="020B0502020104020203" pitchFamily="34" charset="-18"/>
+                  <a:srgbClr val="F15034"/>
+                </a:solidFill>
+                <a:latin typeface="Century Gothic" panose="020B0502020202020204" pitchFamily="34" charset="0"/>
               </a:rPr>
               <a:t>git</a:t>
             </a:r>
             <a:r>
               <a:rPr lang="en-US" dirty="0" smtClean="0">
                 <a:solidFill>
-                  <a:schemeClr val="bg1"/>
-                </a:solidFill>
-                <a:latin typeface="Gill Sans MT" panose="020B0502020104020203" pitchFamily="34" charset="-18"/>
-              </a:rPr>
-              <a:t> works?</a:t>
-            </a:r>
-            <a:endParaRPr lang="en-US" dirty="0">
-              <a:solidFill>
-                <a:schemeClr val="bg1"/>
-              </a:solidFill>
-              <a:latin typeface="Gill Sans MT" panose="020B0502020104020203" pitchFamily="34" charset="-18"/>
-            </a:endParaRPr>
+                  <a:srgbClr val="F15034"/>
+                </a:solidFill>
+                <a:latin typeface="Century Gothic" panose="020B0502020202020204" pitchFamily="34" charset="0"/>
+              </a:rPr>
+              <a:t> </a:t>
+            </a:r>
+            <a:r>
+              <a:rPr lang="en-US" dirty="0" err="1" smtClean="0">
+                <a:solidFill>
+                  <a:srgbClr val="F15034"/>
+                </a:solidFill>
+                <a:latin typeface="Century Gothic" panose="020B0502020202020204" pitchFamily="34" charset="0"/>
+              </a:rPr>
+              <a:t>init</a:t>
+            </a:r>
+            <a:r>
+              <a:rPr lang="en-US" dirty="0" smtClean="0"/>
+              <a:t/>
+            </a:r>
+            <a:br>
+              <a:rPr lang="en-US" dirty="0" smtClean="0"/>
+            </a:br>
+            <a:endParaRPr lang="en-US" dirty="0"/>
           </a:p>
         </p:txBody>
       </p:sp>
-      <p:sp>
-        <p:nvSpPr>
-          <p:cNvPr id="3" name="Content Placeholder 2"/>
-          <p:cNvSpPr>
-            <a:spLocks noGrp="1"/>
-          </p:cNvSpPr>
-          <p:nvPr>
-            <p:ph idx="1"/>
-          </p:nvPr>
-        </p:nvSpPr>
-        <p:spPr/>
-        <p:txBody>
-          <a:bodyPr/>
-          <a:lstStyle/>
-          <a:p>
-            <a:endParaRPr lang="en-US" dirty="0" smtClean="0">
-              <a:solidFill>
-                <a:schemeClr val="bg1"/>
-              </a:solidFill>
-              <a:latin typeface="Gill Sans MT" panose="020B0502020104020203" pitchFamily="34" charset="-18"/>
-            </a:endParaRPr>
-          </a:p>
-        </p:txBody>
-      </p:sp>
-      <p:pic>
-        <p:nvPicPr>
-          <p:cNvPr id="1026" name="Picture 2" descr="Working directory, staging area, and Git directory."/>
-          <p:cNvPicPr>
-            <a:picLocks noChangeAspect="1" noChangeArrowheads="1"/>
-          </p:cNvPicPr>
-          <p:nvPr/>
-        </p:nvPicPr>
-        <p:blipFill>
-          <a:blip r:embed="rId3">
-            <a:extLst>
-              <a:ext uri="{28A0092B-C50C-407E-A947-70E740481C1C}">
-                <a14:useLocalDpi xmlns:a14="http://schemas.microsoft.com/office/drawing/2010/main" val="0"/>
-              </a:ext>
-            </a:extLst>
-          </a:blip>
-          <a:srcRect/>
-          <a:stretch>
-            <a:fillRect/>
-          </a:stretch>
-        </p:blipFill>
-        <p:spPr bwMode="auto">
-          <a:xfrm>
-            <a:off x="1537398" y="2097088"/>
-            <a:ext cx="7936453" cy="4373956"/>
-          </a:xfrm>
-          <a:prstGeom prst="rect">
-            <a:avLst/>
-          </a:prstGeom>
-          <a:noFill/>
-          <a:extLst>
-            <a:ext uri="{909E8E84-426E-40DD-AFC4-6F175D3DCCD1}">
-              <a14:hiddenFill xmlns:a14="http://schemas.microsoft.com/office/drawing/2010/main">
-                <a:solidFill>
-                  <a:srgbClr val="FFFFFF"/>
-                </a:solidFill>
-              </a14:hiddenFill>
-            </a:ext>
-          </a:extLst>
-        </p:spPr>
-      </p:pic>
     </p:spTree>
     <p:extLst>
       <p:ext uri="{BB962C8B-B14F-4D97-AF65-F5344CB8AC3E}">
-        <p14:creationId xmlns:p14="http://schemas.microsoft.com/office/powerpoint/2010/main" val="1011412187"/>
+        <p14:creationId xmlns:p14="http://schemas.microsoft.com/office/powerpoint/2010/main" val="53998303"/>
       </p:ext>
     </p:extLst>
   </p:cSld>
@@ -23309,40 +22793,38 @@
                 <a:solidFill>
                   <a:schemeClr val="bg1"/>
                 </a:solidFill>
-                <a:latin typeface="Gill Sans MT" panose="020B0502020104020203" pitchFamily="34" charset="-18"/>
-              </a:rPr>
-              <a:t>Create a repository</a:t>
+                <a:latin typeface="Century Gothic" panose="020B0502020202020204" pitchFamily="34" charset="0"/>
+              </a:rPr>
+              <a:t>Clone a repository</a:t>
             </a:r>
             <a:r>
               <a:rPr lang="en-US" dirty="0" smtClean="0">
-                <a:latin typeface="Rockwell" panose="02060603020205020403" pitchFamily="18" charset="0"/>
+                <a:latin typeface="Century Gothic" panose="020B0502020202020204" pitchFamily="34" charset="0"/>
               </a:rPr>
               <a:t/>
             </a:r>
             <a:br>
               <a:rPr lang="en-US" dirty="0" smtClean="0">
-                <a:latin typeface="Rockwell" panose="02060603020205020403" pitchFamily="18" charset="0"/>
+                <a:latin typeface="Century Gothic" panose="020B0502020202020204" pitchFamily="34" charset="0"/>
               </a:rPr>
             </a:br>
             <a:r>
               <a:rPr lang="en-US" dirty="0" smtClean="0">
-                <a:latin typeface="Rockwell" panose="02060603020205020403" pitchFamily="18" charset="0"/>
-              </a:rPr>
-              <a:t> </a:t>
-            </a:r>
-            <a:r>
-              <a:rPr lang="en-US" dirty="0" smtClean="0"/>
+                <a:latin typeface="Century Gothic" panose="020B0502020202020204" pitchFamily="34" charset="0"/>
+              </a:rPr>
               <a:t/>
             </a:r>
             <a:br>
-              <a:rPr lang="en-US" dirty="0" smtClean="0"/>
+              <a:rPr lang="en-US" dirty="0" smtClean="0">
+                <a:latin typeface="Century Gothic" panose="020B0502020202020204" pitchFamily="34" charset="0"/>
+              </a:rPr>
             </a:br>
             <a:r>
               <a:rPr lang="en-US" dirty="0" err="1" smtClean="0">
                 <a:solidFill>
                   <a:srgbClr val="F15034"/>
                 </a:solidFill>
-                <a:latin typeface="Gill Sans MT" panose="020B0502020104020203" pitchFamily="34" charset="-18"/>
+                <a:latin typeface="Century Gothic" panose="020B0502020202020204" pitchFamily="34" charset="0"/>
               </a:rPr>
               <a:t>git</a:t>
             </a:r>
@@ -23351,34 +22833,110 @@
                 <a:solidFill>
                   <a:srgbClr val="F15034"/>
                 </a:solidFill>
-                <a:latin typeface="Gill Sans MT" panose="020B0502020104020203" pitchFamily="34" charset="-18"/>
-              </a:rPr>
-              <a:t> </a:t>
+                <a:latin typeface="Century Gothic" panose="020B0502020202020204" pitchFamily="34" charset="0"/>
+              </a:rPr>
+              <a:t> clone &lt;</a:t>
             </a:r>
             <a:r>
               <a:rPr lang="en-US" dirty="0" err="1" smtClean="0">
                 <a:solidFill>
                   <a:srgbClr val="F15034"/>
                 </a:solidFill>
-                <a:latin typeface="Gill Sans MT" panose="020B0502020104020203" pitchFamily="34" charset="-18"/>
-              </a:rPr>
-              <a:t>init</a:t>
-            </a:r>
-            <a:r>
-              <a:rPr lang="en-US" dirty="0" smtClean="0"/>
+                <a:latin typeface="Century Gothic" panose="020B0502020202020204" pitchFamily="34" charset="0"/>
+              </a:rPr>
+              <a:t>url</a:t>
+            </a:r>
+            <a:r>
+              <a:rPr lang="en-US" dirty="0" smtClean="0">
+                <a:solidFill>
+                  <a:srgbClr val="F15034"/>
+                </a:solidFill>
+                <a:latin typeface="Century Gothic" panose="020B0502020202020204" pitchFamily="34" charset="0"/>
+              </a:rPr>
+              <a:t>&gt;</a:t>
+            </a:r>
+            <a:br>
+              <a:rPr lang="en-US" dirty="0" smtClean="0">
+                <a:solidFill>
+                  <a:srgbClr val="F15034"/>
+                </a:solidFill>
+                <a:latin typeface="Century Gothic" panose="020B0502020202020204" pitchFamily="34" charset="0"/>
+              </a:rPr>
+            </a:br>
+            <a:r>
+              <a:rPr lang="en-US" dirty="0">
+                <a:solidFill>
+                  <a:srgbClr val="F15034"/>
+                </a:solidFill>
+                <a:latin typeface="Century Gothic" panose="020B0502020202020204" pitchFamily="34" charset="0"/>
+              </a:rPr>
               <a:t/>
             </a:r>
             <a:br>
-              <a:rPr lang="en-US" dirty="0" smtClean="0"/>
+              <a:rPr lang="en-US" dirty="0">
+                <a:solidFill>
+                  <a:srgbClr val="F15034"/>
+                </a:solidFill>
+                <a:latin typeface="Century Gothic" panose="020B0502020202020204" pitchFamily="34" charset="0"/>
+              </a:rPr>
             </a:br>
-            <a:endParaRPr lang="en-US" dirty="0"/>
+            <a:endParaRPr lang="en-US" dirty="0" smtClean="0">
+              <a:solidFill>
+                <a:schemeClr val="bg1"/>
+              </a:solidFill>
+              <a:latin typeface="Century Gothic" panose="020B0502020202020204" pitchFamily="34" charset="0"/>
+            </a:endParaRPr>
+          </a:p>
+        </p:txBody>
+      </p:sp>
+      <p:sp>
+        <p:nvSpPr>
+          <p:cNvPr id="3" name="TextBox 2"/>
+          <p:cNvSpPr txBox="1"/>
+          <p:nvPr/>
+        </p:nvSpPr>
+        <p:spPr>
+          <a:xfrm>
+            <a:off x="1674258" y="4397188"/>
+            <a:ext cx="9108584" cy="523220"/>
+          </a:xfrm>
+          <a:prstGeom prst="rect">
+            <a:avLst/>
+          </a:prstGeom>
+          <a:noFill/>
+        </p:spPr>
+        <p:txBody>
+          <a:bodyPr wrap="none" rtlCol="0">
+            <a:spAutoFit/>
+          </a:bodyPr>
+          <a:lstStyle/>
+          <a:p>
+            <a:pPr marL="457200" indent="-457200" algn="ctr">
+              <a:buFont typeface="Arial" panose="020B0604020202020204" pitchFamily="34" charset="0"/>
+              <a:buChar char="•"/>
+            </a:pPr>
+            <a:r>
+              <a:rPr lang="en-US" sz="2800" dirty="0" smtClean="0">
+                <a:solidFill>
+                  <a:schemeClr val="bg1"/>
+                </a:solidFill>
+                <a:latin typeface="Century Gothic" panose="020B0502020202020204" pitchFamily="34" charset="0"/>
+              </a:rPr>
+              <a:t>Support for known protocols: http(s)://, SSH, git://</a:t>
+            </a:r>
+            <a:endParaRPr lang="ro-RO" sz="2800" dirty="0">
+              <a:solidFill>
+                <a:schemeClr val="bg1"/>
+              </a:solidFill>
+              <a:latin typeface="Century Gothic" panose="020B0502020202020204" pitchFamily="34" charset="0"/>
+            </a:endParaRPr>
           </a:p>
         </p:txBody>
       </p:sp>
     </p:spTree>
     <p:extLst>
       <p:ext uri="{BB962C8B-B14F-4D97-AF65-F5344CB8AC3E}">
-        <p14:creationId xmlns:p14="http://schemas.microsoft.com/office/powerpoint/2010/main" val="53998303"/>
+        <p14:creationId xmlns:p14="http://schemas.microsoft.com/office/powerpoint/2010/main" val="18941146"/>
       </p:ext>
     </p:extLst>
   </p:cSld>
@@ -23440,142 +22998,44 @@
                 <a:solidFill>
                   <a:schemeClr val="bg1"/>
                 </a:solidFill>
-                <a:latin typeface="Gill Sans MT" panose="020B0502020104020203" pitchFamily="34" charset="-18"/>
-              </a:rPr>
-              <a:t>Clone a repository</a:t>
+                <a:latin typeface="Century Gothic" panose="020B0502020202020204" pitchFamily="34" charset="0"/>
+              </a:rPr>
+              <a:t>Check repository status</a:t>
+            </a:r>
+            <a:r>
+              <a:rPr lang="en-US" dirty="0" smtClean="0"/>
+              <a:t/>
+            </a:r>
+            <a:br>
+              <a:rPr lang="en-US" dirty="0" smtClean="0"/>
+            </a:br>
+            <a:r>
+              <a:rPr lang="en-US" dirty="0" smtClean="0"/>
+              <a:t> </a:t>
+            </a:r>
+            <a:br>
+              <a:rPr lang="en-US" dirty="0" smtClean="0"/>
+            </a:br>
+            <a:r>
+              <a:rPr lang="en-US" dirty="0" err="1" smtClean="0">
+                <a:solidFill>
+                  <a:srgbClr val="F15034"/>
+                </a:solidFill>
+                <a:latin typeface="Century Gothic" panose="020B0502020202020204" pitchFamily="34" charset="0"/>
+              </a:rPr>
+              <a:t>git</a:t>
             </a:r>
             <a:r>
               <a:rPr lang="en-US" dirty="0" smtClean="0">
-                <a:latin typeface="Rockwell" panose="02060603020205020403" pitchFamily="18" charset="0"/>
-              </a:rPr>
-              <a:t/>
-            </a:r>
-            <a:br>
-              <a:rPr lang="en-US" dirty="0" smtClean="0">
-                <a:latin typeface="Rockwell" panose="02060603020205020403" pitchFamily="18" charset="0"/>
-              </a:rPr>
-            </a:br>
-            <a:r>
-              <a:rPr lang="en-US" dirty="0" smtClean="0">
-                <a:latin typeface="Rockwell" panose="02060603020205020403" pitchFamily="18" charset="0"/>
-              </a:rPr>
-              <a:t/>
-            </a:r>
-            <a:br>
-              <a:rPr lang="en-US" dirty="0" smtClean="0">
-                <a:latin typeface="Rockwell" panose="02060603020205020403" pitchFamily="18" charset="0"/>
-              </a:rPr>
-            </a:br>
-            <a:r>
-              <a:rPr lang="en-US" dirty="0" err="1" smtClean="0">
                 <a:solidFill>
                   <a:srgbClr val="F15034"/>
                 </a:solidFill>
-                <a:latin typeface="Gill Sans MT" panose="020B0502020104020203" pitchFamily="34" charset="-18"/>
-              </a:rPr>
-              <a:t>git</a:t>
-            </a:r>
-            <a:r>
-              <a:rPr lang="en-US" dirty="0" smtClean="0">
-                <a:solidFill>
-                  <a:srgbClr val="F15034"/>
-                </a:solidFill>
-                <a:latin typeface="Gill Sans MT" panose="020B0502020104020203" pitchFamily="34" charset="-18"/>
-              </a:rPr>
-              <a:t> clone &lt;</a:t>
-            </a:r>
-            <a:r>
-              <a:rPr lang="en-US" dirty="0" err="1" smtClean="0">
-                <a:solidFill>
-                  <a:srgbClr val="F15034"/>
-                </a:solidFill>
-                <a:latin typeface="Gill Sans MT" panose="020B0502020104020203" pitchFamily="34" charset="-18"/>
-              </a:rPr>
-              <a:t>url</a:t>
-            </a:r>
-            <a:r>
-              <a:rPr lang="en-US" dirty="0" smtClean="0">
-                <a:solidFill>
-                  <a:srgbClr val="F15034"/>
-                </a:solidFill>
-                <a:latin typeface="Gill Sans MT" panose="020B0502020104020203" pitchFamily="34" charset="-18"/>
-              </a:rPr>
-              <a:t>&gt;</a:t>
-            </a:r>
-            <a:br>
-              <a:rPr lang="en-US" dirty="0" smtClean="0">
-                <a:solidFill>
-                  <a:srgbClr val="F15034"/>
-                </a:solidFill>
-                <a:latin typeface="Gill Sans MT" panose="020B0502020104020203" pitchFamily="34" charset="-18"/>
-              </a:rPr>
-            </a:br>
-            <a:r>
-              <a:rPr lang="en-US" dirty="0">
-                <a:solidFill>
-                  <a:srgbClr val="F15034"/>
-                </a:solidFill>
-                <a:latin typeface="Gill Sans MT" panose="020B0502020104020203" pitchFamily="34" charset="-18"/>
-              </a:rPr>
-              <a:t/>
-            </a:r>
-            <a:br>
-              <a:rPr lang="en-US" dirty="0">
-                <a:solidFill>
-                  <a:srgbClr val="F15034"/>
-                </a:solidFill>
-                <a:latin typeface="Gill Sans MT" panose="020B0502020104020203" pitchFamily="34" charset="-18"/>
-              </a:rPr>
-            </a:br>
+                <a:latin typeface="Century Gothic" panose="020B0502020202020204" pitchFamily="34" charset="0"/>
+              </a:rPr>
+              <a:t> status</a:t>
+            </a:r>
             <a:endParaRPr lang="en-US" dirty="0" smtClean="0">
-              <a:solidFill>
-                <a:schemeClr val="bg1"/>
-              </a:solidFill>
-              <a:latin typeface="Gill Sans MT" panose="020B0502020104020203" pitchFamily="34" charset="-18"/>
-            </a:endParaRPr>
-          </a:p>
-        </p:txBody>
-      </p:sp>
-      <p:sp>
-        <p:nvSpPr>
-          <p:cNvPr id="3" name="TextBox 2"/>
-          <p:cNvSpPr txBox="1"/>
-          <p:nvPr/>
-        </p:nvSpPr>
-        <p:spPr>
-          <a:xfrm>
-            <a:off x="2312894" y="4397188"/>
-            <a:ext cx="7831311" cy="523220"/>
-          </a:xfrm>
-          <a:prstGeom prst="rect">
-            <a:avLst/>
-          </a:prstGeom>
-          <a:noFill/>
-        </p:spPr>
-        <p:txBody>
-          <a:bodyPr wrap="none" rtlCol="0">
-            <a:spAutoFit/>
-          </a:bodyPr>
-          <a:lstStyle/>
-          <a:p>
-            <a:pPr marL="457200" indent="-457200" algn="ctr">
-              <a:buFont typeface="Arial" panose="020B0604020202020204" pitchFamily="34" charset="0"/>
-              <a:buChar char="•"/>
-            </a:pPr>
-            <a:r>
-              <a:rPr lang="en-US" sz="2800" dirty="0" smtClean="0">
-                <a:solidFill>
-                  <a:schemeClr val="bg1"/>
-                </a:solidFill>
-                <a:latin typeface="Gill Sans MT" panose="020B0502020104020203" pitchFamily="34" charset="-18"/>
-              </a:rPr>
-              <a:t>Support for known protocols: http(s)://, SSH, git://</a:t>
-            </a:r>
-            <a:endParaRPr lang="ro-RO" sz="2800" dirty="0">
-              <a:solidFill>
-                <a:schemeClr val="bg1"/>
-              </a:solidFill>
-              <a:latin typeface="Gill Sans MT" panose="020B0502020104020203" pitchFamily="34" charset="-18"/>
+              <a:latin typeface="Century Gothic" panose="020B0502020202020204" pitchFamily="34" charset="0"/>
             </a:endParaRPr>
           </a:p>
         </p:txBody>
@@ -23583,7 +23043,7 @@
     </p:spTree>
     <p:extLst>
       <p:ext uri="{BB962C8B-B14F-4D97-AF65-F5344CB8AC3E}">
-        <p14:creationId xmlns:p14="http://schemas.microsoft.com/office/powerpoint/2010/main" val="18941146"/>
+        <p14:creationId xmlns:p14="http://schemas.microsoft.com/office/powerpoint/2010/main" val="1419371930"/>
       </p:ext>
     </p:extLst>
   </p:cSld>
@@ -23627,70 +23087,103 @@
             <p:ph type="title"/>
           </p:nvPr>
         </p:nvSpPr>
+        <p:spPr/>
+        <p:txBody>
+          <a:bodyPr/>
+          <a:lstStyle/>
+          <a:p>
+            <a:endParaRPr lang="en-US" dirty="0"/>
+          </a:p>
+        </p:txBody>
+      </p:sp>
+      <p:sp>
+        <p:nvSpPr>
+          <p:cNvPr id="3" name="Content Placeholder 2"/>
+          <p:cNvSpPr>
+            <a:spLocks noGrp="1"/>
+          </p:cNvSpPr>
+          <p:nvPr>
+            <p:ph idx="1"/>
+          </p:nvPr>
+        </p:nvSpPr>
         <p:spPr>
           <a:xfrm>
-            <a:off x="838200" y="2786778"/>
-            <a:ext cx="10515600" cy="1325563"/>
+            <a:off x="1023528" y="963298"/>
+            <a:ext cx="9905999" cy="3541714"/>
           </a:xfrm>
         </p:spPr>
         <p:txBody>
           <a:bodyPr>
-            <a:normAutofit fontScale="90000"/>
+            <a:normAutofit/>
           </a:bodyPr>
           <a:lstStyle/>
           <a:p>
-            <a:pPr algn="ctr"/>
-            <a:r>
-              <a:rPr lang="en-US" dirty="0" smtClean="0">
+            <a:pPr marL="0" indent="0" algn="ctr">
+              <a:buNone/>
+            </a:pPr>
+            <a:r>
+              <a:rPr lang="en-US" sz="4000" dirty="0" smtClean="0">
                 <a:solidFill>
                   <a:schemeClr val="bg1"/>
                 </a:solidFill>
-                <a:latin typeface="Gill Sans MT" panose="020B0502020104020203" pitchFamily="34" charset="-18"/>
-              </a:rPr>
-              <a:t>Check repository status</a:t>
-            </a:r>
-            <a:r>
-              <a:rPr lang="en-US" dirty="0" smtClean="0"/>
-              <a:t/>
-            </a:r>
-            <a:br>
-              <a:rPr lang="en-US" dirty="0" smtClean="0"/>
-            </a:br>
-            <a:r>
-              <a:rPr lang="en-US" dirty="0" smtClean="0"/>
-              <a:t> </a:t>
-            </a:r>
-            <a:br>
-              <a:rPr lang="en-US" dirty="0" smtClean="0"/>
-            </a:br>
-            <a:r>
-              <a:rPr lang="en-US" dirty="0" err="1" smtClean="0">
-                <a:solidFill>
-                  <a:srgbClr val="F15034"/>
-                </a:solidFill>
-                <a:latin typeface="Lucida Console" panose="020B0609040504020204" pitchFamily="49" charset="0"/>
-              </a:rPr>
-              <a:t>git</a:t>
-            </a:r>
-            <a:r>
-              <a:rPr lang="en-US" dirty="0" smtClean="0">
-                <a:solidFill>
-                  <a:srgbClr val="F15034"/>
-                </a:solidFill>
-                <a:latin typeface="Lucida Console" panose="020B0609040504020204" pitchFamily="49" charset="0"/>
-              </a:rPr>
-              <a:t> status</a:t>
-            </a:r>
-            <a:endParaRPr lang="en-US" dirty="0" smtClean="0">
-              <a:latin typeface="Lucida Console" panose="020B0609040504020204" pitchFamily="49" charset="0"/>
+                <a:latin typeface="Century Gothic" panose="020B0502020202020204" pitchFamily="34" charset="0"/>
+              </a:rPr>
+              <a:t>tracked			untracked</a:t>
+            </a:r>
+            <a:endParaRPr lang="en-US" sz="4000" dirty="0">
+              <a:solidFill>
+                <a:schemeClr val="bg1"/>
+              </a:solidFill>
+              <a:latin typeface="Century Gothic" panose="020B0502020202020204" pitchFamily="34" charset="0"/>
             </a:endParaRPr>
           </a:p>
         </p:txBody>
       </p:sp>
+      <p:pic>
+        <p:nvPicPr>
+          <p:cNvPr id="5122" name="Picture 2" descr="http://git-scm.com/figures/18333fig0201-tn.png"/>
+          <p:cNvPicPr>
+            <a:picLocks noChangeAspect="1" noChangeArrowheads="1"/>
+          </p:cNvPicPr>
+          <p:nvPr/>
+        </p:nvPicPr>
+        <p:blipFill>
+          <a:blip r:embed="rId3">
+            <a:extLst>
+              <a:ext uri="{28A0092B-C50C-407E-A947-70E740481C1C}">
+                <a14:useLocalDpi xmlns:a14="http://schemas.microsoft.com/office/drawing/2010/main" val="0"/>
+              </a:ext>
+            </a:extLst>
+          </a:blip>
+          <a:srcRect/>
+          <a:stretch>
+            <a:fillRect/>
+          </a:stretch>
+        </p:blipFill>
+        <p:spPr bwMode="auto">
+          <a:xfrm>
+            <a:off x="2075529" y="1984361"/>
+            <a:ext cx="7801055" cy="4677696"/>
+          </a:xfrm>
+          <a:prstGeom prst="rect">
+            <a:avLst/>
+          </a:prstGeom>
+          <a:noFill/>
+          <a:extLst>
+            <a:ext uri="{909E8E84-426E-40DD-AFC4-6F175D3DCCD1}">
+              <a14:hiddenFill xmlns:a14="http://schemas.microsoft.com/office/drawing/2010/main">
+                <a:solidFill>
+                  <a:srgbClr val="FFFFFF"/>
+                </a:solidFill>
+              </a14:hiddenFill>
+            </a:ext>
+          </a:extLst>
+        </p:spPr>
+      </p:pic>
     </p:spTree>
     <p:extLst>
       <p:ext uri="{BB962C8B-B14F-4D97-AF65-F5344CB8AC3E}">
-        <p14:creationId xmlns:p14="http://schemas.microsoft.com/office/powerpoint/2010/main" val="1419371930"/>
+        <p14:creationId xmlns:p14="http://schemas.microsoft.com/office/powerpoint/2010/main" val="4226345724"/>
       </p:ext>
     </p:extLst>
   </p:cSld>
@@ -23734,103 +23227,72 @@
             <p:ph type="title"/>
           </p:nvPr>
         </p:nvSpPr>
-        <p:spPr/>
-        <p:txBody>
-          <a:bodyPr/>
-          <a:lstStyle/>
-          <a:p>
-            <a:endParaRPr lang="en-US" dirty="0"/>
-          </a:p>
-        </p:txBody>
-      </p:sp>
-      <p:sp>
-        <p:nvSpPr>
-          <p:cNvPr id="3" name="Content Placeholder 2"/>
-          <p:cNvSpPr>
-            <a:spLocks noGrp="1"/>
-          </p:cNvSpPr>
-          <p:nvPr>
-            <p:ph idx="1"/>
-          </p:nvPr>
-        </p:nvSpPr>
         <p:spPr>
           <a:xfrm>
-            <a:off x="1023528" y="963298"/>
-            <a:ext cx="9905999" cy="3541714"/>
+            <a:off x="838200" y="2786778"/>
+            <a:ext cx="10515600" cy="1325563"/>
           </a:xfrm>
         </p:spPr>
         <p:txBody>
           <a:bodyPr>
-            <a:normAutofit/>
+            <a:normAutofit fontScale="90000"/>
           </a:bodyPr>
           <a:lstStyle/>
           <a:p>
-            <a:pPr marL="0" indent="0" algn="ctr">
-              <a:buNone/>
-            </a:pPr>
-            <a:r>
-              <a:rPr lang="en-US" sz="4000" dirty="0" smtClean="0">
+            <a:pPr algn="ctr"/>
+            <a:r>
+              <a:rPr lang="en-US" dirty="0" smtClean="0">
                 <a:solidFill>
                   <a:schemeClr val="bg1"/>
                 </a:solidFill>
-                <a:latin typeface="Gill Sans MT" panose="020B0502020104020203" pitchFamily="34" charset="-18"/>
-              </a:rPr>
-              <a:t>tracked			untracked</a:t>
-            </a:r>
-            <a:endParaRPr lang="en-US" sz="4000" dirty="0">
-              <a:solidFill>
-                <a:schemeClr val="bg1"/>
-              </a:solidFill>
-              <a:latin typeface="Gill Sans MT" panose="020B0502020104020203" pitchFamily="34" charset="-18"/>
-            </a:endParaRPr>
+                <a:latin typeface="Century Gothic" panose="020B0502020202020204" pitchFamily="34" charset="0"/>
+              </a:rPr>
+              <a:t>Stage files </a:t>
+            </a:r>
+            <a:br>
+              <a:rPr lang="en-US" dirty="0" smtClean="0">
+                <a:solidFill>
+                  <a:schemeClr val="bg1"/>
+                </a:solidFill>
+                <a:latin typeface="Century Gothic" panose="020B0502020202020204" pitchFamily="34" charset="0"/>
+              </a:rPr>
+            </a:br>
+            <a:r>
+              <a:rPr lang="en-US" dirty="0" smtClean="0">
+                <a:latin typeface="Century Gothic" panose="020B0502020202020204" pitchFamily="34" charset="0"/>
+              </a:rPr>
+              <a:t/>
+            </a:r>
+            <a:br>
+              <a:rPr lang="en-US" dirty="0" smtClean="0">
+                <a:latin typeface="Century Gothic" panose="020B0502020202020204" pitchFamily="34" charset="0"/>
+              </a:rPr>
+            </a:br>
+            <a:r>
+              <a:rPr lang="en-US" dirty="0" err="1" smtClean="0">
+                <a:solidFill>
+                  <a:srgbClr val="F15034"/>
+                </a:solidFill>
+                <a:latin typeface="Century Gothic" panose="020B0502020202020204" pitchFamily="34" charset="0"/>
+              </a:rPr>
+              <a:t>git</a:t>
+            </a:r>
+            <a:r>
+              <a:rPr lang="en-US" dirty="0" smtClean="0">
+                <a:solidFill>
+                  <a:srgbClr val="F15034"/>
+                </a:solidFill>
+                <a:latin typeface="Century Gothic" panose="020B0502020202020204" pitchFamily="34" charset="0"/>
+              </a:rPr>
+              <a:t> add</a:t>
+            </a:r>
           </a:p>
         </p:txBody>
       </p:sp>
-      <p:pic>
-        <p:nvPicPr>
-          <p:cNvPr id="5122" name="Picture 2" descr="http://git-scm.com/figures/18333fig0201-tn.png"/>
-          <p:cNvPicPr>
-            <a:picLocks noChangeAspect="1" noChangeArrowheads="1"/>
-          </p:cNvPicPr>
-          <p:nvPr/>
-        </p:nvPicPr>
-        <p:blipFill>
-          <a:blip r:embed="rId3">
-            <a:extLst>
-              <a:ext uri="{28A0092B-C50C-407E-A947-70E740481C1C}">
-                <a14:useLocalDpi xmlns:a14="http://schemas.microsoft.com/office/drawing/2010/main" val="0"/>
-              </a:ext>
-            </a:extLst>
-          </a:blip>
-          <a:srcRect/>
-          <a:stretch>
-            <a:fillRect/>
-          </a:stretch>
-        </p:blipFill>
-        <p:spPr bwMode="auto">
-          <a:xfrm>
-            <a:off x="2075529" y="1984361"/>
-            <a:ext cx="7801055" cy="4677696"/>
-          </a:xfrm>
-          <a:prstGeom prst="rect">
-            <a:avLst/>
-          </a:prstGeom>
-          <a:noFill/>
-          <a:extLst>
-            <a:ext uri="{909E8E84-426E-40DD-AFC4-6F175D3DCCD1}">
-              <a14:hiddenFill xmlns:a14="http://schemas.microsoft.com/office/drawing/2010/main">
-                <a:solidFill>
-                  <a:srgbClr val="FFFFFF"/>
-                </a:solidFill>
-              </a14:hiddenFill>
-            </a:ext>
-          </a:extLst>
-        </p:spPr>
-      </p:pic>
     </p:spTree>
     <p:extLst>
       <p:ext uri="{BB962C8B-B14F-4D97-AF65-F5344CB8AC3E}">
-        <p14:creationId xmlns:p14="http://schemas.microsoft.com/office/powerpoint/2010/main" val="4226345724"/>
+        <p14:creationId xmlns:p14="http://schemas.microsoft.com/office/powerpoint/2010/main" val="141712516"/>
       </p:ext>
     </p:extLst>
   </p:cSld>
@@ -23876,7 +23338,7 @@
         </p:nvSpPr>
         <p:spPr>
           <a:xfrm>
-            <a:off x="838200" y="2786778"/>
+            <a:off x="828152" y="2756633"/>
             <a:ext cx="10515600" cy="1325563"/>
           </a:xfrm>
         </p:spPr>
@@ -23892,27 +23354,30 @@
                 <a:solidFill>
                   <a:schemeClr val="bg1"/>
                 </a:solidFill>
-                <a:latin typeface="Gill Sans MT" panose="020B0502020104020203" pitchFamily="34" charset="-18"/>
-              </a:rPr>
-              <a:t>Stage files </a:t>
+                <a:latin typeface="Century Gothic" panose="020B0502020202020204" pitchFamily="34" charset="0"/>
+              </a:rPr>
+              <a:t>Create a snapshot </a:t>
+            </a:r>
+            <a:r>
+              <a:rPr lang="en-US" dirty="0" smtClean="0">
+                <a:latin typeface="Century Gothic" panose="020B0502020202020204" pitchFamily="34" charset="0"/>
+              </a:rPr>
+              <a:t/>
             </a:r>
             <a:br>
               <a:rPr lang="en-US" dirty="0" smtClean="0">
-                <a:solidFill>
-                  <a:schemeClr val="bg1"/>
-                </a:solidFill>
-                <a:latin typeface="Gill Sans MT" panose="020B0502020104020203" pitchFamily="34" charset="-18"/>
+                <a:latin typeface="Century Gothic" panose="020B0502020202020204" pitchFamily="34" charset="0"/>
               </a:rPr>
             </a:br>
             <a:r>
               <a:rPr lang="en-US" dirty="0" smtClean="0">
-                <a:latin typeface="Lucida Console" panose="020B0609040504020204" pitchFamily="49" charset="0"/>
+                <a:latin typeface="Century Gothic" panose="020B0502020202020204" pitchFamily="34" charset="0"/>
               </a:rPr>
               <a:t/>
             </a:r>
             <a:br>
               <a:rPr lang="en-US" dirty="0" smtClean="0">
-                <a:latin typeface="Lucida Console" panose="020B0609040504020204" pitchFamily="49" charset="0"/>
+                <a:latin typeface="Century Gothic" panose="020B0502020202020204" pitchFamily="34" charset="0"/>
               </a:rPr>
             </a:br>
             <a:r>
@@ -23920,7 +23385,7 @@
                 <a:solidFill>
                   <a:srgbClr val="F15034"/>
                 </a:solidFill>
-                <a:latin typeface="Lucida Console" panose="020B0609040504020204" pitchFamily="49" charset="0"/>
+                <a:latin typeface="Century Gothic" panose="020B0502020202020204" pitchFamily="34" charset="0"/>
               </a:rPr>
               <a:t>git</a:t>
             </a:r>
@@ -23929,17 +23394,23 @@
                 <a:solidFill>
                   <a:srgbClr val="F15034"/>
                 </a:solidFill>
-                <a:latin typeface="Lucida Console" panose="020B0609040504020204" pitchFamily="49" charset="0"/>
-              </a:rPr>
-              <a:t> add</a:t>
-            </a:r>
+                <a:latin typeface="Century Gothic" panose="020B0502020202020204" pitchFamily="34" charset="0"/>
+              </a:rPr>
+              <a:t> commit</a:t>
+            </a:r>
+            <a:endParaRPr lang="en-US" dirty="0">
+              <a:solidFill>
+                <a:srgbClr val="F15034"/>
+              </a:solidFill>
+              <a:latin typeface="Century Gothic" panose="020B0502020202020204" pitchFamily="34" charset="0"/>
+            </a:endParaRPr>
           </a:p>
         </p:txBody>
       </p:sp>
     </p:spTree>
     <p:extLst>
       <p:ext uri="{BB962C8B-B14F-4D97-AF65-F5344CB8AC3E}">
-        <p14:creationId xmlns:p14="http://schemas.microsoft.com/office/powerpoint/2010/main" val="141712516"/>
+        <p14:creationId xmlns:p14="http://schemas.microsoft.com/office/powerpoint/2010/main" val="1929621067"/>
       </p:ext>
     </p:extLst>
   </p:cSld>
@@ -24001,30 +23472,30 @@
                 <a:solidFill>
                   <a:schemeClr val="bg1"/>
                 </a:solidFill>
-                <a:latin typeface="Gill Sans MT" panose="020B0502020104020203" pitchFamily="34" charset="-18"/>
-              </a:rPr>
-              <a:t>Create a snapshot </a:t>
+                <a:latin typeface="Century Gothic" panose="020B0502020202020204" pitchFamily="34" charset="0"/>
+              </a:rPr>
+              <a:t>Amend a commit</a:t>
             </a:r>
             <a:r>
               <a:rPr lang="en-US" dirty="0" smtClean="0">
-                <a:latin typeface="Rockwell" panose="02060603020205020403" pitchFamily="18" charset="0"/>
+                <a:latin typeface="Century Gothic" panose="020B0502020202020204" pitchFamily="34" charset="0"/>
               </a:rPr>
               <a:t/>
             </a:r>
             <a:br>
               <a:rPr lang="en-US" dirty="0" smtClean="0">
-                <a:latin typeface="Rockwell" panose="02060603020205020403" pitchFamily="18" charset="0"/>
+                <a:latin typeface="Century Gothic" panose="020B0502020202020204" pitchFamily="34" charset="0"/>
               </a:rPr>
             </a:br>
             <a:r>
               <a:rPr lang="en-US" dirty="0" smtClean="0">
-                <a:latin typeface="Rockwell" panose="02060603020205020403" pitchFamily="18" charset="0"/>
+                <a:latin typeface="Century Gothic" panose="020B0502020202020204" pitchFamily="34" charset="0"/>
               </a:rPr>
               <a:t/>
             </a:r>
             <a:br>
               <a:rPr lang="en-US" dirty="0" smtClean="0">
-                <a:latin typeface="Rockwell" panose="02060603020205020403" pitchFamily="18" charset="0"/>
+                <a:latin typeface="Century Gothic" panose="020B0502020202020204" pitchFamily="34" charset="0"/>
               </a:rPr>
             </a:br>
             <a:r>
@@ -24032,7 +23503,7 @@
                 <a:solidFill>
                   <a:srgbClr val="F15034"/>
                 </a:solidFill>
-                <a:latin typeface="Lucida Console" panose="020B0609040504020204" pitchFamily="49" charset="0"/>
+                <a:latin typeface="Century Gothic" panose="020B0502020202020204" pitchFamily="34" charset="0"/>
               </a:rPr>
               <a:t>git</a:t>
             </a:r>
@@ -24041,15 +23512,15 @@
                 <a:solidFill>
                   <a:srgbClr val="F15034"/>
                 </a:solidFill>
-                <a:latin typeface="Lucida Console" panose="020B0609040504020204" pitchFamily="49" charset="0"/>
-              </a:rPr>
-              <a:t> commit</a:t>
+                <a:latin typeface="Century Gothic" panose="020B0502020202020204" pitchFamily="34" charset="0"/>
+              </a:rPr>
+              <a:t> amend</a:t>
             </a:r>
             <a:endParaRPr lang="en-US" dirty="0">
               <a:solidFill>
                 <a:srgbClr val="F15034"/>
               </a:solidFill>
-              <a:latin typeface="Lucida Console" panose="020B0609040504020204" pitchFamily="49" charset="0"/>
+              <a:latin typeface="Century Gothic" panose="020B0502020202020204" pitchFamily="34" charset="0"/>
             </a:endParaRPr>
           </a:p>
         </p:txBody>
@@ -24057,7 +23528,7 @@
     </p:spTree>
     <p:extLst>
       <p:ext uri="{BB962C8B-B14F-4D97-AF65-F5344CB8AC3E}">
-        <p14:creationId xmlns:p14="http://schemas.microsoft.com/office/powerpoint/2010/main" val="1929621067"/>
+        <p14:creationId xmlns:p14="http://schemas.microsoft.com/office/powerpoint/2010/main" val="2475284545"/>
       </p:ext>
     </p:extLst>
   </p:cSld>
@@ -24103,124 +23574,6 @@
         </p:nvSpPr>
         <p:spPr>
           <a:xfrm>
-            <a:off x="828152" y="2756633"/>
-            <a:ext cx="10515600" cy="1325563"/>
-          </a:xfrm>
-        </p:spPr>
-        <p:txBody>
-          <a:bodyPr>
-            <a:normAutofit fontScale="90000"/>
-          </a:bodyPr>
-          <a:lstStyle/>
-          <a:p>
-            <a:pPr algn="ctr"/>
-            <a:r>
-              <a:rPr lang="en-US" dirty="0" smtClean="0">
-                <a:solidFill>
-                  <a:schemeClr val="bg1"/>
-                </a:solidFill>
-                <a:latin typeface="Gill Sans MT" panose="020B0502020104020203" pitchFamily="34" charset="-18"/>
-              </a:rPr>
-              <a:t>Amend a commit</a:t>
-            </a:r>
-            <a:r>
-              <a:rPr lang="en-US" dirty="0" smtClean="0">
-                <a:latin typeface="Rockwell" panose="02060603020205020403" pitchFamily="18" charset="0"/>
-              </a:rPr>
-              <a:t/>
-            </a:r>
-            <a:br>
-              <a:rPr lang="en-US" dirty="0" smtClean="0">
-                <a:latin typeface="Rockwell" panose="02060603020205020403" pitchFamily="18" charset="0"/>
-              </a:rPr>
-            </a:br>
-            <a:r>
-              <a:rPr lang="en-US" dirty="0" smtClean="0">
-                <a:latin typeface="Rockwell" panose="02060603020205020403" pitchFamily="18" charset="0"/>
-              </a:rPr>
-              <a:t/>
-            </a:r>
-            <a:br>
-              <a:rPr lang="en-US" dirty="0" smtClean="0">
-                <a:latin typeface="Rockwell" panose="02060603020205020403" pitchFamily="18" charset="0"/>
-              </a:rPr>
-            </a:br>
-            <a:r>
-              <a:rPr lang="en-US" dirty="0" err="1" smtClean="0">
-                <a:solidFill>
-                  <a:srgbClr val="F15034"/>
-                </a:solidFill>
-                <a:latin typeface="Lucida Console" panose="020B0609040504020204" pitchFamily="49" charset="0"/>
-              </a:rPr>
-              <a:t>git</a:t>
-            </a:r>
-            <a:r>
-              <a:rPr lang="en-US" dirty="0" smtClean="0">
-                <a:solidFill>
-                  <a:srgbClr val="F15034"/>
-                </a:solidFill>
-                <a:latin typeface="Lucida Console" panose="020B0609040504020204" pitchFamily="49" charset="0"/>
-              </a:rPr>
-              <a:t> amend</a:t>
-            </a:r>
-            <a:endParaRPr lang="en-US" dirty="0">
-              <a:solidFill>
-                <a:srgbClr val="F15034"/>
-              </a:solidFill>
-              <a:latin typeface="Lucida Console" panose="020B0609040504020204" pitchFamily="49" charset="0"/>
-            </a:endParaRPr>
-          </a:p>
-        </p:txBody>
-      </p:sp>
-    </p:spTree>
-    <p:extLst>
-      <p:ext uri="{BB962C8B-B14F-4D97-AF65-F5344CB8AC3E}">
-        <p14:creationId xmlns:p14="http://schemas.microsoft.com/office/powerpoint/2010/main" val="2475284545"/>
-      </p:ext>
-    </p:extLst>
-  </p:cSld>
-  <p:clrMapOvr>
-    <a:masterClrMapping/>
-  </p:clrMapOvr>
-  <p:timing>
-    <p:tnLst>
-      <p:par>
-        <p:cTn id="1" dur="indefinite" restart="never" nodeType="tmRoot"/>
-      </p:par>
-    </p:tnLst>
-  </p:timing>
-</p:sld>
-</file>
-
-<file path=ppt/slides/slide29.xml><?xml version="1.0" encoding="utf-8"?>
-<p:sld xmlns:a="http://schemas.openxmlformats.org/drawingml/2006/main" xmlns:r="http://schemas.openxmlformats.org/officeDocument/2006/relationships" xmlns:p="http://schemas.openxmlformats.org/presentationml/2006/main" showMasterSp="0">
-  <p:cSld>
-    <p:spTree>
-      <p:nvGrpSpPr>
-        <p:cNvPr id="1" name=""/>
-        <p:cNvGrpSpPr/>
-        <p:nvPr/>
-      </p:nvGrpSpPr>
-      <p:grpSpPr>
-        <a:xfrm>
-          <a:off x="0" y="0"/>
-          <a:ext cx="0" cy="0"/>
-          <a:chOff x="0" y="0"/>
-          <a:chExt cx="0" cy="0"/>
-        </a:xfrm>
-      </p:grpSpPr>
-      <p:sp>
-        <p:nvSpPr>
-          <p:cNvPr id="2" name="Title 1"/>
-          <p:cNvSpPr>
-            <a:spLocks noGrp="1"/>
-          </p:cNvSpPr>
-          <p:nvPr>
-            <p:ph type="title"/>
-          </p:nvPr>
-        </p:nvSpPr>
-        <p:spPr>
-          <a:xfrm>
             <a:off x="576942" y="2873917"/>
             <a:ext cx="10515600" cy="1325563"/>
           </a:xfrm>
@@ -24237,7 +23590,7 @@
                 <a:solidFill>
                   <a:schemeClr val="bg1"/>
                 </a:solidFill>
-                <a:latin typeface="Gill Sans MT" panose="020B0502020104020203" pitchFamily="34" charset="-18"/>
+                <a:latin typeface="Century Gothic" panose="020B0502020202020204" pitchFamily="34" charset="0"/>
               </a:rPr>
               <a:t>IgnorE</a:t>
             </a:r>
@@ -24246,37 +23599,37 @@
                 <a:solidFill>
                   <a:schemeClr val="bg1"/>
                 </a:solidFill>
-                <a:latin typeface="Gill Sans MT" panose="020B0502020104020203" pitchFamily="34" charset="-18"/>
+                <a:latin typeface="Century Gothic" panose="020B0502020202020204" pitchFamily="34" charset="0"/>
               </a:rPr>
               <a:t> files</a:t>
             </a:r>
             <a:r>
               <a:rPr lang="en-US" dirty="0" smtClean="0">
-                <a:latin typeface="Rockwell" panose="02060603020205020403" pitchFamily="18" charset="0"/>
+                <a:latin typeface="Century Gothic" panose="020B0502020202020204" pitchFamily="34" charset="0"/>
               </a:rPr>
               <a:t/>
             </a:r>
             <a:br>
               <a:rPr lang="en-US" dirty="0" smtClean="0">
-                <a:latin typeface="Rockwell" panose="02060603020205020403" pitchFamily="18" charset="0"/>
+                <a:latin typeface="Century Gothic" panose="020B0502020202020204" pitchFamily="34" charset="0"/>
               </a:rPr>
             </a:br>
             <a:r>
               <a:rPr lang="en-US" dirty="0" smtClean="0">
-                <a:latin typeface="Rockwell" panose="02060603020205020403" pitchFamily="18" charset="0"/>
+                <a:latin typeface="Century Gothic" panose="020B0502020202020204" pitchFamily="34" charset="0"/>
               </a:rPr>
               <a:t/>
             </a:r>
             <a:br>
               <a:rPr lang="en-US" dirty="0" smtClean="0">
-                <a:latin typeface="Rockwell" panose="02060603020205020403" pitchFamily="18" charset="0"/>
+                <a:latin typeface="Century Gothic" panose="020B0502020202020204" pitchFamily="34" charset="0"/>
               </a:rPr>
             </a:br>
             <a:endParaRPr lang="en-US" dirty="0">
               <a:solidFill>
                 <a:srgbClr val="F15034"/>
               </a:solidFill>
-              <a:latin typeface="Gill Sans MT" panose="020B0502020104020203" pitchFamily="34" charset="0"/>
+              <a:latin typeface="Century Gothic" panose="020B0502020202020204" pitchFamily="34" charset="0"/>
             </a:endParaRPr>
           </a:p>
         </p:txBody>
@@ -24309,6 +23662,7 @@
                 <a:solidFill>
                   <a:srgbClr val="F15034"/>
                 </a:solidFill>
+                <a:latin typeface="Century Gothic" panose="020B0502020202020204" pitchFamily="34" charset="0"/>
               </a:rPr>
               <a:t>.</a:t>
             </a:r>
@@ -24317,6 +23671,7 @@
                 <a:solidFill>
                   <a:srgbClr val="F15034"/>
                 </a:solidFill>
+                <a:latin typeface="Century Gothic" panose="020B0502020202020204" pitchFamily="34" charset="0"/>
               </a:rPr>
               <a:t>gitignore</a:t>
             </a:r>
@@ -24324,6 +23679,7 @@
               <a:solidFill>
                 <a:srgbClr val="F15034"/>
               </a:solidFill>
+              <a:latin typeface="Century Gothic" panose="020B0502020202020204" pitchFamily="34" charset="0"/>
             </a:endParaRPr>
           </a:p>
         </p:txBody>
@@ -24419,6 +23775,117 @@
 </p:sld>
 </file>
 
+<file path=ppt/slides/slide29.xml><?xml version="1.0" encoding="utf-8"?>
+<p:sld xmlns:a="http://schemas.openxmlformats.org/drawingml/2006/main" xmlns:r="http://schemas.openxmlformats.org/officeDocument/2006/relationships" xmlns:p="http://schemas.openxmlformats.org/presentationml/2006/main" showMasterSp="0">
+  <p:cSld>
+    <p:spTree>
+      <p:nvGrpSpPr>
+        <p:cNvPr id="1" name=""/>
+        <p:cNvGrpSpPr/>
+        <p:nvPr/>
+      </p:nvGrpSpPr>
+      <p:grpSpPr>
+        <a:xfrm>
+          <a:off x="0" y="0"/>
+          <a:ext cx="0" cy="0"/>
+          <a:chOff x="0" y="0"/>
+          <a:chExt cx="0" cy="0"/>
+        </a:xfrm>
+      </p:grpSpPr>
+      <p:sp>
+        <p:nvSpPr>
+          <p:cNvPr id="2" name="Title 1"/>
+          <p:cNvSpPr>
+            <a:spLocks noGrp="1"/>
+          </p:cNvSpPr>
+          <p:nvPr>
+            <p:ph type="title"/>
+          </p:nvPr>
+        </p:nvSpPr>
+        <p:spPr>
+          <a:xfrm>
+            <a:off x="838200" y="2786778"/>
+            <a:ext cx="10515600" cy="1325563"/>
+          </a:xfrm>
+        </p:spPr>
+        <p:txBody>
+          <a:bodyPr>
+            <a:normAutofit fontScale="90000"/>
+          </a:bodyPr>
+          <a:lstStyle/>
+          <a:p>
+            <a:pPr algn="ctr"/>
+            <a:r>
+              <a:rPr lang="en-US" dirty="0" smtClean="0">
+                <a:solidFill>
+                  <a:schemeClr val="bg1"/>
+                </a:solidFill>
+                <a:latin typeface="Century Gothic" panose="020B0502020202020204" pitchFamily="34" charset="0"/>
+              </a:rPr>
+              <a:t>THE END</a:t>
+            </a:r>
+            <a:br>
+              <a:rPr lang="en-US" dirty="0" smtClean="0">
+                <a:solidFill>
+                  <a:schemeClr val="bg1"/>
+                </a:solidFill>
+                <a:latin typeface="Century Gothic" panose="020B0502020202020204" pitchFamily="34" charset="0"/>
+              </a:rPr>
+            </a:br>
+            <a:r>
+              <a:rPr lang="en-US" dirty="0">
+                <a:latin typeface="Century Gothic" panose="020B0502020202020204" pitchFamily="34" charset="0"/>
+              </a:rPr>
+              <a:t/>
+            </a:r>
+            <a:br>
+              <a:rPr lang="en-US" dirty="0">
+                <a:latin typeface="Century Gothic" panose="020B0502020202020204" pitchFamily="34" charset="0"/>
+              </a:rPr>
+            </a:br>
+            <a:r>
+              <a:rPr lang="en-US" dirty="0">
+                <a:latin typeface="Century Gothic" panose="020B0502020202020204" pitchFamily="34" charset="0"/>
+              </a:rPr>
+              <a:t>Resources:</a:t>
+            </a:r>
+            <a:br>
+              <a:rPr lang="en-US" dirty="0">
+                <a:latin typeface="Century Gothic" panose="020B0502020202020204" pitchFamily="34" charset="0"/>
+              </a:rPr>
+            </a:br>
+            <a:r>
+              <a:rPr lang="en-US" dirty="0">
+                <a:solidFill>
+                  <a:srgbClr val="F15034"/>
+                </a:solidFill>
+                <a:latin typeface="Century Gothic" panose="020B0502020202020204" pitchFamily="34" charset="0"/>
+              </a:rPr>
+              <a:t>http://git-scm.com/</a:t>
+            </a:r>
+          </a:p>
+        </p:txBody>
+      </p:sp>
+    </p:spTree>
+    <p:extLst>
+      <p:ext uri="{BB962C8B-B14F-4D97-AF65-F5344CB8AC3E}">
+        <p14:creationId xmlns:p14="http://schemas.microsoft.com/office/powerpoint/2010/main" val="2980692305"/>
+      </p:ext>
+    </p:extLst>
+  </p:cSld>
+  <p:clrMapOvr>
+    <a:masterClrMapping/>
+  </p:clrMapOvr>
+  <p:timing>
+    <p:tnLst>
+      <p:par>
+        <p:cTn id="1" dur="indefinite" restart="never" nodeType="tmRoot"/>
+      </p:par>
+    </p:tnLst>
+  </p:timing>
+</p:sld>
+</file>
+
 <file path=ppt/slides/slide3.xml><?xml version="1.0" encoding="utf-8"?>
 <p:sld xmlns:a="http://schemas.openxmlformats.org/drawingml/2006/main" xmlns:r="http://schemas.openxmlformats.org/officeDocument/2006/relationships" xmlns:p="http://schemas.openxmlformats.org/presentationml/2006/main" showMasterSp="0">
   <p:cSld>
@@ -24456,7 +23923,7 @@
                 <a:solidFill>
                   <a:schemeClr val="bg1"/>
                 </a:solidFill>
-                <a:latin typeface="Gill Sans MT" panose="020B0502020104020203" pitchFamily="34" charset="-18"/>
+                <a:latin typeface="Century Gothic" panose="020B0502020202020204" pitchFamily="34" charset="0"/>
                 <a:cs typeface="Helvetica" panose="020B0604020202020204" pitchFamily="34" charset="0"/>
               </a:rPr>
               <a:t>What will you learn?</a:t>
@@ -24465,7 +23932,7 @@
               <a:solidFill>
                 <a:schemeClr val="bg1"/>
               </a:solidFill>
-              <a:latin typeface="Gill Sans MT" panose="020B0502020104020203" pitchFamily="34" charset="-18"/>
+              <a:latin typeface="Century Gothic" panose="020B0502020202020204" pitchFamily="34" charset="0"/>
               <a:cs typeface="Helvetica" panose="020B0604020202020204" pitchFamily="34" charset="0"/>
             </a:endParaRPr>
           </a:p>
@@ -24496,7 +23963,7 @@
                 <a:solidFill>
                   <a:srgbClr val="F15034"/>
                 </a:solidFill>
-                <a:latin typeface="Gill Sans MT" panose="020B0502020104020203" pitchFamily="34" charset="-18"/>
+                <a:latin typeface="Century Gothic" panose="020B0502020202020204" pitchFamily="34" charset="0"/>
                 <a:cs typeface="Helvetica" panose="020B0604020202020204" pitchFamily="34" charset="0"/>
               </a:rPr>
               <a:t>Course 1.0</a:t>
@@ -24508,7 +23975,7 @@
                 <a:solidFill>
                   <a:schemeClr val="bg1"/>
                 </a:solidFill>
-                <a:latin typeface="Gill Sans MT" panose="020B0502020104020203" pitchFamily="34" charset="-18"/>
+                <a:latin typeface="Century Gothic" panose="020B0502020202020204" pitchFamily="34" charset="0"/>
                 <a:cs typeface="Helvetica" panose="020B0604020202020204" pitchFamily="34" charset="0"/>
               </a:rPr>
               <a:t>Introduction to </a:t>
@@ -24518,7 +23985,7 @@
                 <a:solidFill>
                   <a:schemeClr val="bg1"/>
                 </a:solidFill>
-                <a:latin typeface="Gill Sans MT" panose="020B0502020104020203" pitchFamily="34" charset="-18"/>
+                <a:latin typeface="Century Gothic" panose="020B0502020202020204" pitchFamily="34" charset="0"/>
                 <a:cs typeface="Helvetica" panose="020B0604020202020204" pitchFamily="34" charset="0"/>
               </a:rPr>
               <a:t>Git</a:t>
@@ -24527,7 +23994,7 @@
               <a:solidFill>
                 <a:schemeClr val="bg1"/>
               </a:solidFill>
-              <a:latin typeface="Gill Sans MT" panose="020B0502020104020203" pitchFamily="34" charset="-18"/>
+              <a:latin typeface="Century Gothic" panose="020B0502020202020204" pitchFamily="34" charset="0"/>
               <a:cs typeface="Helvetica" panose="020B0604020202020204" pitchFamily="34" charset="0"/>
             </a:endParaRPr>
           </a:p>
@@ -24538,7 +24005,7 @@
                 <a:solidFill>
                   <a:schemeClr val="bg1"/>
                 </a:solidFill>
-                <a:latin typeface="Gill Sans MT" panose="020B0502020104020203" pitchFamily="34" charset="-18"/>
+                <a:latin typeface="Century Gothic" panose="020B0502020202020204" pitchFamily="34" charset="0"/>
                 <a:cs typeface="Helvetica" panose="020B0604020202020204" pitchFamily="34" charset="0"/>
               </a:rPr>
               <a:t>History</a:t>
@@ -24551,7 +24018,7 @@
                 <a:solidFill>
                   <a:schemeClr val="bg1"/>
                 </a:solidFill>
-                <a:latin typeface="Gill Sans MT" panose="020B0502020104020203" pitchFamily="34" charset="-18"/>
+                <a:latin typeface="Century Gothic" panose="020B0502020202020204" pitchFamily="34" charset="0"/>
                 <a:cs typeface="Helvetica" panose="020B0604020202020204" pitchFamily="34" charset="0"/>
               </a:rPr>
               <a:t>Git</a:t>
@@ -24561,7 +24028,7 @@
                 <a:solidFill>
                   <a:schemeClr val="bg1"/>
                 </a:solidFill>
-                <a:latin typeface="Gill Sans MT" panose="020B0502020104020203" pitchFamily="34" charset="-18"/>
+                <a:latin typeface="Century Gothic" panose="020B0502020202020204" pitchFamily="34" charset="0"/>
                 <a:cs typeface="Helvetica" panose="020B0604020202020204" pitchFamily="34" charset="0"/>
               </a:rPr>
               <a:t> vs SVN</a:t>
@@ -24574,7 +24041,7 @@
                 <a:solidFill>
                   <a:schemeClr val="bg1"/>
                 </a:solidFill>
-                <a:latin typeface="Gill Sans MT" panose="020B0502020104020203" pitchFamily="34" charset="-18"/>
+                <a:latin typeface="Century Gothic" panose="020B0502020202020204" pitchFamily="34" charset="0"/>
                 <a:cs typeface="Helvetica" panose="020B0604020202020204" pitchFamily="34" charset="0"/>
               </a:rPr>
               <a:t>Git</a:t>
@@ -24584,7 +24051,7 @@
                 <a:solidFill>
                   <a:schemeClr val="bg1"/>
                 </a:solidFill>
-                <a:latin typeface="Gill Sans MT" panose="020B0502020104020203" pitchFamily="34" charset="-18"/>
+                <a:latin typeface="Century Gothic" panose="020B0502020202020204" pitchFamily="34" charset="0"/>
                 <a:cs typeface="Helvetica" panose="020B0604020202020204" pitchFamily="34" charset="0"/>
               </a:rPr>
               <a:t> tools</a:t>
@@ -24594,7 +24061,7 @@
             <a:pPr lvl="1"/>
             <a:r>
               <a:rPr lang="en-US" sz="3200" dirty="0" smtClean="0">
-                <a:latin typeface="Gill Sans MT" panose="020B0502020104020203" pitchFamily="34" charset="-18"/>
+                <a:latin typeface="Century Gothic" panose="020B0502020202020204" pitchFamily="34" charset="0"/>
                 <a:cs typeface="Helvetica" panose="020B0604020202020204" pitchFamily="34" charset="0"/>
               </a:rPr>
               <a:t>Working with a local repository</a:t>
@@ -24939,123 +24406,6 @@
 </p:sld>
 </file>
 
-<file path=ppt/slides/slide30.xml><?xml version="1.0" encoding="utf-8"?>
-<p:sld xmlns:a="http://schemas.openxmlformats.org/drawingml/2006/main" xmlns:r="http://schemas.openxmlformats.org/officeDocument/2006/relationships" xmlns:p="http://schemas.openxmlformats.org/presentationml/2006/main" showMasterSp="0">
-  <p:cSld>
-    <p:spTree>
-      <p:nvGrpSpPr>
-        <p:cNvPr id="1" name=""/>
-        <p:cNvGrpSpPr/>
-        <p:nvPr/>
-      </p:nvGrpSpPr>
-      <p:grpSpPr>
-        <a:xfrm>
-          <a:off x="0" y="0"/>
-          <a:ext cx="0" cy="0"/>
-          <a:chOff x="0" y="0"/>
-          <a:chExt cx="0" cy="0"/>
-        </a:xfrm>
-      </p:grpSpPr>
-      <p:sp>
-        <p:nvSpPr>
-          <p:cNvPr id="2" name="Title 1"/>
-          <p:cNvSpPr>
-            <a:spLocks noGrp="1"/>
-          </p:cNvSpPr>
-          <p:nvPr>
-            <p:ph type="title"/>
-          </p:nvPr>
-        </p:nvSpPr>
-        <p:spPr>
-          <a:xfrm>
-            <a:off x="838200" y="2786778"/>
-            <a:ext cx="10515600" cy="1325563"/>
-          </a:xfrm>
-        </p:spPr>
-        <p:txBody>
-          <a:bodyPr>
-            <a:normAutofit fontScale="90000"/>
-          </a:bodyPr>
-          <a:lstStyle/>
-          <a:p>
-            <a:pPr algn="ctr"/>
-            <a:r>
-              <a:rPr lang="en-US" dirty="0" smtClean="0">
-                <a:solidFill>
-                  <a:schemeClr val="bg1"/>
-                </a:solidFill>
-                <a:latin typeface="Gill Sans MT" panose="020B0502020104020203" pitchFamily="34" charset="-18"/>
-              </a:rPr>
-              <a:t>THE END</a:t>
-            </a:r>
-            <a:br>
-              <a:rPr lang="en-US" dirty="0" smtClean="0">
-                <a:solidFill>
-                  <a:schemeClr val="bg1"/>
-                </a:solidFill>
-                <a:latin typeface="Gill Sans MT" panose="020B0502020104020203" pitchFamily="34" charset="-18"/>
-              </a:rPr>
-            </a:br>
-            <a:r>
-              <a:rPr lang="en-US" dirty="0">
-                <a:latin typeface="Rockwell" panose="02060603020205020403" pitchFamily="18" charset="0"/>
-              </a:rPr>
-              <a:t/>
-            </a:r>
-            <a:br>
-              <a:rPr lang="en-US" dirty="0">
-                <a:latin typeface="Rockwell" panose="02060603020205020403" pitchFamily="18" charset="0"/>
-              </a:rPr>
-            </a:br>
-            <a:r>
-              <a:rPr lang="en-US" dirty="0">
-                <a:latin typeface="Rockwell" panose="02060603020205020403" pitchFamily="18" charset="0"/>
-              </a:rPr>
-              <a:t>Resources:</a:t>
-            </a:r>
-            <a:br>
-              <a:rPr lang="en-US" dirty="0">
-                <a:latin typeface="Rockwell" panose="02060603020205020403" pitchFamily="18" charset="0"/>
-              </a:rPr>
-            </a:br>
-            <a:r>
-              <a:rPr lang="en-US" dirty="0">
-                <a:solidFill>
-                  <a:srgbClr val="F15034"/>
-                </a:solidFill>
-                <a:latin typeface="Rockwell" panose="02060603020205020403" pitchFamily="18" charset="0"/>
-              </a:rPr>
-              <a:t>http://git-scm.com/</a:t>
-            </a:r>
-            <a:endParaRPr lang="en-US" dirty="0">
-              <a:solidFill>
-                <a:srgbClr val="F15034"/>
-              </a:solidFill>
-              <a:latin typeface="Lucida Console" panose="020B0609040504020204" pitchFamily="49" charset="0"/>
-            </a:endParaRPr>
-          </a:p>
-        </p:txBody>
-      </p:sp>
-    </p:spTree>
-    <p:extLst>
-      <p:ext uri="{BB962C8B-B14F-4D97-AF65-F5344CB8AC3E}">
-        <p14:creationId xmlns:p14="http://schemas.microsoft.com/office/powerpoint/2010/main" val="2980692305"/>
-      </p:ext>
-    </p:extLst>
-  </p:cSld>
-  <p:clrMapOvr>
-    <a:masterClrMapping/>
-  </p:clrMapOvr>
-  <p:timing>
-    <p:tnLst>
-      <p:par>
-        <p:cTn id="1" dur="indefinite" restart="never" nodeType="tmRoot"/>
-      </p:par>
-    </p:tnLst>
-  </p:timing>
-</p:sld>
-</file>
-
 <file path=ppt/slides/slide4.xml><?xml version="1.0" encoding="utf-8"?>
 <p:sld xmlns:a="http://schemas.openxmlformats.org/drawingml/2006/main" xmlns:r="http://schemas.openxmlformats.org/officeDocument/2006/relationships" xmlns:p="http://schemas.openxmlformats.org/presentationml/2006/main" showMasterSp="0">
   <p:cSld>
@@ -25093,7 +24443,7 @@
                 <a:solidFill>
                   <a:schemeClr val="bg1"/>
                 </a:solidFill>
-                <a:latin typeface="Rockwell" panose="02060603020205020403" pitchFamily="18" charset="0"/>
+                <a:latin typeface="Century Gothic" panose="020B0502020202020204" pitchFamily="34" charset="0"/>
               </a:rPr>
               <a:t>What will you learn?</a:t>
             </a:r>
@@ -25101,7 +24451,7 @@
               <a:solidFill>
                 <a:schemeClr val="bg1"/>
               </a:solidFill>
-              <a:latin typeface="Rockwell" panose="02060603020205020403" pitchFamily="18" charset="0"/>
+              <a:latin typeface="Century Gothic" panose="020B0502020202020204" pitchFamily="34" charset="0"/>
             </a:endParaRPr>
           </a:p>
         </p:txBody>
@@ -25131,7 +24481,7 @@
                 <a:solidFill>
                   <a:srgbClr val="F15034"/>
                 </a:solidFill>
-                <a:latin typeface="Lucida Console" panose="020B0609040504020204" pitchFamily="49" charset="0"/>
+                <a:latin typeface="Century Gothic" panose="020B0502020202020204" pitchFamily="34" charset="0"/>
               </a:rPr>
               <a:t>Course 2.0</a:t>
             </a:r>
@@ -25139,7 +24489,7 @@
               <a:solidFill>
                 <a:schemeClr val="bg1"/>
               </a:solidFill>
-              <a:latin typeface="Lucida Console" panose="020B0609040504020204" pitchFamily="49" charset="0"/>
+              <a:latin typeface="Century Gothic" panose="020B0502020202020204" pitchFamily="34" charset="0"/>
             </a:endParaRPr>
           </a:p>
           <a:p>
@@ -25148,7 +24498,7 @@
                 <a:solidFill>
                   <a:schemeClr val="bg1"/>
                 </a:solidFill>
-                <a:latin typeface="Lucida Console" panose="020B0609040504020204" pitchFamily="49" charset="0"/>
+                <a:latin typeface="Century Gothic" panose="020B0502020202020204" pitchFamily="34" charset="0"/>
               </a:rPr>
               <a:t>Working with a remote repository</a:t>
             </a:r>
@@ -25160,7 +24510,7 @@
                 <a:solidFill>
                   <a:schemeClr val="bg1"/>
                 </a:solidFill>
-                <a:latin typeface="Lucida Console" panose="020B0609040504020204" pitchFamily="49" charset="0"/>
+                <a:latin typeface="Century Gothic" panose="020B0502020202020204" pitchFamily="34" charset="0"/>
               </a:rPr>
               <a:t>Clone</a:t>
             </a:r>
@@ -25172,7 +24522,7 @@
                 <a:solidFill>
                   <a:schemeClr val="bg1"/>
                 </a:solidFill>
-                <a:latin typeface="Lucida Console" panose="020B0609040504020204" pitchFamily="49" charset="0"/>
+                <a:latin typeface="Century Gothic" panose="020B0502020202020204" pitchFamily="34" charset="0"/>
               </a:rPr>
               <a:t>Add remotes</a:t>
             </a:r>
@@ -25184,7 +24534,7 @@
                 <a:solidFill>
                   <a:schemeClr val="bg1"/>
                 </a:solidFill>
-                <a:latin typeface="Lucida Console" panose="020B0609040504020204" pitchFamily="49" charset="0"/>
+                <a:latin typeface="Century Gothic" panose="020B0502020202020204" pitchFamily="34" charset="0"/>
               </a:rPr>
               <a:t>Push/pull</a:t>
             </a:r>
@@ -25196,7 +24546,7 @@
                 <a:solidFill>
                   <a:schemeClr val="bg1"/>
                 </a:solidFill>
-                <a:latin typeface="Lucida Console" panose="020B0609040504020204" pitchFamily="49" charset="0"/>
+                <a:latin typeface="Century Gothic" panose="020B0502020202020204" pitchFamily="34" charset="0"/>
               </a:rPr>
               <a:t>Branches</a:t>
             </a:r>
@@ -25208,7 +24558,7 @@
                 <a:solidFill>
                   <a:schemeClr val="bg1"/>
                 </a:solidFill>
-                <a:latin typeface="Lucida Console" panose="020B0609040504020204" pitchFamily="49" charset="0"/>
+                <a:latin typeface="Century Gothic" panose="020B0502020202020204" pitchFamily="34" charset="0"/>
               </a:rPr>
               <a:t>Merge</a:t>
             </a:r>
@@ -25219,7 +24569,7 @@
               <a:solidFill>
                 <a:schemeClr val="bg1"/>
               </a:solidFill>
-              <a:latin typeface="Lucida Console" panose="020B0609040504020204" pitchFamily="49" charset="0"/>
+              <a:latin typeface="Century Gothic" panose="020B0502020202020204" pitchFamily="34" charset="0"/>
             </a:endParaRPr>
           </a:p>
           <a:p>
@@ -25227,7 +24577,7 @@
               <a:solidFill>
                 <a:schemeClr val="bg1"/>
               </a:solidFill>
-              <a:latin typeface="Lucida Console" panose="020B0609040504020204" pitchFamily="49" charset="0"/>
+              <a:latin typeface="Century Gothic" panose="020B0502020202020204" pitchFamily="34" charset="0"/>
             </a:endParaRPr>
           </a:p>
         </p:txBody>
@@ -25655,7 +25005,7 @@
                 <a:solidFill>
                   <a:schemeClr val="bg1"/>
                 </a:solidFill>
-                <a:latin typeface="Rockwell" panose="02060603020205020403" pitchFamily="18" charset="0"/>
+                <a:latin typeface="Century Gothic" panose="020B0502020202020204" pitchFamily="34" charset="0"/>
               </a:rPr>
               <a:t>What will you learn?</a:t>
             </a:r>
@@ -25663,7 +25013,7 @@
               <a:solidFill>
                 <a:schemeClr val="bg1"/>
               </a:solidFill>
-              <a:latin typeface="Rockwell" panose="02060603020205020403" pitchFamily="18" charset="0"/>
+              <a:latin typeface="Century Gothic" panose="020B0502020202020204" pitchFamily="34" charset="0"/>
             </a:endParaRPr>
           </a:p>
         </p:txBody>
@@ -25693,7 +25043,7 @@
                 <a:solidFill>
                   <a:srgbClr val="F15034"/>
                 </a:solidFill>
-                <a:latin typeface="Lucida Console" panose="020B0609040504020204" pitchFamily="49" charset="0"/>
+                <a:latin typeface="Century Gothic" panose="020B0502020202020204" pitchFamily="34" charset="0"/>
               </a:rPr>
               <a:t>Course 3.0</a:t>
             </a:r>
@@ -25701,7 +25051,7 @@
               <a:solidFill>
                 <a:schemeClr val="bg1"/>
               </a:solidFill>
-              <a:latin typeface="Lucida Console" panose="020B0609040504020204" pitchFamily="49" charset="0"/>
+              <a:latin typeface="Century Gothic" panose="020B0502020202020204" pitchFamily="34" charset="0"/>
             </a:endParaRPr>
           </a:p>
           <a:p>
@@ -25710,7 +25060,7 @@
                 <a:solidFill>
                   <a:schemeClr val="bg1"/>
                 </a:solidFill>
-                <a:latin typeface="Lucida Console" panose="020B0609040504020204" pitchFamily="49" charset="0"/>
+                <a:latin typeface="Century Gothic" panose="020B0502020202020204" pitchFamily="34" charset="0"/>
               </a:rPr>
               <a:t>Git</a:t>
             </a:r>
@@ -25719,7 +25069,7 @@
                 <a:solidFill>
                   <a:schemeClr val="bg1"/>
                 </a:solidFill>
-                <a:latin typeface="Lucida Console" panose="020B0609040504020204" pitchFamily="49" charset="0"/>
+                <a:latin typeface="Century Gothic" panose="020B0502020202020204" pitchFamily="34" charset="0"/>
               </a:rPr>
               <a:t> Advanced</a:t>
             </a:r>
@@ -25731,7 +25081,7 @@
                 <a:solidFill>
                   <a:schemeClr val="bg1"/>
                 </a:solidFill>
-                <a:latin typeface="Lucida Console" panose="020B0609040504020204" pitchFamily="49" charset="0"/>
+                <a:latin typeface="Century Gothic" panose="020B0502020202020204" pitchFamily="34" charset="0"/>
               </a:rPr>
               <a:t>Git</a:t>
             </a:r>
@@ -25740,7 +25090,7 @@
                 <a:solidFill>
                   <a:schemeClr val="bg1"/>
                 </a:solidFill>
-                <a:latin typeface="Lucida Console" panose="020B0609040504020204" pitchFamily="49" charset="0"/>
+                <a:latin typeface="Century Gothic" panose="020B0502020202020204" pitchFamily="34" charset="0"/>
               </a:rPr>
               <a:t> Flow</a:t>
             </a:r>
@@ -25752,7 +25102,7 @@
                 <a:solidFill>
                   <a:schemeClr val="bg1"/>
                 </a:solidFill>
-                <a:latin typeface="Lucida Console" panose="020B0609040504020204" pitchFamily="49" charset="0"/>
+                <a:latin typeface="Century Gothic" panose="020B0502020202020204" pitchFamily="34" charset="0"/>
               </a:rPr>
               <a:t>Pull requests</a:t>
             </a:r>
@@ -25764,7 +25114,7 @@
                 <a:solidFill>
                   <a:schemeClr val="bg1"/>
                 </a:solidFill>
-                <a:latin typeface="Lucida Console" panose="020B0609040504020204" pitchFamily="49" charset="0"/>
+                <a:latin typeface="Century Gothic" panose="020B0502020202020204" pitchFamily="34" charset="0"/>
               </a:rPr>
               <a:t>Forking</a:t>
             </a:r>
@@ -25775,18 +25125,18 @@
               <a:solidFill>
                 <a:schemeClr val="bg1"/>
               </a:solidFill>
-              <a:latin typeface="Lucida Console" panose="020B0609040504020204" pitchFamily="49" charset="0"/>
+              <a:latin typeface="Century Gothic" panose="020B0502020202020204" pitchFamily="34" charset="0"/>
             </a:endParaRPr>
           </a:p>
           <a:p>
             <a:pPr lvl="1"/>
             <a:endParaRPr lang="en-US" sz="1400" dirty="0" smtClean="0">
-              <a:latin typeface="Lucida Console" panose="020B0609040504020204" pitchFamily="49" charset="0"/>
+              <a:latin typeface="Century Gothic" panose="020B0502020202020204" pitchFamily="34" charset="0"/>
             </a:endParaRPr>
           </a:p>
           <a:p>
             <a:endParaRPr lang="en-US" sz="1400" dirty="0">
-              <a:latin typeface="Lucida Console" panose="020B0609040504020204" pitchFamily="49" charset="0"/>
+              <a:latin typeface="Century Gothic" panose="020B0502020202020204" pitchFamily="34" charset="0"/>
             </a:endParaRPr>
           </a:p>
         </p:txBody>
@@ -26116,6 +25466,7 @@
                 <a:solidFill>
                   <a:schemeClr val="bg1"/>
                 </a:solidFill>
+                <a:latin typeface="Century Gothic" panose="020B0502020202020204" pitchFamily="34" charset="0"/>
               </a:rPr>
               <a:t>VCS - </a:t>
             </a:r>
@@ -26124,7 +25475,7 @@
                 <a:solidFill>
                   <a:srgbClr val="F15034"/>
                 </a:solidFill>
-                <a:latin typeface="Lucida Console" panose="020B0609040504020204" pitchFamily="49" charset="0"/>
+                <a:latin typeface="Century Gothic" panose="020B0502020202020204" pitchFamily="34" charset="0"/>
               </a:rPr>
               <a:t>Version Control System</a:t>
             </a:r>
@@ -26132,6 +25483,7 @@
               <a:solidFill>
                 <a:schemeClr val="bg1"/>
               </a:solidFill>
+              <a:latin typeface="Century Gothic" panose="020B0502020202020204" pitchFamily="34" charset="0"/>
             </a:endParaRPr>
           </a:p>
         </p:txBody>
@@ -26158,7 +25510,7 @@
                 <a:solidFill>
                   <a:schemeClr val="bg1"/>
                 </a:solidFill>
-                <a:latin typeface="Gill Sans MT" panose="020B0502020104020203" pitchFamily="34" charset="-18"/>
+                <a:latin typeface="Century Gothic" panose="020B0502020202020204" pitchFamily="34" charset="0"/>
               </a:rPr>
               <a:t>Makes </a:t>
             </a:r>
@@ -26167,7 +25519,7 @@
                 <a:solidFill>
                   <a:schemeClr val="bg1"/>
                 </a:solidFill>
-                <a:latin typeface="Gill Sans MT" panose="020B0502020104020203" pitchFamily="34" charset="-18"/>
+                <a:latin typeface="Century Gothic" panose="020B0502020202020204" pitchFamily="34" charset="0"/>
               </a:rPr>
               <a:t>it way </a:t>
             </a:r>
@@ -26176,7 +25528,7 @@
                 <a:solidFill>
                   <a:schemeClr val="bg1"/>
                 </a:solidFill>
-                <a:latin typeface="Gill Sans MT" panose="020B0502020104020203" pitchFamily="34" charset="-18"/>
+                <a:latin typeface="Century Gothic" panose="020B0502020202020204" pitchFamily="34" charset="0"/>
               </a:rPr>
               <a:t>easier to</a:t>
             </a:r>
@@ -26188,7 +25540,7 @@
                 <a:solidFill>
                   <a:schemeClr val="bg1"/>
                 </a:solidFill>
-                <a:latin typeface="Gill Sans MT" panose="020B0502020104020203" pitchFamily="34" charset="-18"/>
+                <a:latin typeface="Century Gothic" panose="020B0502020202020204" pitchFamily="34" charset="0"/>
               </a:rPr>
               <a:t>undo </a:t>
             </a:r>
@@ -26197,7 +25549,7 @@
                 <a:solidFill>
                   <a:schemeClr val="bg1"/>
                 </a:solidFill>
-                <a:latin typeface="Gill Sans MT" panose="020B0502020104020203" pitchFamily="34" charset="-18"/>
+                <a:latin typeface="Century Gothic" panose="020B0502020202020204" pitchFamily="34" charset="0"/>
               </a:rPr>
               <a:t>errors / roll back to earlier versions of </a:t>
             </a:r>
@@ -26206,7 +25558,7 @@
                 <a:solidFill>
                   <a:schemeClr val="bg1"/>
                 </a:solidFill>
-                <a:latin typeface="Gill Sans MT" panose="020B0502020104020203" pitchFamily="34" charset="-18"/>
+                <a:latin typeface="Century Gothic" panose="020B0502020202020204" pitchFamily="34" charset="0"/>
               </a:rPr>
               <a:t>code</a:t>
             </a:r>
@@ -26218,7 +25570,7 @@
                 <a:solidFill>
                   <a:schemeClr val="bg1"/>
                 </a:solidFill>
-                <a:latin typeface="Gill Sans MT" panose="020B0502020104020203" pitchFamily="34" charset="-18"/>
+                <a:latin typeface="Century Gothic" panose="020B0502020202020204" pitchFamily="34" charset="0"/>
               </a:rPr>
               <a:t>share </a:t>
             </a:r>
@@ -26227,7 +25579,7 @@
                 <a:solidFill>
                   <a:schemeClr val="bg1"/>
                 </a:solidFill>
-                <a:latin typeface="Gill Sans MT" panose="020B0502020104020203" pitchFamily="34" charset="-18"/>
+                <a:latin typeface="Century Gothic" panose="020B0502020202020204" pitchFamily="34" charset="0"/>
               </a:rPr>
               <a:t>a codebase between developers without creating conflicts </a:t>
             </a:r>
@@ -26235,7 +25587,7 @@
               <a:solidFill>
                 <a:schemeClr val="bg1"/>
               </a:solidFill>
-              <a:latin typeface="Gill Sans MT" panose="020B0502020104020203" pitchFamily="34" charset="-18"/>
+              <a:latin typeface="Century Gothic" panose="020B0502020202020204" pitchFamily="34" charset="0"/>
             </a:endParaRPr>
           </a:p>
           <a:p>
@@ -26245,7 +25597,7 @@
                 <a:solidFill>
                   <a:schemeClr val="bg1"/>
                 </a:solidFill>
-                <a:latin typeface="Gill Sans MT" panose="020B0502020104020203" pitchFamily="34" charset="-18"/>
+                <a:latin typeface="Century Gothic" panose="020B0502020202020204" pitchFamily="34" charset="0"/>
               </a:rPr>
               <a:t>deploy </a:t>
             </a:r>
@@ -26254,7 +25606,7 @@
                 <a:solidFill>
                   <a:schemeClr val="bg1"/>
                 </a:solidFill>
-                <a:latin typeface="Gill Sans MT" panose="020B0502020104020203" pitchFamily="34" charset="-18"/>
+                <a:latin typeface="Century Gothic" panose="020B0502020202020204" pitchFamily="34" charset="0"/>
               </a:rPr>
               <a:t>changes from development to staging or production environments</a:t>
             </a:r>
@@ -26262,7 +25614,7 @@
               <a:solidFill>
                 <a:schemeClr val="bg1"/>
               </a:solidFill>
-              <a:latin typeface="Gill Sans MT" panose="020B0502020104020203" pitchFamily="34" charset="-18"/>
+              <a:latin typeface="Century Gothic" panose="020B0502020202020204" pitchFamily="34" charset="0"/>
             </a:endParaRPr>
           </a:p>
         </p:txBody>
@@ -26324,7 +25676,7 @@
                 <a:solidFill>
                   <a:schemeClr val="bg1"/>
                 </a:solidFill>
-                <a:latin typeface="Gill Sans MT" panose="020B0502020104020203" pitchFamily="34" charset="-18"/>
+                <a:latin typeface="Century Gothic" panose="020B0502020202020204" pitchFamily="34" charset="0"/>
               </a:rPr>
               <a:t>Some History</a:t>
             </a:r>
@@ -26332,7 +25684,7 @@
               <a:solidFill>
                 <a:schemeClr val="bg1"/>
               </a:solidFill>
-              <a:latin typeface="Gill Sans MT" panose="020B0502020104020203" pitchFamily="34" charset="-18"/>
+              <a:latin typeface="Century Gothic" panose="020B0502020202020204" pitchFamily="34" charset="0"/>
             </a:endParaRPr>
           </a:p>
         </p:txBody>
@@ -26367,7 +25719,7 @@
                 <a:solidFill>
                   <a:schemeClr val="bg1"/>
                 </a:solidFill>
-                <a:latin typeface="Gill Sans MT" panose="020B0502020104020203" pitchFamily="34" charset="-18"/>
+                <a:latin typeface="Century Gothic" panose="020B0502020202020204" pitchFamily="34" charset="0"/>
               </a:rPr>
               <a:t>In the beginning, there was the </a:t>
             </a:r>
@@ -26376,7 +25728,7 @@
                 <a:solidFill>
                   <a:srgbClr val="FF0000"/>
                 </a:solidFill>
-                <a:latin typeface="Gill Sans MT" panose="020B0502020104020203" pitchFamily="34" charset="-18"/>
+                <a:latin typeface="Century Gothic" panose="020B0502020202020204" pitchFamily="34" charset="0"/>
               </a:rPr>
               <a:t>copy/paste</a:t>
             </a:r>
@@ -26385,7 +25737,7 @@
                 <a:solidFill>
                   <a:schemeClr val="bg1"/>
                 </a:solidFill>
-                <a:latin typeface="Gill Sans MT" panose="020B0502020104020203" pitchFamily="34" charset="-18"/>
+                <a:latin typeface="Century Gothic" panose="020B0502020202020204" pitchFamily="34" charset="0"/>
               </a:rPr>
               <a:t> method(some people are still using it).</a:t>
             </a:r>
@@ -26393,7 +25745,7 @@
               <a:solidFill>
                 <a:schemeClr val="bg1"/>
               </a:solidFill>
-              <a:latin typeface="Gill Sans MT" panose="020B0502020104020203" pitchFamily="34" charset="-18"/>
+              <a:latin typeface="Century Gothic" panose="020B0502020202020204" pitchFamily="34" charset="0"/>
             </a:endParaRPr>
           </a:p>
         </p:txBody>
@@ -26599,7 +25951,7 @@
                 <a:solidFill>
                   <a:schemeClr val="bg1"/>
                 </a:solidFill>
-                <a:latin typeface="Helvetica" panose="020B0604020202020204" pitchFamily="34" charset="0"/>
+                <a:latin typeface="Century Gothic" panose="020B0502020202020204" pitchFamily="34" charset="0"/>
                 <a:cs typeface="Helvetica" panose="020B0604020202020204" pitchFamily="34" charset="0"/>
               </a:rPr>
               <a:t>Local VCS</a:t>
@@ -26645,7 +25997,7 @@
         <p:spPr>
           <a:xfrm>
             <a:off x="5826399" y="3046730"/>
-            <a:ext cx="5461712" cy="2246769"/>
+            <a:ext cx="5461712" cy="1815882"/>
           </a:xfrm>
           <a:prstGeom prst="rect">
             <a:avLst/>
@@ -26667,7 +26019,7 @@
                 <a:solidFill>
                   <a:schemeClr val="bg1"/>
                 </a:solidFill>
-                <a:latin typeface="Lucida Console" panose="020B0609040504020204" pitchFamily="49" charset="0"/>
+                <a:latin typeface="Century Gothic" panose="020B0502020202020204" pitchFamily="34" charset="0"/>
               </a:rPr>
               <a:t>Changes are stored in a database</a:t>
             </a:r>
@@ -26681,7 +26033,7 @@
               <a:solidFill>
                 <a:schemeClr val="bg1"/>
               </a:solidFill>
-              <a:latin typeface="Lucida Console" panose="020B0609040504020204" pitchFamily="49" charset="0"/>
+              <a:latin typeface="Century Gothic" panose="020B0502020202020204" pitchFamily="34" charset="0"/>
             </a:endParaRPr>
           </a:p>
           <a:p>
@@ -26694,7 +26046,7 @@
                 <a:solidFill>
                   <a:schemeClr val="bg1"/>
                 </a:solidFill>
-                <a:latin typeface="Lucida Console" panose="020B0609040504020204" pitchFamily="49" charset="0"/>
+                <a:latin typeface="Century Gothic" panose="020B0502020202020204" pitchFamily="34" charset="0"/>
               </a:rPr>
               <a:t>Teams can’t use a local VCS</a:t>
             </a:r>
@@ -26702,7 +26054,7 @@
               <a:solidFill>
                 <a:schemeClr val="bg1"/>
               </a:solidFill>
-              <a:latin typeface="Lucida Console" panose="020B0609040504020204" pitchFamily="49" charset="0"/>
+              <a:latin typeface="Century Gothic" panose="020B0502020202020204" pitchFamily="34" charset="0"/>
             </a:endParaRPr>
           </a:p>
         </p:txBody>
@@ -26765,7 +26117,7 @@
                 <a:solidFill>
                   <a:schemeClr val="bg1"/>
                 </a:solidFill>
-                <a:latin typeface="Rockwell" panose="02060603020205020403" pitchFamily="18" charset="0"/>
+                <a:latin typeface="Century Gothic" panose="020B0502020202020204" pitchFamily="34" charset="0"/>
               </a:rPr>
               <a:t>Centralized Version Control Systems</a:t>
             </a:r>
@@ -26810,7 +26162,7 @@
         <p:spPr>
           <a:xfrm>
             <a:off x="6574221" y="2380592"/>
-            <a:ext cx="5108027" cy="2239844"/>
+            <a:ext cx="5108027" cy="2308324"/>
           </a:xfrm>
           <a:prstGeom prst="rect">
             <a:avLst/>
@@ -26835,7 +26187,7 @@
                 <a:solidFill>
                   <a:schemeClr val="bg1"/>
                 </a:solidFill>
-                <a:latin typeface="Helvetica" panose="020B0604020202020204" pitchFamily="34" charset="0"/>
+                <a:latin typeface="Century Gothic" panose="020B0502020202020204" pitchFamily="34" charset="0"/>
                 <a:cs typeface="Helvetica" panose="020B0604020202020204" pitchFamily="34" charset="0"/>
               </a:rPr>
               <a:t>All the code is on a server</a:t>
@@ -26854,7 +26206,7 @@
                 <a:solidFill>
                   <a:schemeClr val="bg1"/>
                 </a:solidFill>
-                <a:latin typeface="Helvetica" panose="020B0604020202020204" pitchFamily="34" charset="0"/>
+                <a:latin typeface="Century Gothic" panose="020B0502020202020204" pitchFamily="34" charset="0"/>
                 <a:cs typeface="Helvetica" panose="020B0604020202020204" pitchFamily="34" charset="0"/>
               </a:rPr>
               <a:t>Each client can check out files</a:t>
@@ -26863,7 +26215,7 @@
               <a:solidFill>
                 <a:schemeClr val="bg1"/>
               </a:solidFill>
-              <a:latin typeface="Helvetica" panose="020B0604020202020204" pitchFamily="34" charset="0"/>
+              <a:latin typeface="Century Gothic" panose="020B0502020202020204" pitchFamily="34" charset="0"/>
               <a:cs typeface="Helvetica" panose="020B0604020202020204" pitchFamily="34" charset="0"/>
             </a:endParaRPr>
           </a:p>
@@ -26880,7 +26232,7 @@
                 <a:solidFill>
                   <a:schemeClr val="bg1"/>
                 </a:solidFill>
-                <a:latin typeface="Helvetica" panose="020B0604020202020204" pitchFamily="34" charset="0"/>
+                <a:latin typeface="Century Gothic" panose="020B0502020202020204" pitchFamily="34" charset="0"/>
                 <a:cs typeface="Helvetica" panose="020B0604020202020204" pitchFamily="34" charset="0"/>
               </a:rPr>
               <a:t>It’s easier for a team to work on the same files</a:t>

--- a/Course 1.pptx
+++ b/Course 1.pptx
@@ -5,7 +5,7 @@
     <p:sldMasterId id="2147483881" r:id="rId1"/>
   </p:sldMasterIdLst>
   <p:notesMasterIdLst>
-    <p:notesMasterId r:id="rId31"/>
+    <p:notesMasterId r:id="rId32"/>
   </p:notesMasterIdLst>
   <p:sldIdLst>
     <p:sldId id="256" r:id="rId2"/>
@@ -37,6 +37,7 @@
     <p:sldId id="289" r:id="rId28"/>
     <p:sldId id="287" r:id="rId29"/>
     <p:sldId id="284" r:id="rId30"/>
+    <p:sldId id="292" r:id="rId31"/>
   </p:sldIdLst>
   <p:sldSz cx="12192000" cy="6858000"/>
   <p:notesSz cx="6858000" cy="9144000"/>
@@ -5686,6 +5687,90 @@
     <p:extLst>
       <p:ext uri="{BB962C8B-B14F-4D97-AF65-F5344CB8AC3E}">
         <p14:creationId xmlns:p14="http://schemas.microsoft.com/office/powerpoint/2010/main" val="2035734744"/>
+      </p:ext>
+    </p:extLst>
+  </p:cSld>
+  <p:clrMapOvr>
+    <a:masterClrMapping/>
+  </p:clrMapOvr>
+</p:notes>
+</file>
+
+<file path=ppt/notesSlides/notesSlide29.xml><?xml version="1.0" encoding="utf-8"?>
+<p:notes xmlns:a="http://schemas.openxmlformats.org/drawingml/2006/main" xmlns:r="http://schemas.openxmlformats.org/officeDocument/2006/relationships" xmlns:p="http://schemas.openxmlformats.org/presentationml/2006/main">
+  <p:cSld>
+    <p:spTree>
+      <p:nvGrpSpPr>
+        <p:cNvPr id="1" name=""/>
+        <p:cNvGrpSpPr/>
+        <p:nvPr/>
+      </p:nvGrpSpPr>
+      <p:grpSpPr>
+        <a:xfrm>
+          <a:off x="0" y="0"/>
+          <a:ext cx="0" cy="0"/>
+          <a:chOff x="0" y="0"/>
+          <a:chExt cx="0" cy="0"/>
+        </a:xfrm>
+      </p:grpSpPr>
+      <p:sp>
+        <p:nvSpPr>
+          <p:cNvPr id="2" name="Slide Image Placeholder 1"/>
+          <p:cNvSpPr>
+            <a:spLocks noGrp="1" noRot="1" noChangeAspect="1"/>
+          </p:cNvSpPr>
+          <p:nvPr>
+            <p:ph type="sldImg"/>
+          </p:nvPr>
+        </p:nvSpPr>
+        <p:spPr/>
+      </p:sp>
+      <p:sp>
+        <p:nvSpPr>
+          <p:cNvPr id="3" name="Notes Placeholder 2"/>
+          <p:cNvSpPr>
+            <a:spLocks noGrp="1"/>
+          </p:cNvSpPr>
+          <p:nvPr>
+            <p:ph type="body" idx="1"/>
+          </p:nvPr>
+        </p:nvSpPr>
+        <p:spPr/>
+        <p:txBody>
+          <a:bodyPr/>
+          <a:lstStyle/>
+          <a:p>
+            <a:endParaRPr lang="en-US" dirty="0"/>
+          </a:p>
+        </p:txBody>
+      </p:sp>
+      <p:sp>
+        <p:nvSpPr>
+          <p:cNvPr id="4" name="Slide Number Placeholder 3"/>
+          <p:cNvSpPr>
+            <a:spLocks noGrp="1"/>
+          </p:cNvSpPr>
+          <p:nvPr>
+            <p:ph type="sldNum" sz="quarter" idx="10"/>
+          </p:nvPr>
+        </p:nvSpPr>
+        <p:spPr/>
+        <p:txBody>
+          <a:bodyPr/>
+          <a:lstStyle/>
+          <a:p>
+            <a:fld id="{377DD0F0-666F-466B-B16F-52B53CCC9AC6}" type="slidenum">
+              <a:rPr lang="en-US" smtClean="0"/>
+              <a:t>30</a:t>
+            </a:fld>
+            <a:endParaRPr lang="en-US"/>
+          </a:p>
+        </p:txBody>
+      </p:sp>
+    </p:spTree>
+    <p:extLst>
+      <p:ext uri="{BB962C8B-B14F-4D97-AF65-F5344CB8AC3E}">
+        <p14:creationId xmlns:p14="http://schemas.microsoft.com/office/powerpoint/2010/main" val="4071944839"/>
       </p:ext>
     </p:extLst>
   </p:cSld>
@@ -20088,7 +20173,7 @@
         </p:blipFill>
         <p:spPr>
           <a:xfrm>
-            <a:off x="3351308" y="1457011"/>
+            <a:off x="204683" y="1395455"/>
             <a:ext cx="5630061" cy="5275148"/>
           </a:xfrm>
           <a:prstGeom prst="rect">
@@ -20120,9 +20205,18 @@
           <a:p>
             <a:r>
               <a:rPr lang="en-US" sz="3200" dirty="0" smtClean="0">
+                <a:solidFill>
+                  <a:schemeClr val="bg1"/>
+                </a:solidFill>
                 <a:latin typeface="Century Gothic" panose="020B0502020202020204" pitchFamily="34" charset="0"/>
               </a:rPr>
-              <a:t>DVCS </a:t>
+              <a:t>DVCS</a:t>
+            </a:r>
+            <a:r>
+              <a:rPr lang="en-US" sz="3200" dirty="0" smtClean="0">
+                <a:latin typeface="Century Gothic" panose="020B0502020202020204" pitchFamily="34" charset="0"/>
+              </a:rPr>
+              <a:t> </a:t>
             </a:r>
             <a:r>
               <a:rPr lang="en-US" sz="3200" dirty="0" smtClean="0">
@@ -20136,6 +20230,50 @@
             <a:endParaRPr lang="en-US" sz="3200" dirty="0">
               <a:solidFill>
                 <a:srgbClr val="F15034"/>
+              </a:solidFill>
+              <a:latin typeface="Century Gothic" panose="020B0502020202020204" pitchFamily="34" charset="0"/>
+            </a:endParaRPr>
+          </a:p>
+        </p:txBody>
+      </p:sp>
+      <p:sp>
+        <p:nvSpPr>
+          <p:cNvPr id="5" name="TextBox 4"/>
+          <p:cNvSpPr txBox="1"/>
+          <p:nvPr/>
+        </p:nvSpPr>
+        <p:spPr>
+          <a:xfrm>
+            <a:off x="6119446" y="2039815"/>
+            <a:ext cx="5306261" cy="369332"/>
+          </a:xfrm>
+          <a:prstGeom prst="rect">
+            <a:avLst/>
+          </a:prstGeom>
+          <a:noFill/>
+        </p:spPr>
+        <p:txBody>
+          <a:bodyPr wrap="none" rtlCol="0">
+            <a:spAutoFit/>
+          </a:bodyPr>
+          <a:lstStyle/>
+          <a:p>
+            <a:pPr marL="285750" indent="-285750">
+              <a:buFont typeface="Arial" panose="020B0604020202020204" pitchFamily="34" charset="0"/>
+              <a:buChar char="•"/>
+            </a:pPr>
+            <a:r>
+              <a:rPr lang="en-US" dirty="0" smtClean="0">
+                <a:solidFill>
+                  <a:schemeClr val="bg1"/>
+                </a:solidFill>
+                <a:latin typeface="Century Gothic" panose="020B0502020202020204" pitchFamily="34" charset="0"/>
+              </a:rPr>
+              <a:t>each client has a full copy of the repository</a:t>
+            </a:r>
+            <a:endParaRPr lang="en-US" dirty="0">
+              <a:solidFill>
+                <a:schemeClr val="bg1"/>
               </a:solidFill>
               <a:latin typeface="Century Gothic" panose="020B0502020202020204" pitchFamily="34" charset="0"/>
             </a:endParaRPr>
@@ -20474,23 +20612,35 @@
           <a:p>
             <a:r>
               <a:rPr lang="en-US" dirty="0" smtClean="0">
+                <a:solidFill>
+                  <a:schemeClr val="bg1"/>
+                </a:solidFill>
                 <a:latin typeface="Century Gothic" panose="020B0502020202020204" pitchFamily="34" charset="0"/>
               </a:rPr>
               <a:t>What’s a </a:t>
             </a:r>
             <a:r>
               <a:rPr lang="en-US" dirty="0" err="1" smtClean="0">
+                <a:solidFill>
+                  <a:schemeClr val="bg1"/>
+                </a:solidFill>
                 <a:latin typeface="Century Gothic" panose="020B0502020202020204" pitchFamily="34" charset="0"/>
               </a:rPr>
               <a:t>Git</a:t>
             </a:r>
             <a:r>
               <a:rPr lang="en-US" dirty="0" smtClean="0">
+                <a:solidFill>
+                  <a:schemeClr val="bg1"/>
+                </a:solidFill>
                 <a:latin typeface="Century Gothic" panose="020B0502020202020204" pitchFamily="34" charset="0"/>
               </a:rPr>
               <a:t>?</a:t>
             </a:r>
             <a:endParaRPr lang="en-US" dirty="0">
+              <a:solidFill>
+                <a:schemeClr val="bg1"/>
+              </a:solidFill>
               <a:latin typeface="Century Gothic" panose="020B0502020202020204" pitchFamily="34" charset="0"/>
             </a:endParaRPr>
           </a:p>
@@ -20504,7 +20654,7 @@
         </p:nvSpPr>
         <p:spPr>
           <a:xfrm>
-            <a:off x="1024932" y="2682162"/>
+            <a:off x="1024932" y="2466420"/>
             <a:ext cx="7819523" cy="707886"/>
           </a:xfrm>
           <a:prstGeom prst="rect">
@@ -23289,6 +23439,164 @@
           </a:p>
         </p:txBody>
       </p:sp>
+      <p:sp>
+        <p:nvSpPr>
+          <p:cNvPr id="3" name="TextBox 2"/>
+          <p:cNvSpPr txBox="1"/>
+          <p:nvPr/>
+        </p:nvSpPr>
+        <p:spPr>
+          <a:xfrm>
+            <a:off x="3727937" y="4692579"/>
+            <a:ext cx="7375491" cy="1569660"/>
+          </a:xfrm>
+          <a:prstGeom prst="rect">
+            <a:avLst/>
+          </a:prstGeom>
+          <a:noFill/>
+        </p:spPr>
+        <p:txBody>
+          <a:bodyPr wrap="square" rtlCol="0">
+            <a:spAutoFit/>
+          </a:bodyPr>
+          <a:lstStyle/>
+          <a:p>
+            <a:pPr marL="285750" indent="-285750">
+              <a:buFont typeface="Arial" panose="020B0604020202020204" pitchFamily="34" charset="0"/>
+              <a:buChar char="•"/>
+            </a:pPr>
+            <a:r>
+              <a:rPr lang="en-US" sz="2400" dirty="0" smtClean="0">
+                <a:solidFill>
+                  <a:schemeClr val="bg1"/>
+                </a:solidFill>
+                <a:latin typeface="Century Gothic" panose="020B0502020202020204" pitchFamily="34" charset="0"/>
+              </a:rPr>
+              <a:t>stage all the files with “</a:t>
+            </a:r>
+            <a:r>
+              <a:rPr lang="en-US" sz="2400" dirty="0" err="1" smtClean="0">
+                <a:solidFill>
+                  <a:schemeClr val="bg1"/>
+                </a:solidFill>
+                <a:latin typeface="Century Gothic" panose="020B0502020202020204" pitchFamily="34" charset="0"/>
+              </a:rPr>
+              <a:t>git</a:t>
+            </a:r>
+            <a:r>
+              <a:rPr lang="en-US" sz="2400" dirty="0" smtClean="0">
+                <a:solidFill>
+                  <a:schemeClr val="bg1"/>
+                </a:solidFill>
+                <a:latin typeface="Century Gothic" panose="020B0502020202020204" pitchFamily="34" charset="0"/>
+              </a:rPr>
+              <a:t> add .”</a:t>
+            </a:r>
+          </a:p>
+          <a:p>
+            <a:pPr marL="285750" indent="-285750">
+              <a:buFont typeface="Arial" panose="020B0604020202020204" pitchFamily="34" charset="0"/>
+              <a:buChar char="•"/>
+            </a:pPr>
+            <a:r>
+              <a:rPr lang="en-US" sz="2400" dirty="0" err="1" smtClean="0">
+                <a:solidFill>
+                  <a:schemeClr val="bg1"/>
+                </a:solidFill>
+                <a:latin typeface="Century Gothic" panose="020B0502020202020204" pitchFamily="34" charset="0"/>
+              </a:rPr>
+              <a:t>unstage</a:t>
+            </a:r>
+            <a:r>
+              <a:rPr lang="en-US" sz="2400" dirty="0" smtClean="0">
+                <a:solidFill>
+                  <a:schemeClr val="bg1"/>
+                </a:solidFill>
+                <a:latin typeface="Century Gothic" panose="020B0502020202020204" pitchFamily="34" charset="0"/>
+              </a:rPr>
+              <a:t> file with “</a:t>
+            </a:r>
+            <a:r>
+              <a:rPr lang="en-US" sz="2400" dirty="0" err="1" smtClean="0">
+                <a:solidFill>
+                  <a:schemeClr val="bg1"/>
+                </a:solidFill>
+                <a:latin typeface="Century Gothic" panose="020B0502020202020204" pitchFamily="34" charset="0"/>
+              </a:rPr>
+              <a:t>git</a:t>
+            </a:r>
+            <a:r>
+              <a:rPr lang="en-US" sz="2400" dirty="0" smtClean="0">
+                <a:solidFill>
+                  <a:schemeClr val="bg1"/>
+                </a:solidFill>
+                <a:latin typeface="Century Gothic" panose="020B0502020202020204" pitchFamily="34" charset="0"/>
+              </a:rPr>
+              <a:t> </a:t>
+            </a:r>
+            <a:r>
+              <a:rPr lang="en-US" sz="2400" dirty="0" err="1" smtClean="0">
+                <a:solidFill>
+                  <a:schemeClr val="bg1"/>
+                </a:solidFill>
+                <a:latin typeface="Century Gothic" panose="020B0502020202020204" pitchFamily="34" charset="0"/>
+              </a:rPr>
+              <a:t>rm</a:t>
+            </a:r>
+            <a:r>
+              <a:rPr lang="en-US" sz="2400" dirty="0" smtClean="0">
+                <a:solidFill>
+                  <a:schemeClr val="bg1"/>
+                </a:solidFill>
+                <a:latin typeface="Century Gothic" panose="020B0502020202020204" pitchFamily="34" charset="0"/>
+              </a:rPr>
+              <a:t> –cached [</a:t>
+            </a:r>
+            <a:r>
+              <a:rPr lang="en-US" sz="2400" dirty="0" err="1" smtClean="0">
+                <a:solidFill>
+                  <a:schemeClr val="bg1"/>
+                </a:solidFill>
+                <a:latin typeface="Century Gothic" panose="020B0502020202020204" pitchFamily="34" charset="0"/>
+              </a:rPr>
+              <a:t>file_name</a:t>
+            </a:r>
+            <a:r>
+              <a:rPr lang="en-US" sz="2400" dirty="0" smtClean="0">
+                <a:solidFill>
+                  <a:schemeClr val="bg1"/>
+                </a:solidFill>
+                <a:latin typeface="Century Gothic" panose="020B0502020202020204" pitchFamily="34" charset="0"/>
+              </a:rPr>
+              <a:t>]”</a:t>
+            </a:r>
+          </a:p>
+          <a:p>
+            <a:pPr marL="285750" indent="-285750">
+              <a:buFont typeface="Arial" panose="020B0604020202020204" pitchFamily="34" charset="0"/>
+              <a:buChar char="•"/>
+            </a:pPr>
+            <a:endParaRPr lang="en-US" sz="2400" dirty="0" smtClean="0">
+              <a:solidFill>
+                <a:schemeClr val="bg1"/>
+              </a:solidFill>
+              <a:latin typeface="Century Gothic" panose="020B0502020202020204" pitchFamily="34" charset="0"/>
+            </a:endParaRPr>
+          </a:p>
+          <a:p>
+            <a:pPr marL="285750" indent="-285750">
+              <a:buFont typeface="Arial" panose="020B0604020202020204" pitchFamily="34" charset="0"/>
+              <a:buChar char="•"/>
+            </a:pPr>
+            <a:endParaRPr lang="en-US" sz="2400" dirty="0" smtClean="0">
+              <a:solidFill>
+                <a:schemeClr val="bg1"/>
+              </a:solidFill>
+              <a:latin typeface="Century Gothic" panose="020B0502020202020204" pitchFamily="34" charset="0"/>
+            </a:endParaRPr>
+          </a:p>
+        </p:txBody>
+      </p:sp>
     </p:spTree>
     <p:extLst>
       <p:ext uri="{BB962C8B-B14F-4D97-AF65-F5344CB8AC3E}">
@@ -23525,6 +23833,71 @@
           </a:p>
         </p:txBody>
       </p:sp>
+      <p:sp>
+        <p:nvSpPr>
+          <p:cNvPr id="3" name="TextBox 2"/>
+          <p:cNvSpPr txBox="1"/>
+          <p:nvPr/>
+        </p:nvSpPr>
+        <p:spPr>
+          <a:xfrm>
+            <a:off x="1446963" y="4260501"/>
+            <a:ext cx="8996374" cy="1200329"/>
+          </a:xfrm>
+          <a:prstGeom prst="rect">
+            <a:avLst/>
+          </a:prstGeom>
+          <a:noFill/>
+        </p:spPr>
+        <p:txBody>
+          <a:bodyPr wrap="none" rtlCol="0">
+            <a:spAutoFit/>
+          </a:bodyPr>
+          <a:lstStyle/>
+          <a:p>
+            <a:pPr marL="457200" indent="-457200">
+              <a:buFont typeface="Arial" panose="020B0604020202020204" pitchFamily="34" charset="0"/>
+              <a:buChar char="•"/>
+            </a:pPr>
+            <a:r>
+              <a:rPr lang="en-US" sz="2400" dirty="0" smtClean="0">
+                <a:solidFill>
+                  <a:schemeClr val="bg1"/>
+                </a:solidFill>
+                <a:latin typeface="Century Gothic" panose="020B0502020202020204" pitchFamily="34" charset="0"/>
+              </a:rPr>
+              <a:t>useful when you make a type on the commit message</a:t>
+            </a:r>
+          </a:p>
+          <a:p>
+            <a:pPr marL="457200" indent="-457200">
+              <a:buFont typeface="Arial" panose="020B0604020202020204" pitchFamily="34" charset="0"/>
+              <a:buChar char="•"/>
+            </a:pPr>
+            <a:r>
+              <a:rPr lang="en-US" sz="2400" dirty="0" smtClean="0">
+                <a:solidFill>
+                  <a:schemeClr val="bg1"/>
+                </a:solidFill>
+                <a:latin typeface="Century Gothic" panose="020B0502020202020204" pitchFamily="34" charset="0"/>
+              </a:rPr>
+              <a:t>or when you forgot to do something before the commit,</a:t>
+            </a:r>
+          </a:p>
+          <a:p>
+            <a:pPr lvl="1"/>
+            <a:r>
+              <a:rPr lang="en-US" sz="2400" dirty="0" smtClean="0">
+                <a:solidFill>
+                  <a:schemeClr val="bg1"/>
+                </a:solidFill>
+                <a:latin typeface="Century Gothic" panose="020B0502020202020204" pitchFamily="34" charset="0"/>
+              </a:rPr>
+              <a:t>like staging a file, removing some comments, etc.</a:t>
+            </a:r>
+          </a:p>
+        </p:txBody>
+      </p:sp>
     </p:spTree>
     <p:extLst>
       <p:ext uri="{BB962C8B-B14F-4D97-AF65-F5344CB8AC3E}">
@@ -23574,7 +23947,7 @@
         </p:nvSpPr>
         <p:spPr>
           <a:xfrm>
-            <a:off x="576942" y="2873917"/>
+            <a:off x="576942" y="1826416"/>
             <a:ext cx="10515600" cy="1325563"/>
           </a:xfrm>
         </p:spPr>
@@ -23642,7 +24015,7 @@
         </p:nvSpPr>
         <p:spPr>
           <a:xfrm>
-            <a:off x="4463142" y="3151979"/>
+            <a:off x="4463142" y="2496042"/>
             <a:ext cx="2743200" cy="769441"/>
           </a:xfrm>
           <a:prstGeom prst="rect">
@@ -23667,7 +24040,7 @@
               <a:t>.</a:t>
             </a:r>
             <a:r>
-              <a:rPr lang="en-US" sz="4400" dirty="0" err="1" smtClean="0">
+              <a:rPr lang="en-US" sz="3600" dirty="0" err="1" smtClean="0">
                 <a:solidFill>
                   <a:srgbClr val="F15034"/>
                 </a:solidFill>
@@ -23675,9 +24048,98 @@
               </a:rPr>
               <a:t>gitignore</a:t>
             </a:r>
-            <a:endParaRPr lang="en-US" sz="4400" dirty="0">
+            <a:endParaRPr lang="en-US" sz="3600" dirty="0">
               <a:solidFill>
                 <a:srgbClr val="F15034"/>
+              </a:solidFill>
+              <a:latin typeface="Century Gothic" panose="020B0502020202020204" pitchFamily="34" charset="0"/>
+            </a:endParaRPr>
+          </a:p>
+        </p:txBody>
+      </p:sp>
+      <p:sp>
+        <p:nvSpPr>
+          <p:cNvPr id="4" name="TextBox 3"/>
+          <p:cNvSpPr txBox="1"/>
+          <p:nvPr/>
+        </p:nvSpPr>
+        <p:spPr>
+          <a:xfrm>
+            <a:off x="1446963" y="4260501"/>
+            <a:ext cx="7100021" cy="1569660"/>
+          </a:xfrm>
+          <a:prstGeom prst="rect">
+            <a:avLst/>
+          </a:prstGeom>
+          <a:noFill/>
+        </p:spPr>
+        <p:txBody>
+          <a:bodyPr wrap="none" rtlCol="0">
+            <a:spAutoFit/>
+          </a:bodyPr>
+          <a:lstStyle/>
+          <a:p>
+            <a:pPr marL="457200" indent="-457200">
+              <a:buFont typeface="Arial" panose="020B0604020202020204" pitchFamily="34" charset="0"/>
+              <a:buChar char="•"/>
+            </a:pPr>
+            <a:r>
+              <a:rPr lang="en-US" sz="2400" dirty="0" smtClean="0">
+                <a:solidFill>
+                  <a:schemeClr val="bg1"/>
+                </a:solidFill>
+                <a:latin typeface="Century Gothic" panose="020B0502020202020204" pitchFamily="34" charset="0"/>
+              </a:rPr>
+              <a:t>sometimes you want to ignore certain files</a:t>
+            </a:r>
+          </a:p>
+          <a:p>
+            <a:pPr marL="457200" indent="-457200">
+              <a:buFont typeface="Arial" panose="020B0604020202020204" pitchFamily="34" charset="0"/>
+              <a:buChar char="•"/>
+            </a:pPr>
+            <a:r>
+              <a:rPr lang="en-US" sz="2400" dirty="0" smtClean="0">
+                <a:solidFill>
+                  <a:schemeClr val="bg1"/>
+                </a:solidFill>
+                <a:latin typeface="Century Gothic" panose="020B0502020202020204" pitchFamily="34" charset="0"/>
+              </a:rPr>
+              <a:t>ignore all .exe files : *.exe</a:t>
+            </a:r>
+          </a:p>
+          <a:p>
+            <a:pPr marL="457200" indent="-457200">
+              <a:buFont typeface="Arial" panose="020B0604020202020204" pitchFamily="34" charset="0"/>
+              <a:buChar char="•"/>
+            </a:pPr>
+            <a:r>
+              <a:rPr lang="en-US" sz="2400" dirty="0" smtClean="0">
+                <a:solidFill>
+                  <a:schemeClr val="bg1"/>
+                </a:solidFill>
+                <a:latin typeface="Century Gothic" panose="020B0502020202020204" pitchFamily="34" charset="0"/>
+              </a:rPr>
+              <a:t>ignore all files named “logo.png”: logo.png</a:t>
+            </a:r>
+          </a:p>
+          <a:p>
+            <a:pPr marL="457200" indent="-457200">
+              <a:buFont typeface="Arial" panose="020B0604020202020204" pitchFamily="34" charset="0"/>
+              <a:buChar char="•"/>
+            </a:pPr>
+            <a:r>
+              <a:rPr lang="en-US" sz="2400" dirty="0" smtClean="0">
+                <a:solidFill>
+                  <a:schemeClr val="bg1"/>
+                </a:solidFill>
+                <a:latin typeface="Century Gothic" panose="020B0502020202020204" pitchFamily="34" charset="0"/>
+              </a:rPr>
+              <a:t>ignore all files from folder lib: /folder1/lib/*</a:t>
+            </a:r>
+            <a:endParaRPr lang="en-US" sz="2400" dirty="0">
+              <a:solidFill>
+                <a:schemeClr val="bg1"/>
               </a:solidFill>
               <a:latin typeface="Century Gothic" panose="020B0502020202020204" pitchFamily="34" charset="0"/>
             </a:endParaRPr>
@@ -23804,13 +24266,13 @@
         </p:nvSpPr>
         <p:spPr>
           <a:xfrm>
-            <a:off x="838200" y="2786778"/>
+            <a:off x="607088" y="1259428"/>
             <a:ext cx="10515600" cy="1325563"/>
           </a:xfrm>
         </p:spPr>
         <p:txBody>
           <a:bodyPr>
-            <a:normAutofit fontScale="90000"/>
+            <a:normAutofit/>
           </a:bodyPr>
           <a:lstStyle/>
           <a:p>
@@ -23822,47 +24284,94 @@
                 </a:solidFill>
                 <a:latin typeface="Century Gothic" panose="020B0502020202020204" pitchFamily="34" charset="0"/>
               </a:rPr>
-              <a:t>THE END</a:t>
-            </a:r>
-            <a:br>
-              <a:rPr lang="en-US" dirty="0" smtClean="0">
+              <a:t>“Homework”</a:t>
+            </a:r>
+            <a:endParaRPr lang="en-US" dirty="0">
+              <a:solidFill>
+                <a:srgbClr val="F15034"/>
+              </a:solidFill>
+              <a:latin typeface="Century Gothic" panose="020B0502020202020204" pitchFamily="34" charset="0"/>
+            </a:endParaRPr>
+          </a:p>
+        </p:txBody>
+      </p:sp>
+      <p:sp>
+        <p:nvSpPr>
+          <p:cNvPr id="3" name="TextBox 2"/>
+          <p:cNvSpPr txBox="1"/>
+          <p:nvPr/>
+        </p:nvSpPr>
+        <p:spPr>
+          <a:xfrm>
+            <a:off x="2049864" y="3346102"/>
+            <a:ext cx="9583073" cy="461665"/>
+          </a:xfrm>
+          <a:prstGeom prst="rect">
+            <a:avLst/>
+          </a:prstGeom>
+          <a:noFill/>
+        </p:spPr>
+        <p:txBody>
+          <a:bodyPr wrap="none" rtlCol="0">
+            <a:spAutoFit/>
+          </a:bodyPr>
+          <a:lstStyle/>
+          <a:p>
+            <a:r>
+              <a:rPr lang="en-US" sz="2400" dirty="0" smtClean="0">
                 <a:solidFill>
                   <a:schemeClr val="bg1"/>
                 </a:solidFill>
                 <a:latin typeface="Century Gothic" panose="020B0502020202020204" pitchFamily="34" charset="0"/>
               </a:rPr>
-            </a:br>
-            <a:r>
-              <a:rPr lang="en-US" dirty="0">
+              <a:t>clone the repository, and create the file “Prezenta_curs_1_1.txt”</a:t>
+            </a:r>
+            <a:endParaRPr lang="en-US" sz="2400" dirty="0">
+              <a:solidFill>
+                <a:schemeClr val="bg1"/>
+              </a:solidFill>
+              <a:latin typeface="Century Gothic" panose="020B0502020202020204" pitchFamily="34" charset="0"/>
+            </a:endParaRPr>
+          </a:p>
+        </p:txBody>
+      </p:sp>
+      <p:sp>
+        <p:nvSpPr>
+          <p:cNvPr id="4" name="TextBox 3"/>
+          <p:cNvSpPr txBox="1"/>
+          <p:nvPr/>
+        </p:nvSpPr>
+        <p:spPr>
+          <a:xfrm>
+            <a:off x="2805680" y="3827305"/>
+            <a:ext cx="8071440" cy="461665"/>
+          </a:xfrm>
+          <a:prstGeom prst="rect">
+            <a:avLst/>
+          </a:prstGeom>
+          <a:noFill/>
+        </p:spPr>
+        <p:txBody>
+          <a:bodyPr wrap="none" rtlCol="0">
+            <a:spAutoFit/>
+          </a:bodyPr>
+          <a:lstStyle/>
+          <a:p>
+            <a:r>
+              <a:rPr lang="en-US" sz="2400" dirty="0" smtClean="0">
+                <a:solidFill>
+                  <a:schemeClr val="bg1"/>
+                </a:solidFill>
                 <a:latin typeface="Century Gothic" panose="020B0502020202020204" pitchFamily="34" charset="0"/>
               </a:rPr>
-              <a:t/>
-            </a:r>
-            <a:br>
-              <a:rPr lang="en-US" dirty="0">
-                <a:latin typeface="Century Gothic" panose="020B0502020202020204" pitchFamily="34" charset="0"/>
-              </a:rPr>
-            </a:br>
-            <a:r>
-              <a:rPr lang="en-US" dirty="0">
-                <a:latin typeface="Century Gothic" panose="020B0502020202020204" pitchFamily="34" charset="0"/>
-              </a:rPr>
-              <a:t>Resources:</a:t>
-            </a:r>
-            <a:br>
-              <a:rPr lang="en-US" dirty="0">
-                <a:latin typeface="Century Gothic" panose="020B0502020202020204" pitchFamily="34" charset="0"/>
-              </a:rPr>
-            </a:br>
-            <a:r>
-              <a:rPr lang="en-US" dirty="0">
-                <a:solidFill>
-                  <a:srgbClr val="F15034"/>
-                </a:solidFill>
-                <a:latin typeface="Century Gothic" panose="020B0502020202020204" pitchFamily="34" charset="0"/>
-              </a:rPr>
-              <a:t>http://git-scm.com/</a:t>
-            </a:r>
+              <a:t>add your name in the file, and commit your changes</a:t>
+            </a:r>
+            <a:endParaRPr lang="en-US" sz="2400" dirty="0">
+              <a:solidFill>
+                <a:schemeClr val="bg1"/>
+              </a:solidFill>
+              <a:latin typeface="Century Gothic" panose="020B0502020202020204" pitchFamily="34" charset="0"/>
+            </a:endParaRPr>
           </a:p>
         </p:txBody>
       </p:sp>
@@ -23959,7 +24468,7 @@
               <a:buNone/>
             </a:pPr>
             <a:r>
-              <a:rPr lang="en-US" sz="3200" dirty="0" smtClean="0">
+              <a:rPr lang="en-US" sz="3200" b="1" dirty="0" smtClean="0">
                 <a:solidFill>
                   <a:srgbClr val="F15034"/>
                 </a:solidFill>
@@ -24008,7 +24517,7 @@
                 <a:latin typeface="Century Gothic" panose="020B0502020202020204" pitchFamily="34" charset="0"/>
                 <a:cs typeface="Helvetica" panose="020B0604020202020204" pitchFamily="34" charset="0"/>
               </a:rPr>
-              <a:t>History</a:t>
+              <a:t>VCS History</a:t>
             </a:r>
           </a:p>
           <a:p>
@@ -24061,6 +24570,9 @@
             <a:pPr lvl="1"/>
             <a:r>
               <a:rPr lang="en-US" sz="3200" dirty="0" smtClean="0">
+                <a:solidFill>
+                  <a:schemeClr val="bg1"/>
+                </a:solidFill>
                 <a:latin typeface="Century Gothic" panose="020B0502020202020204" pitchFamily="34" charset="0"/>
                 <a:cs typeface="Helvetica" panose="020B0604020202020204" pitchFamily="34" charset="0"/>
               </a:rPr>
@@ -24400,6 +24912,117 @@
             </p:seq>
           </p:childTnLst>
         </p:cTn>
+      </p:par>
+    </p:tnLst>
+  </p:timing>
+</p:sld>
+</file>
+
+<file path=ppt/slides/slide30.xml><?xml version="1.0" encoding="utf-8"?>
+<p:sld xmlns:a="http://schemas.openxmlformats.org/drawingml/2006/main" xmlns:r="http://schemas.openxmlformats.org/officeDocument/2006/relationships" xmlns:p="http://schemas.openxmlformats.org/presentationml/2006/main">
+  <p:cSld>
+    <p:spTree>
+      <p:nvGrpSpPr>
+        <p:cNvPr id="1" name=""/>
+        <p:cNvGrpSpPr/>
+        <p:nvPr/>
+      </p:nvGrpSpPr>
+      <p:grpSpPr>
+        <a:xfrm>
+          <a:off x="0" y="0"/>
+          <a:ext cx="0" cy="0"/>
+          <a:chOff x="0" y="0"/>
+          <a:chExt cx="0" cy="0"/>
+        </a:xfrm>
+      </p:grpSpPr>
+      <p:sp>
+        <p:nvSpPr>
+          <p:cNvPr id="2" name="Title 1"/>
+          <p:cNvSpPr>
+            <a:spLocks noGrp="1"/>
+          </p:cNvSpPr>
+          <p:nvPr>
+            <p:ph type="title"/>
+          </p:nvPr>
+        </p:nvSpPr>
+        <p:spPr>
+          <a:xfrm>
+            <a:off x="838200" y="2786778"/>
+            <a:ext cx="10515600" cy="1325563"/>
+          </a:xfrm>
+        </p:spPr>
+        <p:txBody>
+          <a:bodyPr>
+            <a:normAutofit fontScale="90000"/>
+          </a:bodyPr>
+          <a:lstStyle/>
+          <a:p>
+            <a:pPr algn="ctr"/>
+            <a:r>
+              <a:rPr lang="en-US" dirty="0" smtClean="0">
+                <a:solidFill>
+                  <a:schemeClr val="bg1"/>
+                </a:solidFill>
+                <a:latin typeface="Century Gothic" panose="020B0502020202020204" pitchFamily="34" charset="0"/>
+              </a:rPr>
+              <a:t>THE END</a:t>
+            </a:r>
+            <a:br>
+              <a:rPr lang="en-US" dirty="0" smtClean="0">
+                <a:solidFill>
+                  <a:schemeClr val="bg1"/>
+                </a:solidFill>
+                <a:latin typeface="Century Gothic" panose="020B0502020202020204" pitchFamily="34" charset="0"/>
+              </a:rPr>
+            </a:br>
+            <a:r>
+              <a:rPr lang="en-US" dirty="0">
+                <a:latin typeface="Century Gothic" panose="020B0502020202020204" pitchFamily="34" charset="0"/>
+              </a:rPr>
+              <a:t/>
+            </a:r>
+            <a:br>
+              <a:rPr lang="en-US" dirty="0">
+                <a:latin typeface="Century Gothic" panose="020B0502020202020204" pitchFamily="34" charset="0"/>
+              </a:rPr>
+            </a:br>
+            <a:r>
+              <a:rPr lang="en-US" dirty="0">
+                <a:latin typeface="Century Gothic" panose="020B0502020202020204" pitchFamily="34" charset="0"/>
+              </a:rPr>
+              <a:t>Resources:</a:t>
+            </a:r>
+            <a:br>
+              <a:rPr lang="en-US" dirty="0">
+                <a:latin typeface="Century Gothic" panose="020B0502020202020204" pitchFamily="34" charset="0"/>
+              </a:rPr>
+            </a:br>
+            <a:r>
+              <a:rPr lang="en-US" dirty="0">
+                <a:solidFill>
+                  <a:srgbClr val="F15034"/>
+                </a:solidFill>
+                <a:latin typeface="Century Gothic" panose="020B0502020202020204" pitchFamily="34" charset="0"/>
+              </a:rPr>
+              <a:t>http://git-scm.com/</a:t>
+            </a:r>
+          </a:p>
+        </p:txBody>
+      </p:sp>
+    </p:spTree>
+    <p:extLst>
+      <p:ext uri="{BB962C8B-B14F-4D97-AF65-F5344CB8AC3E}">
+        <p14:creationId xmlns:p14="http://schemas.microsoft.com/office/powerpoint/2010/main" val="1166515026"/>
+      </p:ext>
+    </p:extLst>
+  </p:cSld>
+  <p:clrMapOvr>
+    <a:masterClrMapping/>
+  </p:clrMapOvr>
+  <p:timing>
+    <p:tnLst>
+      <p:par>
+        <p:cTn id="1" dur="indefinite" restart="never" nodeType="tmRoot"/>
       </p:par>
     </p:tnLst>
   </p:timing>
@@ -25739,7 +26362,25 @@
                 </a:solidFill>
                 <a:latin typeface="Century Gothic" panose="020B0502020202020204" pitchFamily="34" charset="0"/>
               </a:rPr>
-              <a:t> method(some people are still using it).</a:t>
+              <a:t> </a:t>
+            </a:r>
+            <a:r>
+              <a:rPr lang="en-US" sz="3200" smtClean="0">
+                <a:solidFill>
+                  <a:schemeClr val="bg1"/>
+                </a:solidFill>
+                <a:latin typeface="Century Gothic" panose="020B0502020202020204" pitchFamily="34" charset="0"/>
+              </a:rPr>
+              <a:t>method(I think some </a:t>
+            </a:r>
+            <a:r>
+              <a:rPr lang="en-US" sz="3200" dirty="0" smtClean="0">
+                <a:solidFill>
+                  <a:schemeClr val="bg1"/>
+                </a:solidFill>
+                <a:latin typeface="Century Gothic" panose="020B0502020202020204" pitchFamily="34" charset="0"/>
+              </a:rPr>
+              <a:t>people are still using it).</a:t>
             </a:r>
             <a:endParaRPr lang="ro-RO" sz="3200" dirty="0">
               <a:solidFill>
